--- a/src/1.1 - Planner.pptx
+++ b/src/1.1 - Planner.pptx
@@ -1684,7 +1684,7 @@
         <p:spPr>
           <a:xfrm>
             <a:off x="2319120" y="1343880"/>
-            <a:ext cx="1217880" cy="302760"/>
+            <a:ext cx="1216800" cy="302760"/>
           </a:xfrm>
           <a:prstGeom prst="rect">
             <a:avLst/>
@@ -1737,7 +1737,7 @@
         <p:spPr>
           <a:xfrm>
             <a:off x="266040" y="2276640"/>
-            <a:ext cx="4580640" cy="1581480"/>
+            <a:ext cx="4579560" cy="1581480"/>
           </a:xfrm>
           <a:prstGeom prst="rect">
             <a:avLst/>
@@ -1850,7 +1850,7 @@
         <p:spPr>
           <a:xfrm>
             <a:off x="266040" y="4389840"/>
-            <a:ext cx="4580640" cy="1581480"/>
+            <a:ext cx="4579560" cy="1581480"/>
           </a:xfrm>
           <a:prstGeom prst="rect">
             <a:avLst/>
@@ -1963,7 +1963,7 @@
         <p:spPr>
           <a:xfrm>
             <a:off x="5160600" y="2279160"/>
-            <a:ext cx="4580640" cy="1581480"/>
+            <a:ext cx="4579560" cy="1581480"/>
           </a:xfrm>
           <a:prstGeom prst="rect">
             <a:avLst/>
@@ -2076,7 +2076,7 @@
         <p:spPr>
           <a:xfrm>
             <a:off x="5160600" y="4389840"/>
-            <a:ext cx="4580640" cy="1581480"/>
+            <a:ext cx="4579560" cy="1581480"/>
           </a:xfrm>
           <a:prstGeom prst="rect">
             <a:avLst/>
@@ -2239,7 +2239,7 @@
         <p:spPr>
           <a:xfrm>
             <a:off x="632520" y="151560"/>
-            <a:ext cx="1217880" cy="1424160"/>
+            <a:ext cx="1216800" cy="1423080"/>
           </a:xfrm>
           <a:prstGeom prst="actionButtonBlank">
             <a:avLst/>
@@ -2273,7 +2273,7 @@
         <p:spPr>
           <a:xfrm>
             <a:off x="5301720" y="330840"/>
-            <a:ext cx="1496520" cy="134640"/>
+            <a:ext cx="1495440" cy="133560"/>
           </a:xfrm>
           <a:prstGeom prst="rect">
             <a:avLst/>
@@ -2340,14 +2340,14 @@
       </p:grpSpPr>
       <p:sp>
         <p:nvSpPr>
-          <p:cNvPr id="121" name="CustomShape 1"/>
+          <p:cNvPr id="127" name="CustomShape 1"/>
           <p:cNvSpPr/>
           <p:nvPr/>
         </p:nvSpPr>
         <p:spPr>
           <a:xfrm>
             <a:off x="2333160" y="1121400"/>
-            <a:ext cx="1217880" cy="302760"/>
+            <a:ext cx="1216800" cy="302760"/>
           </a:xfrm>
           <a:prstGeom prst="rect">
             <a:avLst/>
@@ -2393,14 +2393,14 @@
       </p:sp>
       <p:sp>
         <p:nvSpPr>
-          <p:cNvPr id="122" name="CustomShape 2"/>
+          <p:cNvPr id="128" name="CustomShape 2"/>
           <p:cNvSpPr/>
           <p:nvPr/>
         </p:nvSpPr>
         <p:spPr>
           <a:xfrm>
             <a:off x="2333160" y="1749240"/>
-            <a:ext cx="1217880" cy="302760"/>
+            <a:ext cx="1216800" cy="302760"/>
           </a:xfrm>
           <a:prstGeom prst="rect">
             <a:avLst/>
@@ -2446,14 +2446,14 @@
       </p:sp>
       <p:sp>
         <p:nvSpPr>
-          <p:cNvPr id="123" name="CustomShape 3"/>
+          <p:cNvPr id="129" name="CustomShape 3"/>
           <p:cNvSpPr/>
           <p:nvPr/>
         </p:nvSpPr>
         <p:spPr>
           <a:xfrm>
             <a:off x="632520" y="151560"/>
-            <a:ext cx="1217880" cy="1424160"/>
+            <a:ext cx="1216800" cy="1423080"/>
           </a:xfrm>
           <a:prstGeom prst="actionButtonBlank">
             <a:avLst/>
@@ -2478,6 +2478,144 @@
           <a:fontRef idx="minor"/>
         </p:style>
       </p:sp>
+      <p:pic>
+        <p:nvPicPr>
+          <p:cNvPr id="130" name="Gráfico 3" descr=""/>
+          <p:cNvPicPr/>
+          <p:nvPr/>
+        </p:nvPicPr>
+        <p:blipFill>
+          <a:blip r:embed="rId2"/>
+          <a:stretch/>
+        </p:blipFill>
+        <p:spPr>
+          <a:xfrm>
+            <a:off x="5760000" y="2144520"/>
+            <a:ext cx="394560" cy="375480"/>
+          </a:xfrm>
+          <a:prstGeom prst="rect">
+            <a:avLst/>
+          </a:prstGeom>
+          <a:ln>
+            <a:noFill/>
+          </a:ln>
+        </p:spPr>
+      </p:pic>
+      <p:pic>
+        <p:nvPicPr>
+          <p:cNvPr id="131" name="Gráfico 3" descr=""/>
+          <p:cNvPicPr/>
+          <p:nvPr/>
+        </p:nvPicPr>
+        <p:blipFill>
+          <a:blip r:embed="rId3"/>
+          <a:stretch/>
+        </p:blipFill>
+        <p:spPr>
+          <a:xfrm>
+            <a:off x="6984000" y="2808000"/>
+            <a:ext cx="394560" cy="375480"/>
+          </a:xfrm>
+          <a:prstGeom prst="rect">
+            <a:avLst/>
+          </a:prstGeom>
+          <a:ln>
+            <a:noFill/>
+          </a:ln>
+        </p:spPr>
+      </p:pic>
+      <p:pic>
+        <p:nvPicPr>
+          <p:cNvPr id="132" name="Gráfico 3" descr=""/>
+          <p:cNvPicPr/>
+          <p:nvPr/>
+        </p:nvPicPr>
+        <p:blipFill>
+          <a:blip r:embed="rId4"/>
+          <a:stretch/>
+        </p:blipFill>
+        <p:spPr>
+          <a:xfrm>
+            <a:off x="8101440" y="3512520"/>
+            <a:ext cx="394560" cy="375480"/>
+          </a:xfrm>
+          <a:prstGeom prst="rect">
+            <a:avLst/>
+          </a:prstGeom>
+          <a:ln>
+            <a:noFill/>
+          </a:ln>
+        </p:spPr>
+      </p:pic>
+      <p:pic>
+        <p:nvPicPr>
+          <p:cNvPr id="133" name="Gráfico 3" descr=""/>
+          <p:cNvPicPr/>
+          <p:nvPr/>
+        </p:nvPicPr>
+        <p:blipFill>
+          <a:blip r:embed="rId5"/>
+          <a:stretch/>
+        </p:blipFill>
+        <p:spPr>
+          <a:xfrm>
+            <a:off x="6805440" y="4160520"/>
+            <a:ext cx="394560" cy="375480"/>
+          </a:xfrm>
+          <a:prstGeom prst="rect">
+            <a:avLst/>
+          </a:prstGeom>
+          <a:ln>
+            <a:noFill/>
+          </a:ln>
+        </p:spPr>
+      </p:pic>
+      <p:pic>
+        <p:nvPicPr>
+          <p:cNvPr id="134" name="Gráfico 3" descr=""/>
+          <p:cNvPicPr/>
+          <p:nvPr/>
+        </p:nvPicPr>
+        <p:blipFill>
+          <a:blip r:embed="rId6"/>
+          <a:stretch/>
+        </p:blipFill>
+        <p:spPr>
+          <a:xfrm>
+            <a:off x="5904000" y="4808520"/>
+            <a:ext cx="394560" cy="375480"/>
+          </a:xfrm>
+          <a:prstGeom prst="rect">
+            <a:avLst/>
+          </a:prstGeom>
+          <a:ln>
+            <a:noFill/>
+          </a:ln>
+        </p:spPr>
+      </p:pic>
+      <p:pic>
+        <p:nvPicPr>
+          <p:cNvPr id="135" name="Gráfico 3" descr=""/>
+          <p:cNvPicPr/>
+          <p:nvPr/>
+        </p:nvPicPr>
+        <p:blipFill>
+          <a:blip r:embed="rId7"/>
+          <a:stretch/>
+        </p:blipFill>
+        <p:spPr>
+          <a:xfrm>
+            <a:off x="4248000" y="3312000"/>
+            <a:ext cx="394560" cy="375480"/>
+          </a:xfrm>
+          <a:prstGeom prst="rect">
+            <a:avLst/>
+          </a:prstGeom>
+          <a:ln>
+            <a:noFill/>
+          </a:ln>
+        </p:spPr>
+      </p:pic>
     </p:spTree>
   </p:cSld>
   <mc:AlternateContent>
@@ -2520,14 +2658,14 @@
       </p:grpSpPr>
       <p:sp>
         <p:nvSpPr>
-          <p:cNvPr id="124" name="CustomShape 1"/>
+          <p:cNvPr id="136" name="CustomShape 1"/>
           <p:cNvSpPr/>
           <p:nvPr/>
         </p:nvSpPr>
         <p:spPr>
           <a:xfrm>
             <a:off x="2138400" y="4716720"/>
-            <a:ext cx="1217880" cy="302760"/>
+            <a:ext cx="1216800" cy="302760"/>
           </a:xfrm>
           <a:prstGeom prst="rect">
             <a:avLst/>
@@ -2573,14 +2711,14 @@
       </p:sp>
       <p:sp>
         <p:nvSpPr>
-          <p:cNvPr id="125" name="CustomShape 2"/>
+          <p:cNvPr id="137" name="CustomShape 2"/>
           <p:cNvSpPr/>
           <p:nvPr/>
         </p:nvSpPr>
         <p:spPr>
           <a:xfrm>
             <a:off x="2138400" y="5106960"/>
-            <a:ext cx="1217880" cy="306360"/>
+            <a:ext cx="1216800" cy="305280"/>
           </a:xfrm>
           <a:prstGeom prst="rect">
             <a:avLst/>
@@ -2601,14 +2739,14 @@
       </p:sp>
       <p:sp>
         <p:nvSpPr>
-          <p:cNvPr id="126" name="CustomShape 3"/>
+          <p:cNvPr id="138" name="CustomShape 3"/>
           <p:cNvSpPr/>
           <p:nvPr/>
         </p:nvSpPr>
         <p:spPr>
           <a:xfrm>
             <a:off x="4836960" y="5565600"/>
-            <a:ext cx="495360" cy="302760"/>
+            <a:ext cx="494280" cy="302760"/>
           </a:xfrm>
           <a:prstGeom prst="rect">
             <a:avLst/>
@@ -2654,14 +2792,14 @@
       </p:sp>
       <p:sp>
         <p:nvSpPr>
-          <p:cNvPr id="127" name="CustomShape 4"/>
+          <p:cNvPr id="139" name="CustomShape 4"/>
           <p:cNvSpPr/>
           <p:nvPr/>
         </p:nvSpPr>
         <p:spPr>
           <a:xfrm>
             <a:off x="3357720" y="1441440"/>
-            <a:ext cx="1217880" cy="302760"/>
+            <a:ext cx="1216800" cy="302760"/>
           </a:xfrm>
           <a:prstGeom prst="rect">
             <a:avLst/>
@@ -2697,7 +2835,7 @@
                 <a:latin typeface="Roboto"/>
                 <a:ea typeface="Roboto"/>
               </a:rPr>
-              <a:t>/     /</a:t>
+              <a:t>15/06/24</a:t>
             </a:r>
             <a:endParaRPr b="0" lang="pt-BR" sz="1400" spc="-1" strike="noStrike">
               <a:latin typeface="Arial"/>
@@ -2707,7 +2845,7 @@
       </p:sp>
       <p:pic>
         <p:nvPicPr>
-          <p:cNvPr id="128" name="Gráfico 4" descr=""/>
+          <p:cNvPr id="140" name="Gráfico 4" descr=""/>
           <p:cNvPicPr/>
           <p:nvPr/>
         </p:nvPicPr>
@@ -2718,7 +2856,7 @@
         <p:spPr>
           <a:xfrm>
             <a:off x="8800200" y="3859560"/>
-            <a:ext cx="371160" cy="366480"/>
+            <a:ext cx="370080" cy="365400"/>
           </a:xfrm>
           <a:prstGeom prst="rect">
             <a:avLst/>
@@ -2730,7 +2868,7 @@
       </p:pic>
       <p:pic>
         <p:nvPicPr>
-          <p:cNvPr id="129" name="Gráfico 5" descr=""/>
+          <p:cNvPr id="141" name="Gráfico 5" descr=""/>
           <p:cNvPicPr/>
           <p:nvPr/>
         </p:nvPicPr>
@@ -2740,8 +2878,8 @@
         </p:blipFill>
         <p:spPr>
           <a:xfrm>
-            <a:off x="8805960" y="3864600"/>
-            <a:ext cx="371160" cy="366480"/>
+            <a:off x="493920" y="3821400"/>
+            <a:ext cx="370080" cy="365400"/>
           </a:xfrm>
           <a:prstGeom prst="rect">
             <a:avLst/>
@@ -2753,7 +2891,7 @@
       </p:pic>
       <p:pic>
         <p:nvPicPr>
-          <p:cNvPr id="130" name="Gráfico 6" descr=""/>
+          <p:cNvPr id="142" name="Gráfico 6" descr=""/>
           <p:cNvPicPr/>
           <p:nvPr/>
         </p:nvPicPr>
@@ -2763,8 +2901,8 @@
         </p:blipFill>
         <p:spPr>
           <a:xfrm>
-            <a:off x="8805960" y="3867120"/>
-            <a:ext cx="371160" cy="366480"/>
+            <a:off x="421920" y="3168000"/>
+            <a:ext cx="370080" cy="365400"/>
           </a:xfrm>
           <a:prstGeom prst="rect">
             <a:avLst/>
@@ -2776,7 +2914,7 @@
       </p:pic>
       <p:pic>
         <p:nvPicPr>
-          <p:cNvPr id="131" name="Gráfico 7" descr=""/>
+          <p:cNvPr id="143" name="Gráfico 7" descr=""/>
           <p:cNvPicPr/>
           <p:nvPr/>
         </p:nvPicPr>
@@ -2786,8 +2924,8 @@
         </p:blipFill>
         <p:spPr>
           <a:xfrm>
-            <a:off x="8805960" y="3869640"/>
-            <a:ext cx="371160" cy="366480"/>
+            <a:off x="432000" y="3456000"/>
+            <a:ext cx="370080" cy="365400"/>
           </a:xfrm>
           <a:prstGeom prst="rect">
             <a:avLst/>
@@ -2799,7 +2937,7 @@
       </p:pic>
       <p:pic>
         <p:nvPicPr>
-          <p:cNvPr id="132" name="Gráfico 8" descr=""/>
+          <p:cNvPr id="144" name="Gráfico 8" descr=""/>
           <p:cNvPicPr/>
           <p:nvPr/>
         </p:nvPicPr>
@@ -2809,8 +2947,8 @@
         </p:blipFill>
         <p:spPr>
           <a:xfrm>
-            <a:off x="8805960" y="3869640"/>
-            <a:ext cx="371160" cy="366480"/>
+            <a:off x="432000" y="2520000"/>
+            <a:ext cx="370080" cy="365400"/>
           </a:xfrm>
           <a:prstGeom prst="rect">
             <a:avLst/>
@@ -2862,14 +3000,14 @@
       </p:grpSpPr>
       <p:sp>
         <p:nvSpPr>
-          <p:cNvPr id="133" name="CustomShape 1"/>
+          <p:cNvPr id="145" name="CustomShape 1"/>
           <p:cNvSpPr/>
           <p:nvPr/>
         </p:nvSpPr>
         <p:spPr>
           <a:xfrm>
             <a:off x="2372760" y="1609200"/>
-            <a:ext cx="1217880" cy="302760"/>
+            <a:ext cx="1216800" cy="302760"/>
           </a:xfrm>
           <a:prstGeom prst="rect">
             <a:avLst/>
@@ -2915,14 +3053,14 @@
       </p:sp>
       <p:sp>
         <p:nvSpPr>
-          <p:cNvPr id="134" name="CustomShape 2"/>
+          <p:cNvPr id="146" name="CustomShape 2"/>
           <p:cNvSpPr/>
           <p:nvPr/>
         </p:nvSpPr>
         <p:spPr>
           <a:xfrm>
             <a:off x="2372760" y="2237040"/>
-            <a:ext cx="1217880" cy="302760"/>
+            <a:ext cx="1216800" cy="302760"/>
           </a:xfrm>
           <a:prstGeom prst="rect">
             <a:avLst/>
@@ -2968,7 +3106,7 @@
       </p:sp>
       <p:pic>
         <p:nvPicPr>
-          <p:cNvPr id="135" name="Gráfico 3" descr=""/>
+          <p:cNvPr id="147" name="Gráfico 3" descr=""/>
           <p:cNvPicPr/>
           <p:nvPr/>
         </p:nvPicPr>
@@ -2979,7 +3117,7 @@
         <p:spPr>
           <a:xfrm>
             <a:off x="2102400" y="5233320"/>
-            <a:ext cx="874800" cy="951120"/>
+            <a:ext cx="873720" cy="950040"/>
           </a:xfrm>
           <a:prstGeom prst="rect">
             <a:avLst/>
@@ -2991,7 +3129,7 @@
       </p:pic>
       <p:pic>
         <p:nvPicPr>
-          <p:cNvPr id="136" name="Gráfico 4" descr=""/>
+          <p:cNvPr id="148" name="Gráfico 4" descr=""/>
           <p:cNvPicPr/>
           <p:nvPr/>
         </p:nvPicPr>
@@ -3002,7 +3140,7 @@
         <p:spPr>
           <a:xfrm>
             <a:off x="2102400" y="5233320"/>
-            <a:ext cx="874800" cy="951120"/>
+            <a:ext cx="873720" cy="950040"/>
           </a:xfrm>
           <a:prstGeom prst="rect">
             <a:avLst/>
@@ -3014,7 +3152,7 @@
       </p:pic>
       <p:pic>
         <p:nvPicPr>
-          <p:cNvPr id="137" name="Gráfico 5" descr=""/>
+          <p:cNvPr id="149" name="Gráfico 5" descr=""/>
           <p:cNvPicPr/>
           <p:nvPr/>
         </p:nvPicPr>
@@ -3025,7 +3163,7 @@
         <p:spPr>
           <a:xfrm>
             <a:off x="2102400" y="5233320"/>
-            <a:ext cx="874800" cy="951120"/>
+            <a:ext cx="873720" cy="950040"/>
           </a:xfrm>
           <a:prstGeom prst="rect">
             <a:avLst/>
@@ -3037,7 +3175,7 @@
       </p:pic>
       <p:pic>
         <p:nvPicPr>
-          <p:cNvPr id="138" name="Gráfico 6" descr=""/>
+          <p:cNvPr id="150" name="Gráfico 6" descr=""/>
           <p:cNvPicPr/>
           <p:nvPr/>
         </p:nvPicPr>
@@ -3048,7 +3186,7 @@
         <p:spPr>
           <a:xfrm>
             <a:off x="2102400" y="5233320"/>
-            <a:ext cx="874800" cy="951120"/>
+            <a:ext cx="873720" cy="950040"/>
           </a:xfrm>
           <a:prstGeom prst="rect">
             <a:avLst/>
@@ -3060,7 +3198,7 @@
       </p:pic>
       <p:pic>
         <p:nvPicPr>
-          <p:cNvPr id="139" name="Gráfico 7" descr=""/>
+          <p:cNvPr id="151" name="Gráfico 7" descr=""/>
           <p:cNvPicPr/>
           <p:nvPr/>
         </p:nvPicPr>
@@ -3071,7 +3209,7 @@
         <p:spPr>
           <a:xfrm>
             <a:off x="2102400" y="5233320"/>
-            <a:ext cx="874800" cy="951120"/>
+            <a:ext cx="873720" cy="950040"/>
           </a:xfrm>
           <a:prstGeom prst="rect">
             <a:avLst/>
@@ -3083,7 +3221,7 @@
       </p:pic>
       <p:pic>
         <p:nvPicPr>
-          <p:cNvPr id="140" name="Gráfico 8" descr=""/>
+          <p:cNvPr id="152" name="Gráfico 8" descr=""/>
           <p:cNvPicPr/>
           <p:nvPr/>
         </p:nvPicPr>
@@ -3094,7 +3232,7 @@
         <p:spPr>
           <a:xfrm>
             <a:off x="2102400" y="5233320"/>
-            <a:ext cx="874800" cy="951120"/>
+            <a:ext cx="873720" cy="950040"/>
           </a:xfrm>
           <a:prstGeom prst="rect">
             <a:avLst/>
@@ -3106,7 +3244,7 @@
       </p:pic>
       <p:pic>
         <p:nvPicPr>
-          <p:cNvPr id="141" name="Gráfico 9" descr=""/>
+          <p:cNvPr id="153" name="Gráfico 9" descr=""/>
           <p:cNvPicPr/>
           <p:nvPr/>
         </p:nvPicPr>
@@ -3117,7 +3255,7 @@
         <p:spPr>
           <a:xfrm>
             <a:off x="2102400" y="5233320"/>
-            <a:ext cx="874800" cy="951120"/>
+            <a:ext cx="873720" cy="950040"/>
           </a:xfrm>
           <a:prstGeom prst="rect">
             <a:avLst/>
@@ -3129,7 +3267,7 @@
       </p:pic>
       <p:pic>
         <p:nvPicPr>
-          <p:cNvPr id="142" name="Gráfico 10" descr=""/>
+          <p:cNvPr id="154" name="Gráfico 10" descr=""/>
           <p:cNvPicPr/>
           <p:nvPr/>
         </p:nvPicPr>
@@ -3140,7 +3278,7 @@
         <p:spPr>
           <a:xfrm>
             <a:off x="2102400" y="5233320"/>
-            <a:ext cx="874800" cy="951120"/>
+            <a:ext cx="873720" cy="950040"/>
           </a:xfrm>
           <a:prstGeom prst="rect">
             <a:avLst/>
@@ -3152,7 +3290,7 @@
       </p:pic>
       <p:pic>
         <p:nvPicPr>
-          <p:cNvPr id="143" name="Gráfico 11" descr=""/>
+          <p:cNvPr id="155" name="Gráfico 11" descr=""/>
           <p:cNvPicPr/>
           <p:nvPr/>
         </p:nvPicPr>
@@ -3163,7 +3301,7 @@
         <p:spPr>
           <a:xfrm>
             <a:off x="2102400" y="5233320"/>
-            <a:ext cx="874800" cy="951120"/>
+            <a:ext cx="873720" cy="950040"/>
           </a:xfrm>
           <a:prstGeom prst="rect">
             <a:avLst/>
@@ -3175,14 +3313,14 @@
       </p:pic>
       <p:sp>
         <p:nvSpPr>
-          <p:cNvPr id="144" name="CustomShape 3"/>
+          <p:cNvPr id="156" name="CustomShape 3"/>
           <p:cNvSpPr/>
           <p:nvPr/>
         </p:nvSpPr>
         <p:spPr>
           <a:xfrm>
             <a:off x="632520" y="151560"/>
-            <a:ext cx="1217880" cy="1424160"/>
+            <a:ext cx="1216800" cy="1423080"/>
           </a:xfrm>
           <a:prstGeom prst="actionButtonBlank">
             <a:avLst/>
@@ -3249,14 +3387,14 @@
       </p:grpSpPr>
       <p:sp>
         <p:nvSpPr>
-          <p:cNvPr id="145" name="CustomShape 1"/>
+          <p:cNvPr id="157" name="CustomShape 1"/>
           <p:cNvSpPr/>
           <p:nvPr/>
         </p:nvSpPr>
         <p:spPr>
           <a:xfrm>
             <a:off x="1431720" y="3664440"/>
-            <a:ext cx="1217880" cy="333000"/>
+            <a:ext cx="1216800" cy="333000"/>
           </a:xfrm>
           <a:prstGeom prst="rect">
             <a:avLst/>
@@ -3302,14 +3440,14 @@
       </p:sp>
       <p:sp>
         <p:nvSpPr>
-          <p:cNvPr id="146" name="CustomShape 2"/>
+          <p:cNvPr id="158" name="CustomShape 2"/>
           <p:cNvSpPr/>
           <p:nvPr/>
         </p:nvSpPr>
         <p:spPr>
           <a:xfrm>
             <a:off x="3900960" y="3664440"/>
-            <a:ext cx="838080" cy="333000"/>
+            <a:ext cx="837000" cy="333000"/>
           </a:xfrm>
           <a:prstGeom prst="rect">
             <a:avLst/>
@@ -3355,14 +3493,14 @@
       </p:sp>
       <p:sp>
         <p:nvSpPr>
-          <p:cNvPr id="147" name="CustomShape 3"/>
+          <p:cNvPr id="159" name="CustomShape 3"/>
           <p:cNvSpPr/>
           <p:nvPr/>
         </p:nvSpPr>
         <p:spPr>
           <a:xfrm>
             <a:off x="1431720" y="4161960"/>
-            <a:ext cx="1217880" cy="333000"/>
+            <a:ext cx="1216800" cy="333000"/>
           </a:xfrm>
           <a:prstGeom prst="rect">
             <a:avLst/>
@@ -3408,14 +3546,14 @@
       </p:sp>
       <p:sp>
         <p:nvSpPr>
-          <p:cNvPr id="148" name="CustomShape 4"/>
+          <p:cNvPr id="160" name="CustomShape 4"/>
           <p:cNvSpPr/>
           <p:nvPr/>
         </p:nvSpPr>
         <p:spPr>
           <a:xfrm>
             <a:off x="3900960" y="4161960"/>
-            <a:ext cx="838080" cy="333000"/>
+            <a:ext cx="837000" cy="333000"/>
           </a:xfrm>
           <a:prstGeom prst="rect">
             <a:avLst/>
@@ -3461,14 +3599,14 @@
       </p:sp>
       <p:sp>
         <p:nvSpPr>
-          <p:cNvPr id="149" name="CustomShape 5"/>
+          <p:cNvPr id="161" name="CustomShape 5"/>
           <p:cNvSpPr/>
           <p:nvPr/>
         </p:nvSpPr>
         <p:spPr>
           <a:xfrm>
             <a:off x="1431720" y="4659840"/>
-            <a:ext cx="1217880" cy="333000"/>
+            <a:ext cx="1216800" cy="333000"/>
           </a:xfrm>
           <a:prstGeom prst="rect">
             <a:avLst/>
@@ -3514,14 +3652,14 @@
       </p:sp>
       <p:sp>
         <p:nvSpPr>
-          <p:cNvPr id="150" name="CustomShape 6"/>
+          <p:cNvPr id="162" name="CustomShape 6"/>
           <p:cNvSpPr/>
           <p:nvPr/>
         </p:nvSpPr>
         <p:spPr>
           <a:xfrm>
             <a:off x="3900960" y="4659840"/>
-            <a:ext cx="838080" cy="333000"/>
+            <a:ext cx="837000" cy="333000"/>
           </a:xfrm>
           <a:prstGeom prst="rect">
             <a:avLst/>
@@ -3567,14 +3705,14 @@
       </p:sp>
       <p:sp>
         <p:nvSpPr>
-          <p:cNvPr id="151" name="CustomShape 7"/>
+          <p:cNvPr id="163" name="CustomShape 7"/>
           <p:cNvSpPr/>
           <p:nvPr/>
         </p:nvSpPr>
         <p:spPr>
           <a:xfrm>
             <a:off x="1431720" y="5175000"/>
-            <a:ext cx="1217880" cy="333000"/>
+            <a:ext cx="1216800" cy="333000"/>
           </a:xfrm>
           <a:prstGeom prst="rect">
             <a:avLst/>
@@ -3620,14 +3758,14 @@
       </p:sp>
       <p:sp>
         <p:nvSpPr>
-          <p:cNvPr id="152" name="CustomShape 8"/>
+          <p:cNvPr id="164" name="CustomShape 8"/>
           <p:cNvSpPr/>
           <p:nvPr/>
         </p:nvSpPr>
         <p:spPr>
           <a:xfrm>
             <a:off x="3900960" y="5175000"/>
-            <a:ext cx="838080" cy="333000"/>
+            <a:ext cx="837000" cy="333000"/>
           </a:xfrm>
           <a:prstGeom prst="rect">
             <a:avLst/>
@@ -3673,14 +3811,14 @@
       </p:sp>
       <p:sp>
         <p:nvSpPr>
-          <p:cNvPr id="153" name="CustomShape 9"/>
+          <p:cNvPr id="165" name="CustomShape 9"/>
           <p:cNvSpPr/>
           <p:nvPr/>
         </p:nvSpPr>
         <p:spPr>
           <a:xfrm>
             <a:off x="1431720" y="5690160"/>
-            <a:ext cx="1217880" cy="333000"/>
+            <a:ext cx="1216800" cy="333000"/>
           </a:xfrm>
           <a:prstGeom prst="rect">
             <a:avLst/>
@@ -3726,14 +3864,14 @@
       </p:sp>
       <p:sp>
         <p:nvSpPr>
-          <p:cNvPr id="154" name="CustomShape 10"/>
+          <p:cNvPr id="166" name="CustomShape 10"/>
           <p:cNvSpPr/>
           <p:nvPr/>
         </p:nvSpPr>
         <p:spPr>
           <a:xfrm>
             <a:off x="3900960" y="5690160"/>
-            <a:ext cx="838080" cy="333000"/>
+            <a:ext cx="837000" cy="333000"/>
           </a:xfrm>
           <a:prstGeom prst="rect">
             <a:avLst/>
@@ -3779,14 +3917,14 @@
       </p:sp>
       <p:sp>
         <p:nvSpPr>
-          <p:cNvPr id="155" name="CustomShape 11"/>
+          <p:cNvPr id="167" name="CustomShape 11"/>
           <p:cNvSpPr/>
           <p:nvPr/>
         </p:nvSpPr>
         <p:spPr>
           <a:xfrm>
             <a:off x="3810600" y="1341720"/>
-            <a:ext cx="1217880" cy="302760"/>
+            <a:ext cx="1216800" cy="302760"/>
           </a:xfrm>
           <a:prstGeom prst="rect">
             <a:avLst/>
@@ -3872,14 +4010,14 @@
       </p:grpSpPr>
       <p:sp>
         <p:nvSpPr>
-          <p:cNvPr id="156" name="CustomShape 1"/>
+          <p:cNvPr id="168" name="CustomShape 1"/>
           <p:cNvSpPr/>
           <p:nvPr/>
         </p:nvSpPr>
         <p:spPr>
           <a:xfrm>
             <a:off x="2333160" y="1365120"/>
-            <a:ext cx="1217880" cy="302760"/>
+            <a:ext cx="1216800" cy="302760"/>
           </a:xfrm>
           <a:prstGeom prst="rect">
             <a:avLst/>
@@ -3925,14 +4063,14 @@
       </p:sp>
       <p:sp>
         <p:nvSpPr>
-          <p:cNvPr id="157" name="CustomShape 2"/>
+          <p:cNvPr id="169" name="CustomShape 2"/>
           <p:cNvSpPr/>
           <p:nvPr/>
         </p:nvSpPr>
         <p:spPr>
           <a:xfrm>
             <a:off x="2333160" y="1992960"/>
-            <a:ext cx="1217880" cy="302760"/>
+            <a:ext cx="1216800" cy="302760"/>
           </a:xfrm>
           <a:prstGeom prst="rect">
             <a:avLst/>
@@ -3978,14 +4116,14 @@
       </p:sp>
       <p:sp>
         <p:nvSpPr>
-          <p:cNvPr id="158" name="CustomShape 3"/>
+          <p:cNvPr id="170" name="CustomShape 3"/>
           <p:cNvSpPr/>
           <p:nvPr/>
         </p:nvSpPr>
         <p:spPr>
           <a:xfrm>
             <a:off x="6663960" y="2344680"/>
-            <a:ext cx="2866320" cy="2647080"/>
+            <a:ext cx="2865240" cy="2647080"/>
           </a:xfrm>
           <a:prstGeom prst="rect">
             <a:avLst/>
@@ -4141,7 +4279,7 @@
       </p:sp>
       <p:pic>
         <p:nvPicPr>
-          <p:cNvPr id="159" name="Gráfico 4" descr=""/>
+          <p:cNvPr id="171" name="Gráfico 4" descr=""/>
           <p:cNvPicPr/>
           <p:nvPr/>
         </p:nvPicPr>
@@ -4152,7 +4290,7 @@
         <p:spPr>
           <a:xfrm>
             <a:off x="1394280" y="2550960"/>
-            <a:ext cx="469440" cy="464040"/>
+            <a:ext cx="468360" cy="462960"/>
           </a:xfrm>
           <a:prstGeom prst="rect">
             <a:avLst/>
@@ -4164,7 +4302,7 @@
       </p:pic>
       <p:pic>
         <p:nvPicPr>
-          <p:cNvPr id="160" name="Gráfico 5" descr=""/>
+          <p:cNvPr id="172" name="Gráfico 5" descr=""/>
           <p:cNvPicPr/>
           <p:nvPr/>
         </p:nvPicPr>
@@ -4175,7 +4313,7 @@
         <p:spPr>
           <a:xfrm>
             <a:off x="1394280" y="2550960"/>
-            <a:ext cx="469440" cy="464040"/>
+            <a:ext cx="468360" cy="462960"/>
           </a:xfrm>
           <a:prstGeom prst="rect">
             <a:avLst/>
@@ -4187,7 +4325,7 @@
       </p:pic>
       <p:pic>
         <p:nvPicPr>
-          <p:cNvPr id="161" name="Gráfico 6" descr=""/>
+          <p:cNvPr id="173" name="Gráfico 6" descr=""/>
           <p:cNvPicPr/>
           <p:nvPr/>
         </p:nvPicPr>
@@ -4198,7 +4336,7 @@
         <p:spPr>
           <a:xfrm>
             <a:off x="1394280" y="2550960"/>
-            <a:ext cx="469440" cy="464040"/>
+            <a:ext cx="468360" cy="462960"/>
           </a:xfrm>
           <a:prstGeom prst="rect">
             <a:avLst/>
@@ -4210,7 +4348,7 @@
       </p:pic>
       <p:pic>
         <p:nvPicPr>
-          <p:cNvPr id="162" name="Gráfico 7" descr=""/>
+          <p:cNvPr id="174" name="Gráfico 7" descr=""/>
           <p:cNvPicPr/>
           <p:nvPr/>
         </p:nvPicPr>
@@ -4221,7 +4359,7 @@
         <p:spPr>
           <a:xfrm>
             <a:off x="1394280" y="2550960"/>
-            <a:ext cx="469440" cy="464040"/>
+            <a:ext cx="468360" cy="462960"/>
           </a:xfrm>
           <a:prstGeom prst="rect">
             <a:avLst/>
@@ -4233,7 +4371,7 @@
       </p:pic>
       <p:pic>
         <p:nvPicPr>
-          <p:cNvPr id="163" name="Gráfico 8" descr=""/>
+          <p:cNvPr id="175" name="Gráfico 8" descr=""/>
           <p:cNvPicPr/>
           <p:nvPr/>
         </p:nvPicPr>
@@ -4244,7 +4382,7 @@
         <p:spPr>
           <a:xfrm>
             <a:off x="1394280" y="2550960"/>
-            <a:ext cx="469440" cy="464040"/>
+            <a:ext cx="468360" cy="462960"/>
           </a:xfrm>
           <a:prstGeom prst="rect">
             <a:avLst/>
@@ -4256,7 +4394,7 @@
       </p:pic>
       <p:pic>
         <p:nvPicPr>
-          <p:cNvPr id="164" name="Gráfico 9" descr=""/>
+          <p:cNvPr id="176" name="Gráfico 9" descr=""/>
           <p:cNvPicPr/>
           <p:nvPr/>
         </p:nvPicPr>
@@ -4267,7 +4405,7 @@
         <p:spPr>
           <a:xfrm>
             <a:off x="1394280" y="2550960"/>
-            <a:ext cx="469440" cy="464040"/>
+            <a:ext cx="468360" cy="462960"/>
           </a:xfrm>
           <a:prstGeom prst="rect">
             <a:avLst/>
@@ -4279,7 +4417,7 @@
       </p:pic>
       <p:pic>
         <p:nvPicPr>
-          <p:cNvPr id="165" name="Gráfico 10" descr=""/>
+          <p:cNvPr id="177" name="Gráfico 10" descr=""/>
           <p:cNvPicPr/>
           <p:nvPr/>
         </p:nvPicPr>
@@ -4290,7 +4428,7 @@
         <p:spPr>
           <a:xfrm>
             <a:off x="1394280" y="2550960"/>
-            <a:ext cx="469440" cy="464040"/>
+            <a:ext cx="468360" cy="462960"/>
           </a:xfrm>
           <a:prstGeom prst="rect">
             <a:avLst/>
@@ -4302,14 +4440,14 @@
       </p:pic>
       <p:sp>
         <p:nvSpPr>
-          <p:cNvPr id="166" name="CustomShape 4"/>
+          <p:cNvPr id="178" name="CustomShape 4"/>
           <p:cNvSpPr/>
           <p:nvPr/>
         </p:nvSpPr>
         <p:spPr>
           <a:xfrm>
             <a:off x="632520" y="151560"/>
-            <a:ext cx="1217880" cy="1424160"/>
+            <a:ext cx="1216800" cy="1423080"/>
           </a:xfrm>
           <a:prstGeom prst="actionButtonBlank">
             <a:avLst/>
@@ -4376,14 +4514,14 @@
       </p:grpSpPr>
       <p:sp>
         <p:nvSpPr>
-          <p:cNvPr id="167" name="CustomShape 1"/>
+          <p:cNvPr id="179" name="CustomShape 1"/>
           <p:cNvSpPr/>
           <p:nvPr/>
         </p:nvSpPr>
         <p:spPr>
           <a:xfrm>
             <a:off x="2333160" y="1212480"/>
-            <a:ext cx="1217880" cy="302760"/>
+            <a:ext cx="1216800" cy="302760"/>
           </a:xfrm>
           <a:prstGeom prst="rect">
             <a:avLst/>
@@ -4429,14 +4567,14 @@
       </p:sp>
       <p:sp>
         <p:nvSpPr>
-          <p:cNvPr id="168" name="CustomShape 2"/>
+          <p:cNvPr id="180" name="CustomShape 2"/>
           <p:cNvSpPr/>
           <p:nvPr/>
         </p:nvSpPr>
         <p:spPr>
           <a:xfrm>
             <a:off x="395280" y="3306600"/>
-            <a:ext cx="9113760" cy="3009960"/>
+            <a:ext cx="9112680" cy="3009960"/>
           </a:xfrm>
           <a:prstGeom prst="rect">
             <a:avLst/>
@@ -4592,14 +4730,14 @@
       </p:sp>
       <p:sp>
         <p:nvSpPr>
-          <p:cNvPr id="169" name="CustomShape 3"/>
+          <p:cNvPr id="181" name="CustomShape 3"/>
           <p:cNvSpPr/>
           <p:nvPr/>
         </p:nvSpPr>
         <p:spPr>
           <a:xfrm>
             <a:off x="7448400" y="677880"/>
-            <a:ext cx="577800" cy="729000"/>
+            <a:ext cx="576720" cy="729000"/>
           </a:xfrm>
           <a:prstGeom prst="rect">
             <a:avLst/>
@@ -4645,14 +4783,14 @@
       </p:sp>
       <p:sp>
         <p:nvSpPr>
-          <p:cNvPr id="170" name="CustomShape 4"/>
+          <p:cNvPr id="182" name="CustomShape 4"/>
           <p:cNvSpPr/>
           <p:nvPr/>
         </p:nvSpPr>
         <p:spPr>
           <a:xfrm>
             <a:off x="632520" y="151560"/>
-            <a:ext cx="1217880" cy="1424160"/>
+            <a:ext cx="1216800" cy="1423080"/>
           </a:xfrm>
           <a:prstGeom prst="actionButtonBlank">
             <a:avLst/>
@@ -4719,14 +4857,14 @@
       </p:grpSpPr>
       <p:sp>
         <p:nvSpPr>
-          <p:cNvPr id="171" name="CustomShape 1"/>
+          <p:cNvPr id="183" name="CustomShape 1"/>
           <p:cNvSpPr/>
           <p:nvPr/>
         </p:nvSpPr>
         <p:spPr>
           <a:xfrm>
             <a:off x="1262880" y="3398040"/>
-            <a:ext cx="1217880" cy="333000"/>
+            <a:ext cx="1216800" cy="333000"/>
           </a:xfrm>
           <a:prstGeom prst="rect">
             <a:avLst/>
@@ -4772,14 +4910,14 @@
       </p:sp>
       <p:sp>
         <p:nvSpPr>
-          <p:cNvPr id="172" name="CustomShape 2"/>
+          <p:cNvPr id="184" name="CustomShape 2"/>
           <p:cNvSpPr/>
           <p:nvPr/>
         </p:nvSpPr>
         <p:spPr>
           <a:xfrm>
             <a:off x="1137600" y="3769560"/>
-            <a:ext cx="938520" cy="333000"/>
+            <a:ext cx="937440" cy="333000"/>
           </a:xfrm>
           <a:prstGeom prst="rect">
             <a:avLst/>
@@ -4825,14 +4963,14 @@
       </p:sp>
       <p:sp>
         <p:nvSpPr>
-          <p:cNvPr id="173" name="CustomShape 3"/>
+          <p:cNvPr id="185" name="CustomShape 3"/>
           <p:cNvSpPr/>
           <p:nvPr/>
         </p:nvSpPr>
         <p:spPr>
           <a:xfrm>
             <a:off x="2449080" y="1236960"/>
-            <a:ext cx="938520" cy="336960"/>
+            <a:ext cx="937440" cy="335880"/>
           </a:xfrm>
           <a:prstGeom prst="rect">
             <a:avLst/>
@@ -4853,14 +4991,14 @@
       </p:sp>
       <p:sp>
         <p:nvSpPr>
-          <p:cNvPr id="174" name="CustomShape 4"/>
+          <p:cNvPr id="186" name="CustomShape 4"/>
           <p:cNvSpPr/>
           <p:nvPr/>
         </p:nvSpPr>
         <p:spPr>
           <a:xfrm>
             <a:off x="2238120" y="1710360"/>
-            <a:ext cx="938520" cy="336960"/>
+            <a:ext cx="937440" cy="335880"/>
           </a:xfrm>
           <a:prstGeom prst="rect">
             <a:avLst/>
@@ -4881,14 +5019,14 @@
       </p:sp>
       <p:sp>
         <p:nvSpPr>
-          <p:cNvPr id="175" name="CustomShape 5"/>
+          <p:cNvPr id="187" name="CustomShape 5"/>
           <p:cNvSpPr/>
           <p:nvPr/>
         </p:nvSpPr>
         <p:spPr>
           <a:xfrm>
             <a:off x="2449080" y="2202120"/>
-            <a:ext cx="938520" cy="336960"/>
+            <a:ext cx="937440" cy="335880"/>
           </a:xfrm>
           <a:prstGeom prst="rect">
             <a:avLst/>
@@ -4909,7 +5047,7 @@
       </p:sp>
       <p:pic>
         <p:nvPicPr>
-          <p:cNvPr id="176" name="Gráfico 6" descr=""/>
+          <p:cNvPr id="188" name="Gráfico 6" descr=""/>
           <p:cNvPicPr/>
           <p:nvPr/>
         </p:nvPicPr>
@@ -4920,7 +5058,7 @@
         <p:spPr>
           <a:xfrm>
             <a:off x="6446880" y="5141160"/>
-            <a:ext cx="602640" cy="655200"/>
+            <a:ext cx="601560" cy="654120"/>
           </a:xfrm>
           <a:prstGeom prst="rect">
             <a:avLst/>
@@ -4972,14 +5110,14 @@
       </p:grpSpPr>
       <p:sp>
         <p:nvSpPr>
-          <p:cNvPr id="177" name="CustomShape 1"/>
+          <p:cNvPr id="189" name="CustomShape 1"/>
           <p:cNvSpPr/>
           <p:nvPr/>
         </p:nvSpPr>
         <p:spPr>
           <a:xfrm>
             <a:off x="5226120" y="2250360"/>
-            <a:ext cx="4277160" cy="306360"/>
+            <a:ext cx="4276080" cy="305280"/>
           </a:xfrm>
           <a:prstGeom prst="rect">
             <a:avLst/>
@@ -5000,14 +5138,14 @@
       </p:sp>
       <p:sp>
         <p:nvSpPr>
-          <p:cNvPr id="178" name="CustomShape 2"/>
+          <p:cNvPr id="190" name="CustomShape 2"/>
           <p:cNvSpPr/>
           <p:nvPr/>
         </p:nvSpPr>
         <p:spPr>
           <a:xfrm>
             <a:off x="6542640" y="2935080"/>
-            <a:ext cx="2960640" cy="306360"/>
+            <a:ext cx="2959560" cy="305280"/>
           </a:xfrm>
           <a:prstGeom prst="rect">
             <a:avLst/>
@@ -5028,14 +5166,14 @@
       </p:sp>
       <p:sp>
         <p:nvSpPr>
-          <p:cNvPr id="179" name="CustomShape 3"/>
+          <p:cNvPr id="191" name="CustomShape 3"/>
           <p:cNvSpPr/>
           <p:nvPr/>
         </p:nvSpPr>
         <p:spPr>
           <a:xfrm>
             <a:off x="5226120" y="3465720"/>
-            <a:ext cx="4277160" cy="306360"/>
+            <a:ext cx="4276080" cy="305280"/>
           </a:xfrm>
           <a:prstGeom prst="rect">
             <a:avLst/>
@@ -5056,14 +5194,14 @@
       </p:sp>
       <p:sp>
         <p:nvSpPr>
-          <p:cNvPr id="180" name="CustomShape 4"/>
+          <p:cNvPr id="192" name="CustomShape 4"/>
           <p:cNvSpPr/>
           <p:nvPr/>
         </p:nvSpPr>
         <p:spPr>
           <a:xfrm>
             <a:off x="5211000" y="4381920"/>
-            <a:ext cx="4277160" cy="2558520"/>
+            <a:ext cx="4276080" cy="2558520"/>
           </a:xfrm>
           <a:prstGeom prst="rect">
             <a:avLst/>
@@ -5179,14 +5317,14 @@
       </p:sp>
       <p:sp>
         <p:nvSpPr>
-          <p:cNvPr id="181" name="CustomShape 5"/>
+          <p:cNvPr id="193" name="CustomShape 5"/>
           <p:cNvSpPr/>
           <p:nvPr/>
         </p:nvSpPr>
         <p:spPr>
           <a:xfrm>
             <a:off x="9058320" y="669600"/>
-            <a:ext cx="635040" cy="302760"/>
+            <a:ext cx="633960" cy="302760"/>
           </a:xfrm>
           <a:prstGeom prst="rect">
             <a:avLst/>
@@ -5232,14 +5370,14 @@
       </p:sp>
       <p:sp>
         <p:nvSpPr>
-          <p:cNvPr id="182" name="CustomShape 6"/>
+          <p:cNvPr id="194" name="CustomShape 6"/>
           <p:cNvSpPr/>
           <p:nvPr/>
         </p:nvSpPr>
         <p:spPr>
           <a:xfrm>
             <a:off x="7286400" y="669600"/>
-            <a:ext cx="932400" cy="302760"/>
+            <a:ext cx="931320" cy="302760"/>
           </a:xfrm>
           <a:prstGeom prst="rect">
             <a:avLst/>
@@ -5285,14 +5423,14 @@
       </p:sp>
       <p:sp>
         <p:nvSpPr>
-          <p:cNvPr id="183" name="CustomShape 7"/>
+          <p:cNvPr id="195" name="CustomShape 7"/>
           <p:cNvSpPr/>
           <p:nvPr/>
         </p:nvSpPr>
         <p:spPr>
           <a:xfrm>
             <a:off x="8629560" y="3825720"/>
-            <a:ext cx="874080" cy="306360"/>
+            <a:ext cx="873000" cy="305280"/>
           </a:xfrm>
           <a:prstGeom prst="rect">
             <a:avLst/>
@@ -5313,14 +5451,14 @@
       </p:sp>
       <p:sp>
         <p:nvSpPr>
-          <p:cNvPr id="184" name="CustomShape 8"/>
+          <p:cNvPr id="196" name="CustomShape 8"/>
           <p:cNvSpPr/>
           <p:nvPr/>
         </p:nvSpPr>
         <p:spPr>
           <a:xfrm>
             <a:off x="632520" y="151560"/>
-            <a:ext cx="1217880" cy="1424160"/>
+            <a:ext cx="1216800" cy="1423080"/>
           </a:xfrm>
           <a:prstGeom prst="actionButtonBlank">
             <a:avLst/>
@@ -5387,14 +5525,14 @@
       </p:grpSpPr>
       <p:sp>
         <p:nvSpPr>
-          <p:cNvPr id="185" name="CustomShape 1"/>
+          <p:cNvPr id="197" name="CustomShape 1"/>
           <p:cNvSpPr/>
           <p:nvPr/>
         </p:nvSpPr>
         <p:spPr>
           <a:xfrm>
             <a:off x="918000" y="1666800"/>
-            <a:ext cx="6240240" cy="912600"/>
+            <a:ext cx="6239160" cy="912600"/>
           </a:xfrm>
           <a:prstGeom prst="rect">
             <a:avLst/>
@@ -5450,7 +5588,7 @@
       </p:sp>
       <p:pic>
         <p:nvPicPr>
-          <p:cNvPr id="186" name="Gráfico 2" descr=""/>
+          <p:cNvPr id="198" name="Gráfico 2" descr=""/>
           <p:cNvPicPr/>
           <p:nvPr/>
         </p:nvPicPr>
@@ -5461,7 +5599,7 @@
         <p:spPr>
           <a:xfrm>
             <a:off x="3167280" y="6031800"/>
-            <a:ext cx="395640" cy="376560"/>
+            <a:ext cx="394560" cy="375480"/>
           </a:xfrm>
           <a:prstGeom prst="rect">
             <a:avLst/>
@@ -5473,7 +5611,7 @@
       </p:pic>
       <p:pic>
         <p:nvPicPr>
-          <p:cNvPr id="187" name="Gráfico 3" descr=""/>
+          <p:cNvPr id="199" name="Gráfico 3" descr=""/>
           <p:cNvPicPr/>
           <p:nvPr/>
         </p:nvPicPr>
@@ -5484,7 +5622,7 @@
         <p:spPr>
           <a:xfrm>
             <a:off x="3167280" y="6031800"/>
-            <a:ext cx="395640" cy="376560"/>
+            <a:ext cx="394560" cy="375480"/>
           </a:xfrm>
           <a:prstGeom prst="rect">
             <a:avLst/>
@@ -5496,7 +5634,7 @@
       </p:pic>
       <p:pic>
         <p:nvPicPr>
-          <p:cNvPr id="188" name="Gráfico 4" descr=""/>
+          <p:cNvPr id="200" name="Gráfico 4" descr=""/>
           <p:cNvPicPr/>
           <p:nvPr/>
         </p:nvPicPr>
@@ -5507,7 +5645,7 @@
         <p:spPr>
           <a:xfrm>
             <a:off x="3167280" y="6031800"/>
-            <a:ext cx="395640" cy="376560"/>
+            <a:ext cx="394560" cy="375480"/>
           </a:xfrm>
           <a:prstGeom prst="rect">
             <a:avLst/>
@@ -5519,7 +5657,7 @@
       </p:pic>
       <p:pic>
         <p:nvPicPr>
-          <p:cNvPr id="189" name="Gráfico 5" descr=""/>
+          <p:cNvPr id="201" name="Gráfico 5" descr=""/>
           <p:cNvPicPr/>
           <p:nvPr/>
         </p:nvPicPr>
@@ -5530,7 +5668,7 @@
         <p:spPr>
           <a:xfrm>
             <a:off x="3167280" y="6031800"/>
-            <a:ext cx="395640" cy="376560"/>
+            <a:ext cx="394560" cy="375480"/>
           </a:xfrm>
           <a:prstGeom prst="rect">
             <a:avLst/>
@@ -5542,7 +5680,7 @@
       </p:pic>
       <p:pic>
         <p:nvPicPr>
-          <p:cNvPr id="190" name="Gráfico 6" descr=""/>
+          <p:cNvPr id="202" name="Gráfico 6" descr=""/>
           <p:cNvPicPr/>
           <p:nvPr/>
         </p:nvPicPr>
@@ -5553,7 +5691,7 @@
         <p:spPr>
           <a:xfrm>
             <a:off x="3167280" y="6031800"/>
-            <a:ext cx="395640" cy="376560"/>
+            <a:ext cx="394560" cy="375480"/>
           </a:xfrm>
           <a:prstGeom prst="rect">
             <a:avLst/>
@@ -5565,7 +5703,7 @@
       </p:pic>
       <p:pic>
         <p:nvPicPr>
-          <p:cNvPr id="191" name="Gráfico 7" descr=""/>
+          <p:cNvPr id="203" name="Gráfico 7" descr=""/>
           <p:cNvPicPr/>
           <p:nvPr/>
         </p:nvPicPr>
@@ -5576,7 +5714,7 @@
         <p:spPr>
           <a:xfrm>
             <a:off x="3167280" y="6031800"/>
-            <a:ext cx="395640" cy="376560"/>
+            <a:ext cx="394560" cy="375480"/>
           </a:xfrm>
           <a:prstGeom prst="rect">
             <a:avLst/>
@@ -5588,7 +5726,7 @@
       </p:pic>
       <p:pic>
         <p:nvPicPr>
-          <p:cNvPr id="192" name="Gráfico 8" descr=""/>
+          <p:cNvPr id="204" name="Gráfico 8" descr=""/>
           <p:cNvPicPr/>
           <p:nvPr/>
         </p:nvPicPr>
@@ -5599,7 +5737,7 @@
         <p:spPr>
           <a:xfrm>
             <a:off x="3167280" y="6031800"/>
-            <a:ext cx="395640" cy="376560"/>
+            <a:ext cx="394560" cy="375480"/>
           </a:xfrm>
           <a:prstGeom prst="rect">
             <a:avLst/>
@@ -5611,7 +5749,7 @@
       </p:pic>
       <p:pic>
         <p:nvPicPr>
-          <p:cNvPr id="193" name="Gráfico 9" descr=""/>
+          <p:cNvPr id="205" name="Gráfico 9" descr=""/>
           <p:cNvPicPr/>
           <p:nvPr/>
         </p:nvPicPr>
@@ -5622,7 +5760,7 @@
         <p:spPr>
           <a:xfrm>
             <a:off x="3167280" y="6031800"/>
-            <a:ext cx="395640" cy="376560"/>
+            <a:ext cx="394560" cy="375480"/>
           </a:xfrm>
           <a:prstGeom prst="rect">
             <a:avLst/>
@@ -5634,7 +5772,7 @@
       </p:pic>
       <p:pic>
         <p:nvPicPr>
-          <p:cNvPr id="194" name="Gráfico 10" descr=""/>
+          <p:cNvPr id="206" name="Gráfico 10" descr=""/>
           <p:cNvPicPr/>
           <p:nvPr/>
         </p:nvPicPr>
@@ -5645,7 +5783,7 @@
         <p:spPr>
           <a:xfrm>
             <a:off x="3167280" y="6031800"/>
-            <a:ext cx="395640" cy="376560"/>
+            <a:ext cx="394560" cy="375480"/>
           </a:xfrm>
           <a:prstGeom prst="rect">
             <a:avLst/>
@@ -5657,7 +5795,7 @@
       </p:pic>
       <p:pic>
         <p:nvPicPr>
-          <p:cNvPr id="195" name="Gráfico 11" descr=""/>
+          <p:cNvPr id="207" name="Gráfico 11" descr=""/>
           <p:cNvPicPr/>
           <p:nvPr/>
         </p:nvPicPr>
@@ -5668,7 +5806,7 @@
         <p:spPr>
           <a:xfrm>
             <a:off x="3167280" y="6031800"/>
-            <a:ext cx="395640" cy="376560"/>
+            <a:ext cx="394560" cy="375480"/>
           </a:xfrm>
           <a:prstGeom prst="rect">
             <a:avLst/>
@@ -5800,14 +5938,14 @@
       </p:grpSpPr>
       <p:sp>
         <p:nvSpPr>
-          <p:cNvPr id="196" name="CustomShape 1"/>
+          <p:cNvPr id="208" name="CustomShape 1"/>
           <p:cNvSpPr/>
           <p:nvPr/>
         </p:nvSpPr>
         <p:spPr>
           <a:xfrm>
             <a:off x="561960" y="4649040"/>
-            <a:ext cx="5379480" cy="1581480"/>
+            <a:ext cx="5378400" cy="1581480"/>
           </a:xfrm>
           <a:prstGeom prst="rect">
             <a:avLst/>
@@ -5913,14 +6051,14 @@
       </p:sp>
       <p:sp>
         <p:nvSpPr>
-          <p:cNvPr id="197" name="CustomShape 2"/>
+          <p:cNvPr id="209" name="CustomShape 2"/>
           <p:cNvSpPr/>
           <p:nvPr/>
         </p:nvSpPr>
         <p:spPr>
           <a:xfrm>
             <a:off x="2204640" y="1626480"/>
-            <a:ext cx="1217880" cy="302760"/>
+            <a:ext cx="1216800" cy="302760"/>
           </a:xfrm>
           <a:prstGeom prst="rect">
             <a:avLst/>
@@ -5966,7 +6104,7 @@
       </p:sp>
       <p:pic>
         <p:nvPicPr>
-          <p:cNvPr id="198" name="Gráfico 2" descr=""/>
+          <p:cNvPr id="210" name="Gráfico 2" descr=""/>
           <p:cNvPicPr/>
           <p:nvPr/>
         </p:nvPicPr>
@@ -5977,7 +6115,7 @@
         <p:spPr>
           <a:xfrm>
             <a:off x="5280120" y="2794320"/>
-            <a:ext cx="395640" cy="376560"/>
+            <a:ext cx="394560" cy="375480"/>
           </a:xfrm>
           <a:prstGeom prst="rect">
             <a:avLst/>
@@ -5989,7 +6127,7 @@
       </p:pic>
       <p:pic>
         <p:nvPicPr>
-          <p:cNvPr id="199" name="Gráfico 3" descr=""/>
+          <p:cNvPr id="211" name="Gráfico 3" descr=""/>
           <p:cNvPicPr/>
           <p:nvPr/>
         </p:nvPicPr>
@@ -6000,7 +6138,7 @@
         <p:spPr>
           <a:xfrm>
             <a:off x="5280120" y="2794320"/>
-            <a:ext cx="395640" cy="376560"/>
+            <a:ext cx="394560" cy="375480"/>
           </a:xfrm>
           <a:prstGeom prst="rect">
             <a:avLst/>
@@ -6012,14 +6150,14 @@
       </p:pic>
       <p:sp>
         <p:nvSpPr>
-          <p:cNvPr id="200" name="CustomShape 3"/>
+          <p:cNvPr id="212" name="CustomShape 3"/>
           <p:cNvSpPr/>
           <p:nvPr/>
         </p:nvSpPr>
         <p:spPr>
           <a:xfrm>
             <a:off x="632520" y="151560"/>
-            <a:ext cx="1217880" cy="1424160"/>
+            <a:ext cx="1216800" cy="1423080"/>
           </a:xfrm>
           <a:prstGeom prst="actionButtonBlank">
             <a:avLst/>
@@ -6133,7 +6271,7 @@
         <p:spPr>
           <a:xfrm>
             <a:off x="689040" y="3983400"/>
-            <a:ext cx="1041120" cy="1041120"/>
+            <a:ext cx="1040040" cy="1040040"/>
           </a:xfrm>
           <a:prstGeom prst="actionButtonBlank">
             <a:avLst/>
@@ -6167,7 +6305,7 @@
         <p:spPr>
           <a:xfrm>
             <a:off x="2564280" y="1349640"/>
-            <a:ext cx="1041120" cy="1041120"/>
+            <a:ext cx="1040040" cy="1040040"/>
           </a:xfrm>
           <a:prstGeom prst="actionButtonBlank">
             <a:avLst/>
@@ -6201,7 +6339,7 @@
         <p:spPr>
           <a:xfrm>
             <a:off x="689040" y="2822400"/>
-            <a:ext cx="1041120" cy="1041120"/>
+            <a:ext cx="1040040" cy="1040040"/>
           </a:xfrm>
           <a:prstGeom prst="actionButtonBlank">
             <a:avLst/>
@@ -6235,7 +6373,7 @@
         <p:spPr>
           <a:xfrm>
             <a:off x="1396800" y="1721520"/>
-            <a:ext cx="1041120" cy="1041120"/>
+            <a:ext cx="1040040" cy="1040040"/>
           </a:xfrm>
           <a:prstGeom prst="actionButtonBlank">
             <a:avLst/>
@@ -6269,7 +6407,7 @@
         <p:spPr>
           <a:xfrm>
             <a:off x="3679200" y="1721520"/>
-            <a:ext cx="1041120" cy="1041120"/>
+            <a:ext cx="1040040" cy="1040040"/>
           </a:xfrm>
           <a:prstGeom prst="actionButtonBlank">
             <a:avLst/>
@@ -6303,7 +6441,7 @@
         <p:spPr>
           <a:xfrm>
             <a:off x="4431960" y="2791440"/>
-            <a:ext cx="1041120" cy="1041120"/>
+            <a:ext cx="1040040" cy="1040040"/>
           </a:xfrm>
           <a:prstGeom prst="actionButtonBlank">
             <a:avLst/>
@@ -6337,7 +6475,7 @@
         <p:spPr>
           <a:xfrm>
             <a:off x="4431960" y="3983400"/>
-            <a:ext cx="1041120" cy="1041120"/>
+            <a:ext cx="1040040" cy="1040040"/>
           </a:xfrm>
           <a:prstGeom prst="actionButtonBlank">
             <a:avLst/>
@@ -6371,7 +6509,7 @@
         <p:spPr>
           <a:xfrm>
             <a:off x="5607720" y="5348520"/>
-            <a:ext cx="1041120" cy="1041120"/>
+            <a:ext cx="1040040" cy="1040040"/>
           </a:xfrm>
           <a:prstGeom prst="actionButtonBlank">
             <a:avLst/>
@@ -6405,7 +6543,7 @@
         <p:spPr>
           <a:xfrm>
             <a:off x="7511040" y="5014080"/>
-            <a:ext cx="1041120" cy="1041120"/>
+            <a:ext cx="1040040" cy="1040040"/>
           </a:xfrm>
           <a:prstGeom prst="actionButtonBlank">
             <a:avLst/>
@@ -6439,7 +6577,7 @@
         <p:spPr>
           <a:xfrm>
             <a:off x="8174520" y="3944520"/>
-            <a:ext cx="1041120" cy="1041120"/>
+            <a:ext cx="1040040" cy="1040040"/>
           </a:xfrm>
           <a:prstGeom prst="actionButtonBlank">
             <a:avLst/>
@@ -6553,7 +6691,7 @@
         <p:spPr>
           <a:xfrm>
             <a:off x="595080" y="3646440"/>
-            <a:ext cx="2503800" cy="729000"/>
+            <a:ext cx="2502720" cy="729000"/>
           </a:xfrm>
           <a:prstGeom prst="rect">
             <a:avLst/>
@@ -6646,7 +6784,7 @@
         <p:spPr>
           <a:xfrm>
             <a:off x="624600" y="248040"/>
-            <a:ext cx="1217880" cy="1424160"/>
+            <a:ext cx="1216800" cy="1423080"/>
           </a:xfrm>
           <a:prstGeom prst="actionButtonBlank">
             <a:avLst/>
@@ -6680,7 +6818,7 @@
         <p:spPr>
           <a:xfrm>
             <a:off x="2333160" y="1108800"/>
-            <a:ext cx="1217880" cy="302760"/>
+            <a:ext cx="1216800" cy="302760"/>
           </a:xfrm>
           <a:prstGeom prst="rect">
             <a:avLst/>
@@ -6733,7 +6871,7 @@
         <p:spPr>
           <a:xfrm>
             <a:off x="2333160" y="1736640"/>
-            <a:ext cx="1217880" cy="302760"/>
+            <a:ext cx="1216800" cy="302760"/>
           </a:xfrm>
           <a:prstGeom prst="rect">
             <a:avLst/>
@@ -6786,7 +6924,7 @@
         <p:spPr>
           <a:xfrm>
             <a:off x="518760" y="5123160"/>
-            <a:ext cx="3231720" cy="1155240"/>
+            <a:ext cx="3230640" cy="1155240"/>
           </a:xfrm>
           <a:prstGeom prst="rect">
             <a:avLst/>
@@ -6899,7 +7037,7 @@
         <p:spPr>
           <a:xfrm>
             <a:off x="3611880" y="3591000"/>
-            <a:ext cx="2503800" cy="729000"/>
+            <a:ext cx="2502720" cy="729000"/>
           </a:xfrm>
           <a:prstGeom prst="rect">
             <a:avLst/>
@@ -6962,7 +7100,7 @@
         <p:spPr>
           <a:xfrm>
             <a:off x="6634800" y="3658320"/>
-            <a:ext cx="2503800" cy="729000"/>
+            <a:ext cx="2502720" cy="729000"/>
           </a:xfrm>
           <a:prstGeom prst="rect">
             <a:avLst/>
@@ -7025,7 +7163,7 @@
         <p:spPr>
           <a:xfrm>
             <a:off x="3961440" y="5123160"/>
-            <a:ext cx="5309280" cy="1581480"/>
+            <a:ext cx="5308200" cy="1581480"/>
           </a:xfrm>
           <a:prstGeom prst="rect">
             <a:avLst/>
@@ -7142,7 +7280,7 @@
         <p:spPr>
           <a:xfrm>
             <a:off x="720000" y="3528000"/>
-            <a:ext cx="395640" cy="376560"/>
+            <a:ext cx="394560" cy="375480"/>
           </a:xfrm>
           <a:prstGeom prst="rect">
             <a:avLst/>
@@ -7165,7 +7303,7 @@
         <p:spPr>
           <a:xfrm>
             <a:off x="5400000" y="3024000"/>
-            <a:ext cx="395640" cy="376560"/>
+            <a:ext cx="394560" cy="375480"/>
           </a:xfrm>
           <a:prstGeom prst="rect">
             <a:avLst/>
@@ -7188,7 +7326,7 @@
         <p:spPr>
           <a:xfrm>
             <a:off x="755280" y="2430360"/>
-            <a:ext cx="395640" cy="376560"/>
+            <a:ext cx="394560" cy="375480"/>
           </a:xfrm>
           <a:prstGeom prst="rect">
             <a:avLst/>
@@ -7211,7 +7349,7 @@
         <p:spPr>
           <a:xfrm>
             <a:off x="755280" y="2214360"/>
-            <a:ext cx="395640" cy="376560"/>
+            <a:ext cx="394560" cy="375480"/>
           </a:xfrm>
           <a:prstGeom prst="rect">
             <a:avLst/>
@@ -7234,7 +7372,7 @@
         <p:spPr>
           <a:xfrm>
             <a:off x="2843640" y="3096000"/>
-            <a:ext cx="395640" cy="376560"/>
+            <a:ext cx="394560" cy="375480"/>
           </a:xfrm>
           <a:prstGeom prst="rect">
             <a:avLst/>
@@ -7257,7 +7395,7 @@
         <p:spPr>
           <a:xfrm>
             <a:off x="755280" y="2646720"/>
-            <a:ext cx="395640" cy="376560"/>
+            <a:ext cx="394560" cy="375480"/>
           </a:xfrm>
           <a:prstGeom prst="rect">
             <a:avLst/>
@@ -7280,7 +7418,7 @@
         <p:spPr>
           <a:xfrm>
             <a:off x="8603640" y="3096000"/>
-            <a:ext cx="395640" cy="376560"/>
+            <a:ext cx="394560" cy="375480"/>
           </a:xfrm>
           <a:prstGeom prst="rect">
             <a:avLst/>
@@ -7303,7 +7441,7 @@
         <p:spPr>
           <a:xfrm>
             <a:off x="2627640" y="4464000"/>
-            <a:ext cx="395640" cy="376560"/>
+            <a:ext cx="394560" cy="375480"/>
           </a:xfrm>
           <a:prstGeom prst="rect">
             <a:avLst/>
@@ -7326,7 +7464,7 @@
         <p:spPr>
           <a:xfrm>
             <a:off x="9000000" y="4518720"/>
-            <a:ext cx="395640" cy="376560"/>
+            <a:ext cx="394560" cy="375480"/>
           </a:xfrm>
           <a:prstGeom prst="rect">
             <a:avLst/>
@@ -7385,7 +7523,7 @@
         <p:spPr>
           <a:xfrm>
             <a:off x="5263920" y="2664360"/>
-            <a:ext cx="4052520" cy="302760"/>
+            <a:ext cx="4051440" cy="302760"/>
           </a:xfrm>
           <a:prstGeom prst="rect">
             <a:avLst/>
@@ -7438,7 +7576,7 @@
         <p:spPr>
           <a:xfrm>
             <a:off x="5263920" y="3362400"/>
-            <a:ext cx="4052520" cy="302760"/>
+            <a:ext cx="4051440" cy="302760"/>
           </a:xfrm>
           <a:prstGeom prst="rect">
             <a:avLst/>
@@ -7491,7 +7629,7 @@
         <p:spPr>
           <a:xfrm>
             <a:off x="5270760" y="4060800"/>
-            <a:ext cx="4043880" cy="2220840"/>
+            <a:ext cx="4042800" cy="2220840"/>
           </a:xfrm>
           <a:prstGeom prst="rect">
             <a:avLst/>
@@ -7624,7 +7762,7 @@
         <p:spPr>
           <a:xfrm>
             <a:off x="2319120" y="1343880"/>
-            <a:ext cx="1217880" cy="302760"/>
+            <a:ext cx="1216800" cy="302760"/>
           </a:xfrm>
           <a:prstGeom prst="rect">
             <a:avLst/>
@@ -7677,7 +7815,7 @@
         <p:spPr>
           <a:xfrm>
             <a:off x="632520" y="151560"/>
-            <a:ext cx="1217880" cy="1424160"/>
+            <a:ext cx="1216800" cy="1423080"/>
           </a:xfrm>
           <a:prstGeom prst="actionButtonBlank">
             <a:avLst/>
@@ -7751,7 +7889,7 @@
         <p:spPr>
           <a:xfrm>
             <a:off x="2333160" y="1212480"/>
-            <a:ext cx="1217880" cy="302760"/>
+            <a:ext cx="1216800" cy="302760"/>
           </a:xfrm>
           <a:prstGeom prst="rect">
             <a:avLst/>
@@ -7804,7 +7942,7 @@
         <p:spPr>
           <a:xfrm>
             <a:off x="8011440" y="2088720"/>
-            <a:ext cx="1217880" cy="303480"/>
+            <a:ext cx="1216800" cy="302760"/>
           </a:xfrm>
           <a:prstGeom prst="rect">
             <a:avLst/>
@@ -7840,7 +7978,7 @@
                 <a:latin typeface="Roboto"/>
                 <a:ea typeface="Roboto"/>
               </a:rPr>
-              <a:t>16/03/24</a:t>
+              <a:t>20/03/24</a:t>
             </a:r>
             <a:endParaRPr b="0" lang="pt-BR" sz="1400" spc="-1" strike="noStrike">
               <a:latin typeface="Arial"/>
@@ -7857,7 +7995,7 @@
         <p:spPr>
           <a:xfrm>
             <a:off x="2333160" y="1840680"/>
-            <a:ext cx="1217880" cy="302760"/>
+            <a:ext cx="1216800" cy="302760"/>
           </a:xfrm>
           <a:prstGeom prst="rect">
             <a:avLst/>
@@ -7910,7 +8048,7 @@
         <p:spPr>
           <a:xfrm>
             <a:off x="6762600" y="954720"/>
-            <a:ext cx="1566000" cy="149400"/>
+            <a:ext cx="1564920" cy="148320"/>
           </a:xfrm>
           <a:prstGeom prst="rect">
             <a:avLst/>
@@ -7944,7 +8082,7 @@
         <p:spPr>
           <a:xfrm>
             <a:off x="632520" y="151560"/>
-            <a:ext cx="1217880" cy="1424160"/>
+            <a:ext cx="1216800" cy="1423080"/>
           </a:xfrm>
           <a:prstGeom prst="actionButtonBlank">
             <a:avLst/>
@@ -7981,8 +8119,146 @@
         </p:blipFill>
         <p:spPr>
           <a:xfrm>
-            <a:off x="972360" y="3079440"/>
-            <a:ext cx="395640" cy="376560"/>
+            <a:off x="3456000" y="5023800"/>
+            <a:ext cx="394560" cy="375480"/>
+          </a:xfrm>
+          <a:prstGeom prst="rect">
+            <a:avLst/>
+          </a:prstGeom>
+          <a:ln>
+            <a:noFill/>
+          </a:ln>
+        </p:spPr>
+      </p:pic>
+      <p:pic>
+        <p:nvPicPr>
+          <p:cNvPr id="83" name="Gráfico 3" descr=""/>
+          <p:cNvPicPr/>
+          <p:nvPr/>
+        </p:nvPicPr>
+        <p:blipFill>
+          <a:blip r:embed="rId3"/>
+          <a:stretch/>
+        </p:blipFill>
+        <p:spPr>
+          <a:xfrm>
+            <a:off x="1836720" y="4536000"/>
+            <a:ext cx="394560" cy="375480"/>
+          </a:xfrm>
+          <a:prstGeom prst="rect">
+            <a:avLst/>
+          </a:prstGeom>
+          <a:ln>
+            <a:noFill/>
+          </a:ln>
+        </p:spPr>
+      </p:pic>
+      <p:pic>
+        <p:nvPicPr>
+          <p:cNvPr id="84" name="Gráfico 3" descr=""/>
+          <p:cNvPicPr/>
+          <p:nvPr/>
+        </p:nvPicPr>
+        <p:blipFill>
+          <a:blip r:embed="rId4"/>
+          <a:stretch/>
+        </p:blipFill>
+        <p:spPr>
+          <a:xfrm>
+            <a:off x="1044720" y="3871800"/>
+            <a:ext cx="394560" cy="375480"/>
+          </a:xfrm>
+          <a:prstGeom prst="rect">
+            <a:avLst/>
+          </a:prstGeom>
+          <a:ln>
+            <a:noFill/>
+          </a:ln>
+        </p:spPr>
+      </p:pic>
+      <p:pic>
+        <p:nvPicPr>
+          <p:cNvPr id="85" name="Gráfico 3" descr=""/>
+          <p:cNvPicPr/>
+          <p:nvPr/>
+        </p:nvPicPr>
+        <p:blipFill>
+          <a:blip r:embed="rId5"/>
+          <a:stretch/>
+        </p:blipFill>
+        <p:spPr>
+          <a:xfrm>
+            <a:off x="1044720" y="3096000"/>
+            <a:ext cx="394560" cy="375480"/>
+          </a:xfrm>
+          <a:prstGeom prst="rect">
+            <a:avLst/>
+          </a:prstGeom>
+          <a:ln>
+            <a:noFill/>
+          </a:ln>
+        </p:spPr>
+      </p:pic>
+      <p:pic>
+        <p:nvPicPr>
+          <p:cNvPr id="86" name="Gráfico 3" descr=""/>
+          <p:cNvPicPr/>
+          <p:nvPr/>
+        </p:nvPicPr>
+        <p:blipFill>
+          <a:blip r:embed="rId6"/>
+          <a:stretch/>
+        </p:blipFill>
+        <p:spPr>
+          <a:xfrm>
+            <a:off x="5400000" y="3151800"/>
+            <a:ext cx="394560" cy="375480"/>
+          </a:xfrm>
+          <a:prstGeom prst="rect">
+            <a:avLst/>
+          </a:prstGeom>
+          <a:ln>
+            <a:noFill/>
+          </a:ln>
+        </p:spPr>
+      </p:pic>
+      <p:pic>
+        <p:nvPicPr>
+          <p:cNvPr id="87" name="Gráfico 3" descr=""/>
+          <p:cNvPicPr/>
+          <p:nvPr/>
+        </p:nvPicPr>
+        <p:blipFill>
+          <a:blip r:embed="rId7"/>
+          <a:stretch/>
+        </p:blipFill>
+        <p:spPr>
+          <a:xfrm>
+            <a:off x="5364720" y="3888000"/>
+            <a:ext cx="394560" cy="375480"/>
+          </a:xfrm>
+          <a:prstGeom prst="rect">
+            <a:avLst/>
+          </a:prstGeom>
+          <a:ln>
+            <a:noFill/>
+          </a:ln>
+        </p:spPr>
+      </p:pic>
+      <p:pic>
+        <p:nvPicPr>
+          <p:cNvPr id="88" name="Gráfico 3" descr=""/>
+          <p:cNvPicPr/>
+          <p:nvPr/>
+        </p:nvPicPr>
+        <p:blipFill>
+          <a:blip r:embed="rId8"/>
+          <a:stretch/>
+        </p:blipFill>
+        <p:spPr>
+          <a:xfrm>
+            <a:off x="4644720" y="4591800"/>
+            <a:ext cx="394560" cy="375480"/>
           </a:xfrm>
           <a:prstGeom prst="rect">
             <a:avLst/>
@@ -8034,7 +8310,7 @@
       </p:grpSpPr>
       <p:pic>
         <p:nvPicPr>
-          <p:cNvPr id="83" name="Gráfico 1" descr=""/>
+          <p:cNvPr id="89" name="Gráfico 1" descr=""/>
           <p:cNvPicPr/>
           <p:nvPr/>
         </p:nvPicPr>
@@ -8045,7 +8321,7 @@
         <p:spPr>
           <a:xfrm>
             <a:off x="9402840" y="6443280"/>
-            <a:ext cx="278280" cy="336240"/>
+            <a:ext cx="277200" cy="335160"/>
           </a:xfrm>
           <a:prstGeom prst="rect">
             <a:avLst/>
@@ -8057,7 +8333,7 @@
       </p:pic>
       <p:pic>
         <p:nvPicPr>
-          <p:cNvPr id="84" name="Gráfico 2" descr=""/>
+          <p:cNvPr id="90" name="Gráfico 2" descr=""/>
           <p:cNvPicPr/>
           <p:nvPr/>
         </p:nvPicPr>
@@ -8068,7 +8344,7 @@
         <p:spPr>
           <a:xfrm>
             <a:off x="9402840" y="6443280"/>
-            <a:ext cx="278280" cy="336240"/>
+            <a:ext cx="277200" cy="335160"/>
           </a:xfrm>
           <a:prstGeom prst="rect">
             <a:avLst/>
@@ -8080,7 +8356,7 @@
       </p:pic>
       <p:pic>
         <p:nvPicPr>
-          <p:cNvPr id="85" name="Gráfico 3" descr=""/>
+          <p:cNvPr id="91" name="Gráfico 3" descr=""/>
           <p:cNvPicPr/>
           <p:nvPr/>
         </p:nvPicPr>
@@ -8091,7 +8367,7 @@
         <p:spPr>
           <a:xfrm>
             <a:off x="9402840" y="6443280"/>
-            <a:ext cx="278280" cy="336240"/>
+            <a:ext cx="277200" cy="335160"/>
           </a:xfrm>
           <a:prstGeom prst="rect">
             <a:avLst/>
@@ -8103,7 +8379,7 @@
       </p:pic>
       <p:pic>
         <p:nvPicPr>
-          <p:cNvPr id="86" name="Gráfico 4" descr=""/>
+          <p:cNvPr id="92" name="Gráfico 4" descr=""/>
           <p:cNvPicPr/>
           <p:nvPr/>
         </p:nvPicPr>
@@ -8114,7 +8390,7 @@
         <p:spPr>
           <a:xfrm>
             <a:off x="9402840" y="6443280"/>
-            <a:ext cx="278280" cy="336240"/>
+            <a:ext cx="277200" cy="335160"/>
           </a:xfrm>
           <a:prstGeom prst="rect">
             <a:avLst/>
@@ -8126,7 +8402,7 @@
       </p:pic>
       <p:pic>
         <p:nvPicPr>
-          <p:cNvPr id="87" name="Gráfico 5" descr=""/>
+          <p:cNvPr id="93" name="Gráfico 5" descr=""/>
           <p:cNvPicPr/>
           <p:nvPr/>
         </p:nvPicPr>
@@ -8137,7 +8413,7 @@
         <p:spPr>
           <a:xfrm>
             <a:off x="9402840" y="6443280"/>
-            <a:ext cx="278280" cy="336240"/>
+            <a:ext cx="277200" cy="335160"/>
           </a:xfrm>
           <a:prstGeom prst="rect">
             <a:avLst/>
@@ -8149,7 +8425,7 @@
       </p:pic>
       <p:pic>
         <p:nvPicPr>
-          <p:cNvPr id="88" name="Gráfico 6" descr=""/>
+          <p:cNvPr id="94" name="Gráfico 6" descr=""/>
           <p:cNvPicPr/>
           <p:nvPr/>
         </p:nvPicPr>
@@ -8160,7 +8436,7 @@
         <p:spPr>
           <a:xfrm>
             <a:off x="9402840" y="6443280"/>
-            <a:ext cx="278280" cy="336240"/>
+            <a:ext cx="277200" cy="335160"/>
           </a:xfrm>
           <a:prstGeom prst="rect">
             <a:avLst/>
@@ -8172,7 +8448,7 @@
       </p:pic>
       <p:pic>
         <p:nvPicPr>
-          <p:cNvPr id="89" name="Gráfico 7" descr=""/>
+          <p:cNvPr id="95" name="Gráfico 7" descr=""/>
           <p:cNvPicPr/>
           <p:nvPr/>
         </p:nvPicPr>
@@ -8183,7 +8459,7 @@
         <p:spPr>
           <a:xfrm>
             <a:off x="9402840" y="6443280"/>
-            <a:ext cx="278280" cy="336240"/>
+            <a:ext cx="277200" cy="335160"/>
           </a:xfrm>
           <a:prstGeom prst="rect">
             <a:avLst/>
@@ -8195,7 +8471,7 @@
       </p:pic>
       <p:pic>
         <p:nvPicPr>
-          <p:cNvPr id="90" name="Gráfico 8" descr=""/>
+          <p:cNvPr id="96" name="Gráfico 8" descr=""/>
           <p:cNvPicPr/>
           <p:nvPr/>
         </p:nvPicPr>
@@ -8206,7 +8482,7 @@
         <p:spPr>
           <a:xfrm>
             <a:off x="9402840" y="6443280"/>
-            <a:ext cx="278280" cy="336240"/>
+            <a:ext cx="277200" cy="335160"/>
           </a:xfrm>
           <a:prstGeom prst="rect">
             <a:avLst/>
@@ -8218,7 +8494,7 @@
       </p:pic>
       <p:pic>
         <p:nvPicPr>
-          <p:cNvPr id="91" name="Gráfico 9" descr=""/>
+          <p:cNvPr id="97" name="Gráfico 9" descr=""/>
           <p:cNvPicPr/>
           <p:nvPr/>
         </p:nvPicPr>
@@ -8229,7 +8505,7 @@
         <p:spPr>
           <a:xfrm>
             <a:off x="9402840" y="6443280"/>
-            <a:ext cx="278280" cy="336240"/>
+            <a:ext cx="277200" cy="335160"/>
           </a:xfrm>
           <a:prstGeom prst="rect">
             <a:avLst/>
@@ -8241,7 +8517,7 @@
       </p:pic>
       <p:pic>
         <p:nvPicPr>
-          <p:cNvPr id="92" name="Gráfico 10" descr=""/>
+          <p:cNvPr id="98" name="Gráfico 10" descr=""/>
           <p:cNvPicPr/>
           <p:nvPr/>
         </p:nvPicPr>
@@ -8252,7 +8528,7 @@
         <p:spPr>
           <a:xfrm>
             <a:off x="9402840" y="6443280"/>
-            <a:ext cx="278280" cy="336240"/>
+            <a:ext cx="277200" cy="335160"/>
           </a:xfrm>
           <a:prstGeom prst="rect">
             <a:avLst/>
@@ -8264,7 +8540,7 @@
       </p:pic>
       <p:pic>
         <p:nvPicPr>
-          <p:cNvPr id="93" name="Gráfico 11" descr=""/>
+          <p:cNvPr id="99" name="Gráfico 11" descr=""/>
           <p:cNvPicPr/>
           <p:nvPr/>
         </p:nvPicPr>
@@ -8275,7 +8551,7 @@
         <p:spPr>
           <a:xfrm>
             <a:off x="9402840" y="6443280"/>
-            <a:ext cx="278280" cy="336240"/>
+            <a:ext cx="277200" cy="335160"/>
           </a:xfrm>
           <a:prstGeom prst="rect">
             <a:avLst/>
@@ -8287,7 +8563,7 @@
       </p:pic>
       <p:pic>
         <p:nvPicPr>
-          <p:cNvPr id="94" name="Gráfico 12" descr=""/>
+          <p:cNvPr id="100" name="Gráfico 12" descr=""/>
           <p:cNvPicPr/>
           <p:nvPr/>
         </p:nvPicPr>
@@ -8298,7 +8574,7 @@
         <p:spPr>
           <a:xfrm>
             <a:off x="9402840" y="6443280"/>
-            <a:ext cx="278280" cy="336240"/>
+            <a:ext cx="277200" cy="335160"/>
           </a:xfrm>
           <a:prstGeom prst="rect">
             <a:avLst/>
@@ -8310,7 +8586,7 @@
       </p:pic>
       <p:pic>
         <p:nvPicPr>
-          <p:cNvPr id="95" name="Gráfico 13" descr=""/>
+          <p:cNvPr id="101" name="Gráfico 13" descr=""/>
           <p:cNvPicPr/>
           <p:nvPr/>
         </p:nvPicPr>
@@ -8321,7 +8597,7 @@
         <p:spPr>
           <a:xfrm>
             <a:off x="9402840" y="6443280"/>
-            <a:ext cx="278280" cy="336240"/>
+            <a:ext cx="277200" cy="335160"/>
           </a:xfrm>
           <a:prstGeom prst="rect">
             <a:avLst/>
@@ -8333,7 +8609,7 @@
       </p:pic>
       <p:pic>
         <p:nvPicPr>
-          <p:cNvPr id="96" name="Gráfico 14" descr=""/>
+          <p:cNvPr id="102" name="Gráfico 14" descr=""/>
           <p:cNvPicPr/>
           <p:nvPr/>
         </p:nvPicPr>
@@ -8344,7 +8620,7 @@
         <p:spPr>
           <a:xfrm>
             <a:off x="9402840" y="6443280"/>
-            <a:ext cx="278280" cy="336240"/>
+            <a:ext cx="277200" cy="335160"/>
           </a:xfrm>
           <a:prstGeom prst="rect">
             <a:avLst/>
@@ -8356,7 +8632,7 @@
       </p:pic>
       <p:pic>
         <p:nvPicPr>
-          <p:cNvPr id="97" name="Gráfico 15" descr=""/>
+          <p:cNvPr id="103" name="Gráfico 15" descr=""/>
           <p:cNvPicPr/>
           <p:nvPr/>
         </p:nvPicPr>
@@ -8367,7 +8643,7 @@
         <p:spPr>
           <a:xfrm>
             <a:off x="9402840" y="6443280"/>
-            <a:ext cx="278280" cy="336240"/>
+            <a:ext cx="277200" cy="335160"/>
           </a:xfrm>
           <a:prstGeom prst="rect">
             <a:avLst/>
@@ -8379,7 +8655,7 @@
       </p:pic>
       <p:pic>
         <p:nvPicPr>
-          <p:cNvPr id="98" name="Gráfico 16" descr=""/>
+          <p:cNvPr id="104" name="Gráfico 16" descr=""/>
           <p:cNvPicPr/>
           <p:nvPr/>
         </p:nvPicPr>
@@ -8390,7 +8666,7 @@
         <p:spPr>
           <a:xfrm>
             <a:off x="9402840" y="6443280"/>
-            <a:ext cx="278280" cy="336240"/>
+            <a:ext cx="277200" cy="335160"/>
           </a:xfrm>
           <a:prstGeom prst="rect">
             <a:avLst/>
@@ -8402,7 +8678,7 @@
       </p:pic>
       <p:pic>
         <p:nvPicPr>
-          <p:cNvPr id="99" name="Gráfico 17" descr=""/>
+          <p:cNvPr id="105" name="Gráfico 17" descr=""/>
           <p:cNvPicPr/>
           <p:nvPr/>
         </p:nvPicPr>
@@ -8413,7 +8689,7 @@
         <p:spPr>
           <a:xfrm>
             <a:off x="9402840" y="6443280"/>
-            <a:ext cx="278280" cy="336240"/>
+            <a:ext cx="277200" cy="335160"/>
           </a:xfrm>
           <a:prstGeom prst="rect">
             <a:avLst/>
@@ -8425,7 +8701,7 @@
       </p:pic>
       <p:pic>
         <p:nvPicPr>
-          <p:cNvPr id="100" name="Gráfico 18" descr=""/>
+          <p:cNvPr id="106" name="Gráfico 18" descr=""/>
           <p:cNvPicPr/>
           <p:nvPr/>
         </p:nvPicPr>
@@ -8436,7 +8712,7 @@
         <p:spPr>
           <a:xfrm>
             <a:off x="9402840" y="6443280"/>
-            <a:ext cx="278280" cy="336240"/>
+            <a:ext cx="277200" cy="335160"/>
           </a:xfrm>
           <a:prstGeom prst="rect">
             <a:avLst/>
@@ -8448,7 +8724,7 @@
       </p:pic>
       <p:pic>
         <p:nvPicPr>
-          <p:cNvPr id="101" name="Gráfico 19" descr=""/>
+          <p:cNvPr id="107" name="Gráfico 19" descr=""/>
           <p:cNvPicPr/>
           <p:nvPr/>
         </p:nvPicPr>
@@ -8459,7 +8735,7 @@
         <p:spPr>
           <a:xfrm>
             <a:off x="9402840" y="6443280"/>
-            <a:ext cx="278280" cy="336240"/>
+            <a:ext cx="277200" cy="335160"/>
           </a:xfrm>
           <a:prstGeom prst="rect">
             <a:avLst/>
@@ -8471,7 +8747,7 @@
       </p:pic>
       <p:pic>
         <p:nvPicPr>
-          <p:cNvPr id="102" name="Gráfico 20" descr=""/>
+          <p:cNvPr id="108" name="Gráfico 20" descr=""/>
           <p:cNvPicPr/>
           <p:nvPr/>
         </p:nvPicPr>
@@ -8482,7 +8758,7 @@
         <p:spPr>
           <a:xfrm>
             <a:off x="9402840" y="6443280"/>
-            <a:ext cx="278280" cy="336240"/>
+            <a:ext cx="277200" cy="335160"/>
           </a:xfrm>
           <a:prstGeom prst="rect">
             <a:avLst/>
@@ -8494,7 +8770,7 @@
       </p:pic>
       <p:pic>
         <p:nvPicPr>
-          <p:cNvPr id="103" name="Gráfico 21" descr=""/>
+          <p:cNvPr id="109" name="Gráfico 21" descr=""/>
           <p:cNvPicPr/>
           <p:nvPr/>
         </p:nvPicPr>
@@ -8505,7 +8781,7 @@
         <p:spPr>
           <a:xfrm>
             <a:off x="9402840" y="6443280"/>
-            <a:ext cx="278280" cy="336240"/>
+            <a:ext cx="277200" cy="335160"/>
           </a:xfrm>
           <a:prstGeom prst="rect">
             <a:avLst/>
@@ -8517,7 +8793,7 @@
       </p:pic>
       <p:pic>
         <p:nvPicPr>
-          <p:cNvPr id="104" name="Gráfico 22" descr=""/>
+          <p:cNvPr id="110" name="Gráfico 22" descr=""/>
           <p:cNvPicPr/>
           <p:nvPr/>
         </p:nvPicPr>
@@ -8528,7 +8804,7 @@
         <p:spPr>
           <a:xfrm>
             <a:off x="9402840" y="6443280"/>
-            <a:ext cx="278280" cy="336240"/>
+            <a:ext cx="277200" cy="335160"/>
           </a:xfrm>
           <a:prstGeom prst="rect">
             <a:avLst/>
@@ -8540,7 +8816,7 @@
       </p:pic>
       <p:pic>
         <p:nvPicPr>
-          <p:cNvPr id="105" name="Gráfico 23" descr=""/>
+          <p:cNvPr id="111" name="Gráfico 23" descr=""/>
           <p:cNvPicPr/>
           <p:nvPr/>
         </p:nvPicPr>
@@ -8551,7 +8827,7 @@
         <p:spPr>
           <a:xfrm>
             <a:off x="9402840" y="6443280"/>
-            <a:ext cx="278280" cy="336240"/>
+            <a:ext cx="277200" cy="335160"/>
           </a:xfrm>
           <a:prstGeom prst="rect">
             <a:avLst/>
@@ -8563,7 +8839,7 @@
       </p:pic>
       <p:pic>
         <p:nvPicPr>
-          <p:cNvPr id="106" name="Gráfico 24" descr=""/>
+          <p:cNvPr id="112" name="Gráfico 24" descr=""/>
           <p:cNvPicPr/>
           <p:nvPr/>
         </p:nvPicPr>
@@ -8574,7 +8850,7 @@
         <p:spPr>
           <a:xfrm>
             <a:off x="9402840" y="6443280"/>
-            <a:ext cx="278280" cy="336240"/>
+            <a:ext cx="277200" cy="335160"/>
           </a:xfrm>
           <a:prstGeom prst="rect">
             <a:avLst/>
@@ -8586,7 +8862,7 @@
       </p:pic>
       <p:pic>
         <p:nvPicPr>
-          <p:cNvPr id="107" name="Gráfico 25" descr=""/>
+          <p:cNvPr id="113" name="Gráfico 25" descr=""/>
           <p:cNvPicPr/>
           <p:nvPr/>
         </p:nvPicPr>
@@ -8597,7 +8873,7 @@
         <p:spPr>
           <a:xfrm>
             <a:off x="9402840" y="6443280"/>
-            <a:ext cx="278280" cy="336240"/>
+            <a:ext cx="277200" cy="335160"/>
           </a:xfrm>
           <a:prstGeom prst="rect">
             <a:avLst/>
@@ -8609,7 +8885,7 @@
       </p:pic>
       <p:pic>
         <p:nvPicPr>
-          <p:cNvPr id="108" name="Gráfico 26" descr=""/>
+          <p:cNvPr id="114" name="Gráfico 26" descr=""/>
           <p:cNvPicPr/>
           <p:nvPr/>
         </p:nvPicPr>
@@ -8620,7 +8896,7 @@
         <p:spPr>
           <a:xfrm>
             <a:off x="9402840" y="6443280"/>
-            <a:ext cx="278280" cy="336240"/>
+            <a:ext cx="277200" cy="335160"/>
           </a:xfrm>
           <a:prstGeom prst="rect">
             <a:avLst/>
@@ -8632,7 +8908,7 @@
       </p:pic>
       <p:pic>
         <p:nvPicPr>
-          <p:cNvPr id="109" name="Gráfico 27" descr=""/>
+          <p:cNvPr id="115" name="Gráfico 27" descr=""/>
           <p:cNvPicPr/>
           <p:nvPr/>
         </p:nvPicPr>
@@ -8643,7 +8919,7 @@
         <p:spPr>
           <a:xfrm>
             <a:off x="9402840" y="6443280"/>
-            <a:ext cx="278280" cy="336240"/>
+            <a:ext cx="277200" cy="335160"/>
           </a:xfrm>
           <a:prstGeom prst="rect">
             <a:avLst/>
@@ -8655,7 +8931,7 @@
       </p:pic>
       <p:pic>
         <p:nvPicPr>
-          <p:cNvPr id="110" name="Gráfico 28" descr=""/>
+          <p:cNvPr id="116" name="Gráfico 28" descr=""/>
           <p:cNvPicPr/>
           <p:nvPr/>
         </p:nvPicPr>
@@ -8666,7 +8942,7 @@
         <p:spPr>
           <a:xfrm>
             <a:off x="9402840" y="6443280"/>
-            <a:ext cx="278280" cy="336240"/>
+            <a:ext cx="277200" cy="335160"/>
           </a:xfrm>
           <a:prstGeom prst="rect">
             <a:avLst/>
@@ -8678,7 +8954,7 @@
       </p:pic>
       <p:pic>
         <p:nvPicPr>
-          <p:cNvPr id="111" name="Gráfico 29" descr=""/>
+          <p:cNvPr id="117" name="Gráfico 29" descr=""/>
           <p:cNvPicPr/>
           <p:nvPr/>
         </p:nvPicPr>
@@ -8689,7 +8965,7 @@
         <p:spPr>
           <a:xfrm>
             <a:off x="9402840" y="6443280"/>
-            <a:ext cx="278280" cy="336240"/>
+            <a:ext cx="277200" cy="335160"/>
           </a:xfrm>
           <a:prstGeom prst="rect">
             <a:avLst/>
@@ -8701,7 +8977,7 @@
       </p:pic>
       <p:pic>
         <p:nvPicPr>
-          <p:cNvPr id="112" name="Gráfico 30" descr=""/>
+          <p:cNvPr id="118" name="Gráfico 30" descr=""/>
           <p:cNvPicPr/>
           <p:nvPr/>
         </p:nvPicPr>
@@ -8712,7 +8988,7 @@
         <p:spPr>
           <a:xfrm>
             <a:off x="9402840" y="6443280"/>
-            <a:ext cx="278280" cy="336240"/>
+            <a:ext cx="277200" cy="335160"/>
           </a:xfrm>
           <a:prstGeom prst="rect">
             <a:avLst/>
@@ -8724,7 +9000,7 @@
       </p:pic>
       <p:pic>
         <p:nvPicPr>
-          <p:cNvPr id="113" name="Gráfico 31" descr=""/>
+          <p:cNvPr id="119" name="Gráfico 31" descr=""/>
           <p:cNvPicPr/>
           <p:nvPr/>
         </p:nvPicPr>
@@ -8734,8 +9010,8 @@
         </p:blipFill>
         <p:spPr>
           <a:xfrm>
-            <a:off x="9402840" y="6443280"/>
-            <a:ext cx="278280" cy="336240"/>
+            <a:off x="3826800" y="2016000"/>
+            <a:ext cx="277200" cy="335160"/>
           </a:xfrm>
           <a:prstGeom prst="rect">
             <a:avLst/>
@@ -8747,7 +9023,7 @@
       </p:pic>
       <p:pic>
         <p:nvPicPr>
-          <p:cNvPr id="114" name="Gráfico 32" descr=""/>
+          <p:cNvPr id="120" name="Gráfico 32" descr=""/>
           <p:cNvPicPr/>
           <p:nvPr/>
         </p:nvPicPr>
@@ -8757,8 +9033,8 @@
         </p:blipFill>
         <p:spPr>
           <a:xfrm>
-            <a:off x="9402840" y="6443280"/>
-            <a:ext cx="278280" cy="336240"/>
+            <a:off x="3960000" y="672840"/>
+            <a:ext cx="277200" cy="335160"/>
           </a:xfrm>
           <a:prstGeom prst="rect">
             <a:avLst/>
@@ -8770,14 +9046,14 @@
       </p:pic>
       <p:sp>
         <p:nvSpPr>
-          <p:cNvPr id="115" name="CustomShape 1"/>
+          <p:cNvPr id="121" name="CustomShape 1"/>
           <p:cNvSpPr/>
           <p:nvPr/>
         </p:nvSpPr>
         <p:spPr>
           <a:xfrm>
             <a:off x="934560" y="0"/>
-            <a:ext cx="390600" cy="219600"/>
+            <a:ext cx="389520" cy="218520"/>
           </a:xfrm>
           <a:prstGeom prst="rect">
             <a:avLst/>
@@ -8844,14 +9120,14 @@
       </p:grpSpPr>
       <p:sp>
         <p:nvSpPr>
-          <p:cNvPr id="116" name="CustomShape 1"/>
+          <p:cNvPr id="122" name="CustomShape 1"/>
           <p:cNvSpPr/>
           <p:nvPr/>
         </p:nvSpPr>
         <p:spPr>
           <a:xfrm>
             <a:off x="3912840" y="5426640"/>
-            <a:ext cx="1217880" cy="302760"/>
+            <a:ext cx="1216800" cy="515880"/>
           </a:xfrm>
           <a:prstGeom prst="rect">
             <a:avLst/>
@@ -8887,7 +9163,7 @@
                 <a:latin typeface="Roboto"/>
                 <a:ea typeface="Roboto"/>
               </a:rPr>
-              <a:t>/     /</a:t>
+              <a:t>Não é preciso</a:t>
             </a:r>
             <a:endParaRPr b="0" lang="pt-BR" sz="1400" spc="-1" strike="noStrike">
               <a:latin typeface="Arial"/>
@@ -8897,14 +9173,14 @@
       </p:sp>
       <p:sp>
         <p:nvSpPr>
-          <p:cNvPr id="117" name="CustomShape 2"/>
+          <p:cNvPr id="123" name="CustomShape 2"/>
           <p:cNvSpPr/>
           <p:nvPr/>
         </p:nvSpPr>
         <p:spPr>
           <a:xfrm>
             <a:off x="728640" y="2221200"/>
-            <a:ext cx="1217880" cy="302760"/>
+            <a:ext cx="1216800" cy="303120"/>
           </a:xfrm>
           <a:prstGeom prst="rect">
             <a:avLst/>
@@ -8940,7 +9216,7 @@
                 <a:latin typeface="Roboto"/>
                 <a:ea typeface="Roboto"/>
               </a:rPr>
-              <a:t>/     /        </a:t>
+              <a:t>02/04/24</a:t>
             </a:r>
             <a:endParaRPr b="0" lang="pt-BR" sz="1400" spc="-1" strike="noStrike">
               <a:latin typeface="Arial"/>
@@ -8950,14 +9226,14 @@
       </p:sp>
       <p:sp>
         <p:nvSpPr>
-          <p:cNvPr id="118" name="CustomShape 3"/>
+          <p:cNvPr id="124" name="CustomShape 3"/>
           <p:cNvSpPr/>
           <p:nvPr/>
         </p:nvSpPr>
         <p:spPr>
           <a:xfrm>
             <a:off x="728640" y="4103280"/>
-            <a:ext cx="1217880" cy="306360"/>
+            <a:ext cx="1216800" cy="305280"/>
           </a:xfrm>
           <a:prstGeom prst="rect">
             <a:avLst/>
@@ -8975,17 +9251,42 @@
           <a:effectRef idx="0"/>
           <a:fontRef idx="minor"/>
         </p:style>
-      </p:sp>
-      <p:sp>
-        <p:nvSpPr>
-          <p:cNvPr id="119" name="CustomShape 4"/>
+        <p:txBody>
+          <a:bodyPr lIns="90000" rIns="90000" tIns="45000" bIns="45000">
+            <a:noAutofit/>
+          </a:bodyPr>
+          <a:p>
+            <a:pPr>
+              <a:lnSpc>
+                <a:spcPct val="100000"/>
+              </a:lnSpc>
+            </a:pPr>
+            <a:r>
+              <a:rPr b="0" lang="pt-BR" sz="1800" spc="-1" strike="noStrike">
+                <a:solidFill>
+                  <a:srgbClr val="000000"/>
+                </a:solidFill>
+                <a:latin typeface="Arial"/>
+                <a:ea typeface="DejaVu Sans"/>
+              </a:rPr>
+              <a:t>10</a:t>
+            </a:r>
+            <a:endParaRPr b="0" lang="pt-BR" sz="1800" spc="-1" strike="noStrike">
+              <a:latin typeface="Arial"/>
+            </a:endParaRPr>
+          </a:p>
+        </p:txBody>
+      </p:sp>
+      <p:sp>
+        <p:nvSpPr>
+          <p:cNvPr id="125" name="CustomShape 4"/>
           <p:cNvSpPr/>
           <p:nvPr/>
         </p:nvSpPr>
         <p:spPr>
           <a:xfrm>
             <a:off x="728640" y="3062160"/>
-            <a:ext cx="419400" cy="302760"/>
+            <a:ext cx="418320" cy="302760"/>
           </a:xfrm>
           <a:prstGeom prst="rect">
             <a:avLst/>
@@ -9031,14 +9332,14 @@
       </p:sp>
       <p:sp>
         <p:nvSpPr>
-          <p:cNvPr id="120" name="CustomShape 5"/>
+          <p:cNvPr id="126" name="CustomShape 5"/>
           <p:cNvSpPr/>
           <p:nvPr/>
         </p:nvSpPr>
         <p:spPr>
           <a:xfrm>
             <a:off x="3144960" y="5024880"/>
-            <a:ext cx="2172600" cy="515880"/>
+            <a:ext cx="2171520" cy="515880"/>
           </a:xfrm>
           <a:prstGeom prst="rect">
             <a:avLst/>

--- a/src/1.1 - Planner.pptx
+++ b/src/1.1 - Planner.pptx
@@ -1684,7 +1684,7 @@
         <p:spPr>
           <a:xfrm>
             <a:off x="2319120" y="1343880"/>
-            <a:ext cx="1216800" cy="302760"/>
+            <a:ext cx="1216440" cy="302760"/>
           </a:xfrm>
           <a:prstGeom prst="rect">
             <a:avLst/>
@@ -1737,7 +1737,7 @@
         <p:spPr>
           <a:xfrm>
             <a:off x="266040" y="2276640"/>
-            <a:ext cx="4579560" cy="1581480"/>
+            <a:ext cx="4579200" cy="1581480"/>
           </a:xfrm>
           <a:prstGeom prst="rect">
             <a:avLst/>
@@ -1850,7 +1850,7 @@
         <p:spPr>
           <a:xfrm>
             <a:off x="266040" y="4389840"/>
-            <a:ext cx="4579560" cy="1581480"/>
+            <a:ext cx="4579200" cy="1581480"/>
           </a:xfrm>
           <a:prstGeom prst="rect">
             <a:avLst/>
@@ -1963,7 +1963,7 @@
         <p:spPr>
           <a:xfrm>
             <a:off x="5160600" y="2279160"/>
-            <a:ext cx="4579560" cy="1581480"/>
+            <a:ext cx="4579200" cy="1581480"/>
           </a:xfrm>
           <a:prstGeom prst="rect">
             <a:avLst/>
@@ -2076,7 +2076,7 @@
         <p:spPr>
           <a:xfrm>
             <a:off x="5160600" y="4389840"/>
-            <a:ext cx="4579560" cy="1581480"/>
+            <a:ext cx="4579200" cy="1581480"/>
           </a:xfrm>
           <a:prstGeom prst="rect">
             <a:avLst/>
@@ -2239,7 +2239,7 @@
         <p:spPr>
           <a:xfrm>
             <a:off x="632520" y="151560"/>
-            <a:ext cx="1216800" cy="1423080"/>
+            <a:ext cx="1216440" cy="1422720"/>
           </a:xfrm>
           <a:prstGeom prst="actionButtonBlank">
             <a:avLst/>
@@ -2273,7 +2273,7 @@
         <p:spPr>
           <a:xfrm>
             <a:off x="5301720" y="330840"/>
-            <a:ext cx="1495440" cy="133560"/>
+            <a:ext cx="1495080" cy="133200"/>
           </a:xfrm>
           <a:prstGeom prst="rect">
             <a:avLst/>
@@ -2347,7 +2347,7 @@
         <p:spPr>
           <a:xfrm>
             <a:off x="2333160" y="1121400"/>
-            <a:ext cx="1216800" cy="302760"/>
+            <a:ext cx="1216440" cy="302760"/>
           </a:xfrm>
           <a:prstGeom prst="rect">
             <a:avLst/>
@@ -2400,7 +2400,7 @@
         <p:spPr>
           <a:xfrm>
             <a:off x="2333160" y="1749240"/>
-            <a:ext cx="1216800" cy="302760"/>
+            <a:ext cx="1216440" cy="302760"/>
           </a:xfrm>
           <a:prstGeom prst="rect">
             <a:avLst/>
@@ -2453,7 +2453,7 @@
         <p:spPr>
           <a:xfrm>
             <a:off x="632520" y="151560"/>
-            <a:ext cx="1216800" cy="1423080"/>
+            <a:ext cx="1216440" cy="1422720"/>
           </a:xfrm>
           <a:prstGeom prst="actionButtonBlank">
             <a:avLst/>
@@ -2491,7 +2491,7 @@
         <p:spPr>
           <a:xfrm>
             <a:off x="5760000" y="2144520"/>
-            <a:ext cx="394560" cy="375480"/>
+            <a:ext cx="394200" cy="375120"/>
           </a:xfrm>
           <a:prstGeom prst="rect">
             <a:avLst/>
@@ -2514,7 +2514,7 @@
         <p:spPr>
           <a:xfrm>
             <a:off x="6984000" y="2808000"/>
-            <a:ext cx="394560" cy="375480"/>
+            <a:ext cx="394200" cy="375120"/>
           </a:xfrm>
           <a:prstGeom prst="rect">
             <a:avLst/>
@@ -2537,7 +2537,7 @@
         <p:spPr>
           <a:xfrm>
             <a:off x="8101440" y="3512520"/>
-            <a:ext cx="394560" cy="375480"/>
+            <a:ext cx="394200" cy="375120"/>
           </a:xfrm>
           <a:prstGeom prst="rect">
             <a:avLst/>
@@ -2560,7 +2560,7 @@
         <p:spPr>
           <a:xfrm>
             <a:off x="6805440" y="4160520"/>
-            <a:ext cx="394560" cy="375480"/>
+            <a:ext cx="394200" cy="375120"/>
           </a:xfrm>
           <a:prstGeom prst="rect">
             <a:avLst/>
@@ -2583,7 +2583,7 @@
         <p:spPr>
           <a:xfrm>
             <a:off x="5904000" y="4808520"/>
-            <a:ext cx="394560" cy="375480"/>
+            <a:ext cx="394200" cy="375120"/>
           </a:xfrm>
           <a:prstGeom prst="rect">
             <a:avLst/>
@@ -2606,7 +2606,7 @@
         <p:spPr>
           <a:xfrm>
             <a:off x="4248000" y="3312000"/>
-            <a:ext cx="394560" cy="375480"/>
+            <a:ext cx="394200" cy="375120"/>
           </a:xfrm>
           <a:prstGeom prst="rect">
             <a:avLst/>
@@ -2665,7 +2665,7 @@
         <p:spPr>
           <a:xfrm>
             <a:off x="2138400" y="4716720"/>
-            <a:ext cx="1216800" cy="302760"/>
+            <a:ext cx="1216440" cy="302760"/>
           </a:xfrm>
           <a:prstGeom prst="rect">
             <a:avLst/>
@@ -2701,7 +2701,7 @@
                 <a:latin typeface="Roboto"/>
                 <a:ea typeface="Roboto"/>
               </a:rPr>
-              <a:t>/     /</a:t>
+              <a:t>27/06/24</a:t>
             </a:r>
             <a:endParaRPr b="0" lang="pt-BR" sz="1400" spc="-1" strike="noStrike">
               <a:latin typeface="Arial"/>
@@ -2718,7 +2718,7 @@
         <p:spPr>
           <a:xfrm>
             <a:off x="2138400" y="5106960"/>
-            <a:ext cx="1216800" cy="305280"/>
+            <a:ext cx="1216440" cy="304920"/>
           </a:xfrm>
           <a:prstGeom prst="rect">
             <a:avLst/>
@@ -2746,7 +2746,7 @@
         <p:spPr>
           <a:xfrm>
             <a:off x="4836960" y="5565600"/>
-            <a:ext cx="494280" cy="302760"/>
+            <a:ext cx="493920" cy="302760"/>
           </a:xfrm>
           <a:prstGeom prst="rect">
             <a:avLst/>
@@ -2799,7 +2799,7 @@
         <p:spPr>
           <a:xfrm>
             <a:off x="3357720" y="1441440"/>
-            <a:ext cx="1216800" cy="302760"/>
+            <a:ext cx="1216440" cy="302760"/>
           </a:xfrm>
           <a:prstGeom prst="rect">
             <a:avLst/>
@@ -2855,8 +2855,8 @@
         </p:blipFill>
         <p:spPr>
           <a:xfrm>
-            <a:off x="8800200" y="3859560"/>
-            <a:ext cx="370080" cy="365400"/>
+            <a:off x="432000" y="2885040"/>
+            <a:ext cx="369720" cy="365040"/>
           </a:xfrm>
           <a:prstGeom prst="rect">
             <a:avLst/>
@@ -2879,7 +2879,7 @@
         <p:spPr>
           <a:xfrm>
             <a:off x="493920" y="3821400"/>
-            <a:ext cx="370080" cy="365400"/>
+            <a:ext cx="369720" cy="365040"/>
           </a:xfrm>
           <a:prstGeom prst="rect">
             <a:avLst/>
@@ -2902,7 +2902,7 @@
         <p:spPr>
           <a:xfrm>
             <a:off x="421920" y="3168000"/>
-            <a:ext cx="370080" cy="365400"/>
+            <a:ext cx="369720" cy="365040"/>
           </a:xfrm>
           <a:prstGeom prst="rect">
             <a:avLst/>
@@ -2925,7 +2925,7 @@
         <p:spPr>
           <a:xfrm>
             <a:off x="432000" y="3456000"/>
-            <a:ext cx="370080" cy="365400"/>
+            <a:ext cx="369720" cy="365040"/>
           </a:xfrm>
           <a:prstGeom prst="rect">
             <a:avLst/>
@@ -2948,7 +2948,7 @@
         <p:spPr>
           <a:xfrm>
             <a:off x="432000" y="2520000"/>
-            <a:ext cx="370080" cy="365400"/>
+            <a:ext cx="369720" cy="365040"/>
           </a:xfrm>
           <a:prstGeom prst="rect">
             <a:avLst/>
@@ -3007,7 +3007,7 @@
         <p:spPr>
           <a:xfrm>
             <a:off x="2372760" y="1609200"/>
-            <a:ext cx="1216800" cy="302760"/>
+            <a:ext cx="1216440" cy="302760"/>
           </a:xfrm>
           <a:prstGeom prst="rect">
             <a:avLst/>
@@ -3060,7 +3060,7 @@
         <p:spPr>
           <a:xfrm>
             <a:off x="2372760" y="2237040"/>
-            <a:ext cx="1216800" cy="302760"/>
+            <a:ext cx="1216440" cy="302760"/>
           </a:xfrm>
           <a:prstGeom prst="rect">
             <a:avLst/>
@@ -3117,7 +3117,7 @@
         <p:spPr>
           <a:xfrm>
             <a:off x="2102400" y="5233320"/>
-            <a:ext cx="873720" cy="950040"/>
+            <a:ext cx="873360" cy="949680"/>
           </a:xfrm>
           <a:prstGeom prst="rect">
             <a:avLst/>
@@ -3140,7 +3140,7 @@
         <p:spPr>
           <a:xfrm>
             <a:off x="2102400" y="5233320"/>
-            <a:ext cx="873720" cy="950040"/>
+            <a:ext cx="873360" cy="949680"/>
           </a:xfrm>
           <a:prstGeom prst="rect">
             <a:avLst/>
@@ -3163,7 +3163,7 @@
         <p:spPr>
           <a:xfrm>
             <a:off x="2102400" y="5233320"/>
-            <a:ext cx="873720" cy="950040"/>
+            <a:ext cx="873360" cy="949680"/>
           </a:xfrm>
           <a:prstGeom prst="rect">
             <a:avLst/>
@@ -3186,7 +3186,7 @@
         <p:spPr>
           <a:xfrm>
             <a:off x="2102400" y="5233320"/>
-            <a:ext cx="873720" cy="950040"/>
+            <a:ext cx="873360" cy="949680"/>
           </a:xfrm>
           <a:prstGeom prst="rect">
             <a:avLst/>
@@ -3209,7 +3209,7 @@
         <p:spPr>
           <a:xfrm>
             <a:off x="2102400" y="5233320"/>
-            <a:ext cx="873720" cy="950040"/>
+            <a:ext cx="873360" cy="949680"/>
           </a:xfrm>
           <a:prstGeom prst="rect">
             <a:avLst/>
@@ -3232,7 +3232,7 @@
         <p:spPr>
           <a:xfrm>
             <a:off x="2102400" y="5233320"/>
-            <a:ext cx="873720" cy="950040"/>
+            <a:ext cx="873360" cy="949680"/>
           </a:xfrm>
           <a:prstGeom prst="rect">
             <a:avLst/>
@@ -3255,7 +3255,7 @@
         <p:spPr>
           <a:xfrm>
             <a:off x="2102400" y="5233320"/>
-            <a:ext cx="873720" cy="950040"/>
+            <a:ext cx="873360" cy="949680"/>
           </a:xfrm>
           <a:prstGeom prst="rect">
             <a:avLst/>
@@ -3278,7 +3278,7 @@
         <p:spPr>
           <a:xfrm>
             <a:off x="2102400" y="5233320"/>
-            <a:ext cx="873720" cy="950040"/>
+            <a:ext cx="873360" cy="949680"/>
           </a:xfrm>
           <a:prstGeom prst="rect">
             <a:avLst/>
@@ -3301,7 +3301,7 @@
         <p:spPr>
           <a:xfrm>
             <a:off x="2102400" y="5233320"/>
-            <a:ext cx="873720" cy="950040"/>
+            <a:ext cx="873360" cy="949680"/>
           </a:xfrm>
           <a:prstGeom prst="rect">
             <a:avLst/>
@@ -3320,7 +3320,7 @@
         <p:spPr>
           <a:xfrm>
             <a:off x="632520" y="151560"/>
-            <a:ext cx="1216800" cy="1423080"/>
+            <a:ext cx="1216440" cy="1422720"/>
           </a:xfrm>
           <a:prstGeom prst="actionButtonBlank">
             <a:avLst/>
@@ -3394,7 +3394,7 @@
         <p:spPr>
           <a:xfrm>
             <a:off x="1431720" y="3664440"/>
-            <a:ext cx="1216800" cy="333000"/>
+            <a:ext cx="1216440" cy="333000"/>
           </a:xfrm>
           <a:prstGeom prst="rect">
             <a:avLst/>
@@ -3447,7 +3447,7 @@
         <p:spPr>
           <a:xfrm>
             <a:off x="3900960" y="3664440"/>
-            <a:ext cx="837000" cy="333000"/>
+            <a:ext cx="836640" cy="333000"/>
           </a:xfrm>
           <a:prstGeom prst="rect">
             <a:avLst/>
@@ -3500,7 +3500,7 @@
         <p:spPr>
           <a:xfrm>
             <a:off x="1431720" y="4161960"/>
-            <a:ext cx="1216800" cy="333000"/>
+            <a:ext cx="1216440" cy="333000"/>
           </a:xfrm>
           <a:prstGeom prst="rect">
             <a:avLst/>
@@ -3553,7 +3553,7 @@
         <p:spPr>
           <a:xfrm>
             <a:off x="3900960" y="4161960"/>
-            <a:ext cx="837000" cy="333000"/>
+            <a:ext cx="836640" cy="333000"/>
           </a:xfrm>
           <a:prstGeom prst="rect">
             <a:avLst/>
@@ -3606,7 +3606,7 @@
         <p:spPr>
           <a:xfrm>
             <a:off x="1431720" y="4659840"/>
-            <a:ext cx="1216800" cy="333000"/>
+            <a:ext cx="1216440" cy="333000"/>
           </a:xfrm>
           <a:prstGeom prst="rect">
             <a:avLst/>
@@ -3659,7 +3659,7 @@
         <p:spPr>
           <a:xfrm>
             <a:off x="3900960" y="4659840"/>
-            <a:ext cx="837000" cy="333000"/>
+            <a:ext cx="836640" cy="333000"/>
           </a:xfrm>
           <a:prstGeom prst="rect">
             <a:avLst/>
@@ -3712,7 +3712,7 @@
         <p:spPr>
           <a:xfrm>
             <a:off x="1431720" y="5175000"/>
-            <a:ext cx="1216800" cy="333000"/>
+            <a:ext cx="1216440" cy="333000"/>
           </a:xfrm>
           <a:prstGeom prst="rect">
             <a:avLst/>
@@ -3765,7 +3765,7 @@
         <p:spPr>
           <a:xfrm>
             <a:off x="3900960" y="5175000"/>
-            <a:ext cx="837000" cy="333000"/>
+            <a:ext cx="836640" cy="333000"/>
           </a:xfrm>
           <a:prstGeom prst="rect">
             <a:avLst/>
@@ -3818,7 +3818,7 @@
         <p:spPr>
           <a:xfrm>
             <a:off x="1431720" y="5690160"/>
-            <a:ext cx="1216800" cy="333000"/>
+            <a:ext cx="1216440" cy="333000"/>
           </a:xfrm>
           <a:prstGeom prst="rect">
             <a:avLst/>
@@ -3871,7 +3871,7 @@
         <p:spPr>
           <a:xfrm>
             <a:off x="3900960" y="5690160"/>
-            <a:ext cx="837000" cy="333000"/>
+            <a:ext cx="836640" cy="333000"/>
           </a:xfrm>
           <a:prstGeom prst="rect">
             <a:avLst/>
@@ -3924,7 +3924,7 @@
         <p:spPr>
           <a:xfrm>
             <a:off x="3810600" y="1341720"/>
-            <a:ext cx="1216800" cy="302760"/>
+            <a:ext cx="1216440" cy="302760"/>
           </a:xfrm>
           <a:prstGeom prst="rect">
             <a:avLst/>
@@ -4017,7 +4017,7 @@
         <p:spPr>
           <a:xfrm>
             <a:off x="2333160" y="1365120"/>
-            <a:ext cx="1216800" cy="302760"/>
+            <a:ext cx="1216440" cy="302760"/>
           </a:xfrm>
           <a:prstGeom prst="rect">
             <a:avLst/>
@@ -4070,7 +4070,7 @@
         <p:spPr>
           <a:xfrm>
             <a:off x="2333160" y="1992960"/>
-            <a:ext cx="1216800" cy="302760"/>
+            <a:ext cx="1216440" cy="302760"/>
           </a:xfrm>
           <a:prstGeom prst="rect">
             <a:avLst/>
@@ -4123,7 +4123,7 @@
         <p:spPr>
           <a:xfrm>
             <a:off x="6663960" y="2344680"/>
-            <a:ext cx="2865240" cy="2647080"/>
+            <a:ext cx="2864880" cy="2647080"/>
           </a:xfrm>
           <a:prstGeom prst="rect">
             <a:avLst/>
@@ -4290,7 +4290,7 @@
         <p:spPr>
           <a:xfrm>
             <a:off x="1394280" y="2550960"/>
-            <a:ext cx="468360" cy="462960"/>
+            <a:ext cx="468000" cy="462600"/>
           </a:xfrm>
           <a:prstGeom prst="rect">
             <a:avLst/>
@@ -4313,7 +4313,7 @@
         <p:spPr>
           <a:xfrm>
             <a:off x="1394280" y="2550960"/>
-            <a:ext cx="468360" cy="462960"/>
+            <a:ext cx="468000" cy="462600"/>
           </a:xfrm>
           <a:prstGeom prst="rect">
             <a:avLst/>
@@ -4336,7 +4336,7 @@
         <p:spPr>
           <a:xfrm>
             <a:off x="1394280" y="2550960"/>
-            <a:ext cx="468360" cy="462960"/>
+            <a:ext cx="468000" cy="462600"/>
           </a:xfrm>
           <a:prstGeom prst="rect">
             <a:avLst/>
@@ -4359,7 +4359,7 @@
         <p:spPr>
           <a:xfrm>
             <a:off x="1394280" y="2550960"/>
-            <a:ext cx="468360" cy="462960"/>
+            <a:ext cx="468000" cy="462600"/>
           </a:xfrm>
           <a:prstGeom prst="rect">
             <a:avLst/>
@@ -4382,7 +4382,7 @@
         <p:spPr>
           <a:xfrm>
             <a:off x="1394280" y="2550960"/>
-            <a:ext cx="468360" cy="462960"/>
+            <a:ext cx="468000" cy="462600"/>
           </a:xfrm>
           <a:prstGeom prst="rect">
             <a:avLst/>
@@ -4405,7 +4405,7 @@
         <p:spPr>
           <a:xfrm>
             <a:off x="1394280" y="2550960"/>
-            <a:ext cx="468360" cy="462960"/>
+            <a:ext cx="468000" cy="462600"/>
           </a:xfrm>
           <a:prstGeom prst="rect">
             <a:avLst/>
@@ -4428,7 +4428,7 @@
         <p:spPr>
           <a:xfrm>
             <a:off x="1394280" y="2550960"/>
-            <a:ext cx="468360" cy="462960"/>
+            <a:ext cx="468000" cy="462600"/>
           </a:xfrm>
           <a:prstGeom prst="rect">
             <a:avLst/>
@@ -4447,7 +4447,7 @@
         <p:spPr>
           <a:xfrm>
             <a:off x="632520" y="151560"/>
-            <a:ext cx="1216800" cy="1423080"/>
+            <a:ext cx="1216440" cy="1422720"/>
           </a:xfrm>
           <a:prstGeom prst="actionButtonBlank">
             <a:avLst/>
@@ -4521,7 +4521,7 @@
         <p:spPr>
           <a:xfrm>
             <a:off x="2333160" y="1212480"/>
-            <a:ext cx="1216800" cy="302760"/>
+            <a:ext cx="1216440" cy="302760"/>
           </a:xfrm>
           <a:prstGeom prst="rect">
             <a:avLst/>
@@ -4574,7 +4574,7 @@
         <p:spPr>
           <a:xfrm>
             <a:off x="395280" y="3306600"/>
-            <a:ext cx="9112680" cy="3009960"/>
+            <a:ext cx="9112320" cy="3009960"/>
           </a:xfrm>
           <a:prstGeom prst="rect">
             <a:avLst/>
@@ -4737,7 +4737,7 @@
         <p:spPr>
           <a:xfrm>
             <a:off x="7448400" y="677880"/>
-            <a:ext cx="576720" cy="729000"/>
+            <a:ext cx="576360" cy="729000"/>
           </a:xfrm>
           <a:prstGeom prst="rect">
             <a:avLst/>
@@ -4790,7 +4790,7 @@
         <p:spPr>
           <a:xfrm>
             <a:off x="632520" y="151560"/>
-            <a:ext cx="1216800" cy="1423080"/>
+            <a:ext cx="1216440" cy="1422720"/>
           </a:xfrm>
           <a:prstGeom prst="actionButtonBlank">
             <a:avLst/>
@@ -4864,7 +4864,7 @@
         <p:spPr>
           <a:xfrm>
             <a:off x="1262880" y="3398040"/>
-            <a:ext cx="1216800" cy="333000"/>
+            <a:ext cx="1216440" cy="333000"/>
           </a:xfrm>
           <a:prstGeom prst="rect">
             <a:avLst/>
@@ -4917,7 +4917,7 @@
         <p:spPr>
           <a:xfrm>
             <a:off x="1137600" y="3769560"/>
-            <a:ext cx="937440" cy="333000"/>
+            <a:ext cx="937080" cy="333000"/>
           </a:xfrm>
           <a:prstGeom prst="rect">
             <a:avLst/>
@@ -4970,7 +4970,7 @@
         <p:spPr>
           <a:xfrm>
             <a:off x="2449080" y="1236960"/>
-            <a:ext cx="937440" cy="335880"/>
+            <a:ext cx="937080" cy="335520"/>
           </a:xfrm>
           <a:prstGeom prst="rect">
             <a:avLst/>
@@ -4998,7 +4998,7 @@
         <p:spPr>
           <a:xfrm>
             <a:off x="2238120" y="1710360"/>
-            <a:ext cx="937440" cy="335880"/>
+            <a:ext cx="937080" cy="335520"/>
           </a:xfrm>
           <a:prstGeom prst="rect">
             <a:avLst/>
@@ -5026,7 +5026,7 @@
         <p:spPr>
           <a:xfrm>
             <a:off x="2449080" y="2202120"/>
-            <a:ext cx="937440" cy="335880"/>
+            <a:ext cx="937080" cy="335520"/>
           </a:xfrm>
           <a:prstGeom prst="rect">
             <a:avLst/>
@@ -5058,7 +5058,7 @@
         <p:spPr>
           <a:xfrm>
             <a:off x="6446880" y="5141160"/>
-            <a:ext cx="601560" cy="654120"/>
+            <a:ext cx="601200" cy="653760"/>
           </a:xfrm>
           <a:prstGeom prst="rect">
             <a:avLst/>
@@ -5117,7 +5117,7 @@
         <p:spPr>
           <a:xfrm>
             <a:off x="5226120" y="2250360"/>
-            <a:ext cx="4276080" cy="305280"/>
+            <a:ext cx="4275720" cy="304920"/>
           </a:xfrm>
           <a:prstGeom prst="rect">
             <a:avLst/>
@@ -5145,7 +5145,7 @@
         <p:spPr>
           <a:xfrm>
             <a:off x="6542640" y="2935080"/>
-            <a:ext cx="2959560" cy="305280"/>
+            <a:ext cx="2959200" cy="304920"/>
           </a:xfrm>
           <a:prstGeom prst="rect">
             <a:avLst/>
@@ -5173,7 +5173,7 @@
         <p:spPr>
           <a:xfrm>
             <a:off x="5226120" y="3465720"/>
-            <a:ext cx="4276080" cy="305280"/>
+            <a:ext cx="4275720" cy="304920"/>
           </a:xfrm>
           <a:prstGeom prst="rect">
             <a:avLst/>
@@ -5201,7 +5201,7 @@
         <p:spPr>
           <a:xfrm>
             <a:off x="5211000" y="4381920"/>
-            <a:ext cx="4276080" cy="2558520"/>
+            <a:ext cx="4275720" cy="2558520"/>
           </a:xfrm>
           <a:prstGeom prst="rect">
             <a:avLst/>
@@ -5324,7 +5324,7 @@
         <p:spPr>
           <a:xfrm>
             <a:off x="9058320" y="669600"/>
-            <a:ext cx="633960" cy="302760"/>
+            <a:ext cx="633600" cy="302760"/>
           </a:xfrm>
           <a:prstGeom prst="rect">
             <a:avLst/>
@@ -5377,7 +5377,7 @@
         <p:spPr>
           <a:xfrm>
             <a:off x="7286400" y="669600"/>
-            <a:ext cx="931320" cy="302760"/>
+            <a:ext cx="930960" cy="302760"/>
           </a:xfrm>
           <a:prstGeom prst="rect">
             <a:avLst/>
@@ -5430,7 +5430,7 @@
         <p:spPr>
           <a:xfrm>
             <a:off x="8629560" y="3825720"/>
-            <a:ext cx="873000" cy="305280"/>
+            <a:ext cx="872640" cy="304920"/>
           </a:xfrm>
           <a:prstGeom prst="rect">
             <a:avLst/>
@@ -5458,7 +5458,7 @@
         <p:spPr>
           <a:xfrm>
             <a:off x="632520" y="151560"/>
-            <a:ext cx="1216800" cy="1423080"/>
+            <a:ext cx="1216440" cy="1422720"/>
           </a:xfrm>
           <a:prstGeom prst="actionButtonBlank">
             <a:avLst/>
@@ -5532,7 +5532,7 @@
         <p:spPr>
           <a:xfrm>
             <a:off x="918000" y="1666800"/>
-            <a:ext cx="6239160" cy="912600"/>
+            <a:ext cx="6238800" cy="912600"/>
           </a:xfrm>
           <a:prstGeom prst="rect">
             <a:avLst/>
@@ -5599,7 +5599,7 @@
         <p:spPr>
           <a:xfrm>
             <a:off x="3167280" y="6031800"/>
-            <a:ext cx="394560" cy="375480"/>
+            <a:ext cx="394200" cy="375120"/>
           </a:xfrm>
           <a:prstGeom prst="rect">
             <a:avLst/>
@@ -5622,7 +5622,7 @@
         <p:spPr>
           <a:xfrm>
             <a:off x="3167280" y="6031800"/>
-            <a:ext cx="394560" cy="375480"/>
+            <a:ext cx="394200" cy="375120"/>
           </a:xfrm>
           <a:prstGeom prst="rect">
             <a:avLst/>
@@ -5645,7 +5645,7 @@
         <p:spPr>
           <a:xfrm>
             <a:off x="3167280" y="6031800"/>
-            <a:ext cx="394560" cy="375480"/>
+            <a:ext cx="394200" cy="375120"/>
           </a:xfrm>
           <a:prstGeom prst="rect">
             <a:avLst/>
@@ -5668,7 +5668,7 @@
         <p:spPr>
           <a:xfrm>
             <a:off x="3167280" y="6031800"/>
-            <a:ext cx="394560" cy="375480"/>
+            <a:ext cx="394200" cy="375120"/>
           </a:xfrm>
           <a:prstGeom prst="rect">
             <a:avLst/>
@@ -5691,7 +5691,7 @@
         <p:spPr>
           <a:xfrm>
             <a:off x="3167280" y="6031800"/>
-            <a:ext cx="394560" cy="375480"/>
+            <a:ext cx="394200" cy="375120"/>
           </a:xfrm>
           <a:prstGeom prst="rect">
             <a:avLst/>
@@ -5714,7 +5714,7 @@
         <p:spPr>
           <a:xfrm>
             <a:off x="3167280" y="6031800"/>
-            <a:ext cx="394560" cy="375480"/>
+            <a:ext cx="394200" cy="375120"/>
           </a:xfrm>
           <a:prstGeom prst="rect">
             <a:avLst/>
@@ -5737,7 +5737,7 @@
         <p:spPr>
           <a:xfrm>
             <a:off x="3167280" y="6031800"/>
-            <a:ext cx="394560" cy="375480"/>
+            <a:ext cx="394200" cy="375120"/>
           </a:xfrm>
           <a:prstGeom prst="rect">
             <a:avLst/>
@@ -5760,7 +5760,7 @@
         <p:spPr>
           <a:xfrm>
             <a:off x="3167280" y="6031800"/>
-            <a:ext cx="394560" cy="375480"/>
+            <a:ext cx="394200" cy="375120"/>
           </a:xfrm>
           <a:prstGeom prst="rect">
             <a:avLst/>
@@ -5783,7 +5783,7 @@
         <p:spPr>
           <a:xfrm>
             <a:off x="3167280" y="6031800"/>
-            <a:ext cx="394560" cy="375480"/>
+            <a:ext cx="394200" cy="375120"/>
           </a:xfrm>
           <a:prstGeom prst="rect">
             <a:avLst/>
@@ -5806,7 +5806,7 @@
         <p:spPr>
           <a:xfrm>
             <a:off x="3167280" y="6031800"/>
-            <a:ext cx="394560" cy="375480"/>
+            <a:ext cx="394200" cy="375120"/>
           </a:xfrm>
           <a:prstGeom prst="rect">
             <a:avLst/>
@@ -5945,7 +5945,7 @@
         <p:spPr>
           <a:xfrm>
             <a:off x="561960" y="4649040"/>
-            <a:ext cx="5378400" cy="1581480"/>
+            <a:ext cx="5378040" cy="1581480"/>
           </a:xfrm>
           <a:prstGeom prst="rect">
             <a:avLst/>
@@ -6058,7 +6058,7 @@
         <p:spPr>
           <a:xfrm>
             <a:off x="2204640" y="1626480"/>
-            <a:ext cx="1216800" cy="302760"/>
+            <a:ext cx="1216440" cy="302760"/>
           </a:xfrm>
           <a:prstGeom prst="rect">
             <a:avLst/>
@@ -6115,7 +6115,7 @@
         <p:spPr>
           <a:xfrm>
             <a:off x="5280120" y="2794320"/>
-            <a:ext cx="394560" cy="375480"/>
+            <a:ext cx="394200" cy="375120"/>
           </a:xfrm>
           <a:prstGeom prst="rect">
             <a:avLst/>
@@ -6138,7 +6138,7 @@
         <p:spPr>
           <a:xfrm>
             <a:off x="5280120" y="2794320"/>
-            <a:ext cx="394560" cy="375480"/>
+            <a:ext cx="394200" cy="375120"/>
           </a:xfrm>
           <a:prstGeom prst="rect">
             <a:avLst/>
@@ -6157,7 +6157,7 @@
         <p:spPr>
           <a:xfrm>
             <a:off x="632520" y="151560"/>
-            <a:ext cx="1216800" cy="1423080"/>
+            <a:ext cx="1216440" cy="1422720"/>
           </a:xfrm>
           <a:prstGeom prst="actionButtonBlank">
             <a:avLst/>
@@ -6271,7 +6271,7 @@
         <p:spPr>
           <a:xfrm>
             <a:off x="689040" y="3983400"/>
-            <a:ext cx="1040040" cy="1040040"/>
+            <a:ext cx="1039680" cy="1039680"/>
           </a:xfrm>
           <a:prstGeom prst="actionButtonBlank">
             <a:avLst/>
@@ -6305,7 +6305,7 @@
         <p:spPr>
           <a:xfrm>
             <a:off x="2564280" y="1349640"/>
-            <a:ext cx="1040040" cy="1040040"/>
+            <a:ext cx="1039680" cy="1039680"/>
           </a:xfrm>
           <a:prstGeom prst="actionButtonBlank">
             <a:avLst/>
@@ -6339,7 +6339,7 @@
         <p:spPr>
           <a:xfrm>
             <a:off x="689040" y="2822400"/>
-            <a:ext cx="1040040" cy="1040040"/>
+            <a:ext cx="1039680" cy="1039680"/>
           </a:xfrm>
           <a:prstGeom prst="actionButtonBlank">
             <a:avLst/>
@@ -6373,7 +6373,7 @@
         <p:spPr>
           <a:xfrm>
             <a:off x="1396800" y="1721520"/>
-            <a:ext cx="1040040" cy="1040040"/>
+            <a:ext cx="1039680" cy="1039680"/>
           </a:xfrm>
           <a:prstGeom prst="actionButtonBlank">
             <a:avLst/>
@@ -6407,7 +6407,7 @@
         <p:spPr>
           <a:xfrm>
             <a:off x="3679200" y="1721520"/>
-            <a:ext cx="1040040" cy="1040040"/>
+            <a:ext cx="1039680" cy="1039680"/>
           </a:xfrm>
           <a:prstGeom prst="actionButtonBlank">
             <a:avLst/>
@@ -6441,7 +6441,7 @@
         <p:spPr>
           <a:xfrm>
             <a:off x="4431960" y="2791440"/>
-            <a:ext cx="1040040" cy="1040040"/>
+            <a:ext cx="1039680" cy="1039680"/>
           </a:xfrm>
           <a:prstGeom prst="actionButtonBlank">
             <a:avLst/>
@@ -6475,7 +6475,7 @@
         <p:spPr>
           <a:xfrm>
             <a:off x="4431960" y="3983400"/>
-            <a:ext cx="1040040" cy="1040040"/>
+            <a:ext cx="1039680" cy="1039680"/>
           </a:xfrm>
           <a:prstGeom prst="actionButtonBlank">
             <a:avLst/>
@@ -6509,7 +6509,7 @@
         <p:spPr>
           <a:xfrm>
             <a:off x="5607720" y="5348520"/>
-            <a:ext cx="1040040" cy="1040040"/>
+            <a:ext cx="1039680" cy="1039680"/>
           </a:xfrm>
           <a:prstGeom prst="actionButtonBlank">
             <a:avLst/>
@@ -6543,7 +6543,7 @@
         <p:spPr>
           <a:xfrm>
             <a:off x="7511040" y="5014080"/>
-            <a:ext cx="1040040" cy="1040040"/>
+            <a:ext cx="1039680" cy="1039680"/>
           </a:xfrm>
           <a:prstGeom prst="actionButtonBlank">
             <a:avLst/>
@@ -6577,7 +6577,7 @@
         <p:spPr>
           <a:xfrm>
             <a:off x="8174520" y="3944520"/>
-            <a:ext cx="1040040" cy="1040040"/>
+            <a:ext cx="1039680" cy="1039680"/>
           </a:xfrm>
           <a:prstGeom prst="actionButtonBlank">
             <a:avLst/>
@@ -6691,7 +6691,7 @@
         <p:spPr>
           <a:xfrm>
             <a:off x="595080" y="3646440"/>
-            <a:ext cx="2502720" cy="729000"/>
+            <a:ext cx="2502360" cy="729000"/>
           </a:xfrm>
           <a:prstGeom prst="rect">
             <a:avLst/>
@@ -6784,7 +6784,7 @@
         <p:spPr>
           <a:xfrm>
             <a:off x="624600" y="248040"/>
-            <a:ext cx="1216800" cy="1423080"/>
+            <a:ext cx="1216440" cy="1422720"/>
           </a:xfrm>
           <a:prstGeom prst="actionButtonBlank">
             <a:avLst/>
@@ -6818,7 +6818,7 @@
         <p:spPr>
           <a:xfrm>
             <a:off x="2333160" y="1108800"/>
-            <a:ext cx="1216800" cy="302760"/>
+            <a:ext cx="1216440" cy="302760"/>
           </a:xfrm>
           <a:prstGeom prst="rect">
             <a:avLst/>
@@ -6871,7 +6871,7 @@
         <p:spPr>
           <a:xfrm>
             <a:off x="2333160" y="1736640"/>
-            <a:ext cx="1216800" cy="302760"/>
+            <a:ext cx="1216440" cy="302760"/>
           </a:xfrm>
           <a:prstGeom prst="rect">
             <a:avLst/>
@@ -6924,7 +6924,7 @@
         <p:spPr>
           <a:xfrm>
             <a:off x="518760" y="5123160"/>
-            <a:ext cx="3230640" cy="1155240"/>
+            <a:ext cx="3230280" cy="1155240"/>
           </a:xfrm>
           <a:prstGeom prst="rect">
             <a:avLst/>
@@ -7037,7 +7037,7 @@
         <p:spPr>
           <a:xfrm>
             <a:off x="3611880" y="3591000"/>
-            <a:ext cx="2502720" cy="729000"/>
+            <a:ext cx="2502360" cy="729000"/>
           </a:xfrm>
           <a:prstGeom prst="rect">
             <a:avLst/>
@@ -7100,7 +7100,7 @@
         <p:spPr>
           <a:xfrm>
             <a:off x="6634800" y="3658320"/>
-            <a:ext cx="2502720" cy="729000"/>
+            <a:ext cx="2502360" cy="729000"/>
           </a:xfrm>
           <a:prstGeom prst="rect">
             <a:avLst/>
@@ -7163,7 +7163,7 @@
         <p:spPr>
           <a:xfrm>
             <a:off x="3961440" y="5123160"/>
-            <a:ext cx="5308200" cy="1581480"/>
+            <a:ext cx="5307840" cy="1581480"/>
           </a:xfrm>
           <a:prstGeom prst="rect">
             <a:avLst/>
@@ -7280,7 +7280,7 @@
         <p:spPr>
           <a:xfrm>
             <a:off x="720000" y="3528000"/>
-            <a:ext cx="394560" cy="375480"/>
+            <a:ext cx="394200" cy="375120"/>
           </a:xfrm>
           <a:prstGeom prst="rect">
             <a:avLst/>
@@ -7303,7 +7303,7 @@
         <p:spPr>
           <a:xfrm>
             <a:off x="5400000" y="3024000"/>
-            <a:ext cx="394560" cy="375480"/>
+            <a:ext cx="394200" cy="375120"/>
           </a:xfrm>
           <a:prstGeom prst="rect">
             <a:avLst/>
@@ -7326,7 +7326,7 @@
         <p:spPr>
           <a:xfrm>
             <a:off x="755280" y="2430360"/>
-            <a:ext cx="394560" cy="375480"/>
+            <a:ext cx="394200" cy="375120"/>
           </a:xfrm>
           <a:prstGeom prst="rect">
             <a:avLst/>
@@ -7349,7 +7349,7 @@
         <p:spPr>
           <a:xfrm>
             <a:off x="755280" y="2214360"/>
-            <a:ext cx="394560" cy="375480"/>
+            <a:ext cx="394200" cy="375120"/>
           </a:xfrm>
           <a:prstGeom prst="rect">
             <a:avLst/>
@@ -7372,7 +7372,7 @@
         <p:spPr>
           <a:xfrm>
             <a:off x="2843640" y="3096000"/>
-            <a:ext cx="394560" cy="375480"/>
+            <a:ext cx="394200" cy="375120"/>
           </a:xfrm>
           <a:prstGeom prst="rect">
             <a:avLst/>
@@ -7395,7 +7395,7 @@
         <p:spPr>
           <a:xfrm>
             <a:off x="755280" y="2646720"/>
-            <a:ext cx="394560" cy="375480"/>
+            <a:ext cx="394200" cy="375120"/>
           </a:xfrm>
           <a:prstGeom prst="rect">
             <a:avLst/>
@@ -7418,7 +7418,7 @@
         <p:spPr>
           <a:xfrm>
             <a:off x="8603640" y="3096000"/>
-            <a:ext cx="394560" cy="375480"/>
+            <a:ext cx="394200" cy="375120"/>
           </a:xfrm>
           <a:prstGeom prst="rect">
             <a:avLst/>
@@ -7441,7 +7441,7 @@
         <p:spPr>
           <a:xfrm>
             <a:off x="2627640" y="4464000"/>
-            <a:ext cx="394560" cy="375480"/>
+            <a:ext cx="394200" cy="375120"/>
           </a:xfrm>
           <a:prstGeom prst="rect">
             <a:avLst/>
@@ -7464,7 +7464,7 @@
         <p:spPr>
           <a:xfrm>
             <a:off x="9000000" y="4518720"/>
-            <a:ext cx="394560" cy="375480"/>
+            <a:ext cx="394200" cy="375120"/>
           </a:xfrm>
           <a:prstGeom prst="rect">
             <a:avLst/>
@@ -7523,7 +7523,7 @@
         <p:spPr>
           <a:xfrm>
             <a:off x="5263920" y="2664360"/>
-            <a:ext cx="4051440" cy="302760"/>
+            <a:ext cx="4051080" cy="302760"/>
           </a:xfrm>
           <a:prstGeom prst="rect">
             <a:avLst/>
@@ -7576,7 +7576,7 @@
         <p:spPr>
           <a:xfrm>
             <a:off x="5263920" y="3362400"/>
-            <a:ext cx="4051440" cy="302760"/>
+            <a:ext cx="4051080" cy="302760"/>
           </a:xfrm>
           <a:prstGeom prst="rect">
             <a:avLst/>
@@ -7629,7 +7629,7 @@
         <p:spPr>
           <a:xfrm>
             <a:off x="5270760" y="4060800"/>
-            <a:ext cx="4042800" cy="2220840"/>
+            <a:ext cx="4042440" cy="2220840"/>
           </a:xfrm>
           <a:prstGeom prst="rect">
             <a:avLst/>
@@ -7762,7 +7762,7 @@
         <p:spPr>
           <a:xfrm>
             <a:off x="2319120" y="1343880"/>
-            <a:ext cx="1216800" cy="302760"/>
+            <a:ext cx="1216440" cy="302760"/>
           </a:xfrm>
           <a:prstGeom prst="rect">
             <a:avLst/>
@@ -7815,7 +7815,7 @@
         <p:spPr>
           <a:xfrm>
             <a:off x="632520" y="151560"/>
-            <a:ext cx="1216800" cy="1423080"/>
+            <a:ext cx="1216440" cy="1422720"/>
           </a:xfrm>
           <a:prstGeom prst="actionButtonBlank">
             <a:avLst/>
@@ -7889,7 +7889,7 @@
         <p:spPr>
           <a:xfrm>
             <a:off x="2333160" y="1212480"/>
-            <a:ext cx="1216800" cy="302760"/>
+            <a:ext cx="1216440" cy="302760"/>
           </a:xfrm>
           <a:prstGeom prst="rect">
             <a:avLst/>
@@ -7942,7 +7942,7 @@
         <p:spPr>
           <a:xfrm>
             <a:off x="8011440" y="2088720"/>
-            <a:ext cx="1216800" cy="302760"/>
+            <a:ext cx="1216440" cy="302760"/>
           </a:xfrm>
           <a:prstGeom prst="rect">
             <a:avLst/>
@@ -7995,7 +7995,7 @@
         <p:spPr>
           <a:xfrm>
             <a:off x="2333160" y="1840680"/>
-            <a:ext cx="1216800" cy="302760"/>
+            <a:ext cx="1216440" cy="302760"/>
           </a:xfrm>
           <a:prstGeom prst="rect">
             <a:avLst/>
@@ -8048,7 +8048,7 @@
         <p:spPr>
           <a:xfrm>
             <a:off x="6762600" y="954720"/>
-            <a:ext cx="1564920" cy="148320"/>
+            <a:ext cx="1564560" cy="147960"/>
           </a:xfrm>
           <a:prstGeom prst="rect">
             <a:avLst/>
@@ -8082,7 +8082,7 @@
         <p:spPr>
           <a:xfrm>
             <a:off x="632520" y="151560"/>
-            <a:ext cx="1216800" cy="1423080"/>
+            <a:ext cx="1216440" cy="1422720"/>
           </a:xfrm>
           <a:prstGeom prst="actionButtonBlank">
             <a:avLst/>
@@ -8120,7 +8120,7 @@
         <p:spPr>
           <a:xfrm>
             <a:off x="3456000" y="5023800"/>
-            <a:ext cx="394560" cy="375480"/>
+            <a:ext cx="394200" cy="375120"/>
           </a:xfrm>
           <a:prstGeom prst="rect">
             <a:avLst/>
@@ -8143,7 +8143,7 @@
         <p:spPr>
           <a:xfrm>
             <a:off x="1836720" y="4536000"/>
-            <a:ext cx="394560" cy="375480"/>
+            <a:ext cx="394200" cy="375120"/>
           </a:xfrm>
           <a:prstGeom prst="rect">
             <a:avLst/>
@@ -8166,7 +8166,7 @@
         <p:spPr>
           <a:xfrm>
             <a:off x="1044720" y="3871800"/>
-            <a:ext cx="394560" cy="375480"/>
+            <a:ext cx="394200" cy="375120"/>
           </a:xfrm>
           <a:prstGeom prst="rect">
             <a:avLst/>
@@ -8189,7 +8189,7 @@
         <p:spPr>
           <a:xfrm>
             <a:off x="1044720" y="3096000"/>
-            <a:ext cx="394560" cy="375480"/>
+            <a:ext cx="394200" cy="375120"/>
           </a:xfrm>
           <a:prstGeom prst="rect">
             <a:avLst/>
@@ -8212,7 +8212,7 @@
         <p:spPr>
           <a:xfrm>
             <a:off x="5400000" y="3151800"/>
-            <a:ext cx="394560" cy="375480"/>
+            <a:ext cx="394200" cy="375120"/>
           </a:xfrm>
           <a:prstGeom prst="rect">
             <a:avLst/>
@@ -8235,7 +8235,7 @@
         <p:spPr>
           <a:xfrm>
             <a:off x="5364720" y="3888000"/>
-            <a:ext cx="394560" cy="375480"/>
+            <a:ext cx="394200" cy="375120"/>
           </a:xfrm>
           <a:prstGeom prst="rect">
             <a:avLst/>
@@ -8258,7 +8258,7 @@
         <p:spPr>
           <a:xfrm>
             <a:off x="4644720" y="4591800"/>
-            <a:ext cx="394560" cy="375480"/>
+            <a:ext cx="394200" cy="375120"/>
           </a:xfrm>
           <a:prstGeom prst="rect">
             <a:avLst/>
@@ -8321,7 +8321,7 @@
         <p:spPr>
           <a:xfrm>
             <a:off x="9402840" y="6443280"/>
-            <a:ext cx="277200" cy="335160"/>
+            <a:ext cx="276840" cy="334800"/>
           </a:xfrm>
           <a:prstGeom prst="rect">
             <a:avLst/>
@@ -8344,7 +8344,7 @@
         <p:spPr>
           <a:xfrm>
             <a:off x="9402840" y="6443280"/>
-            <a:ext cx="277200" cy="335160"/>
+            <a:ext cx="276840" cy="334800"/>
           </a:xfrm>
           <a:prstGeom prst="rect">
             <a:avLst/>
@@ -8367,7 +8367,7 @@
         <p:spPr>
           <a:xfrm>
             <a:off x="9402840" y="6443280"/>
-            <a:ext cx="277200" cy="335160"/>
+            <a:ext cx="276840" cy="334800"/>
           </a:xfrm>
           <a:prstGeom prst="rect">
             <a:avLst/>
@@ -8390,7 +8390,7 @@
         <p:spPr>
           <a:xfrm>
             <a:off x="9402840" y="6443280"/>
-            <a:ext cx="277200" cy="335160"/>
+            <a:ext cx="276840" cy="334800"/>
           </a:xfrm>
           <a:prstGeom prst="rect">
             <a:avLst/>
@@ -8413,7 +8413,7 @@
         <p:spPr>
           <a:xfrm>
             <a:off x="9402840" y="6443280"/>
-            <a:ext cx="277200" cy="335160"/>
+            <a:ext cx="276840" cy="334800"/>
           </a:xfrm>
           <a:prstGeom prst="rect">
             <a:avLst/>
@@ -8436,7 +8436,7 @@
         <p:spPr>
           <a:xfrm>
             <a:off x="9402840" y="6443280"/>
-            <a:ext cx="277200" cy="335160"/>
+            <a:ext cx="276840" cy="334800"/>
           </a:xfrm>
           <a:prstGeom prst="rect">
             <a:avLst/>
@@ -8459,7 +8459,7 @@
         <p:spPr>
           <a:xfrm>
             <a:off x="9402840" y="6443280"/>
-            <a:ext cx="277200" cy="335160"/>
+            <a:ext cx="276840" cy="334800"/>
           </a:xfrm>
           <a:prstGeom prst="rect">
             <a:avLst/>
@@ -8482,7 +8482,7 @@
         <p:spPr>
           <a:xfrm>
             <a:off x="9402840" y="6443280"/>
-            <a:ext cx="277200" cy="335160"/>
+            <a:ext cx="276840" cy="334800"/>
           </a:xfrm>
           <a:prstGeom prst="rect">
             <a:avLst/>
@@ -8505,7 +8505,7 @@
         <p:spPr>
           <a:xfrm>
             <a:off x="9402840" y="6443280"/>
-            <a:ext cx="277200" cy="335160"/>
+            <a:ext cx="276840" cy="334800"/>
           </a:xfrm>
           <a:prstGeom prst="rect">
             <a:avLst/>
@@ -8528,7 +8528,7 @@
         <p:spPr>
           <a:xfrm>
             <a:off x="9402840" y="6443280"/>
-            <a:ext cx="277200" cy="335160"/>
+            <a:ext cx="276840" cy="334800"/>
           </a:xfrm>
           <a:prstGeom prst="rect">
             <a:avLst/>
@@ -8551,7 +8551,7 @@
         <p:spPr>
           <a:xfrm>
             <a:off x="9402840" y="6443280"/>
-            <a:ext cx="277200" cy="335160"/>
+            <a:ext cx="276840" cy="334800"/>
           </a:xfrm>
           <a:prstGeom prst="rect">
             <a:avLst/>
@@ -8574,7 +8574,7 @@
         <p:spPr>
           <a:xfrm>
             <a:off x="9402840" y="6443280"/>
-            <a:ext cx="277200" cy="335160"/>
+            <a:ext cx="276840" cy="334800"/>
           </a:xfrm>
           <a:prstGeom prst="rect">
             <a:avLst/>
@@ -8597,7 +8597,7 @@
         <p:spPr>
           <a:xfrm>
             <a:off x="9402840" y="6443280"/>
-            <a:ext cx="277200" cy="335160"/>
+            <a:ext cx="276840" cy="334800"/>
           </a:xfrm>
           <a:prstGeom prst="rect">
             <a:avLst/>
@@ -8620,7 +8620,7 @@
         <p:spPr>
           <a:xfrm>
             <a:off x="9402840" y="6443280"/>
-            <a:ext cx="277200" cy="335160"/>
+            <a:ext cx="276840" cy="334800"/>
           </a:xfrm>
           <a:prstGeom prst="rect">
             <a:avLst/>
@@ -8643,7 +8643,7 @@
         <p:spPr>
           <a:xfrm>
             <a:off x="9402840" y="6443280"/>
-            <a:ext cx="277200" cy="335160"/>
+            <a:ext cx="276840" cy="334800"/>
           </a:xfrm>
           <a:prstGeom prst="rect">
             <a:avLst/>
@@ -8666,7 +8666,7 @@
         <p:spPr>
           <a:xfrm>
             <a:off x="9402840" y="6443280"/>
-            <a:ext cx="277200" cy="335160"/>
+            <a:ext cx="276840" cy="334800"/>
           </a:xfrm>
           <a:prstGeom prst="rect">
             <a:avLst/>
@@ -8689,7 +8689,7 @@
         <p:spPr>
           <a:xfrm>
             <a:off x="9402840" y="6443280"/>
-            <a:ext cx="277200" cy="335160"/>
+            <a:ext cx="276840" cy="334800"/>
           </a:xfrm>
           <a:prstGeom prst="rect">
             <a:avLst/>
@@ -8712,7 +8712,7 @@
         <p:spPr>
           <a:xfrm>
             <a:off x="9402840" y="6443280"/>
-            <a:ext cx="277200" cy="335160"/>
+            <a:ext cx="276840" cy="334800"/>
           </a:xfrm>
           <a:prstGeom prst="rect">
             <a:avLst/>
@@ -8735,7 +8735,7 @@
         <p:spPr>
           <a:xfrm>
             <a:off x="9402840" y="6443280"/>
-            <a:ext cx="277200" cy="335160"/>
+            <a:ext cx="276840" cy="334800"/>
           </a:xfrm>
           <a:prstGeom prst="rect">
             <a:avLst/>
@@ -8758,7 +8758,7 @@
         <p:spPr>
           <a:xfrm>
             <a:off x="9402840" y="6443280"/>
-            <a:ext cx="277200" cy="335160"/>
+            <a:ext cx="276840" cy="334800"/>
           </a:xfrm>
           <a:prstGeom prst="rect">
             <a:avLst/>
@@ -8781,7 +8781,7 @@
         <p:spPr>
           <a:xfrm>
             <a:off x="9402840" y="6443280"/>
-            <a:ext cx="277200" cy="335160"/>
+            <a:ext cx="276840" cy="334800"/>
           </a:xfrm>
           <a:prstGeom prst="rect">
             <a:avLst/>
@@ -8804,7 +8804,7 @@
         <p:spPr>
           <a:xfrm>
             <a:off x="9402840" y="6443280"/>
-            <a:ext cx="277200" cy="335160"/>
+            <a:ext cx="276840" cy="334800"/>
           </a:xfrm>
           <a:prstGeom prst="rect">
             <a:avLst/>
@@ -8827,7 +8827,7 @@
         <p:spPr>
           <a:xfrm>
             <a:off x="9402840" y="6443280"/>
-            <a:ext cx="277200" cy="335160"/>
+            <a:ext cx="276840" cy="334800"/>
           </a:xfrm>
           <a:prstGeom prst="rect">
             <a:avLst/>
@@ -8850,7 +8850,7 @@
         <p:spPr>
           <a:xfrm>
             <a:off x="9402840" y="6443280"/>
-            <a:ext cx="277200" cy="335160"/>
+            <a:ext cx="276840" cy="334800"/>
           </a:xfrm>
           <a:prstGeom prst="rect">
             <a:avLst/>
@@ -8873,7 +8873,7 @@
         <p:spPr>
           <a:xfrm>
             <a:off x="9402840" y="6443280"/>
-            <a:ext cx="277200" cy="335160"/>
+            <a:ext cx="276840" cy="334800"/>
           </a:xfrm>
           <a:prstGeom prst="rect">
             <a:avLst/>
@@ -8896,7 +8896,7 @@
         <p:spPr>
           <a:xfrm>
             <a:off x="9402840" y="6443280"/>
-            <a:ext cx="277200" cy="335160"/>
+            <a:ext cx="276840" cy="334800"/>
           </a:xfrm>
           <a:prstGeom prst="rect">
             <a:avLst/>
@@ -8919,7 +8919,7 @@
         <p:spPr>
           <a:xfrm>
             <a:off x="9402840" y="6443280"/>
-            <a:ext cx="277200" cy="335160"/>
+            <a:ext cx="276840" cy="334800"/>
           </a:xfrm>
           <a:prstGeom prst="rect">
             <a:avLst/>
@@ -8942,7 +8942,7 @@
         <p:spPr>
           <a:xfrm>
             <a:off x="9402840" y="6443280"/>
-            <a:ext cx="277200" cy="335160"/>
+            <a:ext cx="276840" cy="334800"/>
           </a:xfrm>
           <a:prstGeom prst="rect">
             <a:avLst/>
@@ -8965,7 +8965,7 @@
         <p:spPr>
           <a:xfrm>
             <a:off x="9402840" y="6443280"/>
-            <a:ext cx="277200" cy="335160"/>
+            <a:ext cx="276840" cy="334800"/>
           </a:xfrm>
           <a:prstGeom prst="rect">
             <a:avLst/>
@@ -8988,7 +8988,7 @@
         <p:spPr>
           <a:xfrm>
             <a:off x="9402840" y="6443280"/>
-            <a:ext cx="277200" cy="335160"/>
+            <a:ext cx="276840" cy="334800"/>
           </a:xfrm>
           <a:prstGeom prst="rect">
             <a:avLst/>
@@ -9011,7 +9011,7 @@
         <p:spPr>
           <a:xfrm>
             <a:off x="3826800" y="2016000"/>
-            <a:ext cx="277200" cy="335160"/>
+            <a:ext cx="276840" cy="334800"/>
           </a:xfrm>
           <a:prstGeom prst="rect">
             <a:avLst/>
@@ -9034,7 +9034,7 @@
         <p:spPr>
           <a:xfrm>
             <a:off x="3960000" y="672840"/>
-            <a:ext cx="277200" cy="335160"/>
+            <a:ext cx="276840" cy="334800"/>
           </a:xfrm>
           <a:prstGeom prst="rect">
             <a:avLst/>
@@ -9053,7 +9053,7 @@
         <p:spPr>
           <a:xfrm>
             <a:off x="934560" y="0"/>
-            <a:ext cx="389520" cy="218520"/>
+            <a:ext cx="389160" cy="218160"/>
           </a:xfrm>
           <a:prstGeom prst="rect">
             <a:avLst/>
@@ -9127,7 +9127,7 @@
         <p:spPr>
           <a:xfrm>
             <a:off x="3912840" y="5426640"/>
-            <a:ext cx="1216800" cy="515880"/>
+            <a:ext cx="1216440" cy="515880"/>
           </a:xfrm>
           <a:prstGeom prst="rect">
             <a:avLst/>
@@ -9180,7 +9180,7 @@
         <p:spPr>
           <a:xfrm>
             <a:off x="728640" y="2221200"/>
-            <a:ext cx="1216800" cy="303120"/>
+            <a:ext cx="1216440" cy="302760"/>
           </a:xfrm>
           <a:prstGeom prst="rect">
             <a:avLst/>
@@ -9233,7 +9233,7 @@
         <p:spPr>
           <a:xfrm>
             <a:off x="728640" y="4103280"/>
-            <a:ext cx="1216800" cy="305280"/>
+            <a:ext cx="1216440" cy="304920"/>
           </a:xfrm>
           <a:prstGeom prst="rect">
             <a:avLst/>
@@ -9286,7 +9286,7 @@
         <p:spPr>
           <a:xfrm>
             <a:off x="728640" y="3062160"/>
-            <a:ext cx="418320" cy="302760"/>
+            <a:ext cx="417960" cy="302760"/>
           </a:xfrm>
           <a:prstGeom prst="rect">
             <a:avLst/>
@@ -9339,7 +9339,7 @@
         <p:spPr>
           <a:xfrm>
             <a:off x="3144960" y="5024880"/>
-            <a:ext cx="2171520" cy="515880"/>
+            <a:ext cx="2171160" cy="515880"/>
           </a:xfrm>
           <a:prstGeom prst="rect">
             <a:avLst/>

--- a/src/1.1 - Planner.pptx
+++ b/src/1.1 - Planner.pptx
@@ -1684,7 +1684,7 @@
         <p:spPr>
           <a:xfrm>
             <a:off x="2319120" y="1343880"/>
-            <a:ext cx="1216440" cy="302760"/>
+            <a:ext cx="1216080" cy="302760"/>
           </a:xfrm>
           <a:prstGeom prst="rect">
             <a:avLst/>
@@ -1737,7 +1737,7 @@
         <p:spPr>
           <a:xfrm>
             <a:off x="266040" y="2276640"/>
-            <a:ext cx="4579200" cy="1581480"/>
+            <a:ext cx="4578840" cy="1581480"/>
           </a:xfrm>
           <a:prstGeom prst="rect">
             <a:avLst/>
@@ -1850,7 +1850,7 @@
         <p:spPr>
           <a:xfrm>
             <a:off x="266040" y="4389840"/>
-            <a:ext cx="4579200" cy="1581480"/>
+            <a:ext cx="4578840" cy="1581480"/>
           </a:xfrm>
           <a:prstGeom prst="rect">
             <a:avLst/>
@@ -1963,7 +1963,7 @@
         <p:spPr>
           <a:xfrm>
             <a:off x="5160600" y="2279160"/>
-            <a:ext cx="4579200" cy="1581480"/>
+            <a:ext cx="4578840" cy="1581480"/>
           </a:xfrm>
           <a:prstGeom prst="rect">
             <a:avLst/>
@@ -2076,7 +2076,7 @@
         <p:spPr>
           <a:xfrm>
             <a:off x="5160600" y="4389840"/>
-            <a:ext cx="4579200" cy="1581480"/>
+            <a:ext cx="4578840" cy="1581480"/>
           </a:xfrm>
           <a:prstGeom prst="rect">
             <a:avLst/>
@@ -2239,7 +2239,7 @@
         <p:spPr>
           <a:xfrm>
             <a:off x="632520" y="151560"/>
-            <a:ext cx="1216440" cy="1422720"/>
+            <a:ext cx="1216080" cy="1422360"/>
           </a:xfrm>
           <a:prstGeom prst="actionButtonBlank">
             <a:avLst/>
@@ -2273,7 +2273,7 @@
         <p:spPr>
           <a:xfrm>
             <a:off x="5301720" y="330840"/>
-            <a:ext cx="1495080" cy="133200"/>
+            <a:ext cx="1494720" cy="132840"/>
           </a:xfrm>
           <a:prstGeom prst="rect">
             <a:avLst/>
@@ -2347,7 +2347,7 @@
         <p:spPr>
           <a:xfrm>
             <a:off x="2333160" y="1121400"/>
-            <a:ext cx="1216440" cy="302760"/>
+            <a:ext cx="1216080" cy="302760"/>
           </a:xfrm>
           <a:prstGeom prst="rect">
             <a:avLst/>
@@ -2400,7 +2400,7 @@
         <p:spPr>
           <a:xfrm>
             <a:off x="2333160" y="1749240"/>
-            <a:ext cx="1216440" cy="302760"/>
+            <a:ext cx="1216080" cy="302760"/>
           </a:xfrm>
           <a:prstGeom prst="rect">
             <a:avLst/>
@@ -2453,7 +2453,7 @@
         <p:spPr>
           <a:xfrm>
             <a:off x="632520" y="151560"/>
-            <a:ext cx="1216440" cy="1422720"/>
+            <a:ext cx="1216080" cy="1422360"/>
           </a:xfrm>
           <a:prstGeom prst="actionButtonBlank">
             <a:avLst/>
@@ -2491,7 +2491,7 @@
         <p:spPr>
           <a:xfrm>
             <a:off x="5760000" y="2144520"/>
-            <a:ext cx="394200" cy="375120"/>
+            <a:ext cx="393840" cy="374760"/>
           </a:xfrm>
           <a:prstGeom prst="rect">
             <a:avLst/>
@@ -2514,7 +2514,7 @@
         <p:spPr>
           <a:xfrm>
             <a:off x="6984000" y="2808000"/>
-            <a:ext cx="394200" cy="375120"/>
+            <a:ext cx="393840" cy="374760"/>
           </a:xfrm>
           <a:prstGeom prst="rect">
             <a:avLst/>
@@ -2537,7 +2537,7 @@
         <p:spPr>
           <a:xfrm>
             <a:off x="8101440" y="3512520"/>
-            <a:ext cx="394200" cy="375120"/>
+            <a:ext cx="393840" cy="374760"/>
           </a:xfrm>
           <a:prstGeom prst="rect">
             <a:avLst/>
@@ -2560,7 +2560,7 @@
         <p:spPr>
           <a:xfrm>
             <a:off x="6805440" y="4160520"/>
-            <a:ext cx="394200" cy="375120"/>
+            <a:ext cx="393840" cy="374760"/>
           </a:xfrm>
           <a:prstGeom prst="rect">
             <a:avLst/>
@@ -2583,7 +2583,7 @@
         <p:spPr>
           <a:xfrm>
             <a:off x="5904000" y="4808520"/>
-            <a:ext cx="394200" cy="375120"/>
+            <a:ext cx="393840" cy="374760"/>
           </a:xfrm>
           <a:prstGeom prst="rect">
             <a:avLst/>
@@ -2606,7 +2606,7 @@
         <p:spPr>
           <a:xfrm>
             <a:off x="4248000" y="3312000"/>
-            <a:ext cx="394200" cy="375120"/>
+            <a:ext cx="393840" cy="374760"/>
           </a:xfrm>
           <a:prstGeom prst="rect">
             <a:avLst/>
@@ -2665,7 +2665,7 @@
         <p:spPr>
           <a:xfrm>
             <a:off x="2138400" y="4716720"/>
-            <a:ext cx="1216440" cy="302760"/>
+            <a:ext cx="1216080" cy="302760"/>
           </a:xfrm>
           <a:prstGeom prst="rect">
             <a:avLst/>
@@ -2718,7 +2718,7 @@
         <p:spPr>
           <a:xfrm>
             <a:off x="2138400" y="5106960"/>
-            <a:ext cx="1216440" cy="304920"/>
+            <a:ext cx="1216080" cy="304560"/>
           </a:xfrm>
           <a:prstGeom prst="rect">
             <a:avLst/>
@@ -2736,6 +2736,22 @@
           <a:effectRef idx="0"/>
           <a:fontRef idx="minor"/>
         </p:style>
+        <p:txBody>
+          <a:bodyPr lIns="90000" rIns="90000" tIns="45000" bIns="45000">
+            <a:noAutofit/>
+          </a:bodyPr>
+          <a:p>
+            <a:r>
+              <a:rPr b="0" lang="pt-BR" sz="1800" spc="-1" strike="noStrike">
+                <a:latin typeface="Arial"/>
+              </a:rPr>
+              <a:t>10</a:t>
+            </a:r>
+            <a:endParaRPr b="0" lang="pt-BR" sz="1800" spc="-1" strike="noStrike">
+              <a:latin typeface="Arial"/>
+            </a:endParaRPr>
+          </a:p>
+        </p:txBody>
       </p:sp>
       <p:sp>
         <p:nvSpPr>
@@ -2746,7 +2762,7 @@
         <p:spPr>
           <a:xfrm>
             <a:off x="4836960" y="5565600"/>
-            <a:ext cx="493920" cy="302760"/>
+            <a:ext cx="493560" cy="302760"/>
           </a:xfrm>
           <a:prstGeom prst="rect">
             <a:avLst/>
@@ -2799,7 +2815,7 @@
         <p:spPr>
           <a:xfrm>
             <a:off x="3357720" y="1441440"/>
-            <a:ext cx="1216440" cy="302760"/>
+            <a:ext cx="1216080" cy="302760"/>
           </a:xfrm>
           <a:prstGeom prst="rect">
             <a:avLst/>
@@ -2856,7 +2872,7 @@
         <p:spPr>
           <a:xfrm>
             <a:off x="432000" y="2885040"/>
-            <a:ext cx="369720" cy="365040"/>
+            <a:ext cx="369360" cy="364680"/>
           </a:xfrm>
           <a:prstGeom prst="rect">
             <a:avLst/>
@@ -2879,7 +2895,7 @@
         <p:spPr>
           <a:xfrm>
             <a:off x="493920" y="3821400"/>
-            <a:ext cx="369720" cy="365040"/>
+            <a:ext cx="369360" cy="364680"/>
           </a:xfrm>
           <a:prstGeom prst="rect">
             <a:avLst/>
@@ -2902,7 +2918,7 @@
         <p:spPr>
           <a:xfrm>
             <a:off x="421920" y="3168000"/>
-            <a:ext cx="369720" cy="365040"/>
+            <a:ext cx="369360" cy="364680"/>
           </a:xfrm>
           <a:prstGeom prst="rect">
             <a:avLst/>
@@ -2925,7 +2941,7 @@
         <p:spPr>
           <a:xfrm>
             <a:off x="432000" y="3456000"/>
-            <a:ext cx="369720" cy="365040"/>
+            <a:ext cx="369360" cy="364680"/>
           </a:xfrm>
           <a:prstGeom prst="rect">
             <a:avLst/>
@@ -2948,7 +2964,7 @@
         <p:spPr>
           <a:xfrm>
             <a:off x="432000" y="2520000"/>
-            <a:ext cx="369720" cy="365040"/>
+            <a:ext cx="369360" cy="364680"/>
           </a:xfrm>
           <a:prstGeom prst="rect">
             <a:avLst/>
@@ -3007,7 +3023,7 @@
         <p:spPr>
           <a:xfrm>
             <a:off x="2372760" y="1609200"/>
-            <a:ext cx="1216440" cy="302760"/>
+            <a:ext cx="1216080" cy="302760"/>
           </a:xfrm>
           <a:prstGeom prst="rect">
             <a:avLst/>
@@ -3060,7 +3076,7 @@
         <p:spPr>
           <a:xfrm>
             <a:off x="2372760" y="2237040"/>
-            <a:ext cx="1216440" cy="302760"/>
+            <a:ext cx="1216080" cy="302760"/>
           </a:xfrm>
           <a:prstGeom prst="rect">
             <a:avLst/>
@@ -3117,7 +3133,7 @@
         <p:spPr>
           <a:xfrm>
             <a:off x="2102400" y="5233320"/>
-            <a:ext cx="873360" cy="949680"/>
+            <a:ext cx="873000" cy="949320"/>
           </a:xfrm>
           <a:prstGeom prst="rect">
             <a:avLst/>
@@ -3140,7 +3156,7 @@
         <p:spPr>
           <a:xfrm>
             <a:off x="2102400" y="5233320"/>
-            <a:ext cx="873360" cy="949680"/>
+            <a:ext cx="873000" cy="949320"/>
           </a:xfrm>
           <a:prstGeom prst="rect">
             <a:avLst/>
@@ -3163,7 +3179,7 @@
         <p:spPr>
           <a:xfrm>
             <a:off x="2102400" y="5233320"/>
-            <a:ext cx="873360" cy="949680"/>
+            <a:ext cx="873000" cy="949320"/>
           </a:xfrm>
           <a:prstGeom prst="rect">
             <a:avLst/>
@@ -3186,7 +3202,7 @@
         <p:spPr>
           <a:xfrm>
             <a:off x="2102400" y="5233320"/>
-            <a:ext cx="873360" cy="949680"/>
+            <a:ext cx="873000" cy="949320"/>
           </a:xfrm>
           <a:prstGeom prst="rect">
             <a:avLst/>
@@ -3209,7 +3225,7 @@
         <p:spPr>
           <a:xfrm>
             <a:off x="2102400" y="5233320"/>
-            <a:ext cx="873360" cy="949680"/>
+            <a:ext cx="873000" cy="949320"/>
           </a:xfrm>
           <a:prstGeom prst="rect">
             <a:avLst/>
@@ -3232,7 +3248,7 @@
         <p:spPr>
           <a:xfrm>
             <a:off x="2102400" y="5233320"/>
-            <a:ext cx="873360" cy="949680"/>
+            <a:ext cx="873000" cy="949320"/>
           </a:xfrm>
           <a:prstGeom prst="rect">
             <a:avLst/>
@@ -3255,7 +3271,7 @@
         <p:spPr>
           <a:xfrm>
             <a:off x="2102400" y="5233320"/>
-            <a:ext cx="873360" cy="949680"/>
+            <a:ext cx="873000" cy="949320"/>
           </a:xfrm>
           <a:prstGeom prst="rect">
             <a:avLst/>
@@ -3278,7 +3294,7 @@
         <p:spPr>
           <a:xfrm>
             <a:off x="2102400" y="5233320"/>
-            <a:ext cx="873360" cy="949680"/>
+            <a:ext cx="873000" cy="949320"/>
           </a:xfrm>
           <a:prstGeom prst="rect">
             <a:avLst/>
@@ -3301,7 +3317,7 @@
         <p:spPr>
           <a:xfrm>
             <a:off x="2102400" y="5233320"/>
-            <a:ext cx="873360" cy="949680"/>
+            <a:ext cx="873000" cy="949320"/>
           </a:xfrm>
           <a:prstGeom prst="rect">
             <a:avLst/>
@@ -3320,7 +3336,7 @@
         <p:spPr>
           <a:xfrm>
             <a:off x="632520" y="151560"/>
-            <a:ext cx="1216440" cy="1422720"/>
+            <a:ext cx="1216080" cy="1422360"/>
           </a:xfrm>
           <a:prstGeom prst="actionButtonBlank">
             <a:avLst/>
@@ -3394,7 +3410,7 @@
         <p:spPr>
           <a:xfrm>
             <a:off x="1431720" y="3664440"/>
-            <a:ext cx="1216440" cy="333000"/>
+            <a:ext cx="1216080" cy="333000"/>
           </a:xfrm>
           <a:prstGeom prst="rect">
             <a:avLst/>
@@ -3447,7 +3463,7 @@
         <p:spPr>
           <a:xfrm>
             <a:off x="3900960" y="3664440"/>
-            <a:ext cx="836640" cy="333000"/>
+            <a:ext cx="836280" cy="333000"/>
           </a:xfrm>
           <a:prstGeom prst="rect">
             <a:avLst/>
@@ -3500,7 +3516,7 @@
         <p:spPr>
           <a:xfrm>
             <a:off x="1431720" y="4161960"/>
-            <a:ext cx="1216440" cy="333000"/>
+            <a:ext cx="1216080" cy="333000"/>
           </a:xfrm>
           <a:prstGeom prst="rect">
             <a:avLst/>
@@ -3553,7 +3569,7 @@
         <p:spPr>
           <a:xfrm>
             <a:off x="3900960" y="4161960"/>
-            <a:ext cx="836640" cy="333000"/>
+            <a:ext cx="836280" cy="333000"/>
           </a:xfrm>
           <a:prstGeom prst="rect">
             <a:avLst/>
@@ -3606,7 +3622,7 @@
         <p:spPr>
           <a:xfrm>
             <a:off x="1431720" y="4659840"/>
-            <a:ext cx="1216440" cy="333000"/>
+            <a:ext cx="1216080" cy="333000"/>
           </a:xfrm>
           <a:prstGeom prst="rect">
             <a:avLst/>
@@ -3659,7 +3675,7 @@
         <p:spPr>
           <a:xfrm>
             <a:off x="3900960" y="4659840"/>
-            <a:ext cx="836640" cy="333000"/>
+            <a:ext cx="836280" cy="333000"/>
           </a:xfrm>
           <a:prstGeom prst="rect">
             <a:avLst/>
@@ -3712,7 +3728,7 @@
         <p:spPr>
           <a:xfrm>
             <a:off x="1431720" y="5175000"/>
-            <a:ext cx="1216440" cy="333000"/>
+            <a:ext cx="1216080" cy="333000"/>
           </a:xfrm>
           <a:prstGeom prst="rect">
             <a:avLst/>
@@ -3765,7 +3781,7 @@
         <p:spPr>
           <a:xfrm>
             <a:off x="3900960" y="5175000"/>
-            <a:ext cx="836640" cy="333000"/>
+            <a:ext cx="836280" cy="333000"/>
           </a:xfrm>
           <a:prstGeom prst="rect">
             <a:avLst/>
@@ -3818,7 +3834,7 @@
         <p:spPr>
           <a:xfrm>
             <a:off x="1431720" y="5690160"/>
-            <a:ext cx="1216440" cy="333000"/>
+            <a:ext cx="1216080" cy="333000"/>
           </a:xfrm>
           <a:prstGeom prst="rect">
             <a:avLst/>
@@ -3871,7 +3887,7 @@
         <p:spPr>
           <a:xfrm>
             <a:off x="3900960" y="5690160"/>
-            <a:ext cx="836640" cy="333000"/>
+            <a:ext cx="836280" cy="333000"/>
           </a:xfrm>
           <a:prstGeom prst="rect">
             <a:avLst/>
@@ -3924,7 +3940,7 @@
         <p:spPr>
           <a:xfrm>
             <a:off x="3810600" y="1341720"/>
-            <a:ext cx="1216440" cy="302760"/>
+            <a:ext cx="1216080" cy="302760"/>
           </a:xfrm>
           <a:prstGeom prst="rect">
             <a:avLst/>
@@ -4017,7 +4033,7 @@
         <p:spPr>
           <a:xfrm>
             <a:off x="2333160" y="1365120"/>
-            <a:ext cx="1216440" cy="302760"/>
+            <a:ext cx="1216080" cy="302760"/>
           </a:xfrm>
           <a:prstGeom prst="rect">
             <a:avLst/>
@@ -4070,7 +4086,7 @@
         <p:spPr>
           <a:xfrm>
             <a:off x="2333160" y="1992960"/>
-            <a:ext cx="1216440" cy="302760"/>
+            <a:ext cx="1216080" cy="302760"/>
           </a:xfrm>
           <a:prstGeom prst="rect">
             <a:avLst/>
@@ -4123,7 +4139,7 @@
         <p:spPr>
           <a:xfrm>
             <a:off x="6663960" y="2344680"/>
-            <a:ext cx="2864880" cy="2647080"/>
+            <a:ext cx="2864520" cy="2647080"/>
           </a:xfrm>
           <a:prstGeom prst="rect">
             <a:avLst/>
@@ -4290,7 +4306,7 @@
         <p:spPr>
           <a:xfrm>
             <a:off x="1394280" y="2550960"/>
-            <a:ext cx="468000" cy="462600"/>
+            <a:ext cx="467640" cy="462240"/>
           </a:xfrm>
           <a:prstGeom prst="rect">
             <a:avLst/>
@@ -4313,7 +4329,7 @@
         <p:spPr>
           <a:xfrm>
             <a:off x="1394280" y="2550960"/>
-            <a:ext cx="468000" cy="462600"/>
+            <a:ext cx="467640" cy="462240"/>
           </a:xfrm>
           <a:prstGeom prst="rect">
             <a:avLst/>
@@ -4336,7 +4352,7 @@
         <p:spPr>
           <a:xfrm>
             <a:off x="1394280" y="2550960"/>
-            <a:ext cx="468000" cy="462600"/>
+            <a:ext cx="467640" cy="462240"/>
           </a:xfrm>
           <a:prstGeom prst="rect">
             <a:avLst/>
@@ -4359,7 +4375,7 @@
         <p:spPr>
           <a:xfrm>
             <a:off x="1394280" y="2550960"/>
-            <a:ext cx="468000" cy="462600"/>
+            <a:ext cx="467640" cy="462240"/>
           </a:xfrm>
           <a:prstGeom prst="rect">
             <a:avLst/>
@@ -4382,7 +4398,7 @@
         <p:spPr>
           <a:xfrm>
             <a:off x="1394280" y="2550960"/>
-            <a:ext cx="468000" cy="462600"/>
+            <a:ext cx="467640" cy="462240"/>
           </a:xfrm>
           <a:prstGeom prst="rect">
             <a:avLst/>
@@ -4405,7 +4421,7 @@
         <p:spPr>
           <a:xfrm>
             <a:off x="1394280" y="2550960"/>
-            <a:ext cx="468000" cy="462600"/>
+            <a:ext cx="467640" cy="462240"/>
           </a:xfrm>
           <a:prstGeom prst="rect">
             <a:avLst/>
@@ -4428,7 +4444,7 @@
         <p:spPr>
           <a:xfrm>
             <a:off x="1394280" y="2550960"/>
-            <a:ext cx="468000" cy="462600"/>
+            <a:ext cx="467640" cy="462240"/>
           </a:xfrm>
           <a:prstGeom prst="rect">
             <a:avLst/>
@@ -4447,7 +4463,7 @@
         <p:spPr>
           <a:xfrm>
             <a:off x="632520" y="151560"/>
-            <a:ext cx="1216440" cy="1422720"/>
+            <a:ext cx="1216080" cy="1422360"/>
           </a:xfrm>
           <a:prstGeom prst="actionButtonBlank">
             <a:avLst/>
@@ -4521,7 +4537,7 @@
         <p:spPr>
           <a:xfrm>
             <a:off x="2333160" y="1212480"/>
-            <a:ext cx="1216440" cy="302760"/>
+            <a:ext cx="1216080" cy="302760"/>
           </a:xfrm>
           <a:prstGeom prst="rect">
             <a:avLst/>
@@ -4574,7 +4590,7 @@
         <p:spPr>
           <a:xfrm>
             <a:off x="395280" y="3306600"/>
-            <a:ext cx="9112320" cy="3009960"/>
+            <a:ext cx="9111960" cy="3009960"/>
           </a:xfrm>
           <a:prstGeom prst="rect">
             <a:avLst/>
@@ -4737,7 +4753,7 @@
         <p:spPr>
           <a:xfrm>
             <a:off x="7448400" y="677880"/>
-            <a:ext cx="576360" cy="729000"/>
+            <a:ext cx="576000" cy="729000"/>
           </a:xfrm>
           <a:prstGeom prst="rect">
             <a:avLst/>
@@ -4790,7 +4806,7 @@
         <p:spPr>
           <a:xfrm>
             <a:off x="632520" y="151560"/>
-            <a:ext cx="1216440" cy="1422720"/>
+            <a:ext cx="1216080" cy="1422360"/>
           </a:xfrm>
           <a:prstGeom prst="actionButtonBlank">
             <a:avLst/>
@@ -4864,7 +4880,7 @@
         <p:spPr>
           <a:xfrm>
             <a:off x="1262880" y="3398040"/>
-            <a:ext cx="1216440" cy="333000"/>
+            <a:ext cx="1216080" cy="333000"/>
           </a:xfrm>
           <a:prstGeom prst="rect">
             <a:avLst/>
@@ -4917,7 +4933,7 @@
         <p:spPr>
           <a:xfrm>
             <a:off x="1137600" y="3769560"/>
-            <a:ext cx="937080" cy="333000"/>
+            <a:ext cx="936720" cy="333000"/>
           </a:xfrm>
           <a:prstGeom prst="rect">
             <a:avLst/>
@@ -4970,7 +4986,7 @@
         <p:spPr>
           <a:xfrm>
             <a:off x="2449080" y="1236960"/>
-            <a:ext cx="937080" cy="335520"/>
+            <a:ext cx="936720" cy="335160"/>
           </a:xfrm>
           <a:prstGeom prst="rect">
             <a:avLst/>
@@ -4998,7 +5014,7 @@
         <p:spPr>
           <a:xfrm>
             <a:off x="2238120" y="1710360"/>
-            <a:ext cx="937080" cy="335520"/>
+            <a:ext cx="936720" cy="335160"/>
           </a:xfrm>
           <a:prstGeom prst="rect">
             <a:avLst/>
@@ -5026,7 +5042,7 @@
         <p:spPr>
           <a:xfrm>
             <a:off x="2449080" y="2202120"/>
-            <a:ext cx="937080" cy="335520"/>
+            <a:ext cx="936720" cy="335160"/>
           </a:xfrm>
           <a:prstGeom prst="rect">
             <a:avLst/>
@@ -5058,7 +5074,7 @@
         <p:spPr>
           <a:xfrm>
             <a:off x="6446880" y="5141160"/>
-            <a:ext cx="601200" cy="653760"/>
+            <a:ext cx="600840" cy="653400"/>
           </a:xfrm>
           <a:prstGeom prst="rect">
             <a:avLst/>
@@ -5117,7 +5133,7 @@
         <p:spPr>
           <a:xfrm>
             <a:off x="5226120" y="2250360"/>
-            <a:ext cx="4275720" cy="304920"/>
+            <a:ext cx="4275360" cy="304560"/>
           </a:xfrm>
           <a:prstGeom prst="rect">
             <a:avLst/>
@@ -5145,7 +5161,7 @@
         <p:spPr>
           <a:xfrm>
             <a:off x="6542640" y="2935080"/>
-            <a:ext cx="2959200" cy="304920"/>
+            <a:ext cx="2958840" cy="304560"/>
           </a:xfrm>
           <a:prstGeom prst="rect">
             <a:avLst/>
@@ -5173,7 +5189,7 @@
         <p:spPr>
           <a:xfrm>
             <a:off x="5226120" y="3465720"/>
-            <a:ext cx="4275720" cy="304920"/>
+            <a:ext cx="4275360" cy="304560"/>
           </a:xfrm>
           <a:prstGeom prst="rect">
             <a:avLst/>
@@ -5201,7 +5217,7 @@
         <p:spPr>
           <a:xfrm>
             <a:off x="5211000" y="4381920"/>
-            <a:ext cx="4275720" cy="2558520"/>
+            <a:ext cx="4275360" cy="2558520"/>
           </a:xfrm>
           <a:prstGeom prst="rect">
             <a:avLst/>
@@ -5324,7 +5340,7 @@
         <p:spPr>
           <a:xfrm>
             <a:off x="9058320" y="669600"/>
-            <a:ext cx="633600" cy="302760"/>
+            <a:ext cx="633240" cy="302760"/>
           </a:xfrm>
           <a:prstGeom prst="rect">
             <a:avLst/>
@@ -5377,7 +5393,7 @@
         <p:spPr>
           <a:xfrm>
             <a:off x="7286400" y="669600"/>
-            <a:ext cx="930960" cy="302760"/>
+            <a:ext cx="930600" cy="302760"/>
           </a:xfrm>
           <a:prstGeom prst="rect">
             <a:avLst/>
@@ -5430,7 +5446,7 @@
         <p:spPr>
           <a:xfrm>
             <a:off x="8629560" y="3825720"/>
-            <a:ext cx="872640" cy="304920"/>
+            <a:ext cx="872280" cy="304560"/>
           </a:xfrm>
           <a:prstGeom prst="rect">
             <a:avLst/>
@@ -5458,7 +5474,7 @@
         <p:spPr>
           <a:xfrm>
             <a:off x="632520" y="151560"/>
-            <a:ext cx="1216440" cy="1422720"/>
+            <a:ext cx="1216080" cy="1422360"/>
           </a:xfrm>
           <a:prstGeom prst="actionButtonBlank">
             <a:avLst/>
@@ -5532,7 +5548,7 @@
         <p:spPr>
           <a:xfrm>
             <a:off x="918000" y="1666800"/>
-            <a:ext cx="6238800" cy="912600"/>
+            <a:ext cx="6238440" cy="912600"/>
           </a:xfrm>
           <a:prstGeom prst="rect">
             <a:avLst/>
@@ -5599,7 +5615,7 @@
         <p:spPr>
           <a:xfrm>
             <a:off x="3167280" y="6031800"/>
-            <a:ext cx="394200" cy="375120"/>
+            <a:ext cx="393840" cy="374760"/>
           </a:xfrm>
           <a:prstGeom prst="rect">
             <a:avLst/>
@@ -5622,7 +5638,7 @@
         <p:spPr>
           <a:xfrm>
             <a:off x="3167280" y="6031800"/>
-            <a:ext cx="394200" cy="375120"/>
+            <a:ext cx="393840" cy="374760"/>
           </a:xfrm>
           <a:prstGeom prst="rect">
             <a:avLst/>
@@ -5645,7 +5661,7 @@
         <p:spPr>
           <a:xfrm>
             <a:off x="3167280" y="6031800"/>
-            <a:ext cx="394200" cy="375120"/>
+            <a:ext cx="393840" cy="374760"/>
           </a:xfrm>
           <a:prstGeom prst="rect">
             <a:avLst/>
@@ -5668,7 +5684,7 @@
         <p:spPr>
           <a:xfrm>
             <a:off x="3167280" y="6031800"/>
-            <a:ext cx="394200" cy="375120"/>
+            <a:ext cx="393840" cy="374760"/>
           </a:xfrm>
           <a:prstGeom prst="rect">
             <a:avLst/>
@@ -5691,7 +5707,7 @@
         <p:spPr>
           <a:xfrm>
             <a:off x="3167280" y="6031800"/>
-            <a:ext cx="394200" cy="375120"/>
+            <a:ext cx="393840" cy="374760"/>
           </a:xfrm>
           <a:prstGeom prst="rect">
             <a:avLst/>
@@ -5714,7 +5730,7 @@
         <p:spPr>
           <a:xfrm>
             <a:off x="3167280" y="6031800"/>
-            <a:ext cx="394200" cy="375120"/>
+            <a:ext cx="393840" cy="374760"/>
           </a:xfrm>
           <a:prstGeom prst="rect">
             <a:avLst/>
@@ -5737,7 +5753,7 @@
         <p:spPr>
           <a:xfrm>
             <a:off x="3167280" y="6031800"/>
-            <a:ext cx="394200" cy="375120"/>
+            <a:ext cx="393840" cy="374760"/>
           </a:xfrm>
           <a:prstGeom prst="rect">
             <a:avLst/>
@@ -5760,7 +5776,7 @@
         <p:spPr>
           <a:xfrm>
             <a:off x="3167280" y="6031800"/>
-            <a:ext cx="394200" cy="375120"/>
+            <a:ext cx="393840" cy="374760"/>
           </a:xfrm>
           <a:prstGeom prst="rect">
             <a:avLst/>
@@ -5783,7 +5799,7 @@
         <p:spPr>
           <a:xfrm>
             <a:off x="3167280" y="6031800"/>
-            <a:ext cx="394200" cy="375120"/>
+            <a:ext cx="393840" cy="374760"/>
           </a:xfrm>
           <a:prstGeom prst="rect">
             <a:avLst/>
@@ -5806,7 +5822,7 @@
         <p:spPr>
           <a:xfrm>
             <a:off x="3167280" y="6031800"/>
-            <a:ext cx="394200" cy="375120"/>
+            <a:ext cx="393840" cy="374760"/>
           </a:xfrm>
           <a:prstGeom prst="rect">
             <a:avLst/>
@@ -5945,7 +5961,7 @@
         <p:spPr>
           <a:xfrm>
             <a:off x="561960" y="4649040"/>
-            <a:ext cx="5378040" cy="1581480"/>
+            <a:ext cx="5377680" cy="1581480"/>
           </a:xfrm>
           <a:prstGeom prst="rect">
             <a:avLst/>
@@ -6058,7 +6074,7 @@
         <p:spPr>
           <a:xfrm>
             <a:off x="2204640" y="1626480"/>
-            <a:ext cx="1216440" cy="302760"/>
+            <a:ext cx="1216080" cy="302760"/>
           </a:xfrm>
           <a:prstGeom prst="rect">
             <a:avLst/>
@@ -6115,7 +6131,7 @@
         <p:spPr>
           <a:xfrm>
             <a:off x="5280120" y="2794320"/>
-            <a:ext cx="394200" cy="375120"/>
+            <a:ext cx="393840" cy="374760"/>
           </a:xfrm>
           <a:prstGeom prst="rect">
             <a:avLst/>
@@ -6138,7 +6154,7 @@
         <p:spPr>
           <a:xfrm>
             <a:off x="5280120" y="2794320"/>
-            <a:ext cx="394200" cy="375120"/>
+            <a:ext cx="393840" cy="374760"/>
           </a:xfrm>
           <a:prstGeom prst="rect">
             <a:avLst/>
@@ -6157,7 +6173,7 @@
         <p:spPr>
           <a:xfrm>
             <a:off x="632520" y="151560"/>
-            <a:ext cx="1216440" cy="1422720"/>
+            <a:ext cx="1216080" cy="1422360"/>
           </a:xfrm>
           <a:prstGeom prst="actionButtonBlank">
             <a:avLst/>
@@ -6271,7 +6287,7 @@
         <p:spPr>
           <a:xfrm>
             <a:off x="689040" y="3983400"/>
-            <a:ext cx="1039680" cy="1039680"/>
+            <a:ext cx="1039320" cy="1039320"/>
           </a:xfrm>
           <a:prstGeom prst="actionButtonBlank">
             <a:avLst/>
@@ -6305,7 +6321,7 @@
         <p:spPr>
           <a:xfrm>
             <a:off x="2564280" y="1349640"/>
-            <a:ext cx="1039680" cy="1039680"/>
+            <a:ext cx="1039320" cy="1039320"/>
           </a:xfrm>
           <a:prstGeom prst="actionButtonBlank">
             <a:avLst/>
@@ -6339,7 +6355,7 @@
         <p:spPr>
           <a:xfrm>
             <a:off x="689040" y="2822400"/>
-            <a:ext cx="1039680" cy="1039680"/>
+            <a:ext cx="1039320" cy="1039320"/>
           </a:xfrm>
           <a:prstGeom prst="actionButtonBlank">
             <a:avLst/>
@@ -6373,7 +6389,7 @@
         <p:spPr>
           <a:xfrm>
             <a:off x="1396800" y="1721520"/>
-            <a:ext cx="1039680" cy="1039680"/>
+            <a:ext cx="1039320" cy="1039320"/>
           </a:xfrm>
           <a:prstGeom prst="actionButtonBlank">
             <a:avLst/>
@@ -6407,7 +6423,7 @@
         <p:spPr>
           <a:xfrm>
             <a:off x="3679200" y="1721520"/>
-            <a:ext cx="1039680" cy="1039680"/>
+            <a:ext cx="1039320" cy="1039320"/>
           </a:xfrm>
           <a:prstGeom prst="actionButtonBlank">
             <a:avLst/>
@@ -6441,7 +6457,7 @@
         <p:spPr>
           <a:xfrm>
             <a:off x="4431960" y="2791440"/>
-            <a:ext cx="1039680" cy="1039680"/>
+            <a:ext cx="1039320" cy="1039320"/>
           </a:xfrm>
           <a:prstGeom prst="actionButtonBlank">
             <a:avLst/>
@@ -6475,7 +6491,7 @@
         <p:spPr>
           <a:xfrm>
             <a:off x="4431960" y="3983400"/>
-            <a:ext cx="1039680" cy="1039680"/>
+            <a:ext cx="1039320" cy="1039320"/>
           </a:xfrm>
           <a:prstGeom prst="actionButtonBlank">
             <a:avLst/>
@@ -6509,7 +6525,7 @@
         <p:spPr>
           <a:xfrm>
             <a:off x="5607720" y="5348520"/>
-            <a:ext cx="1039680" cy="1039680"/>
+            <a:ext cx="1039320" cy="1039320"/>
           </a:xfrm>
           <a:prstGeom prst="actionButtonBlank">
             <a:avLst/>
@@ -6543,7 +6559,7 @@
         <p:spPr>
           <a:xfrm>
             <a:off x="7511040" y="5014080"/>
-            <a:ext cx="1039680" cy="1039680"/>
+            <a:ext cx="1039320" cy="1039320"/>
           </a:xfrm>
           <a:prstGeom prst="actionButtonBlank">
             <a:avLst/>
@@ -6577,7 +6593,7 @@
         <p:spPr>
           <a:xfrm>
             <a:off x="8174520" y="3944520"/>
-            <a:ext cx="1039680" cy="1039680"/>
+            <a:ext cx="1039320" cy="1039320"/>
           </a:xfrm>
           <a:prstGeom prst="actionButtonBlank">
             <a:avLst/>
@@ -6691,7 +6707,7 @@
         <p:spPr>
           <a:xfrm>
             <a:off x="595080" y="3646440"/>
-            <a:ext cx="2502360" cy="729000"/>
+            <a:ext cx="2502000" cy="729000"/>
           </a:xfrm>
           <a:prstGeom prst="rect">
             <a:avLst/>
@@ -6784,7 +6800,7 @@
         <p:spPr>
           <a:xfrm>
             <a:off x="624600" y="248040"/>
-            <a:ext cx="1216440" cy="1422720"/>
+            <a:ext cx="1216080" cy="1422360"/>
           </a:xfrm>
           <a:prstGeom prst="actionButtonBlank">
             <a:avLst/>
@@ -6818,7 +6834,7 @@
         <p:spPr>
           <a:xfrm>
             <a:off x="2333160" y="1108800"/>
-            <a:ext cx="1216440" cy="302760"/>
+            <a:ext cx="1216080" cy="302760"/>
           </a:xfrm>
           <a:prstGeom prst="rect">
             <a:avLst/>
@@ -6871,7 +6887,7 @@
         <p:spPr>
           <a:xfrm>
             <a:off x="2333160" y="1736640"/>
-            <a:ext cx="1216440" cy="302760"/>
+            <a:ext cx="1216080" cy="302760"/>
           </a:xfrm>
           <a:prstGeom prst="rect">
             <a:avLst/>
@@ -6924,7 +6940,7 @@
         <p:spPr>
           <a:xfrm>
             <a:off x="518760" y="5123160"/>
-            <a:ext cx="3230280" cy="1155240"/>
+            <a:ext cx="3229920" cy="1155240"/>
           </a:xfrm>
           <a:prstGeom prst="rect">
             <a:avLst/>
@@ -7037,7 +7053,7 @@
         <p:spPr>
           <a:xfrm>
             <a:off x="3611880" y="3591000"/>
-            <a:ext cx="2502360" cy="729000"/>
+            <a:ext cx="2502000" cy="729000"/>
           </a:xfrm>
           <a:prstGeom prst="rect">
             <a:avLst/>
@@ -7100,7 +7116,7 @@
         <p:spPr>
           <a:xfrm>
             <a:off x="6634800" y="3658320"/>
-            <a:ext cx="2502360" cy="729000"/>
+            <a:ext cx="2502000" cy="729000"/>
           </a:xfrm>
           <a:prstGeom prst="rect">
             <a:avLst/>
@@ -7163,7 +7179,7 @@
         <p:spPr>
           <a:xfrm>
             <a:off x="3961440" y="5123160"/>
-            <a:ext cx="5307840" cy="1581480"/>
+            <a:ext cx="5307480" cy="1581480"/>
           </a:xfrm>
           <a:prstGeom prst="rect">
             <a:avLst/>
@@ -7280,7 +7296,7 @@
         <p:spPr>
           <a:xfrm>
             <a:off x="720000" y="3528000"/>
-            <a:ext cx="394200" cy="375120"/>
+            <a:ext cx="393840" cy="374760"/>
           </a:xfrm>
           <a:prstGeom prst="rect">
             <a:avLst/>
@@ -7303,7 +7319,7 @@
         <p:spPr>
           <a:xfrm>
             <a:off x="5400000" y="3024000"/>
-            <a:ext cx="394200" cy="375120"/>
+            <a:ext cx="393840" cy="374760"/>
           </a:xfrm>
           <a:prstGeom prst="rect">
             <a:avLst/>
@@ -7326,7 +7342,7 @@
         <p:spPr>
           <a:xfrm>
             <a:off x="755280" y="2430360"/>
-            <a:ext cx="394200" cy="375120"/>
+            <a:ext cx="393840" cy="374760"/>
           </a:xfrm>
           <a:prstGeom prst="rect">
             <a:avLst/>
@@ -7349,7 +7365,7 @@
         <p:spPr>
           <a:xfrm>
             <a:off x="755280" y="2214360"/>
-            <a:ext cx="394200" cy="375120"/>
+            <a:ext cx="393840" cy="374760"/>
           </a:xfrm>
           <a:prstGeom prst="rect">
             <a:avLst/>
@@ -7372,7 +7388,7 @@
         <p:spPr>
           <a:xfrm>
             <a:off x="2843640" y="3096000"/>
-            <a:ext cx="394200" cy="375120"/>
+            <a:ext cx="393840" cy="374760"/>
           </a:xfrm>
           <a:prstGeom prst="rect">
             <a:avLst/>
@@ -7395,7 +7411,7 @@
         <p:spPr>
           <a:xfrm>
             <a:off x="755280" y="2646720"/>
-            <a:ext cx="394200" cy="375120"/>
+            <a:ext cx="393840" cy="374760"/>
           </a:xfrm>
           <a:prstGeom prst="rect">
             <a:avLst/>
@@ -7418,7 +7434,7 @@
         <p:spPr>
           <a:xfrm>
             <a:off x="8603640" y="3096000"/>
-            <a:ext cx="394200" cy="375120"/>
+            <a:ext cx="393840" cy="374760"/>
           </a:xfrm>
           <a:prstGeom prst="rect">
             <a:avLst/>
@@ -7441,7 +7457,7 @@
         <p:spPr>
           <a:xfrm>
             <a:off x="2627640" y="4464000"/>
-            <a:ext cx="394200" cy="375120"/>
+            <a:ext cx="393840" cy="374760"/>
           </a:xfrm>
           <a:prstGeom prst="rect">
             <a:avLst/>
@@ -7464,7 +7480,7 @@
         <p:spPr>
           <a:xfrm>
             <a:off x="9000000" y="4518720"/>
-            <a:ext cx="394200" cy="375120"/>
+            <a:ext cx="393840" cy="374760"/>
           </a:xfrm>
           <a:prstGeom prst="rect">
             <a:avLst/>
@@ -7523,7 +7539,7 @@
         <p:spPr>
           <a:xfrm>
             <a:off x="5263920" y="2664360"/>
-            <a:ext cx="4051080" cy="302760"/>
+            <a:ext cx="4050720" cy="302760"/>
           </a:xfrm>
           <a:prstGeom prst="rect">
             <a:avLst/>
@@ -7576,7 +7592,7 @@
         <p:spPr>
           <a:xfrm>
             <a:off x="5263920" y="3362400"/>
-            <a:ext cx="4051080" cy="302760"/>
+            <a:ext cx="4050720" cy="302760"/>
           </a:xfrm>
           <a:prstGeom prst="rect">
             <a:avLst/>
@@ -7629,7 +7645,7 @@
         <p:spPr>
           <a:xfrm>
             <a:off x="5270760" y="4060800"/>
-            <a:ext cx="4042440" cy="2220840"/>
+            <a:ext cx="4042080" cy="2220840"/>
           </a:xfrm>
           <a:prstGeom prst="rect">
             <a:avLst/>
@@ -7762,7 +7778,7 @@
         <p:spPr>
           <a:xfrm>
             <a:off x="2319120" y="1343880"/>
-            <a:ext cx="1216440" cy="302760"/>
+            <a:ext cx="1216080" cy="302760"/>
           </a:xfrm>
           <a:prstGeom prst="rect">
             <a:avLst/>
@@ -7815,7 +7831,7 @@
         <p:spPr>
           <a:xfrm>
             <a:off x="632520" y="151560"/>
-            <a:ext cx="1216440" cy="1422720"/>
+            <a:ext cx="1216080" cy="1422360"/>
           </a:xfrm>
           <a:prstGeom prst="actionButtonBlank">
             <a:avLst/>
@@ -7889,7 +7905,7 @@
         <p:spPr>
           <a:xfrm>
             <a:off x="2333160" y="1212480"/>
-            <a:ext cx="1216440" cy="302760"/>
+            <a:ext cx="1216080" cy="302760"/>
           </a:xfrm>
           <a:prstGeom prst="rect">
             <a:avLst/>
@@ -7942,7 +7958,7 @@
         <p:spPr>
           <a:xfrm>
             <a:off x="8011440" y="2088720"/>
-            <a:ext cx="1216440" cy="302760"/>
+            <a:ext cx="1216080" cy="302760"/>
           </a:xfrm>
           <a:prstGeom prst="rect">
             <a:avLst/>
@@ -7995,7 +8011,7 @@
         <p:spPr>
           <a:xfrm>
             <a:off x="2333160" y="1840680"/>
-            <a:ext cx="1216440" cy="302760"/>
+            <a:ext cx="1216080" cy="302760"/>
           </a:xfrm>
           <a:prstGeom prst="rect">
             <a:avLst/>
@@ -8048,7 +8064,7 @@
         <p:spPr>
           <a:xfrm>
             <a:off x="6762600" y="954720"/>
-            <a:ext cx="1564560" cy="147960"/>
+            <a:ext cx="1564200" cy="147600"/>
           </a:xfrm>
           <a:prstGeom prst="rect">
             <a:avLst/>
@@ -8082,7 +8098,7 @@
         <p:spPr>
           <a:xfrm>
             <a:off x="632520" y="151560"/>
-            <a:ext cx="1216440" cy="1422720"/>
+            <a:ext cx="1216080" cy="1422360"/>
           </a:xfrm>
           <a:prstGeom prst="actionButtonBlank">
             <a:avLst/>
@@ -8120,7 +8136,7 @@
         <p:spPr>
           <a:xfrm>
             <a:off x="3456000" y="5023800"/>
-            <a:ext cx="394200" cy="375120"/>
+            <a:ext cx="393840" cy="374760"/>
           </a:xfrm>
           <a:prstGeom prst="rect">
             <a:avLst/>
@@ -8143,7 +8159,7 @@
         <p:spPr>
           <a:xfrm>
             <a:off x="1836720" y="4536000"/>
-            <a:ext cx="394200" cy="375120"/>
+            <a:ext cx="393840" cy="374760"/>
           </a:xfrm>
           <a:prstGeom prst="rect">
             <a:avLst/>
@@ -8166,7 +8182,7 @@
         <p:spPr>
           <a:xfrm>
             <a:off x="1044720" y="3871800"/>
-            <a:ext cx="394200" cy="375120"/>
+            <a:ext cx="393840" cy="374760"/>
           </a:xfrm>
           <a:prstGeom prst="rect">
             <a:avLst/>
@@ -8189,7 +8205,7 @@
         <p:spPr>
           <a:xfrm>
             <a:off x="1044720" y="3096000"/>
-            <a:ext cx="394200" cy="375120"/>
+            <a:ext cx="393840" cy="374760"/>
           </a:xfrm>
           <a:prstGeom prst="rect">
             <a:avLst/>
@@ -8212,7 +8228,7 @@
         <p:spPr>
           <a:xfrm>
             <a:off x="5400000" y="3151800"/>
-            <a:ext cx="394200" cy="375120"/>
+            <a:ext cx="393840" cy="374760"/>
           </a:xfrm>
           <a:prstGeom prst="rect">
             <a:avLst/>
@@ -8235,7 +8251,7 @@
         <p:spPr>
           <a:xfrm>
             <a:off x="5364720" y="3888000"/>
-            <a:ext cx="394200" cy="375120"/>
+            <a:ext cx="393840" cy="374760"/>
           </a:xfrm>
           <a:prstGeom prst="rect">
             <a:avLst/>
@@ -8258,7 +8274,7 @@
         <p:spPr>
           <a:xfrm>
             <a:off x="4644720" y="4591800"/>
-            <a:ext cx="394200" cy="375120"/>
+            <a:ext cx="393840" cy="374760"/>
           </a:xfrm>
           <a:prstGeom prst="rect">
             <a:avLst/>
@@ -8321,7 +8337,7 @@
         <p:spPr>
           <a:xfrm>
             <a:off x="9402840" y="6443280"/>
-            <a:ext cx="276840" cy="334800"/>
+            <a:ext cx="276480" cy="334440"/>
           </a:xfrm>
           <a:prstGeom prst="rect">
             <a:avLst/>
@@ -8344,7 +8360,7 @@
         <p:spPr>
           <a:xfrm>
             <a:off x="9402840" y="6443280"/>
-            <a:ext cx="276840" cy="334800"/>
+            <a:ext cx="276480" cy="334440"/>
           </a:xfrm>
           <a:prstGeom prst="rect">
             <a:avLst/>
@@ -8367,7 +8383,7 @@
         <p:spPr>
           <a:xfrm>
             <a:off x="9402840" y="6443280"/>
-            <a:ext cx="276840" cy="334800"/>
+            <a:ext cx="276480" cy="334440"/>
           </a:xfrm>
           <a:prstGeom prst="rect">
             <a:avLst/>
@@ -8390,7 +8406,7 @@
         <p:spPr>
           <a:xfrm>
             <a:off x="9402840" y="6443280"/>
-            <a:ext cx="276840" cy="334800"/>
+            <a:ext cx="276480" cy="334440"/>
           </a:xfrm>
           <a:prstGeom prst="rect">
             <a:avLst/>
@@ -8413,7 +8429,7 @@
         <p:spPr>
           <a:xfrm>
             <a:off x="9402840" y="6443280"/>
-            <a:ext cx="276840" cy="334800"/>
+            <a:ext cx="276480" cy="334440"/>
           </a:xfrm>
           <a:prstGeom prst="rect">
             <a:avLst/>
@@ -8436,7 +8452,7 @@
         <p:spPr>
           <a:xfrm>
             <a:off x="9402840" y="6443280"/>
-            <a:ext cx="276840" cy="334800"/>
+            <a:ext cx="276480" cy="334440"/>
           </a:xfrm>
           <a:prstGeom prst="rect">
             <a:avLst/>
@@ -8459,7 +8475,7 @@
         <p:spPr>
           <a:xfrm>
             <a:off x="9402840" y="6443280"/>
-            <a:ext cx="276840" cy="334800"/>
+            <a:ext cx="276480" cy="334440"/>
           </a:xfrm>
           <a:prstGeom prst="rect">
             <a:avLst/>
@@ -8482,7 +8498,7 @@
         <p:spPr>
           <a:xfrm>
             <a:off x="9402840" y="6443280"/>
-            <a:ext cx="276840" cy="334800"/>
+            <a:ext cx="276480" cy="334440"/>
           </a:xfrm>
           <a:prstGeom prst="rect">
             <a:avLst/>
@@ -8505,7 +8521,7 @@
         <p:spPr>
           <a:xfrm>
             <a:off x="9402840" y="6443280"/>
-            <a:ext cx="276840" cy="334800"/>
+            <a:ext cx="276480" cy="334440"/>
           </a:xfrm>
           <a:prstGeom prst="rect">
             <a:avLst/>
@@ -8528,7 +8544,7 @@
         <p:spPr>
           <a:xfrm>
             <a:off x="9402840" y="6443280"/>
-            <a:ext cx="276840" cy="334800"/>
+            <a:ext cx="276480" cy="334440"/>
           </a:xfrm>
           <a:prstGeom prst="rect">
             <a:avLst/>
@@ -8551,7 +8567,7 @@
         <p:spPr>
           <a:xfrm>
             <a:off x="9402840" y="6443280"/>
-            <a:ext cx="276840" cy="334800"/>
+            <a:ext cx="276480" cy="334440"/>
           </a:xfrm>
           <a:prstGeom prst="rect">
             <a:avLst/>
@@ -8574,7 +8590,7 @@
         <p:spPr>
           <a:xfrm>
             <a:off x="9402840" y="6443280"/>
-            <a:ext cx="276840" cy="334800"/>
+            <a:ext cx="276480" cy="334440"/>
           </a:xfrm>
           <a:prstGeom prst="rect">
             <a:avLst/>
@@ -8597,7 +8613,7 @@
         <p:spPr>
           <a:xfrm>
             <a:off x="9402840" y="6443280"/>
-            <a:ext cx="276840" cy="334800"/>
+            <a:ext cx="276480" cy="334440"/>
           </a:xfrm>
           <a:prstGeom prst="rect">
             <a:avLst/>
@@ -8620,7 +8636,7 @@
         <p:spPr>
           <a:xfrm>
             <a:off x="9402840" y="6443280"/>
-            <a:ext cx="276840" cy="334800"/>
+            <a:ext cx="276480" cy="334440"/>
           </a:xfrm>
           <a:prstGeom prst="rect">
             <a:avLst/>
@@ -8643,7 +8659,7 @@
         <p:spPr>
           <a:xfrm>
             <a:off x="9402840" y="6443280"/>
-            <a:ext cx="276840" cy="334800"/>
+            <a:ext cx="276480" cy="334440"/>
           </a:xfrm>
           <a:prstGeom prst="rect">
             <a:avLst/>
@@ -8666,7 +8682,7 @@
         <p:spPr>
           <a:xfrm>
             <a:off x="9402840" y="6443280"/>
-            <a:ext cx="276840" cy="334800"/>
+            <a:ext cx="276480" cy="334440"/>
           </a:xfrm>
           <a:prstGeom prst="rect">
             <a:avLst/>
@@ -8689,7 +8705,7 @@
         <p:spPr>
           <a:xfrm>
             <a:off x="9402840" y="6443280"/>
-            <a:ext cx="276840" cy="334800"/>
+            <a:ext cx="276480" cy="334440"/>
           </a:xfrm>
           <a:prstGeom prst="rect">
             <a:avLst/>
@@ -8712,7 +8728,7 @@
         <p:spPr>
           <a:xfrm>
             <a:off x="9402840" y="6443280"/>
-            <a:ext cx="276840" cy="334800"/>
+            <a:ext cx="276480" cy="334440"/>
           </a:xfrm>
           <a:prstGeom prst="rect">
             <a:avLst/>
@@ -8735,7 +8751,7 @@
         <p:spPr>
           <a:xfrm>
             <a:off x="9402840" y="6443280"/>
-            <a:ext cx="276840" cy="334800"/>
+            <a:ext cx="276480" cy="334440"/>
           </a:xfrm>
           <a:prstGeom prst="rect">
             <a:avLst/>
@@ -8758,7 +8774,7 @@
         <p:spPr>
           <a:xfrm>
             <a:off x="9402840" y="6443280"/>
-            <a:ext cx="276840" cy="334800"/>
+            <a:ext cx="276480" cy="334440"/>
           </a:xfrm>
           <a:prstGeom prst="rect">
             <a:avLst/>
@@ -8781,7 +8797,7 @@
         <p:spPr>
           <a:xfrm>
             <a:off x="9402840" y="6443280"/>
-            <a:ext cx="276840" cy="334800"/>
+            <a:ext cx="276480" cy="334440"/>
           </a:xfrm>
           <a:prstGeom prst="rect">
             <a:avLst/>
@@ -8804,7 +8820,7 @@
         <p:spPr>
           <a:xfrm>
             <a:off x="9402840" y="6443280"/>
-            <a:ext cx="276840" cy="334800"/>
+            <a:ext cx="276480" cy="334440"/>
           </a:xfrm>
           <a:prstGeom prst="rect">
             <a:avLst/>
@@ -8827,7 +8843,7 @@
         <p:spPr>
           <a:xfrm>
             <a:off x="9402840" y="6443280"/>
-            <a:ext cx="276840" cy="334800"/>
+            <a:ext cx="276480" cy="334440"/>
           </a:xfrm>
           <a:prstGeom prst="rect">
             <a:avLst/>
@@ -8850,7 +8866,7 @@
         <p:spPr>
           <a:xfrm>
             <a:off x="9402840" y="6443280"/>
-            <a:ext cx="276840" cy="334800"/>
+            <a:ext cx="276480" cy="334440"/>
           </a:xfrm>
           <a:prstGeom prst="rect">
             <a:avLst/>
@@ -8873,7 +8889,7 @@
         <p:spPr>
           <a:xfrm>
             <a:off x="9402840" y="6443280"/>
-            <a:ext cx="276840" cy="334800"/>
+            <a:ext cx="276480" cy="334440"/>
           </a:xfrm>
           <a:prstGeom prst="rect">
             <a:avLst/>
@@ -8896,7 +8912,7 @@
         <p:spPr>
           <a:xfrm>
             <a:off x="9402840" y="6443280"/>
-            <a:ext cx="276840" cy="334800"/>
+            <a:ext cx="276480" cy="334440"/>
           </a:xfrm>
           <a:prstGeom prst="rect">
             <a:avLst/>
@@ -8919,7 +8935,7 @@
         <p:spPr>
           <a:xfrm>
             <a:off x="9402840" y="6443280"/>
-            <a:ext cx="276840" cy="334800"/>
+            <a:ext cx="276480" cy="334440"/>
           </a:xfrm>
           <a:prstGeom prst="rect">
             <a:avLst/>
@@ -8942,7 +8958,7 @@
         <p:spPr>
           <a:xfrm>
             <a:off x="9402840" y="6443280"/>
-            <a:ext cx="276840" cy="334800"/>
+            <a:ext cx="276480" cy="334440"/>
           </a:xfrm>
           <a:prstGeom prst="rect">
             <a:avLst/>
@@ -8965,7 +8981,7 @@
         <p:spPr>
           <a:xfrm>
             <a:off x="9402840" y="6443280"/>
-            <a:ext cx="276840" cy="334800"/>
+            <a:ext cx="276480" cy="334440"/>
           </a:xfrm>
           <a:prstGeom prst="rect">
             <a:avLst/>
@@ -8988,7 +9004,7 @@
         <p:spPr>
           <a:xfrm>
             <a:off x="9402840" y="6443280"/>
-            <a:ext cx="276840" cy="334800"/>
+            <a:ext cx="276480" cy="334440"/>
           </a:xfrm>
           <a:prstGeom prst="rect">
             <a:avLst/>
@@ -9011,7 +9027,7 @@
         <p:spPr>
           <a:xfrm>
             <a:off x="3826800" y="2016000"/>
-            <a:ext cx="276840" cy="334800"/>
+            <a:ext cx="276480" cy="334440"/>
           </a:xfrm>
           <a:prstGeom prst="rect">
             <a:avLst/>
@@ -9034,7 +9050,7 @@
         <p:spPr>
           <a:xfrm>
             <a:off x="3960000" y="672840"/>
-            <a:ext cx="276840" cy="334800"/>
+            <a:ext cx="276480" cy="334440"/>
           </a:xfrm>
           <a:prstGeom prst="rect">
             <a:avLst/>
@@ -9053,7 +9069,7 @@
         <p:spPr>
           <a:xfrm>
             <a:off x="934560" y="0"/>
-            <a:ext cx="389160" cy="218160"/>
+            <a:ext cx="388800" cy="217800"/>
           </a:xfrm>
           <a:prstGeom prst="rect">
             <a:avLst/>
@@ -9127,7 +9143,7 @@
         <p:spPr>
           <a:xfrm>
             <a:off x="3912840" y="5426640"/>
-            <a:ext cx="1216440" cy="515880"/>
+            <a:ext cx="1216080" cy="515880"/>
           </a:xfrm>
           <a:prstGeom prst="rect">
             <a:avLst/>
@@ -9180,7 +9196,7 @@
         <p:spPr>
           <a:xfrm>
             <a:off x="728640" y="2221200"/>
-            <a:ext cx="1216440" cy="302760"/>
+            <a:ext cx="1216080" cy="302760"/>
           </a:xfrm>
           <a:prstGeom prst="rect">
             <a:avLst/>
@@ -9233,7 +9249,7 @@
         <p:spPr>
           <a:xfrm>
             <a:off x="728640" y="4103280"/>
-            <a:ext cx="1216440" cy="304920"/>
+            <a:ext cx="1216080" cy="304560"/>
           </a:xfrm>
           <a:prstGeom prst="rect">
             <a:avLst/>
@@ -9286,7 +9302,7 @@
         <p:spPr>
           <a:xfrm>
             <a:off x="728640" y="3062160"/>
-            <a:ext cx="417960" cy="302760"/>
+            <a:ext cx="417600" cy="302760"/>
           </a:xfrm>
           <a:prstGeom prst="rect">
             <a:avLst/>
@@ -9339,7 +9355,7 @@
         <p:spPr>
           <a:xfrm>
             <a:off x="3144960" y="5024880"/>
-            <a:ext cx="2171160" cy="515880"/>
+            <a:ext cx="2170800" cy="515880"/>
           </a:xfrm>
           <a:prstGeom prst="rect">
             <a:avLst/>

--- a/src/1.1 - Planner.pptx
+++ b/src/1.1 - Planner.pptx
@@ -1684,7 +1684,7 @@
         <p:spPr>
           <a:xfrm>
             <a:off x="2319120" y="1343880"/>
-            <a:ext cx="1216080" cy="302760"/>
+            <a:ext cx="1215720" cy="302760"/>
           </a:xfrm>
           <a:prstGeom prst="rect">
             <a:avLst/>
@@ -1737,7 +1737,7 @@
         <p:spPr>
           <a:xfrm>
             <a:off x="266040" y="2276640"/>
-            <a:ext cx="4578840" cy="1581480"/>
+            <a:ext cx="4578480" cy="1581480"/>
           </a:xfrm>
           <a:prstGeom prst="rect">
             <a:avLst/>
@@ -1850,7 +1850,7 @@
         <p:spPr>
           <a:xfrm>
             <a:off x="266040" y="4389840"/>
-            <a:ext cx="4578840" cy="1581480"/>
+            <a:ext cx="4578480" cy="1581480"/>
           </a:xfrm>
           <a:prstGeom prst="rect">
             <a:avLst/>
@@ -1963,7 +1963,7 @@
         <p:spPr>
           <a:xfrm>
             <a:off x="5160600" y="2279160"/>
-            <a:ext cx="4578840" cy="1581480"/>
+            <a:ext cx="4578480" cy="1581480"/>
           </a:xfrm>
           <a:prstGeom prst="rect">
             <a:avLst/>
@@ -2076,7 +2076,7 @@
         <p:spPr>
           <a:xfrm>
             <a:off x="5160600" y="4389840"/>
-            <a:ext cx="4578840" cy="1581480"/>
+            <a:ext cx="4578480" cy="1581480"/>
           </a:xfrm>
           <a:prstGeom prst="rect">
             <a:avLst/>
@@ -2239,7 +2239,7 @@
         <p:spPr>
           <a:xfrm>
             <a:off x="632520" y="151560"/>
-            <a:ext cx="1216080" cy="1422360"/>
+            <a:ext cx="1215720" cy="1422000"/>
           </a:xfrm>
           <a:prstGeom prst="actionButtonBlank">
             <a:avLst/>
@@ -2273,7 +2273,7 @@
         <p:spPr>
           <a:xfrm>
             <a:off x="5301720" y="330840"/>
-            <a:ext cx="1494720" cy="132840"/>
+            <a:ext cx="1494360" cy="132480"/>
           </a:xfrm>
           <a:prstGeom prst="rect">
             <a:avLst/>
@@ -2347,7 +2347,7 @@
         <p:spPr>
           <a:xfrm>
             <a:off x="2333160" y="1121400"/>
-            <a:ext cx="1216080" cy="302760"/>
+            <a:ext cx="1215720" cy="302760"/>
           </a:xfrm>
           <a:prstGeom prst="rect">
             <a:avLst/>
@@ -2400,7 +2400,7 @@
         <p:spPr>
           <a:xfrm>
             <a:off x="2333160" y="1749240"/>
-            <a:ext cx="1216080" cy="302760"/>
+            <a:ext cx="1215720" cy="302760"/>
           </a:xfrm>
           <a:prstGeom prst="rect">
             <a:avLst/>
@@ -2453,7 +2453,7 @@
         <p:spPr>
           <a:xfrm>
             <a:off x="632520" y="151560"/>
-            <a:ext cx="1216080" cy="1422360"/>
+            <a:ext cx="1215720" cy="1422000"/>
           </a:xfrm>
           <a:prstGeom prst="actionButtonBlank">
             <a:avLst/>
@@ -2491,7 +2491,7 @@
         <p:spPr>
           <a:xfrm>
             <a:off x="5760000" y="2144520"/>
-            <a:ext cx="393840" cy="374760"/>
+            <a:ext cx="393480" cy="374400"/>
           </a:xfrm>
           <a:prstGeom prst="rect">
             <a:avLst/>
@@ -2514,7 +2514,7 @@
         <p:spPr>
           <a:xfrm>
             <a:off x="6984000" y="2808000"/>
-            <a:ext cx="393840" cy="374760"/>
+            <a:ext cx="393480" cy="374400"/>
           </a:xfrm>
           <a:prstGeom prst="rect">
             <a:avLst/>
@@ -2537,7 +2537,7 @@
         <p:spPr>
           <a:xfrm>
             <a:off x="8101440" y="3512520"/>
-            <a:ext cx="393840" cy="374760"/>
+            <a:ext cx="393480" cy="374400"/>
           </a:xfrm>
           <a:prstGeom prst="rect">
             <a:avLst/>
@@ -2560,7 +2560,7 @@
         <p:spPr>
           <a:xfrm>
             <a:off x="6805440" y="4160520"/>
-            <a:ext cx="393840" cy="374760"/>
+            <a:ext cx="393480" cy="374400"/>
           </a:xfrm>
           <a:prstGeom prst="rect">
             <a:avLst/>
@@ -2583,7 +2583,7 @@
         <p:spPr>
           <a:xfrm>
             <a:off x="5904000" y="4808520"/>
-            <a:ext cx="393840" cy="374760"/>
+            <a:ext cx="393480" cy="374400"/>
           </a:xfrm>
           <a:prstGeom prst="rect">
             <a:avLst/>
@@ -2606,7 +2606,7 @@
         <p:spPr>
           <a:xfrm>
             <a:off x="4248000" y="3312000"/>
-            <a:ext cx="393840" cy="374760"/>
+            <a:ext cx="393480" cy="374400"/>
           </a:xfrm>
           <a:prstGeom prst="rect">
             <a:avLst/>
@@ -2665,7 +2665,7 @@
         <p:spPr>
           <a:xfrm>
             <a:off x="2138400" y="4716720"/>
-            <a:ext cx="1216080" cy="302760"/>
+            <a:ext cx="1215720" cy="302760"/>
           </a:xfrm>
           <a:prstGeom prst="rect">
             <a:avLst/>
@@ -2718,7 +2718,7 @@
         <p:spPr>
           <a:xfrm>
             <a:off x="2138400" y="5106960"/>
-            <a:ext cx="1216080" cy="304560"/>
+            <a:ext cx="1215720" cy="304200"/>
           </a:xfrm>
           <a:prstGeom prst="rect">
             <a:avLst/>
@@ -2741,9 +2741,18 @@
             <a:noAutofit/>
           </a:bodyPr>
           <a:p>
+            <a:pPr>
+              <a:lnSpc>
+                <a:spcPct val="100000"/>
+              </a:lnSpc>
+            </a:pPr>
             <a:r>
               <a:rPr b="0" lang="pt-BR" sz="1800" spc="-1" strike="noStrike">
+                <a:solidFill>
+                  <a:srgbClr val="000000"/>
+                </a:solidFill>
                 <a:latin typeface="Arial"/>
+                <a:ea typeface="DejaVu Sans"/>
               </a:rPr>
               <a:t>10</a:t>
             </a:r>
@@ -2762,7 +2771,7 @@
         <p:spPr>
           <a:xfrm>
             <a:off x="4836960" y="5565600"/>
-            <a:ext cx="493560" cy="302760"/>
+            <a:ext cx="493200" cy="302760"/>
           </a:xfrm>
           <a:prstGeom prst="rect">
             <a:avLst/>
@@ -2815,7 +2824,7 @@
         <p:spPr>
           <a:xfrm>
             <a:off x="3357720" y="1441440"/>
-            <a:ext cx="1216080" cy="302760"/>
+            <a:ext cx="1215720" cy="302760"/>
           </a:xfrm>
           <a:prstGeom prst="rect">
             <a:avLst/>
@@ -2872,7 +2881,7 @@
         <p:spPr>
           <a:xfrm>
             <a:off x="432000" y="2885040"/>
-            <a:ext cx="369360" cy="364680"/>
+            <a:ext cx="369000" cy="364320"/>
           </a:xfrm>
           <a:prstGeom prst="rect">
             <a:avLst/>
@@ -2895,7 +2904,7 @@
         <p:spPr>
           <a:xfrm>
             <a:off x="493920" y="3821400"/>
-            <a:ext cx="369360" cy="364680"/>
+            <a:ext cx="369000" cy="364320"/>
           </a:xfrm>
           <a:prstGeom prst="rect">
             <a:avLst/>
@@ -2918,7 +2927,7 @@
         <p:spPr>
           <a:xfrm>
             <a:off x="421920" y="3168000"/>
-            <a:ext cx="369360" cy="364680"/>
+            <a:ext cx="369000" cy="364320"/>
           </a:xfrm>
           <a:prstGeom prst="rect">
             <a:avLst/>
@@ -2941,7 +2950,7 @@
         <p:spPr>
           <a:xfrm>
             <a:off x="432000" y="3456000"/>
-            <a:ext cx="369360" cy="364680"/>
+            <a:ext cx="369000" cy="364320"/>
           </a:xfrm>
           <a:prstGeom prst="rect">
             <a:avLst/>
@@ -2964,7 +2973,7 @@
         <p:spPr>
           <a:xfrm>
             <a:off x="432000" y="2520000"/>
-            <a:ext cx="369360" cy="364680"/>
+            <a:ext cx="369000" cy="364320"/>
           </a:xfrm>
           <a:prstGeom prst="rect">
             <a:avLst/>
@@ -3023,7 +3032,7 @@
         <p:spPr>
           <a:xfrm>
             <a:off x="2372760" y="1609200"/>
-            <a:ext cx="1216080" cy="302760"/>
+            <a:ext cx="1215720" cy="302760"/>
           </a:xfrm>
           <a:prstGeom prst="rect">
             <a:avLst/>
@@ -3076,7 +3085,7 @@
         <p:spPr>
           <a:xfrm>
             <a:off x="2372760" y="2237040"/>
-            <a:ext cx="1216080" cy="302760"/>
+            <a:ext cx="1215720" cy="302760"/>
           </a:xfrm>
           <a:prstGeom prst="rect">
             <a:avLst/>
@@ -3132,8 +3141,8 @@
         </p:blipFill>
         <p:spPr>
           <a:xfrm>
-            <a:off x="2102400" y="5233320"/>
-            <a:ext cx="873000" cy="949320"/>
+            <a:off x="8775360" y="3816000"/>
+            <a:ext cx="872640" cy="948960"/>
           </a:xfrm>
           <a:prstGeom prst="rect">
             <a:avLst/>
@@ -3155,8 +3164,8 @@
         </p:blipFill>
         <p:spPr>
           <a:xfrm>
-            <a:off x="2102400" y="5233320"/>
-            <a:ext cx="873000" cy="949320"/>
+            <a:off x="7704000" y="3371040"/>
+            <a:ext cx="872640" cy="948960"/>
           </a:xfrm>
           <a:prstGeom prst="rect">
             <a:avLst/>
@@ -3178,8 +3187,8 @@
         </p:blipFill>
         <p:spPr>
           <a:xfrm>
-            <a:off x="2102400" y="5233320"/>
-            <a:ext cx="873000" cy="949320"/>
+            <a:off x="6624000" y="3816000"/>
+            <a:ext cx="872640" cy="948960"/>
           </a:xfrm>
           <a:prstGeom prst="rect">
             <a:avLst/>
@@ -3201,8 +3210,8 @@
         </p:blipFill>
         <p:spPr>
           <a:xfrm>
-            <a:off x="2102400" y="5233320"/>
-            <a:ext cx="873000" cy="949320"/>
+            <a:off x="5616000" y="3384000"/>
+            <a:ext cx="872640" cy="948960"/>
           </a:xfrm>
           <a:prstGeom prst="rect">
             <a:avLst/>
@@ -3224,8 +3233,8 @@
         </p:blipFill>
         <p:spPr>
           <a:xfrm>
-            <a:off x="2102400" y="5233320"/>
-            <a:ext cx="873000" cy="949320"/>
+            <a:off x="4599360" y="3803040"/>
+            <a:ext cx="872640" cy="948960"/>
           </a:xfrm>
           <a:prstGeom prst="rect">
             <a:avLst/>
@@ -3247,8 +3256,8 @@
         </p:blipFill>
         <p:spPr>
           <a:xfrm>
-            <a:off x="2102400" y="5233320"/>
-            <a:ext cx="873000" cy="949320"/>
+            <a:off x="3519360" y="3312000"/>
+            <a:ext cx="872640" cy="948960"/>
           </a:xfrm>
           <a:prstGeom prst="rect">
             <a:avLst/>
@@ -3270,8 +3279,8 @@
         </p:blipFill>
         <p:spPr>
           <a:xfrm>
-            <a:off x="2102400" y="5233320"/>
-            <a:ext cx="873000" cy="949320"/>
+            <a:off x="2448000" y="3816000"/>
+            <a:ext cx="872640" cy="948960"/>
           </a:xfrm>
           <a:prstGeom prst="rect">
             <a:avLst/>
@@ -3293,8 +3302,8 @@
         </p:blipFill>
         <p:spPr>
           <a:xfrm>
-            <a:off x="2102400" y="5233320"/>
-            <a:ext cx="873000" cy="949320"/>
+            <a:off x="1431360" y="3312000"/>
+            <a:ext cx="872640" cy="948960"/>
           </a:xfrm>
           <a:prstGeom prst="rect">
             <a:avLst/>
@@ -3316,8 +3325,8 @@
         </p:blipFill>
         <p:spPr>
           <a:xfrm>
-            <a:off x="2102400" y="5233320"/>
-            <a:ext cx="873000" cy="949320"/>
+            <a:off x="360000" y="3816000"/>
+            <a:ext cx="872640" cy="948960"/>
           </a:xfrm>
           <a:prstGeom prst="rect">
             <a:avLst/>
@@ -3336,7 +3345,7 @@
         <p:spPr>
           <a:xfrm>
             <a:off x="632520" y="151560"/>
-            <a:ext cx="1216080" cy="1422360"/>
+            <a:ext cx="1215720" cy="1422000"/>
           </a:xfrm>
           <a:prstGeom prst="actionButtonBlank">
             <a:avLst/>
@@ -3410,7 +3419,113 @@
         <p:spPr>
           <a:xfrm>
             <a:off x="1431720" y="3664440"/>
-            <a:ext cx="1216080" cy="333000"/>
+            <a:ext cx="1215720" cy="333000"/>
+          </a:xfrm>
+          <a:prstGeom prst="rect">
+            <a:avLst/>
+          </a:prstGeom>
+          <a:solidFill>
+            <a:srgbClr val="e6e6e6"/>
+          </a:solidFill>
+          <a:ln>
+            <a:noFill/>
+          </a:ln>
+        </p:spPr>
+        <p:style>
+          <a:lnRef idx="0"/>
+          <a:fillRef idx="0"/>
+          <a:effectRef idx="0"/>
+          <a:fontRef idx="minor"/>
+        </p:style>
+        <p:txBody>
+          <a:bodyPr lIns="90000" rIns="90000" tIns="45000" bIns="45000">
+            <a:spAutoFit/>
+          </a:bodyPr>
+          <a:p>
+            <a:pPr algn="ctr">
+              <a:lnSpc>
+                <a:spcPct val="100000"/>
+              </a:lnSpc>
+            </a:pPr>
+            <a:r>
+              <a:rPr b="0" lang="pt-BR" sz="1600" spc="-1" strike="noStrike">
+                <a:solidFill>
+                  <a:srgbClr val="000000"/>
+                </a:solidFill>
+                <a:latin typeface="Roboto"/>
+                <a:ea typeface="Roboto"/>
+              </a:rPr>
+              <a:t>09/01/25</a:t>
+            </a:r>
+            <a:endParaRPr b="0" lang="pt-BR" sz="1600" spc="-1" strike="noStrike">
+              <a:latin typeface="Arial"/>
+            </a:endParaRPr>
+          </a:p>
+        </p:txBody>
+      </p:sp>
+      <p:sp>
+        <p:nvSpPr>
+          <p:cNvPr id="158" name="CustomShape 2"/>
+          <p:cNvSpPr/>
+          <p:nvPr/>
+        </p:nvSpPr>
+        <p:spPr>
+          <a:xfrm>
+            <a:off x="3900960" y="3664440"/>
+            <a:ext cx="835920" cy="333000"/>
+          </a:xfrm>
+          <a:prstGeom prst="rect">
+            <a:avLst/>
+          </a:prstGeom>
+          <a:solidFill>
+            <a:srgbClr val="e6e6e6"/>
+          </a:solidFill>
+          <a:ln>
+            <a:noFill/>
+          </a:ln>
+        </p:spPr>
+        <p:style>
+          <a:lnRef idx="0"/>
+          <a:fillRef idx="0"/>
+          <a:effectRef idx="0"/>
+          <a:fontRef idx="minor"/>
+        </p:style>
+        <p:txBody>
+          <a:bodyPr lIns="90000" rIns="90000" tIns="45000" bIns="45000">
+            <a:spAutoFit/>
+          </a:bodyPr>
+          <a:p>
+            <a:pPr algn="ctr">
+              <a:lnSpc>
+                <a:spcPct val="100000"/>
+              </a:lnSpc>
+            </a:pPr>
+            <a:r>
+              <a:rPr b="0" lang="pt-BR" sz="1600" spc="-1" strike="noStrike">
+                <a:solidFill>
+                  <a:srgbClr val="000000"/>
+                </a:solidFill>
+                <a:latin typeface="Roboto"/>
+                <a:ea typeface="Roboto"/>
+              </a:rPr>
+              <a:t>14:30</a:t>
+            </a:r>
+            <a:endParaRPr b="0" lang="pt-BR" sz="1600" spc="-1" strike="noStrike">
+              <a:latin typeface="Arial"/>
+            </a:endParaRPr>
+          </a:p>
+        </p:txBody>
+      </p:sp>
+      <p:sp>
+        <p:nvSpPr>
+          <p:cNvPr id="159" name="CustomShape 3"/>
+          <p:cNvSpPr/>
+          <p:nvPr/>
+        </p:nvSpPr>
+        <p:spPr>
+          <a:xfrm>
+            <a:off x="1431720" y="4161960"/>
+            <a:ext cx="1215720" cy="333000"/>
           </a:xfrm>
           <a:prstGeom prst="rect">
             <a:avLst/>
@@ -3456,14 +3571,14 @@
       </p:sp>
       <p:sp>
         <p:nvSpPr>
-          <p:cNvPr id="158" name="CustomShape 2"/>
+          <p:cNvPr id="160" name="CustomShape 4"/>
           <p:cNvSpPr/>
           <p:nvPr/>
         </p:nvSpPr>
         <p:spPr>
           <a:xfrm>
-            <a:off x="3900960" y="3664440"/>
-            <a:ext cx="836280" cy="333000"/>
+            <a:off x="3900960" y="4161960"/>
+            <a:ext cx="835920" cy="333000"/>
           </a:xfrm>
           <a:prstGeom prst="rect">
             <a:avLst/>
@@ -3509,14 +3624,14 @@
       </p:sp>
       <p:sp>
         <p:nvSpPr>
-          <p:cNvPr id="159" name="CustomShape 3"/>
+          <p:cNvPr id="161" name="CustomShape 5"/>
           <p:cNvSpPr/>
           <p:nvPr/>
         </p:nvSpPr>
         <p:spPr>
           <a:xfrm>
-            <a:off x="1431720" y="4161960"/>
-            <a:ext cx="1216080" cy="333000"/>
+            <a:off x="1431720" y="4659840"/>
+            <a:ext cx="1215720" cy="333000"/>
           </a:xfrm>
           <a:prstGeom prst="rect">
             <a:avLst/>
@@ -3562,14 +3677,14 @@
       </p:sp>
       <p:sp>
         <p:nvSpPr>
-          <p:cNvPr id="160" name="CustomShape 4"/>
+          <p:cNvPr id="162" name="CustomShape 6"/>
           <p:cNvSpPr/>
           <p:nvPr/>
         </p:nvSpPr>
         <p:spPr>
           <a:xfrm>
-            <a:off x="3900960" y="4161960"/>
-            <a:ext cx="836280" cy="333000"/>
+            <a:off x="3900960" y="4659840"/>
+            <a:ext cx="835920" cy="333000"/>
           </a:xfrm>
           <a:prstGeom prst="rect">
             <a:avLst/>
@@ -3615,14 +3730,14 @@
       </p:sp>
       <p:sp>
         <p:nvSpPr>
-          <p:cNvPr id="161" name="CustomShape 5"/>
+          <p:cNvPr id="163" name="CustomShape 7"/>
           <p:cNvSpPr/>
           <p:nvPr/>
         </p:nvSpPr>
         <p:spPr>
           <a:xfrm>
-            <a:off x="1431720" y="4659840"/>
-            <a:ext cx="1216080" cy="333000"/>
+            <a:off x="1431720" y="5175000"/>
+            <a:ext cx="1215720" cy="333000"/>
           </a:xfrm>
           <a:prstGeom prst="rect">
             <a:avLst/>
@@ -3668,14 +3783,14 @@
       </p:sp>
       <p:sp>
         <p:nvSpPr>
-          <p:cNvPr id="162" name="CustomShape 6"/>
+          <p:cNvPr id="164" name="CustomShape 8"/>
           <p:cNvSpPr/>
           <p:nvPr/>
         </p:nvSpPr>
         <p:spPr>
           <a:xfrm>
-            <a:off x="3900960" y="4659840"/>
-            <a:ext cx="836280" cy="333000"/>
+            <a:off x="3900960" y="5175000"/>
+            <a:ext cx="835920" cy="333000"/>
           </a:xfrm>
           <a:prstGeom prst="rect">
             <a:avLst/>
@@ -3721,14 +3836,14 @@
       </p:sp>
       <p:sp>
         <p:nvSpPr>
-          <p:cNvPr id="163" name="CustomShape 7"/>
+          <p:cNvPr id="165" name="CustomShape 9"/>
           <p:cNvSpPr/>
           <p:nvPr/>
         </p:nvSpPr>
         <p:spPr>
           <a:xfrm>
-            <a:off x="1431720" y="5175000"/>
-            <a:ext cx="1216080" cy="333000"/>
+            <a:off x="1431720" y="5690160"/>
+            <a:ext cx="1215720" cy="333000"/>
           </a:xfrm>
           <a:prstGeom prst="rect">
             <a:avLst/>
@@ -3774,14 +3889,14 @@
       </p:sp>
       <p:sp>
         <p:nvSpPr>
-          <p:cNvPr id="164" name="CustomShape 8"/>
+          <p:cNvPr id="166" name="CustomShape 10"/>
           <p:cNvSpPr/>
           <p:nvPr/>
         </p:nvSpPr>
         <p:spPr>
           <a:xfrm>
-            <a:off x="3900960" y="5175000"/>
-            <a:ext cx="836280" cy="333000"/>
+            <a:off x="3900960" y="5690160"/>
+            <a:ext cx="835920" cy="333000"/>
           </a:xfrm>
           <a:prstGeom prst="rect">
             <a:avLst/>
@@ -3827,14 +3942,14 @@
       </p:sp>
       <p:sp>
         <p:nvSpPr>
-          <p:cNvPr id="165" name="CustomShape 9"/>
+          <p:cNvPr id="167" name="CustomShape 11"/>
           <p:cNvSpPr/>
           <p:nvPr/>
         </p:nvSpPr>
         <p:spPr>
           <a:xfrm>
-            <a:off x="1431720" y="5690160"/>
-            <a:ext cx="1216080" cy="333000"/>
+            <a:off x="3810600" y="1341720"/>
+            <a:ext cx="1215720" cy="302760"/>
           </a:xfrm>
           <a:prstGeom prst="rect">
             <a:avLst/>
@@ -3863,112 +3978,6 @@
               </a:lnSpc>
             </a:pPr>
             <a:r>
-              <a:rPr b="0" lang="pt-BR" sz="1600" spc="-1" strike="noStrike">
-                <a:solidFill>
-                  <a:srgbClr val="000000"/>
-                </a:solidFill>
-                <a:latin typeface="Roboto"/>
-                <a:ea typeface="Roboto"/>
-              </a:rPr>
-              <a:t>/     / </a:t>
-            </a:r>
-            <a:endParaRPr b="0" lang="pt-BR" sz="1600" spc="-1" strike="noStrike">
-              <a:latin typeface="Arial"/>
-            </a:endParaRPr>
-          </a:p>
-        </p:txBody>
-      </p:sp>
-      <p:sp>
-        <p:nvSpPr>
-          <p:cNvPr id="166" name="CustomShape 10"/>
-          <p:cNvSpPr/>
-          <p:nvPr/>
-        </p:nvSpPr>
-        <p:spPr>
-          <a:xfrm>
-            <a:off x="3900960" y="5690160"/>
-            <a:ext cx="836280" cy="333000"/>
-          </a:xfrm>
-          <a:prstGeom prst="rect">
-            <a:avLst/>
-          </a:prstGeom>
-          <a:solidFill>
-            <a:srgbClr val="e6e6e6"/>
-          </a:solidFill>
-          <a:ln>
-            <a:noFill/>
-          </a:ln>
-        </p:spPr>
-        <p:style>
-          <a:lnRef idx="0"/>
-          <a:fillRef idx="0"/>
-          <a:effectRef idx="0"/>
-          <a:fontRef idx="minor"/>
-        </p:style>
-        <p:txBody>
-          <a:bodyPr lIns="90000" rIns="90000" tIns="45000" bIns="45000">
-            <a:spAutoFit/>
-          </a:bodyPr>
-          <a:p>
-            <a:pPr algn="ctr">
-              <a:lnSpc>
-                <a:spcPct val="100000"/>
-              </a:lnSpc>
-            </a:pPr>
-            <a:r>
-              <a:rPr b="0" lang="pt-BR" sz="1600" spc="-1" strike="noStrike">
-                <a:solidFill>
-                  <a:srgbClr val="000000"/>
-                </a:solidFill>
-                <a:latin typeface="Roboto"/>
-                <a:ea typeface="Roboto"/>
-              </a:rPr>
-              <a:t>:</a:t>
-            </a:r>
-            <a:endParaRPr b="0" lang="pt-BR" sz="1600" spc="-1" strike="noStrike">
-              <a:latin typeface="Arial"/>
-            </a:endParaRPr>
-          </a:p>
-        </p:txBody>
-      </p:sp>
-      <p:sp>
-        <p:nvSpPr>
-          <p:cNvPr id="167" name="CustomShape 11"/>
-          <p:cNvSpPr/>
-          <p:nvPr/>
-        </p:nvSpPr>
-        <p:spPr>
-          <a:xfrm>
-            <a:off x="3810600" y="1341720"/>
-            <a:ext cx="1216080" cy="302760"/>
-          </a:xfrm>
-          <a:prstGeom prst="rect">
-            <a:avLst/>
-          </a:prstGeom>
-          <a:solidFill>
-            <a:srgbClr val="e6e6e6"/>
-          </a:solidFill>
-          <a:ln>
-            <a:noFill/>
-          </a:ln>
-        </p:spPr>
-        <p:style>
-          <a:lnRef idx="0"/>
-          <a:fillRef idx="0"/>
-          <a:effectRef idx="0"/>
-          <a:fontRef idx="minor"/>
-        </p:style>
-        <p:txBody>
-          <a:bodyPr lIns="90000" rIns="90000" tIns="45000" bIns="45000">
-            <a:spAutoFit/>
-          </a:bodyPr>
-          <a:p>
-            <a:pPr algn="ctr">
-              <a:lnSpc>
-                <a:spcPct val="100000"/>
-              </a:lnSpc>
-            </a:pPr>
-            <a:r>
               <a:rPr b="0" lang="pt-BR" sz="1400" spc="-1" strike="noStrike">
                 <a:solidFill>
                   <a:srgbClr val="000000"/>
@@ -3976,7 +3985,7 @@
                 <a:latin typeface="Roboto"/>
                 <a:ea typeface="Roboto"/>
               </a:rPr>
-              <a:t>/     /</a:t>
+              <a:t>05/10/24</a:t>
             </a:r>
             <a:endParaRPr b="0" lang="pt-BR" sz="1400" spc="-1" strike="noStrike">
               <a:latin typeface="Arial"/>
@@ -4033,7 +4042,7 @@
         <p:spPr>
           <a:xfrm>
             <a:off x="2333160" y="1365120"/>
-            <a:ext cx="1216080" cy="302760"/>
+            <a:ext cx="1215720" cy="302760"/>
           </a:xfrm>
           <a:prstGeom prst="rect">
             <a:avLst/>
@@ -4086,7 +4095,7 @@
         <p:spPr>
           <a:xfrm>
             <a:off x="2333160" y="1992960"/>
-            <a:ext cx="1216080" cy="302760"/>
+            <a:ext cx="1215720" cy="302760"/>
           </a:xfrm>
           <a:prstGeom prst="rect">
             <a:avLst/>
@@ -4139,7 +4148,7 @@
         <p:spPr>
           <a:xfrm>
             <a:off x="6663960" y="2344680"/>
-            <a:ext cx="2864520" cy="2647080"/>
+            <a:ext cx="2864160" cy="2647080"/>
           </a:xfrm>
           <a:prstGeom prst="rect">
             <a:avLst/>
@@ -4306,7 +4315,7 @@
         <p:spPr>
           <a:xfrm>
             <a:off x="1394280" y="2550960"/>
-            <a:ext cx="467640" cy="462240"/>
+            <a:ext cx="467280" cy="461880"/>
           </a:xfrm>
           <a:prstGeom prst="rect">
             <a:avLst/>
@@ -4329,7 +4338,7 @@
         <p:spPr>
           <a:xfrm>
             <a:off x="1394280" y="2550960"/>
-            <a:ext cx="467640" cy="462240"/>
+            <a:ext cx="467280" cy="461880"/>
           </a:xfrm>
           <a:prstGeom prst="rect">
             <a:avLst/>
@@ -4352,7 +4361,7 @@
         <p:spPr>
           <a:xfrm>
             <a:off x="1394280" y="2550960"/>
-            <a:ext cx="467640" cy="462240"/>
+            <a:ext cx="467280" cy="461880"/>
           </a:xfrm>
           <a:prstGeom prst="rect">
             <a:avLst/>
@@ -4375,7 +4384,7 @@
         <p:spPr>
           <a:xfrm>
             <a:off x="1394280" y="2550960"/>
-            <a:ext cx="467640" cy="462240"/>
+            <a:ext cx="467280" cy="461880"/>
           </a:xfrm>
           <a:prstGeom prst="rect">
             <a:avLst/>
@@ -4398,7 +4407,7 @@
         <p:spPr>
           <a:xfrm>
             <a:off x="1394280" y="2550960"/>
-            <a:ext cx="467640" cy="462240"/>
+            <a:ext cx="467280" cy="461880"/>
           </a:xfrm>
           <a:prstGeom prst="rect">
             <a:avLst/>
@@ -4421,7 +4430,7 @@
         <p:spPr>
           <a:xfrm>
             <a:off x="1394280" y="2550960"/>
-            <a:ext cx="467640" cy="462240"/>
+            <a:ext cx="467280" cy="461880"/>
           </a:xfrm>
           <a:prstGeom prst="rect">
             <a:avLst/>
@@ -4444,7 +4453,7 @@
         <p:spPr>
           <a:xfrm>
             <a:off x="1394280" y="2550960"/>
-            <a:ext cx="467640" cy="462240"/>
+            <a:ext cx="467280" cy="461880"/>
           </a:xfrm>
           <a:prstGeom prst="rect">
             <a:avLst/>
@@ -4463,7 +4472,7 @@
         <p:spPr>
           <a:xfrm>
             <a:off x="632520" y="151560"/>
-            <a:ext cx="1216080" cy="1422360"/>
+            <a:ext cx="1215720" cy="1422000"/>
           </a:xfrm>
           <a:prstGeom prst="actionButtonBlank">
             <a:avLst/>
@@ -4537,7 +4546,7 @@
         <p:spPr>
           <a:xfrm>
             <a:off x="2333160" y="1212480"/>
-            <a:ext cx="1216080" cy="302760"/>
+            <a:ext cx="1215720" cy="302760"/>
           </a:xfrm>
           <a:prstGeom prst="rect">
             <a:avLst/>
@@ -4573,7 +4582,7 @@
                 <a:latin typeface="Roboto"/>
                 <a:ea typeface="Roboto"/>
               </a:rPr>
-              <a:t>??/11/2024</a:t>
+              <a:t>12/11/2024</a:t>
             </a:r>
             <a:endParaRPr b="0" lang="pt-BR" sz="1400" spc="-1" strike="noStrike">
               <a:latin typeface="Arial"/>
@@ -4590,7 +4599,7 @@
         <p:spPr>
           <a:xfrm>
             <a:off x="395280" y="3306600"/>
-            <a:ext cx="9111960" cy="3009960"/>
+            <a:ext cx="9111600" cy="333720"/>
           </a:xfrm>
           <a:prstGeom prst="rect">
             <a:avLst/>
@@ -4626,122 +4635,12 @@
                 <a:latin typeface="Roboto"/>
                 <a:ea typeface="Roboto"/>
               </a:rPr>
-              <a:t>Escreva Aqui</a:t>
+              <a:t>Tudo o que foi ensinado no curso...</a:t>
             </a:r>
             <a:endParaRPr b="0" lang="pt-BR" sz="1600" spc="-1" strike="noStrike">
               <a:latin typeface="Arial"/>
             </a:endParaRPr>
           </a:p>
-          <a:p>
-            <a:pPr>
-              <a:lnSpc>
-                <a:spcPct val="100000"/>
-              </a:lnSpc>
-            </a:pPr>
-            <a:endParaRPr b="0" lang="pt-BR" sz="1600" spc="-1" strike="noStrike">
-              <a:latin typeface="Arial"/>
-            </a:endParaRPr>
-          </a:p>
-          <a:p>
-            <a:pPr>
-              <a:lnSpc>
-                <a:spcPct val="100000"/>
-              </a:lnSpc>
-            </a:pPr>
-            <a:endParaRPr b="0" lang="pt-BR" sz="1600" spc="-1" strike="noStrike">
-              <a:latin typeface="Arial"/>
-            </a:endParaRPr>
-          </a:p>
-          <a:p>
-            <a:pPr>
-              <a:lnSpc>
-                <a:spcPct val="100000"/>
-              </a:lnSpc>
-            </a:pPr>
-            <a:endParaRPr b="0" lang="pt-BR" sz="1600" spc="-1" strike="noStrike">
-              <a:latin typeface="Arial"/>
-            </a:endParaRPr>
-          </a:p>
-          <a:p>
-            <a:pPr>
-              <a:lnSpc>
-                <a:spcPct val="100000"/>
-              </a:lnSpc>
-            </a:pPr>
-            <a:endParaRPr b="0" lang="pt-BR" sz="1600" spc="-1" strike="noStrike">
-              <a:latin typeface="Arial"/>
-            </a:endParaRPr>
-          </a:p>
-          <a:p>
-            <a:pPr>
-              <a:lnSpc>
-                <a:spcPct val="100000"/>
-              </a:lnSpc>
-            </a:pPr>
-            <a:endParaRPr b="0" lang="pt-BR" sz="1600" spc="-1" strike="noStrike">
-              <a:latin typeface="Arial"/>
-            </a:endParaRPr>
-          </a:p>
-          <a:p>
-            <a:pPr>
-              <a:lnSpc>
-                <a:spcPct val="100000"/>
-              </a:lnSpc>
-            </a:pPr>
-            <a:endParaRPr b="0" lang="pt-BR" sz="1600" spc="-1" strike="noStrike">
-              <a:latin typeface="Arial"/>
-            </a:endParaRPr>
-          </a:p>
-          <a:p>
-            <a:pPr>
-              <a:lnSpc>
-                <a:spcPct val="100000"/>
-              </a:lnSpc>
-            </a:pPr>
-            <a:endParaRPr b="0" lang="pt-BR" sz="1600" spc="-1" strike="noStrike">
-              <a:latin typeface="Arial"/>
-            </a:endParaRPr>
-          </a:p>
-          <a:p>
-            <a:pPr>
-              <a:lnSpc>
-                <a:spcPct val="100000"/>
-              </a:lnSpc>
-            </a:pPr>
-            <a:endParaRPr b="0" lang="pt-BR" sz="1600" spc="-1" strike="noStrike">
-              <a:latin typeface="Arial"/>
-            </a:endParaRPr>
-          </a:p>
-          <a:p>
-            <a:pPr>
-              <a:lnSpc>
-                <a:spcPct val="100000"/>
-              </a:lnSpc>
-            </a:pPr>
-            <a:endParaRPr b="0" lang="pt-BR" sz="1600" spc="-1" strike="noStrike">
-              <a:latin typeface="Arial"/>
-            </a:endParaRPr>
-          </a:p>
-          <a:p>
-            <a:pPr>
-              <a:lnSpc>
-                <a:spcPct val="100000"/>
-              </a:lnSpc>
-            </a:pPr>
-            <a:endParaRPr b="0" lang="pt-BR" sz="1600" spc="-1" strike="noStrike">
-              <a:latin typeface="Arial"/>
-            </a:endParaRPr>
-          </a:p>
-          <a:p>
-            <a:pPr>
-              <a:lnSpc>
-                <a:spcPct val="100000"/>
-              </a:lnSpc>
-            </a:pPr>
-            <a:endParaRPr b="0" lang="pt-BR" sz="1600" spc="-1" strike="noStrike">
-              <a:latin typeface="Arial"/>
-            </a:endParaRPr>
-          </a:p>
         </p:txBody>
       </p:sp>
       <p:sp>
@@ -4753,7 +4652,7 @@
         <p:spPr>
           <a:xfrm>
             <a:off x="7448400" y="677880"/>
-            <a:ext cx="576000" cy="729000"/>
+            <a:ext cx="575640" cy="729000"/>
           </a:xfrm>
           <a:prstGeom prst="rect">
             <a:avLst/>
@@ -4806,7 +4705,7 @@
         <p:spPr>
           <a:xfrm>
             <a:off x="632520" y="151560"/>
-            <a:ext cx="1216080" cy="1422360"/>
+            <a:ext cx="1215720" cy="1422000"/>
           </a:xfrm>
           <a:prstGeom prst="actionButtonBlank">
             <a:avLst/>
@@ -4880,7 +4779,7 @@
         <p:spPr>
           <a:xfrm>
             <a:off x="1262880" y="3398040"/>
-            <a:ext cx="1216080" cy="333000"/>
+            <a:ext cx="1215720" cy="333000"/>
           </a:xfrm>
           <a:prstGeom prst="rect">
             <a:avLst/>
@@ -4933,7 +4832,7 @@
         <p:spPr>
           <a:xfrm>
             <a:off x="1137600" y="3769560"/>
-            <a:ext cx="936720" cy="333000"/>
+            <a:ext cx="936360" cy="333000"/>
           </a:xfrm>
           <a:prstGeom prst="rect">
             <a:avLst/>
@@ -4986,7 +4885,7 @@
         <p:spPr>
           <a:xfrm>
             <a:off x="2449080" y="1236960"/>
-            <a:ext cx="936720" cy="335160"/>
+            <a:ext cx="936360" cy="334800"/>
           </a:xfrm>
           <a:prstGeom prst="rect">
             <a:avLst/>
@@ -5014,7 +4913,7 @@
         <p:spPr>
           <a:xfrm>
             <a:off x="2238120" y="1710360"/>
-            <a:ext cx="936720" cy="335160"/>
+            <a:ext cx="936360" cy="334800"/>
           </a:xfrm>
           <a:prstGeom prst="rect">
             <a:avLst/>
@@ -5042,7 +4941,7 @@
         <p:spPr>
           <a:xfrm>
             <a:off x="2449080" y="2202120"/>
-            <a:ext cx="936720" cy="335160"/>
+            <a:ext cx="936360" cy="334800"/>
           </a:xfrm>
           <a:prstGeom prst="rect">
             <a:avLst/>
@@ -5074,7 +4973,7 @@
         <p:spPr>
           <a:xfrm>
             <a:off x="6446880" y="5141160"/>
-            <a:ext cx="600840" cy="653400"/>
+            <a:ext cx="600480" cy="653040"/>
           </a:xfrm>
           <a:prstGeom prst="rect">
             <a:avLst/>
@@ -5133,7 +5032,7 @@
         <p:spPr>
           <a:xfrm>
             <a:off x="5226120" y="2250360"/>
-            <a:ext cx="4275360" cy="304560"/>
+            <a:ext cx="4275000" cy="304200"/>
           </a:xfrm>
           <a:prstGeom prst="rect">
             <a:avLst/>
@@ -5161,7 +5060,7 @@
         <p:spPr>
           <a:xfrm>
             <a:off x="6542640" y="2935080"/>
-            <a:ext cx="2958840" cy="304560"/>
+            <a:ext cx="2958480" cy="304200"/>
           </a:xfrm>
           <a:prstGeom prst="rect">
             <a:avLst/>
@@ -5189,7 +5088,7 @@
         <p:spPr>
           <a:xfrm>
             <a:off x="5226120" y="3465720"/>
-            <a:ext cx="4275360" cy="304560"/>
+            <a:ext cx="4275000" cy="304200"/>
           </a:xfrm>
           <a:prstGeom prst="rect">
             <a:avLst/>
@@ -5217,7 +5116,7 @@
         <p:spPr>
           <a:xfrm>
             <a:off x="5211000" y="4381920"/>
-            <a:ext cx="4275360" cy="2558520"/>
+            <a:ext cx="4275000" cy="2558520"/>
           </a:xfrm>
           <a:prstGeom prst="rect">
             <a:avLst/>
@@ -5340,7 +5239,7 @@
         <p:spPr>
           <a:xfrm>
             <a:off x="9058320" y="669600"/>
-            <a:ext cx="633240" cy="302760"/>
+            <a:ext cx="733680" cy="303480"/>
           </a:xfrm>
           <a:prstGeom prst="rect">
             <a:avLst/>
@@ -5376,7 +5275,7 @@
                 <a:latin typeface="Roboto"/>
                 <a:ea typeface="Roboto"/>
               </a:rPr>
-              <a:t>:</a:t>
+              <a:t>14:30</a:t>
             </a:r>
             <a:endParaRPr b="0" lang="pt-BR" sz="1400" spc="-1" strike="noStrike">
               <a:latin typeface="Arial"/>
@@ -5393,7 +5292,7 @@
         <p:spPr>
           <a:xfrm>
             <a:off x="7286400" y="669600"/>
-            <a:ext cx="930600" cy="302760"/>
+            <a:ext cx="993600" cy="303480"/>
           </a:xfrm>
           <a:prstGeom prst="rect">
             <a:avLst/>
@@ -5429,7 +5328,7 @@
                 <a:latin typeface="Roboto"/>
                 <a:ea typeface="Roboto"/>
               </a:rPr>
-              <a:t>/   /</a:t>
+              <a:t>09/01/25</a:t>
             </a:r>
             <a:endParaRPr b="0" lang="pt-BR" sz="1400" spc="-1" strike="noStrike">
               <a:latin typeface="Arial"/>
@@ -5446,7 +5345,7 @@
         <p:spPr>
           <a:xfrm>
             <a:off x="8629560" y="3825720"/>
-            <a:ext cx="872280" cy="304560"/>
+            <a:ext cx="871920" cy="304200"/>
           </a:xfrm>
           <a:prstGeom prst="rect">
             <a:avLst/>
@@ -5474,7 +5373,7 @@
         <p:spPr>
           <a:xfrm>
             <a:off x="632520" y="151560"/>
-            <a:ext cx="1216080" cy="1422360"/>
+            <a:ext cx="1215720" cy="1422000"/>
           </a:xfrm>
           <a:prstGeom prst="actionButtonBlank">
             <a:avLst/>
@@ -5548,7 +5447,7 @@
         <p:spPr>
           <a:xfrm>
             <a:off x="918000" y="1666800"/>
-            <a:ext cx="6238440" cy="912600"/>
+            <a:ext cx="6238080" cy="912600"/>
           </a:xfrm>
           <a:prstGeom prst="rect">
             <a:avLst/>
@@ -5615,7 +5514,7 @@
         <p:spPr>
           <a:xfrm>
             <a:off x="3167280" y="6031800"/>
-            <a:ext cx="393840" cy="374760"/>
+            <a:ext cx="393480" cy="374400"/>
           </a:xfrm>
           <a:prstGeom prst="rect">
             <a:avLst/>
@@ -5638,7 +5537,7 @@
         <p:spPr>
           <a:xfrm>
             <a:off x="3167280" y="6031800"/>
-            <a:ext cx="393840" cy="374760"/>
+            <a:ext cx="393480" cy="374400"/>
           </a:xfrm>
           <a:prstGeom prst="rect">
             <a:avLst/>
@@ -5661,7 +5560,7 @@
         <p:spPr>
           <a:xfrm>
             <a:off x="3167280" y="6031800"/>
-            <a:ext cx="393840" cy="374760"/>
+            <a:ext cx="393480" cy="374400"/>
           </a:xfrm>
           <a:prstGeom prst="rect">
             <a:avLst/>
@@ -5684,7 +5583,7 @@
         <p:spPr>
           <a:xfrm>
             <a:off x="3167280" y="6031800"/>
-            <a:ext cx="393840" cy="374760"/>
+            <a:ext cx="393480" cy="374400"/>
           </a:xfrm>
           <a:prstGeom prst="rect">
             <a:avLst/>
@@ -5707,7 +5606,7 @@
         <p:spPr>
           <a:xfrm>
             <a:off x="3167280" y="6031800"/>
-            <a:ext cx="393840" cy="374760"/>
+            <a:ext cx="393480" cy="374400"/>
           </a:xfrm>
           <a:prstGeom prst="rect">
             <a:avLst/>
@@ -5730,7 +5629,7 @@
         <p:spPr>
           <a:xfrm>
             <a:off x="3167280" y="6031800"/>
-            <a:ext cx="393840" cy="374760"/>
+            <a:ext cx="393480" cy="374400"/>
           </a:xfrm>
           <a:prstGeom prst="rect">
             <a:avLst/>
@@ -5753,7 +5652,7 @@
         <p:spPr>
           <a:xfrm>
             <a:off x="3167280" y="6031800"/>
-            <a:ext cx="393840" cy="374760"/>
+            <a:ext cx="393480" cy="374400"/>
           </a:xfrm>
           <a:prstGeom prst="rect">
             <a:avLst/>
@@ -5776,7 +5675,7 @@
         <p:spPr>
           <a:xfrm>
             <a:off x="3167280" y="6031800"/>
-            <a:ext cx="393840" cy="374760"/>
+            <a:ext cx="393480" cy="374400"/>
           </a:xfrm>
           <a:prstGeom prst="rect">
             <a:avLst/>
@@ -5799,7 +5698,7 @@
         <p:spPr>
           <a:xfrm>
             <a:off x="3167280" y="6031800"/>
-            <a:ext cx="393840" cy="374760"/>
+            <a:ext cx="393480" cy="374400"/>
           </a:xfrm>
           <a:prstGeom prst="rect">
             <a:avLst/>
@@ -5822,7 +5721,7 @@
         <p:spPr>
           <a:xfrm>
             <a:off x="3167280" y="6031800"/>
-            <a:ext cx="393840" cy="374760"/>
+            <a:ext cx="393480" cy="374400"/>
           </a:xfrm>
           <a:prstGeom prst="rect">
             <a:avLst/>
@@ -5961,7 +5860,7 @@
         <p:spPr>
           <a:xfrm>
             <a:off x="561960" y="4649040"/>
-            <a:ext cx="5377680" cy="1581480"/>
+            <a:ext cx="5377320" cy="1581480"/>
           </a:xfrm>
           <a:prstGeom prst="rect">
             <a:avLst/>
@@ -6074,7 +5973,7 @@
         <p:spPr>
           <a:xfrm>
             <a:off x="2204640" y="1626480"/>
-            <a:ext cx="1216080" cy="302760"/>
+            <a:ext cx="1215720" cy="302760"/>
           </a:xfrm>
           <a:prstGeom prst="rect">
             <a:avLst/>
@@ -6131,7 +6030,7 @@
         <p:spPr>
           <a:xfrm>
             <a:off x="5280120" y="2794320"/>
-            <a:ext cx="393840" cy="374760"/>
+            <a:ext cx="393480" cy="374400"/>
           </a:xfrm>
           <a:prstGeom prst="rect">
             <a:avLst/>
@@ -6154,7 +6053,7 @@
         <p:spPr>
           <a:xfrm>
             <a:off x="5280120" y="2794320"/>
-            <a:ext cx="393840" cy="374760"/>
+            <a:ext cx="393480" cy="374400"/>
           </a:xfrm>
           <a:prstGeom prst="rect">
             <a:avLst/>
@@ -6173,7 +6072,7 @@
         <p:spPr>
           <a:xfrm>
             <a:off x="632520" y="151560"/>
-            <a:ext cx="1216080" cy="1422360"/>
+            <a:ext cx="1215720" cy="1422000"/>
           </a:xfrm>
           <a:prstGeom prst="actionButtonBlank">
             <a:avLst/>
@@ -6287,7 +6186,7 @@
         <p:spPr>
           <a:xfrm>
             <a:off x="689040" y="3983400"/>
-            <a:ext cx="1039320" cy="1039320"/>
+            <a:ext cx="1038960" cy="1038960"/>
           </a:xfrm>
           <a:prstGeom prst="actionButtonBlank">
             <a:avLst/>
@@ -6321,7 +6220,7 @@
         <p:spPr>
           <a:xfrm>
             <a:off x="2564280" y="1349640"/>
-            <a:ext cx="1039320" cy="1039320"/>
+            <a:ext cx="1038960" cy="1038960"/>
           </a:xfrm>
           <a:prstGeom prst="actionButtonBlank">
             <a:avLst/>
@@ -6355,7 +6254,7 @@
         <p:spPr>
           <a:xfrm>
             <a:off x="689040" y="2822400"/>
-            <a:ext cx="1039320" cy="1039320"/>
+            <a:ext cx="1038960" cy="1038960"/>
           </a:xfrm>
           <a:prstGeom prst="actionButtonBlank">
             <a:avLst/>
@@ -6389,7 +6288,7 @@
         <p:spPr>
           <a:xfrm>
             <a:off x="1396800" y="1721520"/>
-            <a:ext cx="1039320" cy="1039320"/>
+            <a:ext cx="1038960" cy="1038960"/>
           </a:xfrm>
           <a:prstGeom prst="actionButtonBlank">
             <a:avLst/>
@@ -6423,7 +6322,7 @@
         <p:spPr>
           <a:xfrm>
             <a:off x="3679200" y="1721520"/>
-            <a:ext cx="1039320" cy="1039320"/>
+            <a:ext cx="1038960" cy="1038960"/>
           </a:xfrm>
           <a:prstGeom prst="actionButtonBlank">
             <a:avLst/>
@@ -6457,7 +6356,7 @@
         <p:spPr>
           <a:xfrm>
             <a:off x="4431960" y="2791440"/>
-            <a:ext cx="1039320" cy="1039320"/>
+            <a:ext cx="1038960" cy="1038960"/>
           </a:xfrm>
           <a:prstGeom prst="actionButtonBlank">
             <a:avLst/>
@@ -6491,7 +6390,7 @@
         <p:spPr>
           <a:xfrm>
             <a:off x="4431960" y="3983400"/>
-            <a:ext cx="1039320" cy="1039320"/>
+            <a:ext cx="1038960" cy="1038960"/>
           </a:xfrm>
           <a:prstGeom prst="actionButtonBlank">
             <a:avLst/>
@@ -6525,7 +6424,7 @@
         <p:spPr>
           <a:xfrm>
             <a:off x="5607720" y="5348520"/>
-            <a:ext cx="1039320" cy="1039320"/>
+            <a:ext cx="1038960" cy="1038960"/>
           </a:xfrm>
           <a:prstGeom prst="actionButtonBlank">
             <a:avLst/>
@@ -6559,7 +6458,7 @@
         <p:spPr>
           <a:xfrm>
             <a:off x="7511040" y="5014080"/>
-            <a:ext cx="1039320" cy="1039320"/>
+            <a:ext cx="1038960" cy="1038960"/>
           </a:xfrm>
           <a:prstGeom prst="actionButtonBlank">
             <a:avLst/>
@@ -6593,7 +6492,7 @@
         <p:spPr>
           <a:xfrm>
             <a:off x="8174520" y="3944520"/>
-            <a:ext cx="1039320" cy="1039320"/>
+            <a:ext cx="1038960" cy="1038960"/>
           </a:xfrm>
           <a:prstGeom prst="actionButtonBlank">
             <a:avLst/>
@@ -6707,7 +6606,7 @@
         <p:spPr>
           <a:xfrm>
             <a:off x="595080" y="3646440"/>
-            <a:ext cx="2502000" cy="729000"/>
+            <a:ext cx="2501640" cy="729000"/>
           </a:xfrm>
           <a:prstGeom prst="rect">
             <a:avLst/>
@@ -6800,7 +6699,7 @@
         <p:spPr>
           <a:xfrm>
             <a:off x="624600" y="248040"/>
-            <a:ext cx="1216080" cy="1422360"/>
+            <a:ext cx="1215720" cy="1422000"/>
           </a:xfrm>
           <a:prstGeom prst="actionButtonBlank">
             <a:avLst/>
@@ -6834,7 +6733,7 @@
         <p:spPr>
           <a:xfrm>
             <a:off x="2333160" y="1108800"/>
-            <a:ext cx="1216080" cy="302760"/>
+            <a:ext cx="1215720" cy="302760"/>
           </a:xfrm>
           <a:prstGeom prst="rect">
             <a:avLst/>
@@ -6887,7 +6786,7 @@
         <p:spPr>
           <a:xfrm>
             <a:off x="2333160" y="1736640"/>
-            <a:ext cx="1216080" cy="302760"/>
+            <a:ext cx="1215720" cy="302760"/>
           </a:xfrm>
           <a:prstGeom prst="rect">
             <a:avLst/>
@@ -6940,7 +6839,7 @@
         <p:spPr>
           <a:xfrm>
             <a:off x="518760" y="5123160"/>
-            <a:ext cx="3229920" cy="1155240"/>
+            <a:ext cx="3229560" cy="1155240"/>
           </a:xfrm>
           <a:prstGeom prst="rect">
             <a:avLst/>
@@ -7053,7 +6952,7 @@
         <p:spPr>
           <a:xfrm>
             <a:off x="3611880" y="3591000"/>
-            <a:ext cx="2502000" cy="729000"/>
+            <a:ext cx="2501640" cy="729000"/>
           </a:xfrm>
           <a:prstGeom prst="rect">
             <a:avLst/>
@@ -7116,7 +7015,7 @@
         <p:spPr>
           <a:xfrm>
             <a:off x="6634800" y="3658320"/>
-            <a:ext cx="2502000" cy="729000"/>
+            <a:ext cx="2501640" cy="729000"/>
           </a:xfrm>
           <a:prstGeom prst="rect">
             <a:avLst/>
@@ -7179,7 +7078,7 @@
         <p:spPr>
           <a:xfrm>
             <a:off x="3961440" y="5123160"/>
-            <a:ext cx="5307480" cy="1581480"/>
+            <a:ext cx="5307120" cy="1581480"/>
           </a:xfrm>
           <a:prstGeom prst="rect">
             <a:avLst/>
@@ -7296,7 +7195,7 @@
         <p:spPr>
           <a:xfrm>
             <a:off x="720000" y="3528000"/>
-            <a:ext cx="393840" cy="374760"/>
+            <a:ext cx="393480" cy="374400"/>
           </a:xfrm>
           <a:prstGeom prst="rect">
             <a:avLst/>
@@ -7319,7 +7218,7 @@
         <p:spPr>
           <a:xfrm>
             <a:off x="5400000" y="3024000"/>
-            <a:ext cx="393840" cy="374760"/>
+            <a:ext cx="393480" cy="374400"/>
           </a:xfrm>
           <a:prstGeom prst="rect">
             <a:avLst/>
@@ -7342,7 +7241,7 @@
         <p:spPr>
           <a:xfrm>
             <a:off x="755280" y="2430360"/>
-            <a:ext cx="393840" cy="374760"/>
+            <a:ext cx="393480" cy="374400"/>
           </a:xfrm>
           <a:prstGeom prst="rect">
             <a:avLst/>
@@ -7365,7 +7264,7 @@
         <p:spPr>
           <a:xfrm>
             <a:off x="755280" y="2214360"/>
-            <a:ext cx="393840" cy="374760"/>
+            <a:ext cx="393480" cy="374400"/>
           </a:xfrm>
           <a:prstGeom prst="rect">
             <a:avLst/>
@@ -7388,7 +7287,7 @@
         <p:spPr>
           <a:xfrm>
             <a:off x="2843640" y="3096000"/>
-            <a:ext cx="393840" cy="374760"/>
+            <a:ext cx="393480" cy="374400"/>
           </a:xfrm>
           <a:prstGeom prst="rect">
             <a:avLst/>
@@ -7411,7 +7310,7 @@
         <p:spPr>
           <a:xfrm>
             <a:off x="755280" y="2646720"/>
-            <a:ext cx="393840" cy="374760"/>
+            <a:ext cx="393480" cy="374400"/>
           </a:xfrm>
           <a:prstGeom prst="rect">
             <a:avLst/>
@@ -7434,7 +7333,7 @@
         <p:spPr>
           <a:xfrm>
             <a:off x="8603640" y="3096000"/>
-            <a:ext cx="393840" cy="374760"/>
+            <a:ext cx="393480" cy="374400"/>
           </a:xfrm>
           <a:prstGeom prst="rect">
             <a:avLst/>
@@ -7457,7 +7356,7 @@
         <p:spPr>
           <a:xfrm>
             <a:off x="2627640" y="4464000"/>
-            <a:ext cx="393840" cy="374760"/>
+            <a:ext cx="393480" cy="374400"/>
           </a:xfrm>
           <a:prstGeom prst="rect">
             <a:avLst/>
@@ -7480,7 +7379,7 @@
         <p:spPr>
           <a:xfrm>
             <a:off x="9000000" y="4518720"/>
-            <a:ext cx="393840" cy="374760"/>
+            <a:ext cx="393480" cy="374400"/>
           </a:xfrm>
           <a:prstGeom prst="rect">
             <a:avLst/>
@@ -7539,7 +7438,7 @@
         <p:spPr>
           <a:xfrm>
             <a:off x="5263920" y="2664360"/>
-            <a:ext cx="4050720" cy="302760"/>
+            <a:ext cx="4050360" cy="302760"/>
           </a:xfrm>
           <a:prstGeom prst="rect">
             <a:avLst/>
@@ -7592,7 +7491,7 @@
         <p:spPr>
           <a:xfrm>
             <a:off x="5263920" y="3362400"/>
-            <a:ext cx="4050720" cy="302760"/>
+            <a:ext cx="4050360" cy="302760"/>
           </a:xfrm>
           <a:prstGeom prst="rect">
             <a:avLst/>
@@ -7645,7 +7544,7 @@
         <p:spPr>
           <a:xfrm>
             <a:off x="5270760" y="4060800"/>
-            <a:ext cx="4042080" cy="2220840"/>
+            <a:ext cx="4041720" cy="2220840"/>
           </a:xfrm>
           <a:prstGeom prst="rect">
             <a:avLst/>
@@ -7778,7 +7677,7 @@
         <p:spPr>
           <a:xfrm>
             <a:off x="2319120" y="1343880"/>
-            <a:ext cx="1216080" cy="302760"/>
+            <a:ext cx="1215720" cy="302760"/>
           </a:xfrm>
           <a:prstGeom prst="rect">
             <a:avLst/>
@@ -7831,7 +7730,7 @@
         <p:spPr>
           <a:xfrm>
             <a:off x="632520" y="151560"/>
-            <a:ext cx="1216080" cy="1422360"/>
+            <a:ext cx="1215720" cy="1422000"/>
           </a:xfrm>
           <a:prstGeom prst="actionButtonBlank">
             <a:avLst/>
@@ -7905,7 +7804,7 @@
         <p:spPr>
           <a:xfrm>
             <a:off x="2333160" y="1212480"/>
-            <a:ext cx="1216080" cy="302760"/>
+            <a:ext cx="1215720" cy="302760"/>
           </a:xfrm>
           <a:prstGeom prst="rect">
             <a:avLst/>
@@ -7958,7 +7857,7 @@
         <p:spPr>
           <a:xfrm>
             <a:off x="8011440" y="2088720"/>
-            <a:ext cx="1216080" cy="302760"/>
+            <a:ext cx="1215720" cy="302760"/>
           </a:xfrm>
           <a:prstGeom prst="rect">
             <a:avLst/>
@@ -8011,7 +7910,7 @@
         <p:spPr>
           <a:xfrm>
             <a:off x="2333160" y="1840680"/>
-            <a:ext cx="1216080" cy="302760"/>
+            <a:ext cx="1215720" cy="302760"/>
           </a:xfrm>
           <a:prstGeom prst="rect">
             <a:avLst/>
@@ -8064,7 +7963,7 @@
         <p:spPr>
           <a:xfrm>
             <a:off x="6762600" y="954720"/>
-            <a:ext cx="1564200" cy="147600"/>
+            <a:ext cx="1563840" cy="147240"/>
           </a:xfrm>
           <a:prstGeom prst="rect">
             <a:avLst/>
@@ -8098,7 +7997,7 @@
         <p:spPr>
           <a:xfrm>
             <a:off x="632520" y="151560"/>
-            <a:ext cx="1216080" cy="1422360"/>
+            <a:ext cx="1215720" cy="1422000"/>
           </a:xfrm>
           <a:prstGeom prst="actionButtonBlank">
             <a:avLst/>
@@ -8136,7 +8035,7 @@
         <p:spPr>
           <a:xfrm>
             <a:off x="3456000" y="5023800"/>
-            <a:ext cx="393840" cy="374760"/>
+            <a:ext cx="393480" cy="374400"/>
           </a:xfrm>
           <a:prstGeom prst="rect">
             <a:avLst/>
@@ -8159,7 +8058,7 @@
         <p:spPr>
           <a:xfrm>
             <a:off x="1836720" y="4536000"/>
-            <a:ext cx="393840" cy="374760"/>
+            <a:ext cx="393480" cy="374400"/>
           </a:xfrm>
           <a:prstGeom prst="rect">
             <a:avLst/>
@@ -8182,7 +8081,7 @@
         <p:spPr>
           <a:xfrm>
             <a:off x="1044720" y="3871800"/>
-            <a:ext cx="393840" cy="374760"/>
+            <a:ext cx="393480" cy="374400"/>
           </a:xfrm>
           <a:prstGeom prst="rect">
             <a:avLst/>
@@ -8205,7 +8104,7 @@
         <p:spPr>
           <a:xfrm>
             <a:off x="1044720" y="3096000"/>
-            <a:ext cx="393840" cy="374760"/>
+            <a:ext cx="393480" cy="374400"/>
           </a:xfrm>
           <a:prstGeom prst="rect">
             <a:avLst/>
@@ -8228,7 +8127,7 @@
         <p:spPr>
           <a:xfrm>
             <a:off x="5400000" y="3151800"/>
-            <a:ext cx="393840" cy="374760"/>
+            <a:ext cx="393480" cy="374400"/>
           </a:xfrm>
           <a:prstGeom prst="rect">
             <a:avLst/>
@@ -8251,7 +8150,7 @@
         <p:spPr>
           <a:xfrm>
             <a:off x="5364720" y="3888000"/>
-            <a:ext cx="393840" cy="374760"/>
+            <a:ext cx="393480" cy="374400"/>
           </a:xfrm>
           <a:prstGeom prst="rect">
             <a:avLst/>
@@ -8274,7 +8173,7 @@
         <p:spPr>
           <a:xfrm>
             <a:off x="4644720" y="4591800"/>
-            <a:ext cx="393840" cy="374760"/>
+            <a:ext cx="393480" cy="374400"/>
           </a:xfrm>
           <a:prstGeom prst="rect">
             <a:avLst/>
@@ -8337,7 +8236,7 @@
         <p:spPr>
           <a:xfrm>
             <a:off x="9402840" y="6443280"/>
-            <a:ext cx="276480" cy="334440"/>
+            <a:ext cx="276120" cy="334080"/>
           </a:xfrm>
           <a:prstGeom prst="rect">
             <a:avLst/>
@@ -8360,7 +8259,7 @@
         <p:spPr>
           <a:xfrm>
             <a:off x="9402840" y="6443280"/>
-            <a:ext cx="276480" cy="334440"/>
+            <a:ext cx="276120" cy="334080"/>
           </a:xfrm>
           <a:prstGeom prst="rect">
             <a:avLst/>
@@ -8383,7 +8282,7 @@
         <p:spPr>
           <a:xfrm>
             <a:off x="9402840" y="6443280"/>
-            <a:ext cx="276480" cy="334440"/>
+            <a:ext cx="276120" cy="334080"/>
           </a:xfrm>
           <a:prstGeom prst="rect">
             <a:avLst/>
@@ -8406,7 +8305,7 @@
         <p:spPr>
           <a:xfrm>
             <a:off x="9402840" y="6443280"/>
-            <a:ext cx="276480" cy="334440"/>
+            <a:ext cx="276120" cy="334080"/>
           </a:xfrm>
           <a:prstGeom prst="rect">
             <a:avLst/>
@@ -8429,7 +8328,7 @@
         <p:spPr>
           <a:xfrm>
             <a:off x="9402840" y="6443280"/>
-            <a:ext cx="276480" cy="334440"/>
+            <a:ext cx="276120" cy="334080"/>
           </a:xfrm>
           <a:prstGeom prst="rect">
             <a:avLst/>
@@ -8452,7 +8351,7 @@
         <p:spPr>
           <a:xfrm>
             <a:off x="9402840" y="6443280"/>
-            <a:ext cx="276480" cy="334440"/>
+            <a:ext cx="276120" cy="334080"/>
           </a:xfrm>
           <a:prstGeom prst="rect">
             <a:avLst/>
@@ -8475,7 +8374,7 @@
         <p:spPr>
           <a:xfrm>
             <a:off x="9402840" y="6443280"/>
-            <a:ext cx="276480" cy="334440"/>
+            <a:ext cx="276120" cy="334080"/>
           </a:xfrm>
           <a:prstGeom prst="rect">
             <a:avLst/>
@@ -8498,7 +8397,7 @@
         <p:spPr>
           <a:xfrm>
             <a:off x="9402840" y="6443280"/>
-            <a:ext cx="276480" cy="334440"/>
+            <a:ext cx="276120" cy="334080"/>
           </a:xfrm>
           <a:prstGeom prst="rect">
             <a:avLst/>
@@ -8521,7 +8420,7 @@
         <p:spPr>
           <a:xfrm>
             <a:off x="9402840" y="6443280"/>
-            <a:ext cx="276480" cy="334440"/>
+            <a:ext cx="276120" cy="334080"/>
           </a:xfrm>
           <a:prstGeom prst="rect">
             <a:avLst/>
@@ -8544,7 +8443,7 @@
         <p:spPr>
           <a:xfrm>
             <a:off x="9402840" y="6443280"/>
-            <a:ext cx="276480" cy="334440"/>
+            <a:ext cx="276120" cy="334080"/>
           </a:xfrm>
           <a:prstGeom prst="rect">
             <a:avLst/>
@@ -8567,7 +8466,7 @@
         <p:spPr>
           <a:xfrm>
             <a:off x="9402840" y="6443280"/>
-            <a:ext cx="276480" cy="334440"/>
+            <a:ext cx="276120" cy="334080"/>
           </a:xfrm>
           <a:prstGeom prst="rect">
             <a:avLst/>
@@ -8590,7 +8489,7 @@
         <p:spPr>
           <a:xfrm>
             <a:off x="9402840" y="6443280"/>
-            <a:ext cx="276480" cy="334440"/>
+            <a:ext cx="276120" cy="334080"/>
           </a:xfrm>
           <a:prstGeom prst="rect">
             <a:avLst/>
@@ -8613,7 +8512,7 @@
         <p:spPr>
           <a:xfrm>
             <a:off x="9402840" y="6443280"/>
-            <a:ext cx="276480" cy="334440"/>
+            <a:ext cx="276120" cy="334080"/>
           </a:xfrm>
           <a:prstGeom prst="rect">
             <a:avLst/>
@@ -8636,7 +8535,7 @@
         <p:spPr>
           <a:xfrm>
             <a:off x="9402840" y="6443280"/>
-            <a:ext cx="276480" cy="334440"/>
+            <a:ext cx="276120" cy="334080"/>
           </a:xfrm>
           <a:prstGeom prst="rect">
             <a:avLst/>
@@ -8659,7 +8558,7 @@
         <p:spPr>
           <a:xfrm>
             <a:off x="9402840" y="6443280"/>
-            <a:ext cx="276480" cy="334440"/>
+            <a:ext cx="276120" cy="334080"/>
           </a:xfrm>
           <a:prstGeom prst="rect">
             <a:avLst/>
@@ -8682,7 +8581,7 @@
         <p:spPr>
           <a:xfrm>
             <a:off x="9402840" y="6443280"/>
-            <a:ext cx="276480" cy="334440"/>
+            <a:ext cx="276120" cy="334080"/>
           </a:xfrm>
           <a:prstGeom prst="rect">
             <a:avLst/>
@@ -8705,7 +8604,7 @@
         <p:spPr>
           <a:xfrm>
             <a:off x="9402840" y="6443280"/>
-            <a:ext cx="276480" cy="334440"/>
+            <a:ext cx="276120" cy="334080"/>
           </a:xfrm>
           <a:prstGeom prst="rect">
             <a:avLst/>
@@ -8728,7 +8627,7 @@
         <p:spPr>
           <a:xfrm>
             <a:off x="9402840" y="6443280"/>
-            <a:ext cx="276480" cy="334440"/>
+            <a:ext cx="276120" cy="334080"/>
           </a:xfrm>
           <a:prstGeom prst="rect">
             <a:avLst/>
@@ -8751,7 +8650,7 @@
         <p:spPr>
           <a:xfrm>
             <a:off x="9402840" y="6443280"/>
-            <a:ext cx="276480" cy="334440"/>
+            <a:ext cx="276120" cy="334080"/>
           </a:xfrm>
           <a:prstGeom prst="rect">
             <a:avLst/>
@@ -8774,7 +8673,7 @@
         <p:spPr>
           <a:xfrm>
             <a:off x="9402840" y="6443280"/>
-            <a:ext cx="276480" cy="334440"/>
+            <a:ext cx="276120" cy="334080"/>
           </a:xfrm>
           <a:prstGeom prst="rect">
             <a:avLst/>
@@ -8797,7 +8696,7 @@
         <p:spPr>
           <a:xfrm>
             <a:off x="9402840" y="6443280"/>
-            <a:ext cx="276480" cy="334440"/>
+            <a:ext cx="276120" cy="334080"/>
           </a:xfrm>
           <a:prstGeom prst="rect">
             <a:avLst/>
@@ -8820,7 +8719,7 @@
         <p:spPr>
           <a:xfrm>
             <a:off x="9402840" y="6443280"/>
-            <a:ext cx="276480" cy="334440"/>
+            <a:ext cx="276120" cy="334080"/>
           </a:xfrm>
           <a:prstGeom prst="rect">
             <a:avLst/>
@@ -8843,7 +8742,7 @@
         <p:spPr>
           <a:xfrm>
             <a:off x="9402840" y="6443280"/>
-            <a:ext cx="276480" cy="334440"/>
+            <a:ext cx="276120" cy="334080"/>
           </a:xfrm>
           <a:prstGeom prst="rect">
             <a:avLst/>
@@ -8866,7 +8765,7 @@
         <p:spPr>
           <a:xfrm>
             <a:off x="9402840" y="6443280"/>
-            <a:ext cx="276480" cy="334440"/>
+            <a:ext cx="276120" cy="334080"/>
           </a:xfrm>
           <a:prstGeom prst="rect">
             <a:avLst/>
@@ -8889,7 +8788,7 @@
         <p:spPr>
           <a:xfrm>
             <a:off x="9402840" y="6443280"/>
-            <a:ext cx="276480" cy="334440"/>
+            <a:ext cx="276120" cy="334080"/>
           </a:xfrm>
           <a:prstGeom prst="rect">
             <a:avLst/>
@@ -8912,7 +8811,7 @@
         <p:spPr>
           <a:xfrm>
             <a:off x="9402840" y="6443280"/>
-            <a:ext cx="276480" cy="334440"/>
+            <a:ext cx="276120" cy="334080"/>
           </a:xfrm>
           <a:prstGeom prst="rect">
             <a:avLst/>
@@ -8935,7 +8834,7 @@
         <p:spPr>
           <a:xfrm>
             <a:off x="9402840" y="6443280"/>
-            <a:ext cx="276480" cy="334440"/>
+            <a:ext cx="276120" cy="334080"/>
           </a:xfrm>
           <a:prstGeom prst="rect">
             <a:avLst/>
@@ -8958,7 +8857,7 @@
         <p:spPr>
           <a:xfrm>
             <a:off x="9402840" y="6443280"/>
-            <a:ext cx="276480" cy="334440"/>
+            <a:ext cx="276120" cy="334080"/>
           </a:xfrm>
           <a:prstGeom prst="rect">
             <a:avLst/>
@@ -8981,7 +8880,7 @@
         <p:spPr>
           <a:xfrm>
             <a:off x="9402840" y="6443280"/>
-            <a:ext cx="276480" cy="334440"/>
+            <a:ext cx="276120" cy="334080"/>
           </a:xfrm>
           <a:prstGeom prst="rect">
             <a:avLst/>
@@ -9003,8 +8902,8 @@
         </p:blipFill>
         <p:spPr>
           <a:xfrm>
-            <a:off x="9402840" y="6443280"/>
-            <a:ext cx="276480" cy="334440"/>
+            <a:off x="4176000" y="3337920"/>
+            <a:ext cx="276120" cy="334080"/>
           </a:xfrm>
           <a:prstGeom prst="rect">
             <a:avLst/>
@@ -9027,7 +8926,7 @@
         <p:spPr>
           <a:xfrm>
             <a:off x="3826800" y="2016000"/>
-            <a:ext cx="276480" cy="334440"/>
+            <a:ext cx="276120" cy="334080"/>
           </a:xfrm>
           <a:prstGeom prst="rect">
             <a:avLst/>
@@ -9050,7 +8949,7 @@
         <p:spPr>
           <a:xfrm>
             <a:off x="3960000" y="672840"/>
-            <a:ext cx="276480" cy="334440"/>
+            <a:ext cx="276120" cy="334080"/>
           </a:xfrm>
           <a:prstGeom prst="rect">
             <a:avLst/>
@@ -9069,7 +8968,7 @@
         <p:spPr>
           <a:xfrm>
             <a:off x="934560" y="0"/>
-            <a:ext cx="388800" cy="217800"/>
+            <a:ext cx="388440" cy="217440"/>
           </a:xfrm>
           <a:prstGeom prst="rect">
             <a:avLst/>
@@ -9143,7 +9042,7 @@
         <p:spPr>
           <a:xfrm>
             <a:off x="3912840" y="5426640"/>
-            <a:ext cx="1216080" cy="515880"/>
+            <a:ext cx="1215720" cy="515880"/>
           </a:xfrm>
           <a:prstGeom prst="rect">
             <a:avLst/>
@@ -9196,7 +9095,7 @@
         <p:spPr>
           <a:xfrm>
             <a:off x="728640" y="2221200"/>
-            <a:ext cx="1216080" cy="302760"/>
+            <a:ext cx="1215720" cy="302760"/>
           </a:xfrm>
           <a:prstGeom prst="rect">
             <a:avLst/>
@@ -9249,7 +9148,7 @@
         <p:spPr>
           <a:xfrm>
             <a:off x="728640" y="4103280"/>
-            <a:ext cx="1216080" cy="304560"/>
+            <a:ext cx="1215720" cy="304200"/>
           </a:xfrm>
           <a:prstGeom prst="rect">
             <a:avLst/>
@@ -9302,7 +9201,7 @@
         <p:spPr>
           <a:xfrm>
             <a:off x="728640" y="3062160"/>
-            <a:ext cx="417600" cy="302760"/>
+            <a:ext cx="417240" cy="302760"/>
           </a:xfrm>
           <a:prstGeom prst="rect">
             <a:avLst/>
@@ -9355,7 +9254,7 @@
         <p:spPr>
           <a:xfrm>
             <a:off x="3144960" y="5024880"/>
-            <a:ext cx="2170800" cy="515880"/>
+            <a:ext cx="2170440" cy="515880"/>
           </a:xfrm>
           <a:prstGeom prst="rect">
             <a:avLst/>

--- a/src/1.1 - Planner.pptx
+++ b/src/1.1 - Planner.pptx
@@ -1684,7 +1684,7 @@
         <p:spPr>
           <a:xfrm>
             <a:off x="2319120" y="1343880"/>
-            <a:ext cx="1215720" cy="302760"/>
+            <a:ext cx="1215360" cy="302760"/>
           </a:xfrm>
           <a:prstGeom prst="rect">
             <a:avLst/>
@@ -1737,7 +1737,7 @@
         <p:spPr>
           <a:xfrm>
             <a:off x="266040" y="2276640"/>
-            <a:ext cx="4578480" cy="1581480"/>
+            <a:ext cx="4578120" cy="1581480"/>
           </a:xfrm>
           <a:prstGeom prst="rect">
             <a:avLst/>
@@ -1850,7 +1850,7 @@
         <p:spPr>
           <a:xfrm>
             <a:off x="266040" y="4389840"/>
-            <a:ext cx="4578480" cy="1581480"/>
+            <a:ext cx="4578120" cy="1581480"/>
           </a:xfrm>
           <a:prstGeom prst="rect">
             <a:avLst/>
@@ -1963,7 +1963,7 @@
         <p:spPr>
           <a:xfrm>
             <a:off x="5160600" y="2279160"/>
-            <a:ext cx="4578480" cy="1581480"/>
+            <a:ext cx="4578120" cy="1581480"/>
           </a:xfrm>
           <a:prstGeom prst="rect">
             <a:avLst/>
@@ -2076,7 +2076,7 @@
         <p:spPr>
           <a:xfrm>
             <a:off x="5160600" y="4389840"/>
-            <a:ext cx="4578480" cy="1581480"/>
+            <a:ext cx="4578120" cy="1581480"/>
           </a:xfrm>
           <a:prstGeom prst="rect">
             <a:avLst/>
@@ -2239,7 +2239,7 @@
         <p:spPr>
           <a:xfrm>
             <a:off x="632520" y="151560"/>
-            <a:ext cx="1215720" cy="1422000"/>
+            <a:ext cx="1215360" cy="1421640"/>
           </a:xfrm>
           <a:prstGeom prst="actionButtonBlank">
             <a:avLst/>
@@ -2273,7 +2273,7 @@
         <p:spPr>
           <a:xfrm>
             <a:off x="5301720" y="330840"/>
-            <a:ext cx="1494360" cy="132480"/>
+            <a:ext cx="1494000" cy="132120"/>
           </a:xfrm>
           <a:prstGeom prst="rect">
             <a:avLst/>
@@ -2347,7 +2347,7 @@
         <p:spPr>
           <a:xfrm>
             <a:off x="2333160" y="1121400"/>
-            <a:ext cx="1215720" cy="302760"/>
+            <a:ext cx="1215360" cy="302760"/>
           </a:xfrm>
           <a:prstGeom prst="rect">
             <a:avLst/>
@@ -2400,7 +2400,7 @@
         <p:spPr>
           <a:xfrm>
             <a:off x="2333160" y="1749240"/>
-            <a:ext cx="1215720" cy="302760"/>
+            <a:ext cx="1215360" cy="302760"/>
           </a:xfrm>
           <a:prstGeom prst="rect">
             <a:avLst/>
@@ -2453,7 +2453,7 @@
         <p:spPr>
           <a:xfrm>
             <a:off x="632520" y="151560"/>
-            <a:ext cx="1215720" cy="1422000"/>
+            <a:ext cx="1215360" cy="1421640"/>
           </a:xfrm>
           <a:prstGeom prst="actionButtonBlank">
             <a:avLst/>
@@ -2491,7 +2491,7 @@
         <p:spPr>
           <a:xfrm>
             <a:off x="5760000" y="2144520"/>
-            <a:ext cx="393480" cy="374400"/>
+            <a:ext cx="393120" cy="374040"/>
           </a:xfrm>
           <a:prstGeom prst="rect">
             <a:avLst/>
@@ -2514,7 +2514,7 @@
         <p:spPr>
           <a:xfrm>
             <a:off x="6984000" y="2808000"/>
-            <a:ext cx="393480" cy="374400"/>
+            <a:ext cx="393120" cy="374040"/>
           </a:xfrm>
           <a:prstGeom prst="rect">
             <a:avLst/>
@@ -2537,7 +2537,7 @@
         <p:spPr>
           <a:xfrm>
             <a:off x="8101440" y="3512520"/>
-            <a:ext cx="393480" cy="374400"/>
+            <a:ext cx="393120" cy="374040"/>
           </a:xfrm>
           <a:prstGeom prst="rect">
             <a:avLst/>
@@ -2560,7 +2560,7 @@
         <p:spPr>
           <a:xfrm>
             <a:off x="6805440" y="4160520"/>
-            <a:ext cx="393480" cy="374400"/>
+            <a:ext cx="393120" cy="374040"/>
           </a:xfrm>
           <a:prstGeom prst="rect">
             <a:avLst/>
@@ -2583,7 +2583,7 @@
         <p:spPr>
           <a:xfrm>
             <a:off x="5904000" y="4808520"/>
-            <a:ext cx="393480" cy="374400"/>
+            <a:ext cx="393120" cy="374040"/>
           </a:xfrm>
           <a:prstGeom prst="rect">
             <a:avLst/>
@@ -2606,7 +2606,7 @@
         <p:spPr>
           <a:xfrm>
             <a:off x="4248000" y="3312000"/>
-            <a:ext cx="393480" cy="374400"/>
+            <a:ext cx="393120" cy="374040"/>
           </a:xfrm>
           <a:prstGeom prst="rect">
             <a:avLst/>
@@ -2665,7 +2665,7 @@
         <p:spPr>
           <a:xfrm>
             <a:off x="2138400" y="4716720"/>
-            <a:ext cx="1215720" cy="302760"/>
+            <a:ext cx="1215360" cy="302760"/>
           </a:xfrm>
           <a:prstGeom prst="rect">
             <a:avLst/>
@@ -2718,7 +2718,7 @@
         <p:spPr>
           <a:xfrm>
             <a:off x="2138400" y="5106960"/>
-            <a:ext cx="1215720" cy="304200"/>
+            <a:ext cx="1215360" cy="303840"/>
           </a:xfrm>
           <a:prstGeom prst="rect">
             <a:avLst/>
@@ -2771,7 +2771,7 @@
         <p:spPr>
           <a:xfrm>
             <a:off x="4836960" y="5565600"/>
-            <a:ext cx="493200" cy="302760"/>
+            <a:ext cx="492840" cy="302760"/>
           </a:xfrm>
           <a:prstGeom prst="rect">
             <a:avLst/>
@@ -2824,7 +2824,7 @@
         <p:spPr>
           <a:xfrm>
             <a:off x="3357720" y="1441440"/>
-            <a:ext cx="1215720" cy="302760"/>
+            <a:ext cx="1215360" cy="302760"/>
           </a:xfrm>
           <a:prstGeom prst="rect">
             <a:avLst/>
@@ -2881,7 +2881,7 @@
         <p:spPr>
           <a:xfrm>
             <a:off x="432000" y="2885040"/>
-            <a:ext cx="369000" cy="364320"/>
+            <a:ext cx="368640" cy="363960"/>
           </a:xfrm>
           <a:prstGeom prst="rect">
             <a:avLst/>
@@ -2904,7 +2904,7 @@
         <p:spPr>
           <a:xfrm>
             <a:off x="493920" y="3821400"/>
-            <a:ext cx="369000" cy="364320"/>
+            <a:ext cx="368640" cy="363960"/>
           </a:xfrm>
           <a:prstGeom prst="rect">
             <a:avLst/>
@@ -2927,7 +2927,7 @@
         <p:spPr>
           <a:xfrm>
             <a:off x="421920" y="3168000"/>
-            <a:ext cx="369000" cy="364320"/>
+            <a:ext cx="368640" cy="363960"/>
           </a:xfrm>
           <a:prstGeom prst="rect">
             <a:avLst/>
@@ -2950,7 +2950,7 @@
         <p:spPr>
           <a:xfrm>
             <a:off x="432000" y="3456000"/>
-            <a:ext cx="369000" cy="364320"/>
+            <a:ext cx="368640" cy="363960"/>
           </a:xfrm>
           <a:prstGeom prst="rect">
             <a:avLst/>
@@ -2973,7 +2973,7 @@
         <p:spPr>
           <a:xfrm>
             <a:off x="432000" y="2520000"/>
-            <a:ext cx="369000" cy="364320"/>
+            <a:ext cx="368640" cy="363960"/>
           </a:xfrm>
           <a:prstGeom prst="rect">
             <a:avLst/>
@@ -3032,7 +3032,7 @@
         <p:spPr>
           <a:xfrm>
             <a:off x="2372760" y="1609200"/>
-            <a:ext cx="1215720" cy="302760"/>
+            <a:ext cx="1215360" cy="302760"/>
           </a:xfrm>
           <a:prstGeom prst="rect">
             <a:avLst/>
@@ -3085,7 +3085,7 @@
         <p:spPr>
           <a:xfrm>
             <a:off x="2372760" y="2237040"/>
-            <a:ext cx="1215720" cy="302760"/>
+            <a:ext cx="1215360" cy="302760"/>
           </a:xfrm>
           <a:prstGeom prst="rect">
             <a:avLst/>
@@ -3142,7 +3142,7 @@
         <p:spPr>
           <a:xfrm>
             <a:off x="8775360" y="3816000"/>
-            <a:ext cx="872640" cy="948960"/>
+            <a:ext cx="872280" cy="948600"/>
           </a:xfrm>
           <a:prstGeom prst="rect">
             <a:avLst/>
@@ -3165,7 +3165,7 @@
         <p:spPr>
           <a:xfrm>
             <a:off x="7704000" y="3371040"/>
-            <a:ext cx="872640" cy="948960"/>
+            <a:ext cx="872280" cy="948600"/>
           </a:xfrm>
           <a:prstGeom prst="rect">
             <a:avLst/>
@@ -3188,7 +3188,7 @@
         <p:spPr>
           <a:xfrm>
             <a:off x="6624000" y="3816000"/>
-            <a:ext cx="872640" cy="948960"/>
+            <a:ext cx="872280" cy="948600"/>
           </a:xfrm>
           <a:prstGeom prst="rect">
             <a:avLst/>
@@ -3211,7 +3211,7 @@
         <p:spPr>
           <a:xfrm>
             <a:off x="5616000" y="3384000"/>
-            <a:ext cx="872640" cy="948960"/>
+            <a:ext cx="872280" cy="948600"/>
           </a:xfrm>
           <a:prstGeom prst="rect">
             <a:avLst/>
@@ -3234,7 +3234,7 @@
         <p:spPr>
           <a:xfrm>
             <a:off x="4599360" y="3803040"/>
-            <a:ext cx="872640" cy="948960"/>
+            <a:ext cx="872280" cy="948600"/>
           </a:xfrm>
           <a:prstGeom prst="rect">
             <a:avLst/>
@@ -3257,7 +3257,7 @@
         <p:spPr>
           <a:xfrm>
             <a:off x="3519360" y="3312000"/>
-            <a:ext cx="872640" cy="948960"/>
+            <a:ext cx="872280" cy="948600"/>
           </a:xfrm>
           <a:prstGeom prst="rect">
             <a:avLst/>
@@ -3280,7 +3280,7 @@
         <p:spPr>
           <a:xfrm>
             <a:off x="2448000" y="3816000"/>
-            <a:ext cx="872640" cy="948960"/>
+            <a:ext cx="872280" cy="948600"/>
           </a:xfrm>
           <a:prstGeom prst="rect">
             <a:avLst/>
@@ -3303,7 +3303,7 @@
         <p:spPr>
           <a:xfrm>
             <a:off x="1431360" y="3312000"/>
-            <a:ext cx="872640" cy="948960"/>
+            <a:ext cx="872280" cy="948600"/>
           </a:xfrm>
           <a:prstGeom prst="rect">
             <a:avLst/>
@@ -3326,7 +3326,7 @@
         <p:spPr>
           <a:xfrm>
             <a:off x="360000" y="3816000"/>
-            <a:ext cx="872640" cy="948960"/>
+            <a:ext cx="872280" cy="948600"/>
           </a:xfrm>
           <a:prstGeom prst="rect">
             <a:avLst/>
@@ -3345,7 +3345,7 @@
         <p:spPr>
           <a:xfrm>
             <a:off x="632520" y="151560"/>
-            <a:ext cx="1215720" cy="1422000"/>
+            <a:ext cx="1215360" cy="1421640"/>
           </a:xfrm>
           <a:prstGeom prst="actionButtonBlank">
             <a:avLst/>
@@ -3419,7 +3419,7 @@
         <p:spPr>
           <a:xfrm>
             <a:off x="1431720" y="3664440"/>
-            <a:ext cx="1215720" cy="333000"/>
+            <a:ext cx="1215360" cy="333000"/>
           </a:xfrm>
           <a:prstGeom prst="rect">
             <a:avLst/>
@@ -3472,7 +3472,7 @@
         <p:spPr>
           <a:xfrm>
             <a:off x="3900960" y="3664440"/>
-            <a:ext cx="835920" cy="333000"/>
+            <a:ext cx="835560" cy="333000"/>
           </a:xfrm>
           <a:prstGeom prst="rect">
             <a:avLst/>
@@ -3525,7 +3525,7 @@
         <p:spPr>
           <a:xfrm>
             <a:off x="1431720" y="4161960"/>
-            <a:ext cx="1215720" cy="333000"/>
+            <a:ext cx="1215360" cy="333000"/>
           </a:xfrm>
           <a:prstGeom prst="rect">
             <a:avLst/>
@@ -3578,7 +3578,7 @@
         <p:spPr>
           <a:xfrm>
             <a:off x="3900960" y="4161960"/>
-            <a:ext cx="835920" cy="333000"/>
+            <a:ext cx="835560" cy="333000"/>
           </a:xfrm>
           <a:prstGeom prst="rect">
             <a:avLst/>
@@ -3631,7 +3631,7 @@
         <p:spPr>
           <a:xfrm>
             <a:off x="1431720" y="4659840"/>
-            <a:ext cx="1215720" cy="333000"/>
+            <a:ext cx="1215360" cy="333000"/>
           </a:xfrm>
           <a:prstGeom prst="rect">
             <a:avLst/>
@@ -3684,7 +3684,7 @@
         <p:spPr>
           <a:xfrm>
             <a:off x="3900960" y="4659840"/>
-            <a:ext cx="835920" cy="333000"/>
+            <a:ext cx="835560" cy="333000"/>
           </a:xfrm>
           <a:prstGeom prst="rect">
             <a:avLst/>
@@ -3737,7 +3737,7 @@
         <p:spPr>
           <a:xfrm>
             <a:off x="1431720" y="5175000"/>
-            <a:ext cx="1215720" cy="333000"/>
+            <a:ext cx="1215360" cy="333000"/>
           </a:xfrm>
           <a:prstGeom prst="rect">
             <a:avLst/>
@@ -3790,7 +3790,7 @@
         <p:spPr>
           <a:xfrm>
             <a:off x="3900960" y="5175000"/>
-            <a:ext cx="835920" cy="333000"/>
+            <a:ext cx="835560" cy="333000"/>
           </a:xfrm>
           <a:prstGeom prst="rect">
             <a:avLst/>
@@ -3843,7 +3843,7 @@
         <p:spPr>
           <a:xfrm>
             <a:off x="1431720" y="5690160"/>
-            <a:ext cx="1215720" cy="333000"/>
+            <a:ext cx="1215360" cy="333000"/>
           </a:xfrm>
           <a:prstGeom prst="rect">
             <a:avLst/>
@@ -3896,7 +3896,7 @@
         <p:spPr>
           <a:xfrm>
             <a:off x="3900960" y="5690160"/>
-            <a:ext cx="835920" cy="333000"/>
+            <a:ext cx="835560" cy="333000"/>
           </a:xfrm>
           <a:prstGeom prst="rect">
             <a:avLst/>
@@ -3949,7 +3949,7 @@
         <p:spPr>
           <a:xfrm>
             <a:off x="3810600" y="1341720"/>
-            <a:ext cx="1215720" cy="302760"/>
+            <a:ext cx="1215360" cy="302760"/>
           </a:xfrm>
           <a:prstGeom prst="rect">
             <a:avLst/>
@@ -4042,7 +4042,7 @@
         <p:spPr>
           <a:xfrm>
             <a:off x="2333160" y="1365120"/>
-            <a:ext cx="1215720" cy="302760"/>
+            <a:ext cx="1215360" cy="302760"/>
           </a:xfrm>
           <a:prstGeom prst="rect">
             <a:avLst/>
@@ -4095,7 +4095,7 @@
         <p:spPr>
           <a:xfrm>
             <a:off x="2333160" y="1992960"/>
-            <a:ext cx="1215720" cy="302760"/>
+            <a:ext cx="1215360" cy="302760"/>
           </a:xfrm>
           <a:prstGeom prst="rect">
             <a:avLst/>
@@ -4148,7 +4148,7 @@
         <p:spPr>
           <a:xfrm>
             <a:off x="6663960" y="2344680"/>
-            <a:ext cx="2864160" cy="2647080"/>
+            <a:ext cx="2863800" cy="303480"/>
           </a:xfrm>
           <a:prstGeom prst="rect">
             <a:avLst/>
@@ -4184,118 +4184,8 @@
                 <a:latin typeface="Roboto"/>
                 <a:ea typeface="Roboto"/>
               </a:rPr>
-              <a:t>Escreva aqui</a:t>
+              <a:t>Tudo certo!!</a:t>
             </a:r>
-            <a:endParaRPr b="0" lang="pt-BR" sz="1400" spc="-1" strike="noStrike">
-              <a:latin typeface="Arial"/>
-            </a:endParaRPr>
-          </a:p>
-          <a:p>
-            <a:pPr>
-              <a:lnSpc>
-                <a:spcPct val="100000"/>
-              </a:lnSpc>
-            </a:pPr>
-            <a:endParaRPr b="0" lang="pt-BR" sz="1400" spc="-1" strike="noStrike">
-              <a:latin typeface="Arial"/>
-            </a:endParaRPr>
-          </a:p>
-          <a:p>
-            <a:pPr>
-              <a:lnSpc>
-                <a:spcPct val="100000"/>
-              </a:lnSpc>
-            </a:pPr>
-            <a:endParaRPr b="0" lang="pt-BR" sz="1400" spc="-1" strike="noStrike">
-              <a:latin typeface="Arial"/>
-            </a:endParaRPr>
-          </a:p>
-          <a:p>
-            <a:pPr>
-              <a:lnSpc>
-                <a:spcPct val="100000"/>
-              </a:lnSpc>
-            </a:pPr>
-            <a:endParaRPr b="0" lang="pt-BR" sz="1400" spc="-1" strike="noStrike">
-              <a:latin typeface="Arial"/>
-            </a:endParaRPr>
-          </a:p>
-          <a:p>
-            <a:pPr>
-              <a:lnSpc>
-                <a:spcPct val="100000"/>
-              </a:lnSpc>
-            </a:pPr>
-            <a:endParaRPr b="0" lang="pt-BR" sz="1400" spc="-1" strike="noStrike">
-              <a:latin typeface="Arial"/>
-            </a:endParaRPr>
-          </a:p>
-          <a:p>
-            <a:pPr>
-              <a:lnSpc>
-                <a:spcPct val="100000"/>
-              </a:lnSpc>
-            </a:pPr>
-            <a:endParaRPr b="0" lang="pt-BR" sz="1400" spc="-1" strike="noStrike">
-              <a:latin typeface="Arial"/>
-            </a:endParaRPr>
-          </a:p>
-          <a:p>
-            <a:pPr>
-              <a:lnSpc>
-                <a:spcPct val="100000"/>
-              </a:lnSpc>
-            </a:pPr>
-            <a:endParaRPr b="0" lang="pt-BR" sz="1400" spc="-1" strike="noStrike">
-              <a:latin typeface="Arial"/>
-            </a:endParaRPr>
-          </a:p>
-          <a:p>
-            <a:pPr>
-              <a:lnSpc>
-                <a:spcPct val="100000"/>
-              </a:lnSpc>
-            </a:pPr>
-            <a:endParaRPr b="0" lang="pt-BR" sz="1400" spc="-1" strike="noStrike">
-              <a:latin typeface="Arial"/>
-            </a:endParaRPr>
-          </a:p>
-          <a:p>
-            <a:pPr>
-              <a:lnSpc>
-                <a:spcPct val="100000"/>
-              </a:lnSpc>
-            </a:pPr>
-            <a:endParaRPr b="0" lang="pt-BR" sz="1400" spc="-1" strike="noStrike">
-              <a:latin typeface="Arial"/>
-            </a:endParaRPr>
-          </a:p>
-          <a:p>
-            <a:pPr>
-              <a:lnSpc>
-                <a:spcPct val="100000"/>
-              </a:lnSpc>
-            </a:pPr>
-            <a:endParaRPr b="0" lang="pt-BR" sz="1400" spc="-1" strike="noStrike">
-              <a:latin typeface="Arial"/>
-            </a:endParaRPr>
-          </a:p>
-          <a:p>
-            <a:pPr>
-              <a:lnSpc>
-                <a:spcPct val="100000"/>
-              </a:lnSpc>
-            </a:pPr>
-            <a:endParaRPr b="0" lang="pt-BR" sz="1400" spc="-1" strike="noStrike">
-              <a:latin typeface="Arial"/>
-            </a:endParaRPr>
-          </a:p>
-          <a:p>
-            <a:pPr>
-              <a:lnSpc>
-                <a:spcPct val="100000"/>
-              </a:lnSpc>
-            </a:pPr>
             <a:endParaRPr b="0" lang="pt-BR" sz="1400" spc="-1" strike="noStrike">
               <a:latin typeface="Arial"/>
             </a:endParaRPr>
@@ -4314,8 +4204,8 @@
         </p:blipFill>
         <p:spPr>
           <a:xfrm>
-            <a:off x="1394280" y="2550960"/>
-            <a:ext cx="467280" cy="461880"/>
+            <a:off x="2880000" y="5946480"/>
+            <a:ext cx="466920" cy="461520"/>
           </a:xfrm>
           <a:prstGeom prst="rect">
             <a:avLst/>
@@ -4337,8 +4227,8 @@
         </p:blipFill>
         <p:spPr>
           <a:xfrm>
-            <a:off x="1394280" y="2550960"/>
-            <a:ext cx="467280" cy="461880"/>
+            <a:off x="3997080" y="5946480"/>
+            <a:ext cx="466920" cy="461520"/>
           </a:xfrm>
           <a:prstGeom prst="rect">
             <a:avLst/>
@@ -4360,8 +4250,8 @@
         </p:blipFill>
         <p:spPr>
           <a:xfrm>
-            <a:off x="1394280" y="2550960"/>
-            <a:ext cx="467280" cy="461880"/>
+            <a:off x="4032000" y="4938480"/>
+            <a:ext cx="466920" cy="461520"/>
           </a:xfrm>
           <a:prstGeom prst="rect">
             <a:avLst/>
@@ -4383,8 +4273,8 @@
         </p:blipFill>
         <p:spPr>
           <a:xfrm>
-            <a:off x="1394280" y="2550960"/>
-            <a:ext cx="467280" cy="461880"/>
+            <a:off x="4501080" y="4032000"/>
+            <a:ext cx="466920" cy="461520"/>
           </a:xfrm>
           <a:prstGeom prst="rect">
             <a:avLst/>
@@ -4406,8 +4296,8 @@
         </p:blipFill>
         <p:spPr>
           <a:xfrm>
-            <a:off x="1394280" y="2550960"/>
-            <a:ext cx="467280" cy="461880"/>
+            <a:off x="3421080" y="3744000"/>
+            <a:ext cx="466920" cy="461520"/>
           </a:xfrm>
           <a:prstGeom prst="rect">
             <a:avLst/>
@@ -4429,8 +4319,8 @@
         </p:blipFill>
         <p:spPr>
           <a:xfrm>
-            <a:off x="1394280" y="2550960"/>
-            <a:ext cx="467280" cy="461880"/>
+            <a:off x="2808000" y="3024000"/>
+            <a:ext cx="466920" cy="461520"/>
           </a:xfrm>
           <a:prstGeom prst="rect">
             <a:avLst/>
@@ -4452,8 +4342,8 @@
         </p:blipFill>
         <p:spPr>
           <a:xfrm>
-            <a:off x="1394280" y="2550960"/>
-            <a:ext cx="467280" cy="461880"/>
+            <a:off x="1944000" y="3384000"/>
+            <a:ext cx="466920" cy="461520"/>
           </a:xfrm>
           <a:prstGeom prst="rect">
             <a:avLst/>
@@ -4472,7 +4362,7 @@
         <p:spPr>
           <a:xfrm>
             <a:off x="632520" y="151560"/>
-            <a:ext cx="1215720" cy="1422000"/>
+            <a:ext cx="1215360" cy="1421640"/>
           </a:xfrm>
           <a:prstGeom prst="actionButtonBlank">
             <a:avLst/>
@@ -4546,7 +4436,7 @@
         <p:spPr>
           <a:xfrm>
             <a:off x="2333160" y="1212480"/>
-            <a:ext cx="1215720" cy="302760"/>
+            <a:ext cx="1215360" cy="302760"/>
           </a:xfrm>
           <a:prstGeom prst="rect">
             <a:avLst/>
@@ -4599,7 +4489,7 @@
         <p:spPr>
           <a:xfrm>
             <a:off x="395280" y="3306600"/>
-            <a:ext cx="9111600" cy="333720"/>
+            <a:ext cx="9111240" cy="333360"/>
           </a:xfrm>
           <a:prstGeom prst="rect">
             <a:avLst/>
@@ -4652,7 +4542,7 @@
         <p:spPr>
           <a:xfrm>
             <a:off x="7448400" y="677880"/>
-            <a:ext cx="575640" cy="729000"/>
+            <a:ext cx="575280" cy="729000"/>
           </a:xfrm>
           <a:prstGeom prst="rect">
             <a:avLst/>
@@ -4705,7 +4595,7 @@
         <p:spPr>
           <a:xfrm>
             <a:off x="632520" y="151560"/>
-            <a:ext cx="1215720" cy="1422000"/>
+            <a:ext cx="1215360" cy="1421640"/>
           </a:xfrm>
           <a:prstGeom prst="actionButtonBlank">
             <a:avLst/>
@@ -4779,7 +4669,7 @@
         <p:spPr>
           <a:xfrm>
             <a:off x="1262880" y="3398040"/>
-            <a:ext cx="1215720" cy="333000"/>
+            <a:ext cx="1215360" cy="333000"/>
           </a:xfrm>
           <a:prstGeom prst="rect">
             <a:avLst/>
@@ -4832,7 +4722,7 @@
         <p:spPr>
           <a:xfrm>
             <a:off x="1137600" y="3769560"/>
-            <a:ext cx="936360" cy="333000"/>
+            <a:ext cx="936000" cy="333000"/>
           </a:xfrm>
           <a:prstGeom prst="rect">
             <a:avLst/>
@@ -4885,7 +4775,7 @@
         <p:spPr>
           <a:xfrm>
             <a:off x="2449080" y="1236960"/>
-            <a:ext cx="936360" cy="334800"/>
+            <a:ext cx="936000" cy="334440"/>
           </a:xfrm>
           <a:prstGeom prst="rect">
             <a:avLst/>
@@ -4903,6 +4793,22 @@
           <a:effectRef idx="0"/>
           <a:fontRef idx="minor"/>
         </p:style>
+        <p:txBody>
+          <a:bodyPr lIns="90000" rIns="90000" tIns="45000" bIns="45000">
+            <a:noAutofit/>
+          </a:bodyPr>
+          <a:p>
+            <a:r>
+              <a:rPr b="0" lang="pt-BR" sz="1800" spc="-1" strike="noStrike">
+                <a:latin typeface="Arial"/>
+              </a:rPr>
+              <a:t>9.00</a:t>
+            </a:r>
+            <a:endParaRPr b="0" lang="pt-BR" sz="1800" spc="-1" strike="noStrike">
+              <a:latin typeface="Arial"/>
+            </a:endParaRPr>
+          </a:p>
+        </p:txBody>
       </p:sp>
       <p:sp>
         <p:nvSpPr>
@@ -4913,7 +4819,7 @@
         <p:spPr>
           <a:xfrm>
             <a:off x="2238120" y="1710360"/>
-            <a:ext cx="936360" cy="334800"/>
+            <a:ext cx="936000" cy="334440"/>
           </a:xfrm>
           <a:prstGeom prst="rect">
             <a:avLst/>
@@ -4931,6 +4837,22 @@
           <a:effectRef idx="0"/>
           <a:fontRef idx="minor"/>
         </p:style>
+        <p:txBody>
+          <a:bodyPr lIns="90000" rIns="90000" tIns="45000" bIns="45000">
+            <a:noAutofit/>
+          </a:bodyPr>
+          <a:p>
+            <a:r>
+              <a:rPr b="0" lang="pt-BR" sz="1800" spc="-1" strike="noStrike">
+                <a:latin typeface="Arial"/>
+              </a:rPr>
+              <a:t>10.00</a:t>
+            </a:r>
+            <a:endParaRPr b="0" lang="pt-BR" sz="1800" spc="-1" strike="noStrike">
+              <a:latin typeface="Arial"/>
+            </a:endParaRPr>
+          </a:p>
+        </p:txBody>
       </p:sp>
       <p:sp>
         <p:nvSpPr>
@@ -4941,7 +4863,7 @@
         <p:spPr>
           <a:xfrm>
             <a:off x="2449080" y="2202120"/>
-            <a:ext cx="936360" cy="334800"/>
+            <a:ext cx="936000" cy="334440"/>
           </a:xfrm>
           <a:prstGeom prst="rect">
             <a:avLst/>
@@ -4959,6 +4881,22 @@
           <a:effectRef idx="0"/>
           <a:fontRef idx="minor"/>
         </p:style>
+        <p:txBody>
+          <a:bodyPr lIns="90000" rIns="90000" tIns="45000" bIns="45000">
+            <a:noAutofit/>
+          </a:bodyPr>
+          <a:p>
+            <a:r>
+              <a:rPr b="0" lang="pt-BR" sz="1800" spc="-1" strike="noStrike">
+                <a:latin typeface="Arial"/>
+              </a:rPr>
+              <a:t>9.50</a:t>
+            </a:r>
+            <a:endParaRPr b="0" lang="pt-BR" sz="1800" spc="-1" strike="noStrike">
+              <a:latin typeface="Arial"/>
+            </a:endParaRPr>
+          </a:p>
+        </p:txBody>
       </p:sp>
       <p:pic>
         <p:nvPicPr>
@@ -4972,8 +4910,8 @@
         </p:blipFill>
         <p:spPr>
           <a:xfrm>
-            <a:off x="6446880" y="5141160"/>
-            <a:ext cx="600480" cy="653040"/>
+            <a:off x="504000" y="4752000"/>
+            <a:ext cx="600120" cy="652680"/>
           </a:xfrm>
           <a:prstGeom prst="rect">
             <a:avLst/>
@@ -5032,7 +4970,7 @@
         <p:spPr>
           <a:xfrm>
             <a:off x="5226120" y="2250360"/>
-            <a:ext cx="4275000" cy="304200"/>
+            <a:ext cx="4274640" cy="303840"/>
           </a:xfrm>
           <a:prstGeom prst="rect">
             <a:avLst/>
@@ -5060,7 +4998,7 @@
         <p:spPr>
           <a:xfrm>
             <a:off x="6542640" y="2935080"/>
-            <a:ext cx="2958480" cy="304200"/>
+            <a:ext cx="2958120" cy="303840"/>
           </a:xfrm>
           <a:prstGeom prst="rect">
             <a:avLst/>
@@ -5078,6 +5016,22 @@
           <a:effectRef idx="0"/>
           <a:fontRef idx="minor"/>
         </p:style>
+        <p:txBody>
+          <a:bodyPr lIns="90000" rIns="90000" tIns="45000" bIns="45000">
+            <a:noAutofit/>
+          </a:bodyPr>
+          <a:p>
+            <a:r>
+              <a:rPr b="0" lang="pt-BR" sz="1800" spc="-1" strike="noStrike">
+                <a:latin typeface="Arial"/>
+              </a:rPr>
+              <a:t>Ariane</a:t>
+            </a:r>
+            <a:endParaRPr b="0" lang="pt-BR" sz="1800" spc="-1" strike="noStrike">
+              <a:latin typeface="Arial"/>
+            </a:endParaRPr>
+          </a:p>
+        </p:txBody>
       </p:sp>
       <p:sp>
         <p:nvSpPr>
@@ -5088,7 +5042,7 @@
         <p:spPr>
           <a:xfrm>
             <a:off x="5226120" y="3465720"/>
-            <a:ext cx="4275000" cy="304200"/>
+            <a:ext cx="4274640" cy="303840"/>
           </a:xfrm>
           <a:prstGeom prst="rect">
             <a:avLst/>
@@ -5106,6 +5060,22 @@
           <a:effectRef idx="0"/>
           <a:fontRef idx="minor"/>
         </p:style>
+        <p:txBody>
+          <a:bodyPr lIns="90000" rIns="90000" tIns="45000" bIns="45000">
+            <a:noAutofit/>
+          </a:bodyPr>
+          <a:p>
+            <a:r>
+              <a:rPr b="0" lang="pt-BR" sz="1800" spc="-1" strike="noStrike">
+                <a:latin typeface="Arial"/>
+              </a:rPr>
+              <a:t>Renato Máximo</a:t>
+            </a:r>
+            <a:endParaRPr b="0" lang="pt-BR" sz="1800" spc="-1" strike="noStrike">
+              <a:latin typeface="Arial"/>
+            </a:endParaRPr>
+          </a:p>
+        </p:txBody>
       </p:sp>
       <p:sp>
         <p:nvSpPr>
@@ -5116,7 +5086,7 @@
         <p:spPr>
           <a:xfrm>
             <a:off x="5211000" y="4381920"/>
-            <a:ext cx="4275000" cy="2558520"/>
+            <a:ext cx="4274640" cy="638280"/>
           </a:xfrm>
           <a:prstGeom prst="rect">
             <a:avLst/>
@@ -5144,86 +5114,16 @@
                 <a:spcPct val="100000"/>
               </a:lnSpc>
             </a:pPr>
-            <a:endParaRPr b="0" lang="pt-BR" sz="1800" spc="-1" strike="noStrike">
-              <a:latin typeface="Arial"/>
-            </a:endParaRPr>
-          </a:p>
-          <a:p>
-            <a:pPr>
-              <a:lnSpc>
-                <a:spcPct val="100000"/>
-              </a:lnSpc>
-            </a:pPr>
-            <a:endParaRPr b="0" lang="pt-BR" sz="1800" spc="-1" strike="noStrike">
-              <a:latin typeface="Arial"/>
-            </a:endParaRPr>
-          </a:p>
-          <a:p>
-            <a:pPr>
-              <a:lnSpc>
-                <a:spcPct val="100000"/>
-              </a:lnSpc>
-            </a:pPr>
-            <a:endParaRPr b="0" lang="pt-BR" sz="1800" spc="-1" strike="noStrike">
-              <a:latin typeface="Arial"/>
-            </a:endParaRPr>
-          </a:p>
-          <a:p>
-            <a:pPr>
-              <a:lnSpc>
-                <a:spcPct val="100000"/>
-              </a:lnSpc>
-            </a:pPr>
-            <a:endParaRPr b="0" lang="pt-BR" sz="1800" spc="-1" strike="noStrike">
-              <a:latin typeface="Arial"/>
-            </a:endParaRPr>
-          </a:p>
-          <a:p>
-            <a:pPr>
-              <a:lnSpc>
-                <a:spcPct val="100000"/>
-              </a:lnSpc>
-            </a:pPr>
-            <a:endParaRPr b="0" lang="pt-BR" sz="1800" spc="-1" strike="noStrike">
-              <a:latin typeface="Arial"/>
-            </a:endParaRPr>
-          </a:p>
-          <a:p>
-            <a:pPr>
-              <a:lnSpc>
-                <a:spcPct val="100000"/>
-              </a:lnSpc>
-            </a:pPr>
-            <a:endParaRPr b="0" lang="pt-BR" sz="1800" spc="-1" strike="noStrike">
-              <a:latin typeface="Arial"/>
-            </a:endParaRPr>
-          </a:p>
-          <a:p>
-            <a:pPr>
-              <a:lnSpc>
-                <a:spcPct val="100000"/>
-              </a:lnSpc>
-            </a:pPr>
-            <a:endParaRPr b="0" lang="pt-BR" sz="1800" spc="-1" strike="noStrike">
-              <a:latin typeface="Arial"/>
-            </a:endParaRPr>
-          </a:p>
-          <a:p>
-            <a:pPr>
-              <a:lnSpc>
-                <a:spcPct val="100000"/>
-              </a:lnSpc>
-            </a:pPr>
-            <a:endParaRPr b="0" lang="pt-BR" sz="1800" spc="-1" strike="noStrike">
-              <a:latin typeface="Arial"/>
-            </a:endParaRPr>
-          </a:p>
-          <a:p>
-            <a:pPr>
-              <a:lnSpc>
-                <a:spcPct val="100000"/>
-              </a:lnSpc>
-            </a:pPr>
+            <a:r>
+              <a:rPr b="0" lang="pt-BR" sz="1800" spc="-1" strike="noStrike">
+                <a:solidFill>
+                  <a:srgbClr val="000000"/>
+                </a:solidFill>
+                <a:latin typeface="Arial"/>
+                <a:ea typeface="DejaVu Sans"/>
+              </a:rPr>
+              <a:t>Fazer alguns ajustes na documentação e entregar em até 30 dias.</a:t>
+            </a:r>
             <a:endParaRPr b="0" lang="pt-BR" sz="1800" spc="-1" strike="noStrike">
               <a:latin typeface="Arial"/>
             </a:endParaRPr>
@@ -5239,7 +5139,7 @@
         <p:spPr>
           <a:xfrm>
             <a:off x="9058320" y="669600"/>
-            <a:ext cx="733680" cy="303480"/>
+            <a:ext cx="733320" cy="303120"/>
           </a:xfrm>
           <a:prstGeom prst="rect">
             <a:avLst/>
@@ -5292,7 +5192,7 @@
         <p:spPr>
           <a:xfrm>
             <a:off x="7286400" y="669600"/>
-            <a:ext cx="993600" cy="303480"/>
+            <a:ext cx="993240" cy="303120"/>
           </a:xfrm>
           <a:prstGeom prst="rect">
             <a:avLst/>
@@ -5345,7 +5245,7 @@
         <p:spPr>
           <a:xfrm>
             <a:off x="8629560" y="3825720"/>
-            <a:ext cx="871920" cy="304200"/>
+            <a:ext cx="871560" cy="303840"/>
           </a:xfrm>
           <a:prstGeom prst="rect">
             <a:avLst/>
@@ -5363,6 +5263,22 @@
           <a:effectRef idx="0"/>
           <a:fontRef idx="minor"/>
         </p:style>
+        <p:txBody>
+          <a:bodyPr lIns="90000" rIns="90000" tIns="45000" bIns="45000">
+            <a:noAutofit/>
+          </a:bodyPr>
+          <a:p>
+            <a:r>
+              <a:rPr b="0" lang="pt-BR" sz="1800" spc="-1" strike="noStrike">
+                <a:latin typeface="Arial"/>
+              </a:rPr>
+              <a:t>9.50</a:t>
+            </a:r>
+            <a:endParaRPr b="0" lang="pt-BR" sz="1800" spc="-1" strike="noStrike">
+              <a:latin typeface="Arial"/>
+            </a:endParaRPr>
+          </a:p>
+        </p:txBody>
       </p:sp>
       <p:sp>
         <p:nvSpPr>
@@ -5373,7 +5289,7 @@
         <p:spPr>
           <a:xfrm>
             <a:off x="632520" y="151560"/>
-            <a:ext cx="1215720" cy="1422000"/>
+            <a:ext cx="1215360" cy="1421640"/>
           </a:xfrm>
           <a:prstGeom prst="actionButtonBlank">
             <a:avLst/>
@@ -5447,7 +5363,7 @@
         <p:spPr>
           <a:xfrm>
             <a:off x="918000" y="1666800"/>
-            <a:ext cx="6238080" cy="912600"/>
+            <a:ext cx="6237720" cy="912600"/>
           </a:xfrm>
           <a:prstGeom prst="rect">
             <a:avLst/>
@@ -5513,8 +5429,8 @@
         </p:blipFill>
         <p:spPr>
           <a:xfrm>
-            <a:off x="3167280" y="6031800"/>
-            <a:ext cx="393480" cy="374400"/>
+            <a:off x="614880" y="4881960"/>
+            <a:ext cx="393120" cy="374040"/>
           </a:xfrm>
           <a:prstGeom prst="rect">
             <a:avLst/>
@@ -5536,8 +5452,8 @@
         </p:blipFill>
         <p:spPr>
           <a:xfrm>
-            <a:off x="3167280" y="6031800"/>
-            <a:ext cx="393480" cy="374400"/>
+            <a:off x="614880" y="4305960"/>
+            <a:ext cx="393120" cy="374040"/>
           </a:xfrm>
           <a:prstGeom prst="rect">
             <a:avLst/>
@@ -5559,8 +5475,8 @@
         </p:blipFill>
         <p:spPr>
           <a:xfrm>
-            <a:off x="3167280" y="6031800"/>
-            <a:ext cx="393480" cy="374400"/>
+            <a:off x="614880" y="4536000"/>
+            <a:ext cx="393120" cy="374040"/>
           </a:xfrm>
           <a:prstGeom prst="rect">
             <a:avLst/>
@@ -5582,8 +5498,8 @@
         </p:blipFill>
         <p:spPr>
           <a:xfrm>
-            <a:off x="3167280" y="6031800"/>
-            <a:ext cx="393480" cy="374400"/>
+            <a:off x="614880" y="3945960"/>
+            <a:ext cx="393120" cy="374040"/>
           </a:xfrm>
           <a:prstGeom prst="rect">
             <a:avLst/>
@@ -5605,8 +5521,8 @@
         </p:blipFill>
         <p:spPr>
           <a:xfrm>
-            <a:off x="3167280" y="6031800"/>
-            <a:ext cx="393480" cy="374400"/>
+            <a:off x="576000" y="3672000"/>
+            <a:ext cx="393120" cy="374040"/>
           </a:xfrm>
           <a:prstGeom prst="rect">
             <a:avLst/>
@@ -5628,8 +5544,8 @@
         </p:blipFill>
         <p:spPr>
           <a:xfrm>
-            <a:off x="3167280" y="6031800"/>
-            <a:ext cx="393480" cy="374400"/>
+            <a:off x="614880" y="3312000"/>
+            <a:ext cx="393120" cy="374040"/>
           </a:xfrm>
           <a:prstGeom prst="rect">
             <a:avLst/>
@@ -5651,8 +5567,8 @@
         </p:blipFill>
         <p:spPr>
           <a:xfrm>
-            <a:off x="3167280" y="6031800"/>
-            <a:ext cx="393480" cy="374400"/>
+            <a:off x="576000" y="3081960"/>
+            <a:ext cx="393120" cy="374040"/>
           </a:xfrm>
           <a:prstGeom prst="rect">
             <a:avLst/>
@@ -5674,8 +5590,8 @@
         </p:blipFill>
         <p:spPr>
           <a:xfrm>
-            <a:off x="3167280" y="6031800"/>
-            <a:ext cx="393480" cy="374400"/>
+            <a:off x="614880" y="2721960"/>
+            <a:ext cx="393120" cy="374040"/>
           </a:xfrm>
           <a:prstGeom prst="rect">
             <a:avLst/>
@@ -5697,8 +5613,8 @@
         </p:blipFill>
         <p:spPr>
           <a:xfrm>
-            <a:off x="3167280" y="6031800"/>
-            <a:ext cx="393480" cy="374400"/>
+            <a:off x="614880" y="921960"/>
+            <a:ext cx="393120" cy="374040"/>
           </a:xfrm>
           <a:prstGeom prst="rect">
             <a:avLst/>
@@ -5720,8 +5636,8 @@
         </p:blipFill>
         <p:spPr>
           <a:xfrm>
-            <a:off x="3167280" y="6031800"/>
-            <a:ext cx="393480" cy="374400"/>
+            <a:off x="614880" y="576000"/>
+            <a:ext cx="393120" cy="374040"/>
           </a:xfrm>
           <a:prstGeom prst="rect">
             <a:avLst/>
@@ -5860,7 +5776,7 @@
         <p:spPr>
           <a:xfrm>
             <a:off x="561960" y="4649040"/>
-            <a:ext cx="5377320" cy="1581480"/>
+            <a:ext cx="5376960" cy="1581480"/>
           </a:xfrm>
           <a:prstGeom prst="rect">
             <a:avLst/>
@@ -5973,7 +5889,7 @@
         <p:spPr>
           <a:xfrm>
             <a:off x="2204640" y="1626480"/>
-            <a:ext cx="1215720" cy="302760"/>
+            <a:ext cx="1215360" cy="302760"/>
           </a:xfrm>
           <a:prstGeom prst="rect">
             <a:avLst/>
@@ -6009,7 +5925,7 @@
                 <a:latin typeface="Roboto"/>
                 <a:ea typeface="Roboto"/>
               </a:rPr>
-              <a:t>/     /</a:t>
+              <a:t>07/02/25</a:t>
             </a:r>
             <a:endParaRPr b="0" lang="pt-BR" sz="1400" spc="-1" strike="noStrike">
               <a:latin typeface="Arial"/>
@@ -6030,7 +5946,7 @@
         <p:spPr>
           <a:xfrm>
             <a:off x="5280120" y="2794320"/>
-            <a:ext cx="393480" cy="374400"/>
+            <a:ext cx="393120" cy="374040"/>
           </a:xfrm>
           <a:prstGeom prst="rect">
             <a:avLst/>
@@ -6053,7 +5969,7 @@
         <p:spPr>
           <a:xfrm>
             <a:off x="5280120" y="2794320"/>
-            <a:ext cx="393480" cy="374400"/>
+            <a:ext cx="393120" cy="374040"/>
           </a:xfrm>
           <a:prstGeom prst="rect">
             <a:avLst/>
@@ -6072,7 +5988,7 @@
         <p:spPr>
           <a:xfrm>
             <a:off x="632520" y="151560"/>
-            <a:ext cx="1215720" cy="1422000"/>
+            <a:ext cx="1215360" cy="1421640"/>
           </a:xfrm>
           <a:prstGeom prst="actionButtonBlank">
             <a:avLst/>
@@ -6186,7 +6102,7 @@
         <p:spPr>
           <a:xfrm>
             <a:off x="689040" y="3983400"/>
-            <a:ext cx="1038960" cy="1038960"/>
+            <a:ext cx="1038600" cy="1038600"/>
           </a:xfrm>
           <a:prstGeom prst="actionButtonBlank">
             <a:avLst/>
@@ -6220,7 +6136,7 @@
         <p:spPr>
           <a:xfrm>
             <a:off x="2564280" y="1349640"/>
-            <a:ext cx="1038960" cy="1038960"/>
+            <a:ext cx="1038600" cy="1038600"/>
           </a:xfrm>
           <a:prstGeom prst="actionButtonBlank">
             <a:avLst/>
@@ -6254,7 +6170,7 @@
         <p:spPr>
           <a:xfrm>
             <a:off x="689040" y="2822400"/>
-            <a:ext cx="1038960" cy="1038960"/>
+            <a:ext cx="1038600" cy="1038600"/>
           </a:xfrm>
           <a:prstGeom prst="actionButtonBlank">
             <a:avLst/>
@@ -6288,7 +6204,7 @@
         <p:spPr>
           <a:xfrm>
             <a:off x="1396800" y="1721520"/>
-            <a:ext cx="1038960" cy="1038960"/>
+            <a:ext cx="1038600" cy="1038600"/>
           </a:xfrm>
           <a:prstGeom prst="actionButtonBlank">
             <a:avLst/>
@@ -6322,7 +6238,7 @@
         <p:spPr>
           <a:xfrm>
             <a:off x="3679200" y="1721520"/>
-            <a:ext cx="1038960" cy="1038960"/>
+            <a:ext cx="1038600" cy="1038600"/>
           </a:xfrm>
           <a:prstGeom prst="actionButtonBlank">
             <a:avLst/>
@@ -6356,7 +6272,7 @@
         <p:spPr>
           <a:xfrm>
             <a:off x="4431960" y="2791440"/>
-            <a:ext cx="1038960" cy="1038960"/>
+            <a:ext cx="1038600" cy="1038600"/>
           </a:xfrm>
           <a:prstGeom prst="actionButtonBlank">
             <a:avLst/>
@@ -6390,7 +6306,7 @@
         <p:spPr>
           <a:xfrm>
             <a:off x="4431960" y="3983400"/>
-            <a:ext cx="1038960" cy="1038960"/>
+            <a:ext cx="1038600" cy="1038600"/>
           </a:xfrm>
           <a:prstGeom prst="actionButtonBlank">
             <a:avLst/>
@@ -6424,7 +6340,7 @@
         <p:spPr>
           <a:xfrm>
             <a:off x="5607720" y="5348520"/>
-            <a:ext cx="1038960" cy="1038960"/>
+            <a:ext cx="1038600" cy="1038600"/>
           </a:xfrm>
           <a:prstGeom prst="actionButtonBlank">
             <a:avLst/>
@@ -6458,7 +6374,7 @@
         <p:spPr>
           <a:xfrm>
             <a:off x="7511040" y="5014080"/>
-            <a:ext cx="1038960" cy="1038960"/>
+            <a:ext cx="1038600" cy="1038600"/>
           </a:xfrm>
           <a:prstGeom prst="actionButtonBlank">
             <a:avLst/>
@@ -6492,7 +6408,7 @@
         <p:spPr>
           <a:xfrm>
             <a:off x="8174520" y="3944520"/>
-            <a:ext cx="1038960" cy="1038960"/>
+            <a:ext cx="1038600" cy="1038600"/>
           </a:xfrm>
           <a:prstGeom prst="actionButtonBlank">
             <a:avLst/>
@@ -6606,7 +6522,7 @@
         <p:spPr>
           <a:xfrm>
             <a:off x="595080" y="3646440"/>
-            <a:ext cx="2501640" cy="729000"/>
+            <a:ext cx="2501280" cy="729000"/>
           </a:xfrm>
           <a:prstGeom prst="rect">
             <a:avLst/>
@@ -6699,7 +6615,7 @@
         <p:spPr>
           <a:xfrm>
             <a:off x="624600" y="248040"/>
-            <a:ext cx="1215720" cy="1422000"/>
+            <a:ext cx="1215360" cy="1421640"/>
           </a:xfrm>
           <a:prstGeom prst="actionButtonBlank">
             <a:avLst/>
@@ -6733,7 +6649,7 @@
         <p:spPr>
           <a:xfrm>
             <a:off x="2333160" y="1108800"/>
-            <a:ext cx="1215720" cy="302760"/>
+            <a:ext cx="1215360" cy="302760"/>
           </a:xfrm>
           <a:prstGeom prst="rect">
             <a:avLst/>
@@ -6786,7 +6702,7 @@
         <p:spPr>
           <a:xfrm>
             <a:off x="2333160" y="1736640"/>
-            <a:ext cx="1215720" cy="302760"/>
+            <a:ext cx="1215360" cy="302760"/>
           </a:xfrm>
           <a:prstGeom prst="rect">
             <a:avLst/>
@@ -6839,7 +6755,7 @@
         <p:spPr>
           <a:xfrm>
             <a:off x="518760" y="5123160"/>
-            <a:ext cx="3229560" cy="1155240"/>
+            <a:ext cx="3229200" cy="1155240"/>
           </a:xfrm>
           <a:prstGeom prst="rect">
             <a:avLst/>
@@ -6952,7 +6868,7 @@
         <p:spPr>
           <a:xfrm>
             <a:off x="3611880" y="3591000"/>
-            <a:ext cx="2501640" cy="729000"/>
+            <a:ext cx="2501280" cy="729000"/>
           </a:xfrm>
           <a:prstGeom prst="rect">
             <a:avLst/>
@@ -7015,7 +6931,7 @@
         <p:spPr>
           <a:xfrm>
             <a:off x="6634800" y="3658320"/>
-            <a:ext cx="2501640" cy="729000"/>
+            <a:ext cx="2501280" cy="729000"/>
           </a:xfrm>
           <a:prstGeom prst="rect">
             <a:avLst/>
@@ -7078,7 +6994,7 @@
         <p:spPr>
           <a:xfrm>
             <a:off x="3961440" y="5123160"/>
-            <a:ext cx="5307120" cy="1581480"/>
+            <a:ext cx="5306760" cy="1581480"/>
           </a:xfrm>
           <a:prstGeom prst="rect">
             <a:avLst/>
@@ -7195,7 +7111,7 @@
         <p:spPr>
           <a:xfrm>
             <a:off x="720000" y="3528000"/>
-            <a:ext cx="393480" cy="374400"/>
+            <a:ext cx="393120" cy="374040"/>
           </a:xfrm>
           <a:prstGeom prst="rect">
             <a:avLst/>
@@ -7218,7 +7134,7 @@
         <p:spPr>
           <a:xfrm>
             <a:off x="5400000" y="3024000"/>
-            <a:ext cx="393480" cy="374400"/>
+            <a:ext cx="393120" cy="374040"/>
           </a:xfrm>
           <a:prstGeom prst="rect">
             <a:avLst/>
@@ -7241,7 +7157,7 @@
         <p:spPr>
           <a:xfrm>
             <a:off x="755280" y="2430360"/>
-            <a:ext cx="393480" cy="374400"/>
+            <a:ext cx="393120" cy="374040"/>
           </a:xfrm>
           <a:prstGeom prst="rect">
             <a:avLst/>
@@ -7264,7 +7180,7 @@
         <p:spPr>
           <a:xfrm>
             <a:off x="755280" y="2214360"/>
-            <a:ext cx="393480" cy="374400"/>
+            <a:ext cx="393120" cy="374040"/>
           </a:xfrm>
           <a:prstGeom prst="rect">
             <a:avLst/>
@@ -7287,7 +7203,7 @@
         <p:spPr>
           <a:xfrm>
             <a:off x="2843640" y="3096000"/>
-            <a:ext cx="393480" cy="374400"/>
+            <a:ext cx="393120" cy="374040"/>
           </a:xfrm>
           <a:prstGeom prst="rect">
             <a:avLst/>
@@ -7310,7 +7226,7 @@
         <p:spPr>
           <a:xfrm>
             <a:off x="755280" y="2646720"/>
-            <a:ext cx="393480" cy="374400"/>
+            <a:ext cx="393120" cy="374040"/>
           </a:xfrm>
           <a:prstGeom prst="rect">
             <a:avLst/>
@@ -7333,7 +7249,7 @@
         <p:spPr>
           <a:xfrm>
             <a:off x="8603640" y="3096000"/>
-            <a:ext cx="393480" cy="374400"/>
+            <a:ext cx="393120" cy="374040"/>
           </a:xfrm>
           <a:prstGeom prst="rect">
             <a:avLst/>
@@ -7356,7 +7272,7 @@
         <p:spPr>
           <a:xfrm>
             <a:off x="2627640" y="4464000"/>
-            <a:ext cx="393480" cy="374400"/>
+            <a:ext cx="393120" cy="374040"/>
           </a:xfrm>
           <a:prstGeom prst="rect">
             <a:avLst/>
@@ -7379,7 +7295,7 @@
         <p:spPr>
           <a:xfrm>
             <a:off x="9000000" y="4518720"/>
-            <a:ext cx="393480" cy="374400"/>
+            <a:ext cx="393120" cy="374040"/>
           </a:xfrm>
           <a:prstGeom prst="rect">
             <a:avLst/>
@@ -7438,7 +7354,7 @@
         <p:spPr>
           <a:xfrm>
             <a:off x="5263920" y="2664360"/>
-            <a:ext cx="4050360" cy="302760"/>
+            <a:ext cx="4050000" cy="302760"/>
           </a:xfrm>
           <a:prstGeom prst="rect">
             <a:avLst/>
@@ -7491,7 +7407,7 @@
         <p:spPr>
           <a:xfrm>
             <a:off x="5263920" y="3362400"/>
-            <a:ext cx="4050360" cy="302760"/>
+            <a:ext cx="4050000" cy="302760"/>
           </a:xfrm>
           <a:prstGeom prst="rect">
             <a:avLst/>
@@ -7544,7 +7460,7 @@
         <p:spPr>
           <a:xfrm>
             <a:off x="5270760" y="4060800"/>
-            <a:ext cx="4041720" cy="2220840"/>
+            <a:ext cx="4041360" cy="2220840"/>
           </a:xfrm>
           <a:prstGeom prst="rect">
             <a:avLst/>
@@ -7677,7 +7593,7 @@
         <p:spPr>
           <a:xfrm>
             <a:off x="2319120" y="1343880"/>
-            <a:ext cx="1215720" cy="302760"/>
+            <a:ext cx="1215360" cy="302760"/>
           </a:xfrm>
           <a:prstGeom prst="rect">
             <a:avLst/>
@@ -7730,7 +7646,7 @@
         <p:spPr>
           <a:xfrm>
             <a:off x="632520" y="151560"/>
-            <a:ext cx="1215720" cy="1422000"/>
+            <a:ext cx="1215360" cy="1421640"/>
           </a:xfrm>
           <a:prstGeom prst="actionButtonBlank">
             <a:avLst/>
@@ -7804,7 +7720,7 @@
         <p:spPr>
           <a:xfrm>
             <a:off x="2333160" y="1212480"/>
-            <a:ext cx="1215720" cy="302760"/>
+            <a:ext cx="1215360" cy="302760"/>
           </a:xfrm>
           <a:prstGeom prst="rect">
             <a:avLst/>
@@ -7857,7 +7773,7 @@
         <p:spPr>
           <a:xfrm>
             <a:off x="8011440" y="2088720"/>
-            <a:ext cx="1215720" cy="302760"/>
+            <a:ext cx="1215360" cy="302760"/>
           </a:xfrm>
           <a:prstGeom prst="rect">
             <a:avLst/>
@@ -7910,7 +7826,7 @@
         <p:spPr>
           <a:xfrm>
             <a:off x="2333160" y="1840680"/>
-            <a:ext cx="1215720" cy="302760"/>
+            <a:ext cx="1215360" cy="302760"/>
           </a:xfrm>
           <a:prstGeom prst="rect">
             <a:avLst/>
@@ -7963,7 +7879,7 @@
         <p:spPr>
           <a:xfrm>
             <a:off x="6762600" y="954720"/>
-            <a:ext cx="1563840" cy="147240"/>
+            <a:ext cx="1563480" cy="146880"/>
           </a:xfrm>
           <a:prstGeom prst="rect">
             <a:avLst/>
@@ -7997,7 +7913,7 @@
         <p:spPr>
           <a:xfrm>
             <a:off x="632520" y="151560"/>
-            <a:ext cx="1215720" cy="1422000"/>
+            <a:ext cx="1215360" cy="1421640"/>
           </a:xfrm>
           <a:prstGeom prst="actionButtonBlank">
             <a:avLst/>
@@ -8035,7 +7951,7 @@
         <p:spPr>
           <a:xfrm>
             <a:off x="3456000" y="5023800"/>
-            <a:ext cx="393480" cy="374400"/>
+            <a:ext cx="393120" cy="374040"/>
           </a:xfrm>
           <a:prstGeom prst="rect">
             <a:avLst/>
@@ -8058,7 +7974,7 @@
         <p:spPr>
           <a:xfrm>
             <a:off x="1836720" y="4536000"/>
-            <a:ext cx="393480" cy="374400"/>
+            <a:ext cx="393120" cy="374040"/>
           </a:xfrm>
           <a:prstGeom prst="rect">
             <a:avLst/>
@@ -8081,7 +7997,7 @@
         <p:spPr>
           <a:xfrm>
             <a:off x="1044720" y="3871800"/>
-            <a:ext cx="393480" cy="374400"/>
+            <a:ext cx="393120" cy="374040"/>
           </a:xfrm>
           <a:prstGeom prst="rect">
             <a:avLst/>
@@ -8104,7 +8020,7 @@
         <p:spPr>
           <a:xfrm>
             <a:off x="1044720" y="3096000"/>
-            <a:ext cx="393480" cy="374400"/>
+            <a:ext cx="393120" cy="374040"/>
           </a:xfrm>
           <a:prstGeom prst="rect">
             <a:avLst/>
@@ -8127,7 +8043,7 @@
         <p:spPr>
           <a:xfrm>
             <a:off x="5400000" y="3151800"/>
-            <a:ext cx="393480" cy="374400"/>
+            <a:ext cx="393120" cy="374040"/>
           </a:xfrm>
           <a:prstGeom prst="rect">
             <a:avLst/>
@@ -8150,7 +8066,7 @@
         <p:spPr>
           <a:xfrm>
             <a:off x="5364720" y="3888000"/>
-            <a:ext cx="393480" cy="374400"/>
+            <a:ext cx="393120" cy="374040"/>
           </a:xfrm>
           <a:prstGeom prst="rect">
             <a:avLst/>
@@ -8173,7 +8089,7 @@
         <p:spPr>
           <a:xfrm>
             <a:off x="4644720" y="4591800"/>
-            <a:ext cx="393480" cy="374400"/>
+            <a:ext cx="393120" cy="374040"/>
           </a:xfrm>
           <a:prstGeom prst="rect">
             <a:avLst/>
@@ -8236,7 +8152,7 @@
         <p:spPr>
           <a:xfrm>
             <a:off x="9402840" y="6443280"/>
-            <a:ext cx="276120" cy="334080"/>
+            <a:ext cx="275760" cy="333720"/>
           </a:xfrm>
           <a:prstGeom prst="rect">
             <a:avLst/>
@@ -8259,7 +8175,7 @@
         <p:spPr>
           <a:xfrm>
             <a:off x="9402840" y="6443280"/>
-            <a:ext cx="276120" cy="334080"/>
+            <a:ext cx="275760" cy="333720"/>
           </a:xfrm>
           <a:prstGeom prst="rect">
             <a:avLst/>
@@ -8282,7 +8198,7 @@
         <p:spPr>
           <a:xfrm>
             <a:off x="9402840" y="6443280"/>
-            <a:ext cx="276120" cy="334080"/>
+            <a:ext cx="275760" cy="333720"/>
           </a:xfrm>
           <a:prstGeom prst="rect">
             <a:avLst/>
@@ -8305,7 +8221,7 @@
         <p:spPr>
           <a:xfrm>
             <a:off x="9402840" y="6443280"/>
-            <a:ext cx="276120" cy="334080"/>
+            <a:ext cx="275760" cy="333720"/>
           </a:xfrm>
           <a:prstGeom prst="rect">
             <a:avLst/>
@@ -8328,7 +8244,7 @@
         <p:spPr>
           <a:xfrm>
             <a:off x="9402840" y="6443280"/>
-            <a:ext cx="276120" cy="334080"/>
+            <a:ext cx="275760" cy="333720"/>
           </a:xfrm>
           <a:prstGeom prst="rect">
             <a:avLst/>
@@ -8351,7 +8267,7 @@
         <p:spPr>
           <a:xfrm>
             <a:off x="9402840" y="6443280"/>
-            <a:ext cx="276120" cy="334080"/>
+            <a:ext cx="275760" cy="333720"/>
           </a:xfrm>
           <a:prstGeom prst="rect">
             <a:avLst/>
@@ -8374,7 +8290,7 @@
         <p:spPr>
           <a:xfrm>
             <a:off x="9402840" y="6443280"/>
-            <a:ext cx="276120" cy="334080"/>
+            <a:ext cx="275760" cy="333720"/>
           </a:xfrm>
           <a:prstGeom prst="rect">
             <a:avLst/>
@@ -8397,7 +8313,7 @@
         <p:spPr>
           <a:xfrm>
             <a:off x="9402840" y="6443280"/>
-            <a:ext cx="276120" cy="334080"/>
+            <a:ext cx="275760" cy="333720"/>
           </a:xfrm>
           <a:prstGeom prst="rect">
             <a:avLst/>
@@ -8420,7 +8336,7 @@
         <p:spPr>
           <a:xfrm>
             <a:off x="9402840" y="6443280"/>
-            <a:ext cx="276120" cy="334080"/>
+            <a:ext cx="275760" cy="333720"/>
           </a:xfrm>
           <a:prstGeom prst="rect">
             <a:avLst/>
@@ -8443,7 +8359,7 @@
         <p:spPr>
           <a:xfrm>
             <a:off x="9402840" y="6443280"/>
-            <a:ext cx="276120" cy="334080"/>
+            <a:ext cx="275760" cy="333720"/>
           </a:xfrm>
           <a:prstGeom prst="rect">
             <a:avLst/>
@@ -8466,7 +8382,7 @@
         <p:spPr>
           <a:xfrm>
             <a:off x="9402840" y="6443280"/>
-            <a:ext cx="276120" cy="334080"/>
+            <a:ext cx="275760" cy="333720"/>
           </a:xfrm>
           <a:prstGeom prst="rect">
             <a:avLst/>
@@ -8489,7 +8405,7 @@
         <p:spPr>
           <a:xfrm>
             <a:off x="9402840" y="6443280"/>
-            <a:ext cx="276120" cy="334080"/>
+            <a:ext cx="275760" cy="333720"/>
           </a:xfrm>
           <a:prstGeom prst="rect">
             <a:avLst/>
@@ -8512,7 +8428,7 @@
         <p:spPr>
           <a:xfrm>
             <a:off x="9402840" y="6443280"/>
-            <a:ext cx="276120" cy="334080"/>
+            <a:ext cx="275760" cy="333720"/>
           </a:xfrm>
           <a:prstGeom prst="rect">
             <a:avLst/>
@@ -8535,7 +8451,7 @@
         <p:spPr>
           <a:xfrm>
             <a:off x="9402840" y="6443280"/>
-            <a:ext cx="276120" cy="334080"/>
+            <a:ext cx="275760" cy="333720"/>
           </a:xfrm>
           <a:prstGeom prst="rect">
             <a:avLst/>
@@ -8558,7 +8474,7 @@
         <p:spPr>
           <a:xfrm>
             <a:off x="9402840" y="6443280"/>
-            <a:ext cx="276120" cy="334080"/>
+            <a:ext cx="275760" cy="333720"/>
           </a:xfrm>
           <a:prstGeom prst="rect">
             <a:avLst/>
@@ -8581,7 +8497,7 @@
         <p:spPr>
           <a:xfrm>
             <a:off x="9402840" y="6443280"/>
-            <a:ext cx="276120" cy="334080"/>
+            <a:ext cx="275760" cy="333720"/>
           </a:xfrm>
           <a:prstGeom prst="rect">
             <a:avLst/>
@@ -8604,7 +8520,7 @@
         <p:spPr>
           <a:xfrm>
             <a:off x="9402840" y="6443280"/>
-            <a:ext cx="276120" cy="334080"/>
+            <a:ext cx="275760" cy="333720"/>
           </a:xfrm>
           <a:prstGeom prst="rect">
             <a:avLst/>
@@ -8627,7 +8543,7 @@
         <p:spPr>
           <a:xfrm>
             <a:off x="9402840" y="6443280"/>
-            <a:ext cx="276120" cy="334080"/>
+            <a:ext cx="275760" cy="333720"/>
           </a:xfrm>
           <a:prstGeom prst="rect">
             <a:avLst/>
@@ -8650,7 +8566,7 @@
         <p:spPr>
           <a:xfrm>
             <a:off x="9402840" y="6443280"/>
-            <a:ext cx="276120" cy="334080"/>
+            <a:ext cx="275760" cy="333720"/>
           </a:xfrm>
           <a:prstGeom prst="rect">
             <a:avLst/>
@@ -8673,7 +8589,7 @@
         <p:spPr>
           <a:xfrm>
             <a:off x="9402840" y="6443280"/>
-            <a:ext cx="276120" cy="334080"/>
+            <a:ext cx="275760" cy="333720"/>
           </a:xfrm>
           <a:prstGeom prst="rect">
             <a:avLst/>
@@ -8696,7 +8612,7 @@
         <p:spPr>
           <a:xfrm>
             <a:off x="9402840" y="6443280"/>
-            <a:ext cx="276120" cy="334080"/>
+            <a:ext cx="275760" cy="333720"/>
           </a:xfrm>
           <a:prstGeom prst="rect">
             <a:avLst/>
@@ -8719,7 +8635,7 @@
         <p:spPr>
           <a:xfrm>
             <a:off x="9402840" y="6443280"/>
-            <a:ext cx="276120" cy="334080"/>
+            <a:ext cx="275760" cy="333720"/>
           </a:xfrm>
           <a:prstGeom prst="rect">
             <a:avLst/>
@@ -8742,7 +8658,7 @@
         <p:spPr>
           <a:xfrm>
             <a:off x="9402840" y="6443280"/>
-            <a:ext cx="276120" cy="334080"/>
+            <a:ext cx="275760" cy="333720"/>
           </a:xfrm>
           <a:prstGeom prst="rect">
             <a:avLst/>
@@ -8765,7 +8681,7 @@
         <p:spPr>
           <a:xfrm>
             <a:off x="9402840" y="6443280"/>
-            <a:ext cx="276120" cy="334080"/>
+            <a:ext cx="275760" cy="333720"/>
           </a:xfrm>
           <a:prstGeom prst="rect">
             <a:avLst/>
@@ -8788,7 +8704,7 @@
         <p:spPr>
           <a:xfrm>
             <a:off x="9402840" y="6443280"/>
-            <a:ext cx="276120" cy="334080"/>
+            <a:ext cx="275760" cy="333720"/>
           </a:xfrm>
           <a:prstGeom prst="rect">
             <a:avLst/>
@@ -8811,7 +8727,7 @@
         <p:spPr>
           <a:xfrm>
             <a:off x="9402840" y="6443280"/>
-            <a:ext cx="276120" cy="334080"/>
+            <a:ext cx="275760" cy="333720"/>
           </a:xfrm>
           <a:prstGeom prst="rect">
             <a:avLst/>
@@ -8834,7 +8750,7 @@
         <p:spPr>
           <a:xfrm>
             <a:off x="9402840" y="6443280"/>
-            <a:ext cx="276120" cy="334080"/>
+            <a:ext cx="275760" cy="333720"/>
           </a:xfrm>
           <a:prstGeom prst="rect">
             <a:avLst/>
@@ -8857,7 +8773,7 @@
         <p:spPr>
           <a:xfrm>
             <a:off x="9402840" y="6443280"/>
-            <a:ext cx="276120" cy="334080"/>
+            <a:ext cx="275760" cy="333720"/>
           </a:xfrm>
           <a:prstGeom prst="rect">
             <a:avLst/>
@@ -8879,8 +8795,8 @@
         </p:blipFill>
         <p:spPr>
           <a:xfrm>
-            <a:off x="9402840" y="6443280"/>
-            <a:ext cx="276120" cy="334080"/>
+            <a:off x="3612240" y="4680000"/>
+            <a:ext cx="275760" cy="333720"/>
           </a:xfrm>
           <a:prstGeom prst="rect">
             <a:avLst/>
@@ -8903,7 +8819,7 @@
         <p:spPr>
           <a:xfrm>
             <a:off x="4176000" y="3337920"/>
-            <a:ext cx="276120" cy="334080"/>
+            <a:ext cx="275760" cy="333720"/>
           </a:xfrm>
           <a:prstGeom prst="rect">
             <a:avLst/>
@@ -8926,7 +8842,7 @@
         <p:spPr>
           <a:xfrm>
             <a:off x="3826800" y="2016000"/>
-            <a:ext cx="276120" cy="334080"/>
+            <a:ext cx="275760" cy="333720"/>
           </a:xfrm>
           <a:prstGeom prst="rect">
             <a:avLst/>
@@ -8949,7 +8865,7 @@
         <p:spPr>
           <a:xfrm>
             <a:off x="3960000" y="672840"/>
-            <a:ext cx="276120" cy="334080"/>
+            <a:ext cx="275760" cy="333720"/>
           </a:xfrm>
           <a:prstGeom prst="rect">
             <a:avLst/>
@@ -8968,7 +8884,7 @@
         <p:spPr>
           <a:xfrm>
             <a:off x="934560" y="0"/>
-            <a:ext cx="388440" cy="217440"/>
+            <a:ext cx="388080" cy="217080"/>
           </a:xfrm>
           <a:prstGeom prst="rect">
             <a:avLst/>
@@ -9042,7 +8958,7 @@
         <p:spPr>
           <a:xfrm>
             <a:off x="3912840" y="5426640"/>
-            <a:ext cx="1215720" cy="515880"/>
+            <a:ext cx="1215360" cy="515880"/>
           </a:xfrm>
           <a:prstGeom prst="rect">
             <a:avLst/>
@@ -9095,7 +9011,7 @@
         <p:spPr>
           <a:xfrm>
             <a:off x="728640" y="2221200"/>
-            <a:ext cx="1215720" cy="302760"/>
+            <a:ext cx="1215360" cy="302760"/>
           </a:xfrm>
           <a:prstGeom prst="rect">
             <a:avLst/>
@@ -9148,7 +9064,7 @@
         <p:spPr>
           <a:xfrm>
             <a:off x="728640" y="4103280"/>
-            <a:ext cx="1215720" cy="304200"/>
+            <a:ext cx="1215360" cy="303840"/>
           </a:xfrm>
           <a:prstGeom prst="rect">
             <a:avLst/>
@@ -9201,7 +9117,7 @@
         <p:spPr>
           <a:xfrm>
             <a:off x="728640" y="3062160"/>
-            <a:ext cx="417240" cy="302760"/>
+            <a:ext cx="416880" cy="302760"/>
           </a:xfrm>
           <a:prstGeom prst="rect">
             <a:avLst/>
@@ -9254,7 +9170,7 @@
         <p:spPr>
           <a:xfrm>
             <a:off x="3144960" y="5024880"/>
-            <a:ext cx="2170440" cy="515880"/>
+            <a:ext cx="2170080" cy="515880"/>
           </a:xfrm>
           <a:prstGeom prst="rect">
             <a:avLst/>

--- a/src/1.1 - Planner.pptx
+++ b/src/1.1 - Planner.pptx
@@ -1684,7 +1684,7 @@
         <p:spPr>
           <a:xfrm>
             <a:off x="2319120" y="1343880"/>
-            <a:ext cx="1215360" cy="302760"/>
+            <a:ext cx="1215000" cy="302760"/>
           </a:xfrm>
           <a:prstGeom prst="rect">
             <a:avLst/>
@@ -1737,7 +1737,7 @@
         <p:spPr>
           <a:xfrm>
             <a:off x="266040" y="2276640"/>
-            <a:ext cx="4578120" cy="1581480"/>
+            <a:ext cx="4577760" cy="1581480"/>
           </a:xfrm>
           <a:prstGeom prst="rect">
             <a:avLst/>
@@ -1850,7 +1850,7 @@
         <p:spPr>
           <a:xfrm>
             <a:off x="266040" y="4389840"/>
-            <a:ext cx="4578120" cy="1581480"/>
+            <a:ext cx="4577760" cy="1581480"/>
           </a:xfrm>
           <a:prstGeom prst="rect">
             <a:avLst/>
@@ -1963,7 +1963,7 @@
         <p:spPr>
           <a:xfrm>
             <a:off x="5160600" y="2279160"/>
-            <a:ext cx="4578120" cy="1581480"/>
+            <a:ext cx="4577760" cy="1581480"/>
           </a:xfrm>
           <a:prstGeom prst="rect">
             <a:avLst/>
@@ -2076,7 +2076,7 @@
         <p:spPr>
           <a:xfrm>
             <a:off x="5160600" y="4389840"/>
-            <a:ext cx="4578120" cy="1581480"/>
+            <a:ext cx="4577760" cy="1581480"/>
           </a:xfrm>
           <a:prstGeom prst="rect">
             <a:avLst/>
@@ -2239,7 +2239,7 @@
         <p:spPr>
           <a:xfrm>
             <a:off x="632520" y="151560"/>
-            <a:ext cx="1215360" cy="1421640"/>
+            <a:ext cx="1215000" cy="1421280"/>
           </a:xfrm>
           <a:prstGeom prst="actionButtonBlank">
             <a:avLst/>
@@ -2273,7 +2273,7 @@
         <p:spPr>
           <a:xfrm>
             <a:off x="5301720" y="330840"/>
-            <a:ext cx="1494000" cy="132120"/>
+            <a:ext cx="1493640" cy="131760"/>
           </a:xfrm>
           <a:prstGeom prst="rect">
             <a:avLst/>
@@ -2347,7 +2347,7 @@
         <p:spPr>
           <a:xfrm>
             <a:off x="2333160" y="1121400"/>
-            <a:ext cx="1215360" cy="302760"/>
+            <a:ext cx="1215000" cy="302760"/>
           </a:xfrm>
           <a:prstGeom prst="rect">
             <a:avLst/>
@@ -2400,7 +2400,7 @@
         <p:spPr>
           <a:xfrm>
             <a:off x="2333160" y="1749240"/>
-            <a:ext cx="1215360" cy="302760"/>
+            <a:ext cx="1215000" cy="302760"/>
           </a:xfrm>
           <a:prstGeom prst="rect">
             <a:avLst/>
@@ -2453,7 +2453,7 @@
         <p:spPr>
           <a:xfrm>
             <a:off x="632520" y="151560"/>
-            <a:ext cx="1215360" cy="1421640"/>
+            <a:ext cx="1215000" cy="1421280"/>
           </a:xfrm>
           <a:prstGeom prst="actionButtonBlank">
             <a:avLst/>
@@ -2491,7 +2491,7 @@
         <p:spPr>
           <a:xfrm>
             <a:off x="5760000" y="2144520"/>
-            <a:ext cx="393120" cy="374040"/>
+            <a:ext cx="392760" cy="373680"/>
           </a:xfrm>
           <a:prstGeom prst="rect">
             <a:avLst/>
@@ -2514,7 +2514,7 @@
         <p:spPr>
           <a:xfrm>
             <a:off x="6984000" y="2808000"/>
-            <a:ext cx="393120" cy="374040"/>
+            <a:ext cx="392760" cy="373680"/>
           </a:xfrm>
           <a:prstGeom prst="rect">
             <a:avLst/>
@@ -2537,7 +2537,7 @@
         <p:spPr>
           <a:xfrm>
             <a:off x="8101440" y="3512520"/>
-            <a:ext cx="393120" cy="374040"/>
+            <a:ext cx="392760" cy="373680"/>
           </a:xfrm>
           <a:prstGeom prst="rect">
             <a:avLst/>
@@ -2560,7 +2560,7 @@
         <p:spPr>
           <a:xfrm>
             <a:off x="6805440" y="4160520"/>
-            <a:ext cx="393120" cy="374040"/>
+            <a:ext cx="392760" cy="373680"/>
           </a:xfrm>
           <a:prstGeom prst="rect">
             <a:avLst/>
@@ -2583,7 +2583,7 @@
         <p:spPr>
           <a:xfrm>
             <a:off x="5904000" y="4808520"/>
-            <a:ext cx="393120" cy="374040"/>
+            <a:ext cx="392760" cy="373680"/>
           </a:xfrm>
           <a:prstGeom prst="rect">
             <a:avLst/>
@@ -2606,7 +2606,7 @@
         <p:spPr>
           <a:xfrm>
             <a:off x="4248000" y="3312000"/>
-            <a:ext cx="393120" cy="374040"/>
+            <a:ext cx="392760" cy="373680"/>
           </a:xfrm>
           <a:prstGeom prst="rect">
             <a:avLst/>
@@ -2665,7 +2665,7 @@
         <p:spPr>
           <a:xfrm>
             <a:off x="2138400" y="4716720"/>
-            <a:ext cx="1215360" cy="302760"/>
+            <a:ext cx="1215000" cy="302760"/>
           </a:xfrm>
           <a:prstGeom prst="rect">
             <a:avLst/>
@@ -2718,7 +2718,7 @@
         <p:spPr>
           <a:xfrm>
             <a:off x="2138400" y="5106960"/>
-            <a:ext cx="1215360" cy="303840"/>
+            <a:ext cx="1215000" cy="303480"/>
           </a:xfrm>
           <a:prstGeom prst="rect">
             <a:avLst/>
@@ -2771,7 +2771,7 @@
         <p:spPr>
           <a:xfrm>
             <a:off x="4836960" y="5565600"/>
-            <a:ext cx="492840" cy="302760"/>
+            <a:ext cx="492480" cy="302760"/>
           </a:xfrm>
           <a:prstGeom prst="rect">
             <a:avLst/>
@@ -2824,7 +2824,7 @@
         <p:spPr>
           <a:xfrm>
             <a:off x="3357720" y="1441440"/>
-            <a:ext cx="1215360" cy="302760"/>
+            <a:ext cx="1215000" cy="302760"/>
           </a:xfrm>
           <a:prstGeom prst="rect">
             <a:avLst/>
@@ -2881,7 +2881,7 @@
         <p:spPr>
           <a:xfrm>
             <a:off x="432000" y="2885040"/>
-            <a:ext cx="368640" cy="363960"/>
+            <a:ext cx="368280" cy="363600"/>
           </a:xfrm>
           <a:prstGeom prst="rect">
             <a:avLst/>
@@ -2904,7 +2904,7 @@
         <p:spPr>
           <a:xfrm>
             <a:off x="493920" y="3821400"/>
-            <a:ext cx="368640" cy="363960"/>
+            <a:ext cx="368280" cy="363600"/>
           </a:xfrm>
           <a:prstGeom prst="rect">
             <a:avLst/>
@@ -2927,7 +2927,7 @@
         <p:spPr>
           <a:xfrm>
             <a:off x="421920" y="3168000"/>
-            <a:ext cx="368640" cy="363960"/>
+            <a:ext cx="368280" cy="363600"/>
           </a:xfrm>
           <a:prstGeom prst="rect">
             <a:avLst/>
@@ -2950,7 +2950,7 @@
         <p:spPr>
           <a:xfrm>
             <a:off x="432000" y="3456000"/>
-            <a:ext cx="368640" cy="363960"/>
+            <a:ext cx="368280" cy="363600"/>
           </a:xfrm>
           <a:prstGeom prst="rect">
             <a:avLst/>
@@ -2973,7 +2973,7 @@
         <p:spPr>
           <a:xfrm>
             <a:off x="432000" y="2520000"/>
-            <a:ext cx="368640" cy="363960"/>
+            <a:ext cx="368280" cy="363600"/>
           </a:xfrm>
           <a:prstGeom prst="rect">
             <a:avLst/>
@@ -3032,7 +3032,7 @@
         <p:spPr>
           <a:xfrm>
             <a:off x="2372760" y="1609200"/>
-            <a:ext cx="1215360" cy="302760"/>
+            <a:ext cx="1215000" cy="302760"/>
           </a:xfrm>
           <a:prstGeom prst="rect">
             <a:avLst/>
@@ -3085,7 +3085,7 @@
         <p:spPr>
           <a:xfrm>
             <a:off x="2372760" y="2237040"/>
-            <a:ext cx="1215360" cy="302760"/>
+            <a:ext cx="1215000" cy="302760"/>
           </a:xfrm>
           <a:prstGeom prst="rect">
             <a:avLst/>
@@ -3142,7 +3142,7 @@
         <p:spPr>
           <a:xfrm>
             <a:off x="8775360" y="3816000"/>
-            <a:ext cx="872280" cy="948600"/>
+            <a:ext cx="871920" cy="948240"/>
           </a:xfrm>
           <a:prstGeom prst="rect">
             <a:avLst/>
@@ -3165,7 +3165,7 @@
         <p:spPr>
           <a:xfrm>
             <a:off x="7704000" y="3371040"/>
-            <a:ext cx="872280" cy="948600"/>
+            <a:ext cx="871920" cy="948240"/>
           </a:xfrm>
           <a:prstGeom prst="rect">
             <a:avLst/>
@@ -3188,7 +3188,7 @@
         <p:spPr>
           <a:xfrm>
             <a:off x="6624000" y="3816000"/>
-            <a:ext cx="872280" cy="948600"/>
+            <a:ext cx="871920" cy="948240"/>
           </a:xfrm>
           <a:prstGeom prst="rect">
             <a:avLst/>
@@ -3211,7 +3211,7 @@
         <p:spPr>
           <a:xfrm>
             <a:off x="5616000" y="3384000"/>
-            <a:ext cx="872280" cy="948600"/>
+            <a:ext cx="871920" cy="948240"/>
           </a:xfrm>
           <a:prstGeom prst="rect">
             <a:avLst/>
@@ -3234,7 +3234,7 @@
         <p:spPr>
           <a:xfrm>
             <a:off x="4599360" y="3803040"/>
-            <a:ext cx="872280" cy="948600"/>
+            <a:ext cx="871920" cy="948240"/>
           </a:xfrm>
           <a:prstGeom prst="rect">
             <a:avLst/>
@@ -3257,7 +3257,7 @@
         <p:spPr>
           <a:xfrm>
             <a:off x="3519360" y="3312000"/>
-            <a:ext cx="872280" cy="948600"/>
+            <a:ext cx="871920" cy="948240"/>
           </a:xfrm>
           <a:prstGeom prst="rect">
             <a:avLst/>
@@ -3280,7 +3280,7 @@
         <p:spPr>
           <a:xfrm>
             <a:off x="2448000" y="3816000"/>
-            <a:ext cx="872280" cy="948600"/>
+            <a:ext cx="871920" cy="948240"/>
           </a:xfrm>
           <a:prstGeom prst="rect">
             <a:avLst/>
@@ -3303,7 +3303,7 @@
         <p:spPr>
           <a:xfrm>
             <a:off x="1431360" y="3312000"/>
-            <a:ext cx="872280" cy="948600"/>
+            <a:ext cx="871920" cy="948240"/>
           </a:xfrm>
           <a:prstGeom prst="rect">
             <a:avLst/>
@@ -3326,7 +3326,7 @@
         <p:spPr>
           <a:xfrm>
             <a:off x="360000" y="3816000"/>
-            <a:ext cx="872280" cy="948600"/>
+            <a:ext cx="871920" cy="948240"/>
           </a:xfrm>
           <a:prstGeom prst="rect">
             <a:avLst/>
@@ -3345,7 +3345,7 @@
         <p:spPr>
           <a:xfrm>
             <a:off x="632520" y="151560"/>
-            <a:ext cx="1215360" cy="1421640"/>
+            <a:ext cx="1215000" cy="1421280"/>
           </a:xfrm>
           <a:prstGeom prst="actionButtonBlank">
             <a:avLst/>
@@ -3419,7 +3419,7 @@
         <p:spPr>
           <a:xfrm>
             <a:off x="1431720" y="3664440"/>
-            <a:ext cx="1215360" cy="333000"/>
+            <a:ext cx="1215000" cy="333000"/>
           </a:xfrm>
           <a:prstGeom prst="rect">
             <a:avLst/>
@@ -3472,7 +3472,7 @@
         <p:spPr>
           <a:xfrm>
             <a:off x="3900960" y="3664440"/>
-            <a:ext cx="835560" cy="333000"/>
+            <a:ext cx="835200" cy="333000"/>
           </a:xfrm>
           <a:prstGeom prst="rect">
             <a:avLst/>
@@ -3525,7 +3525,7 @@
         <p:spPr>
           <a:xfrm>
             <a:off x="1431720" y="4161960"/>
-            <a:ext cx="1215360" cy="333000"/>
+            <a:ext cx="1215000" cy="333000"/>
           </a:xfrm>
           <a:prstGeom prst="rect">
             <a:avLst/>
@@ -3578,7 +3578,7 @@
         <p:spPr>
           <a:xfrm>
             <a:off x="3900960" y="4161960"/>
-            <a:ext cx="835560" cy="333000"/>
+            <a:ext cx="835200" cy="333000"/>
           </a:xfrm>
           <a:prstGeom prst="rect">
             <a:avLst/>
@@ -3631,7 +3631,7 @@
         <p:spPr>
           <a:xfrm>
             <a:off x="1431720" y="4659840"/>
-            <a:ext cx="1215360" cy="333000"/>
+            <a:ext cx="1215000" cy="333000"/>
           </a:xfrm>
           <a:prstGeom prst="rect">
             <a:avLst/>
@@ -3684,7 +3684,7 @@
         <p:spPr>
           <a:xfrm>
             <a:off x="3900960" y="4659840"/>
-            <a:ext cx="835560" cy="333000"/>
+            <a:ext cx="835200" cy="333000"/>
           </a:xfrm>
           <a:prstGeom prst="rect">
             <a:avLst/>
@@ -3737,7 +3737,7 @@
         <p:spPr>
           <a:xfrm>
             <a:off x="1431720" y="5175000"/>
-            <a:ext cx="1215360" cy="333000"/>
+            <a:ext cx="1215000" cy="333000"/>
           </a:xfrm>
           <a:prstGeom prst="rect">
             <a:avLst/>
@@ -3790,7 +3790,7 @@
         <p:spPr>
           <a:xfrm>
             <a:off x="3900960" y="5175000"/>
-            <a:ext cx="835560" cy="333000"/>
+            <a:ext cx="835200" cy="333000"/>
           </a:xfrm>
           <a:prstGeom prst="rect">
             <a:avLst/>
@@ -3843,7 +3843,7 @@
         <p:spPr>
           <a:xfrm>
             <a:off x="1431720" y="5690160"/>
-            <a:ext cx="1215360" cy="333000"/>
+            <a:ext cx="1215000" cy="333000"/>
           </a:xfrm>
           <a:prstGeom prst="rect">
             <a:avLst/>
@@ -3896,7 +3896,7 @@
         <p:spPr>
           <a:xfrm>
             <a:off x="3900960" y="5690160"/>
-            <a:ext cx="835560" cy="333000"/>
+            <a:ext cx="835200" cy="333000"/>
           </a:xfrm>
           <a:prstGeom prst="rect">
             <a:avLst/>
@@ -3949,7 +3949,7 @@
         <p:spPr>
           <a:xfrm>
             <a:off x="3810600" y="1341720"/>
-            <a:ext cx="1215360" cy="302760"/>
+            <a:ext cx="1215000" cy="302760"/>
           </a:xfrm>
           <a:prstGeom prst="rect">
             <a:avLst/>
@@ -4042,7 +4042,7 @@
         <p:spPr>
           <a:xfrm>
             <a:off x="2333160" y="1365120"/>
-            <a:ext cx="1215360" cy="302760"/>
+            <a:ext cx="1215000" cy="302760"/>
           </a:xfrm>
           <a:prstGeom prst="rect">
             <a:avLst/>
@@ -4095,7 +4095,7 @@
         <p:spPr>
           <a:xfrm>
             <a:off x="2333160" y="1992960"/>
-            <a:ext cx="1215360" cy="302760"/>
+            <a:ext cx="1215000" cy="302760"/>
           </a:xfrm>
           <a:prstGeom prst="rect">
             <a:avLst/>
@@ -4148,7 +4148,7 @@
         <p:spPr>
           <a:xfrm>
             <a:off x="6663960" y="2344680"/>
-            <a:ext cx="2863800" cy="303480"/>
+            <a:ext cx="2863440" cy="303120"/>
           </a:xfrm>
           <a:prstGeom prst="rect">
             <a:avLst/>
@@ -4205,7 +4205,7 @@
         <p:spPr>
           <a:xfrm>
             <a:off x="2880000" y="5946480"/>
-            <a:ext cx="466920" cy="461520"/>
+            <a:ext cx="466560" cy="461160"/>
           </a:xfrm>
           <a:prstGeom prst="rect">
             <a:avLst/>
@@ -4228,7 +4228,7 @@
         <p:spPr>
           <a:xfrm>
             <a:off x="3997080" y="5946480"/>
-            <a:ext cx="466920" cy="461520"/>
+            <a:ext cx="466560" cy="461160"/>
           </a:xfrm>
           <a:prstGeom prst="rect">
             <a:avLst/>
@@ -4251,7 +4251,7 @@
         <p:spPr>
           <a:xfrm>
             <a:off x="4032000" y="4938480"/>
-            <a:ext cx="466920" cy="461520"/>
+            <a:ext cx="466560" cy="461160"/>
           </a:xfrm>
           <a:prstGeom prst="rect">
             <a:avLst/>
@@ -4274,7 +4274,7 @@
         <p:spPr>
           <a:xfrm>
             <a:off x="4501080" y="4032000"/>
-            <a:ext cx="466920" cy="461520"/>
+            <a:ext cx="466560" cy="461160"/>
           </a:xfrm>
           <a:prstGeom prst="rect">
             <a:avLst/>
@@ -4297,7 +4297,7 @@
         <p:spPr>
           <a:xfrm>
             <a:off x="3421080" y="3744000"/>
-            <a:ext cx="466920" cy="461520"/>
+            <a:ext cx="466560" cy="461160"/>
           </a:xfrm>
           <a:prstGeom prst="rect">
             <a:avLst/>
@@ -4320,7 +4320,7 @@
         <p:spPr>
           <a:xfrm>
             <a:off x="2808000" y="3024000"/>
-            <a:ext cx="466920" cy="461520"/>
+            <a:ext cx="466560" cy="461160"/>
           </a:xfrm>
           <a:prstGeom prst="rect">
             <a:avLst/>
@@ -4343,7 +4343,7 @@
         <p:spPr>
           <a:xfrm>
             <a:off x="1944000" y="3384000"/>
-            <a:ext cx="466920" cy="461520"/>
+            <a:ext cx="466560" cy="461160"/>
           </a:xfrm>
           <a:prstGeom prst="rect">
             <a:avLst/>
@@ -4362,7 +4362,7 @@
         <p:spPr>
           <a:xfrm>
             <a:off x="632520" y="151560"/>
-            <a:ext cx="1215360" cy="1421640"/>
+            <a:ext cx="1215000" cy="1421280"/>
           </a:xfrm>
           <a:prstGeom prst="actionButtonBlank">
             <a:avLst/>
@@ -4436,7 +4436,7 @@
         <p:spPr>
           <a:xfrm>
             <a:off x="2333160" y="1212480"/>
-            <a:ext cx="1215360" cy="302760"/>
+            <a:ext cx="1215000" cy="302760"/>
           </a:xfrm>
           <a:prstGeom prst="rect">
             <a:avLst/>
@@ -4489,7 +4489,7 @@
         <p:spPr>
           <a:xfrm>
             <a:off x="395280" y="3306600"/>
-            <a:ext cx="9111240" cy="333360"/>
+            <a:ext cx="9110880" cy="333000"/>
           </a:xfrm>
           <a:prstGeom prst="rect">
             <a:avLst/>
@@ -4542,7 +4542,7 @@
         <p:spPr>
           <a:xfrm>
             <a:off x="7448400" y="677880"/>
-            <a:ext cx="575280" cy="729000"/>
+            <a:ext cx="574920" cy="729000"/>
           </a:xfrm>
           <a:prstGeom prst="rect">
             <a:avLst/>
@@ -4595,7 +4595,7 @@
         <p:spPr>
           <a:xfrm>
             <a:off x="632520" y="151560"/>
-            <a:ext cx="1215360" cy="1421640"/>
+            <a:ext cx="1215000" cy="1421280"/>
           </a:xfrm>
           <a:prstGeom prst="actionButtonBlank">
             <a:avLst/>
@@ -4669,7 +4669,7 @@
         <p:spPr>
           <a:xfrm>
             <a:off x="1262880" y="3398040"/>
-            <a:ext cx="1215360" cy="333000"/>
+            <a:ext cx="1215000" cy="333000"/>
           </a:xfrm>
           <a:prstGeom prst="rect">
             <a:avLst/>
@@ -4722,7 +4722,7 @@
         <p:spPr>
           <a:xfrm>
             <a:off x="1137600" y="3769560"/>
-            <a:ext cx="936000" cy="333000"/>
+            <a:ext cx="935640" cy="333000"/>
           </a:xfrm>
           <a:prstGeom prst="rect">
             <a:avLst/>
@@ -4775,7 +4775,7 @@
         <p:spPr>
           <a:xfrm>
             <a:off x="2449080" y="1236960"/>
-            <a:ext cx="936000" cy="334440"/>
+            <a:ext cx="935640" cy="334080"/>
           </a:xfrm>
           <a:prstGeom prst="rect">
             <a:avLst/>
@@ -4798,9 +4798,18 @@
             <a:noAutofit/>
           </a:bodyPr>
           <a:p>
+            <a:pPr>
+              <a:lnSpc>
+                <a:spcPct val="100000"/>
+              </a:lnSpc>
+            </a:pPr>
             <a:r>
               <a:rPr b="0" lang="pt-BR" sz="1800" spc="-1" strike="noStrike">
+                <a:solidFill>
+                  <a:srgbClr val="000000"/>
+                </a:solidFill>
                 <a:latin typeface="Arial"/>
+                <a:ea typeface="DejaVu Sans"/>
               </a:rPr>
               <a:t>9.00</a:t>
             </a:r>
@@ -4819,7 +4828,7 @@
         <p:spPr>
           <a:xfrm>
             <a:off x="2238120" y="1710360"/>
-            <a:ext cx="936000" cy="334440"/>
+            <a:ext cx="935640" cy="334080"/>
           </a:xfrm>
           <a:prstGeom prst="rect">
             <a:avLst/>
@@ -4842,9 +4851,18 @@
             <a:noAutofit/>
           </a:bodyPr>
           <a:p>
+            <a:pPr>
+              <a:lnSpc>
+                <a:spcPct val="100000"/>
+              </a:lnSpc>
+            </a:pPr>
             <a:r>
               <a:rPr b="0" lang="pt-BR" sz="1800" spc="-1" strike="noStrike">
+                <a:solidFill>
+                  <a:srgbClr val="000000"/>
+                </a:solidFill>
                 <a:latin typeface="Arial"/>
+                <a:ea typeface="DejaVu Sans"/>
               </a:rPr>
               <a:t>10.00</a:t>
             </a:r>
@@ -4863,7 +4881,7 @@
         <p:spPr>
           <a:xfrm>
             <a:off x="2449080" y="2202120"/>
-            <a:ext cx="936000" cy="334440"/>
+            <a:ext cx="935640" cy="334080"/>
           </a:xfrm>
           <a:prstGeom prst="rect">
             <a:avLst/>
@@ -4886,9 +4904,18 @@
             <a:noAutofit/>
           </a:bodyPr>
           <a:p>
+            <a:pPr>
+              <a:lnSpc>
+                <a:spcPct val="100000"/>
+              </a:lnSpc>
+            </a:pPr>
             <a:r>
               <a:rPr b="0" lang="pt-BR" sz="1800" spc="-1" strike="noStrike">
+                <a:solidFill>
+                  <a:srgbClr val="000000"/>
+                </a:solidFill>
                 <a:latin typeface="Arial"/>
+                <a:ea typeface="DejaVu Sans"/>
               </a:rPr>
               <a:t>9.50</a:t>
             </a:r>
@@ -4911,7 +4938,7 @@
         <p:spPr>
           <a:xfrm>
             <a:off x="504000" y="4752000"/>
-            <a:ext cx="600120" cy="652680"/>
+            <a:ext cx="599760" cy="652320"/>
           </a:xfrm>
           <a:prstGeom prst="rect">
             <a:avLst/>
@@ -4970,7 +4997,7 @@
         <p:spPr>
           <a:xfrm>
             <a:off x="5226120" y="2250360"/>
-            <a:ext cx="4274640" cy="303840"/>
+            <a:ext cx="4274280" cy="303480"/>
           </a:xfrm>
           <a:prstGeom prst="rect">
             <a:avLst/>
@@ -4998,7 +5025,7 @@
         <p:spPr>
           <a:xfrm>
             <a:off x="6542640" y="2935080"/>
-            <a:ext cx="2958120" cy="303840"/>
+            <a:ext cx="2957760" cy="303480"/>
           </a:xfrm>
           <a:prstGeom prst="rect">
             <a:avLst/>
@@ -5021,9 +5048,18 @@
             <a:noAutofit/>
           </a:bodyPr>
           <a:p>
+            <a:pPr>
+              <a:lnSpc>
+                <a:spcPct val="100000"/>
+              </a:lnSpc>
+            </a:pPr>
             <a:r>
               <a:rPr b="0" lang="pt-BR" sz="1800" spc="-1" strike="noStrike">
+                <a:solidFill>
+                  <a:srgbClr val="000000"/>
+                </a:solidFill>
                 <a:latin typeface="Arial"/>
+                <a:ea typeface="DejaVu Sans"/>
               </a:rPr>
               <a:t>Ariane</a:t>
             </a:r>
@@ -5042,7 +5078,7 @@
         <p:spPr>
           <a:xfrm>
             <a:off x="5226120" y="3465720"/>
-            <a:ext cx="4274640" cy="303840"/>
+            <a:ext cx="4274280" cy="303480"/>
           </a:xfrm>
           <a:prstGeom prst="rect">
             <a:avLst/>
@@ -5065,9 +5101,18 @@
             <a:noAutofit/>
           </a:bodyPr>
           <a:p>
+            <a:pPr>
+              <a:lnSpc>
+                <a:spcPct val="100000"/>
+              </a:lnSpc>
+            </a:pPr>
             <a:r>
               <a:rPr b="0" lang="pt-BR" sz="1800" spc="-1" strike="noStrike">
+                <a:solidFill>
+                  <a:srgbClr val="000000"/>
+                </a:solidFill>
                 <a:latin typeface="Arial"/>
+                <a:ea typeface="DejaVu Sans"/>
               </a:rPr>
               <a:t>Renato Máximo</a:t>
             </a:r>
@@ -5086,7 +5131,7 @@
         <p:spPr>
           <a:xfrm>
             <a:off x="5211000" y="4381920"/>
-            <a:ext cx="4274640" cy="638280"/>
+            <a:ext cx="4274280" cy="638280"/>
           </a:xfrm>
           <a:prstGeom prst="rect">
             <a:avLst/>
@@ -5139,7 +5184,7 @@
         <p:spPr>
           <a:xfrm>
             <a:off x="9058320" y="669600"/>
-            <a:ext cx="733320" cy="303120"/>
+            <a:ext cx="732960" cy="302760"/>
           </a:xfrm>
           <a:prstGeom prst="rect">
             <a:avLst/>
@@ -5192,7 +5237,7 @@
         <p:spPr>
           <a:xfrm>
             <a:off x="7286400" y="669600"/>
-            <a:ext cx="993240" cy="303120"/>
+            <a:ext cx="992880" cy="302760"/>
           </a:xfrm>
           <a:prstGeom prst="rect">
             <a:avLst/>
@@ -5245,7 +5290,7 @@
         <p:spPr>
           <a:xfrm>
             <a:off x="8629560" y="3825720"/>
-            <a:ext cx="871560" cy="303840"/>
+            <a:ext cx="871200" cy="303480"/>
           </a:xfrm>
           <a:prstGeom prst="rect">
             <a:avLst/>
@@ -5268,9 +5313,18 @@
             <a:noAutofit/>
           </a:bodyPr>
           <a:p>
+            <a:pPr>
+              <a:lnSpc>
+                <a:spcPct val="100000"/>
+              </a:lnSpc>
+            </a:pPr>
             <a:r>
               <a:rPr b="0" lang="pt-BR" sz="1800" spc="-1" strike="noStrike">
+                <a:solidFill>
+                  <a:srgbClr val="000000"/>
+                </a:solidFill>
                 <a:latin typeface="Arial"/>
+                <a:ea typeface="DejaVu Sans"/>
               </a:rPr>
               <a:t>9.50</a:t>
             </a:r>
@@ -5289,7 +5343,7 @@
         <p:spPr>
           <a:xfrm>
             <a:off x="632520" y="151560"/>
-            <a:ext cx="1215360" cy="1421640"/>
+            <a:ext cx="1215000" cy="1421280"/>
           </a:xfrm>
           <a:prstGeom prst="actionButtonBlank">
             <a:avLst/>
@@ -5363,7 +5417,7 @@
         <p:spPr>
           <a:xfrm>
             <a:off x="918000" y="1666800"/>
-            <a:ext cx="6237720" cy="912600"/>
+            <a:ext cx="6237360" cy="912600"/>
           </a:xfrm>
           <a:prstGeom prst="rect">
             <a:avLst/>
@@ -5430,7 +5484,7 @@
         <p:spPr>
           <a:xfrm>
             <a:off x="614880" y="4881960"/>
-            <a:ext cx="393120" cy="374040"/>
+            <a:ext cx="392760" cy="373680"/>
           </a:xfrm>
           <a:prstGeom prst="rect">
             <a:avLst/>
@@ -5453,7 +5507,7 @@
         <p:spPr>
           <a:xfrm>
             <a:off x="614880" y="4305960"/>
-            <a:ext cx="393120" cy="374040"/>
+            <a:ext cx="392760" cy="373680"/>
           </a:xfrm>
           <a:prstGeom prst="rect">
             <a:avLst/>
@@ -5476,7 +5530,7 @@
         <p:spPr>
           <a:xfrm>
             <a:off x="614880" y="4536000"/>
-            <a:ext cx="393120" cy="374040"/>
+            <a:ext cx="392760" cy="373680"/>
           </a:xfrm>
           <a:prstGeom prst="rect">
             <a:avLst/>
@@ -5499,7 +5553,7 @@
         <p:spPr>
           <a:xfrm>
             <a:off x="614880" y="3945960"/>
-            <a:ext cx="393120" cy="374040"/>
+            <a:ext cx="392760" cy="373680"/>
           </a:xfrm>
           <a:prstGeom prst="rect">
             <a:avLst/>
@@ -5522,7 +5576,7 @@
         <p:spPr>
           <a:xfrm>
             <a:off x="576000" y="3672000"/>
-            <a:ext cx="393120" cy="374040"/>
+            <a:ext cx="392760" cy="373680"/>
           </a:xfrm>
           <a:prstGeom prst="rect">
             <a:avLst/>
@@ -5545,7 +5599,7 @@
         <p:spPr>
           <a:xfrm>
             <a:off x="614880" y="3312000"/>
-            <a:ext cx="393120" cy="374040"/>
+            <a:ext cx="392760" cy="373680"/>
           </a:xfrm>
           <a:prstGeom prst="rect">
             <a:avLst/>
@@ -5568,7 +5622,7 @@
         <p:spPr>
           <a:xfrm>
             <a:off x="576000" y="3081960"/>
-            <a:ext cx="393120" cy="374040"/>
+            <a:ext cx="392760" cy="373680"/>
           </a:xfrm>
           <a:prstGeom prst="rect">
             <a:avLst/>
@@ -5591,7 +5645,7 @@
         <p:spPr>
           <a:xfrm>
             <a:off x="614880" y="2721960"/>
-            <a:ext cx="393120" cy="374040"/>
+            <a:ext cx="392760" cy="373680"/>
           </a:xfrm>
           <a:prstGeom prst="rect">
             <a:avLst/>
@@ -5614,7 +5668,7 @@
         <p:spPr>
           <a:xfrm>
             <a:off x="614880" y="921960"/>
-            <a:ext cx="393120" cy="374040"/>
+            <a:ext cx="392760" cy="373680"/>
           </a:xfrm>
           <a:prstGeom prst="rect">
             <a:avLst/>
@@ -5637,7 +5691,7 @@
         <p:spPr>
           <a:xfrm>
             <a:off x="614880" y="576000"/>
-            <a:ext cx="393120" cy="374040"/>
+            <a:ext cx="392760" cy="373680"/>
           </a:xfrm>
           <a:prstGeom prst="rect">
             <a:avLst/>
@@ -5776,7 +5830,7 @@
         <p:spPr>
           <a:xfrm>
             <a:off x="561960" y="4649040"/>
-            <a:ext cx="5376960" cy="1581480"/>
+            <a:ext cx="5846040" cy="1582200"/>
           </a:xfrm>
           <a:prstGeom prst="rect">
             <a:avLst/>
@@ -5812,7 +5866,7 @@
                 <a:latin typeface="Roboto"/>
                 <a:ea typeface="Roboto"/>
               </a:rPr>
-              <a:t>Escreva aqui:</a:t>
+              <a:t>- Trechos passados pela Ariane (Grifados em Amarelo);</a:t>
             </a:r>
             <a:endParaRPr b="0" lang="pt-BR" sz="1400" spc="-1" strike="noStrike">
               <a:latin typeface="Arial"/>
@@ -5820,99 +5874,6 @@
           </a:p>
           <a:p>
             <a:pPr>
-              <a:lnSpc>
-                <a:spcPct val="100000"/>
-              </a:lnSpc>
-            </a:pPr>
-            <a:endParaRPr b="0" lang="pt-BR" sz="1400" spc="-1" strike="noStrike">
-              <a:latin typeface="Arial"/>
-            </a:endParaRPr>
-          </a:p>
-          <a:p>
-            <a:pPr>
-              <a:lnSpc>
-                <a:spcPct val="100000"/>
-              </a:lnSpc>
-            </a:pPr>
-            <a:endParaRPr b="0" lang="pt-BR" sz="1400" spc="-1" strike="noStrike">
-              <a:latin typeface="Arial"/>
-            </a:endParaRPr>
-          </a:p>
-          <a:p>
-            <a:pPr>
-              <a:lnSpc>
-                <a:spcPct val="100000"/>
-              </a:lnSpc>
-            </a:pPr>
-            <a:endParaRPr b="0" lang="pt-BR" sz="1400" spc="-1" strike="noStrike">
-              <a:latin typeface="Arial"/>
-            </a:endParaRPr>
-          </a:p>
-          <a:p>
-            <a:pPr>
-              <a:lnSpc>
-                <a:spcPct val="100000"/>
-              </a:lnSpc>
-            </a:pPr>
-            <a:endParaRPr b="0" lang="pt-BR" sz="1400" spc="-1" strike="noStrike">
-              <a:latin typeface="Arial"/>
-            </a:endParaRPr>
-          </a:p>
-          <a:p>
-            <a:pPr>
-              <a:lnSpc>
-                <a:spcPct val="100000"/>
-              </a:lnSpc>
-            </a:pPr>
-            <a:endParaRPr b="0" lang="pt-BR" sz="1400" spc="-1" strike="noStrike">
-              <a:latin typeface="Arial"/>
-            </a:endParaRPr>
-          </a:p>
-          <a:p>
-            <a:pPr>
-              <a:lnSpc>
-                <a:spcPct val="100000"/>
-              </a:lnSpc>
-            </a:pPr>
-            <a:endParaRPr b="0" lang="pt-BR" sz="1400" spc="-1" strike="noStrike">
-              <a:latin typeface="Arial"/>
-            </a:endParaRPr>
-          </a:p>
-        </p:txBody>
-      </p:sp>
-      <p:sp>
-        <p:nvSpPr>
-          <p:cNvPr id="209" name="CustomShape 2"/>
-          <p:cNvSpPr/>
-          <p:nvPr/>
-        </p:nvSpPr>
-        <p:spPr>
-          <a:xfrm>
-            <a:off x="2204640" y="1626480"/>
-            <a:ext cx="1215360" cy="302760"/>
-          </a:xfrm>
-          <a:prstGeom prst="rect">
-            <a:avLst/>
-          </a:prstGeom>
-          <a:solidFill>
-            <a:srgbClr val="e6e6e6"/>
-          </a:solidFill>
-          <a:ln>
-            <a:noFill/>
-          </a:ln>
-        </p:spPr>
-        <p:style>
-          <a:lnRef idx="0"/>
-          <a:fillRef idx="0"/>
-          <a:effectRef idx="0"/>
-          <a:fontRef idx="minor"/>
-        </p:style>
-        <p:txBody>
-          <a:bodyPr lIns="90000" rIns="90000" tIns="45000" bIns="45000">
-            <a:spAutoFit/>
-          </a:bodyPr>
-          <a:p>
-            <a:pPr algn="ctr">
               <a:lnSpc>
                 <a:spcPct val="100000"/>
               </a:lnSpc>
@@ -5925,7 +5886,100 @@
                 <a:latin typeface="Roboto"/>
                 <a:ea typeface="Roboto"/>
               </a:rPr>
-              <a:t>07/02/25</a:t>
+              <a:t>- Logo no início destacar que estou trabalhando com Processamento de Linguagem Natural e que faz sentido as variáveis ficarem como textos ao invés de categóricas;</a:t>
+            </a:r>
+            <a:endParaRPr b="0" lang="pt-BR" sz="1400" spc="-1" strike="noStrike">
+              <a:latin typeface="Arial"/>
+            </a:endParaRPr>
+          </a:p>
+          <a:p>
+            <a:pPr>
+              <a:lnSpc>
+                <a:spcPct val="100000"/>
+              </a:lnSpc>
+            </a:pPr>
+            <a:r>
+              <a:rPr b="0" lang="pt-BR" sz="1400" spc="-1" strike="noStrike">
+                <a:solidFill>
+                  <a:srgbClr val="000000"/>
+                </a:solidFill>
+                <a:latin typeface="Roboto"/>
+                <a:ea typeface="Roboto"/>
+              </a:rPr>
+              <a:t>- Explicar mais sobre a Média Bayesiana;</a:t>
+            </a:r>
+            <a:endParaRPr b="0" lang="pt-BR" sz="1400" spc="-1" strike="noStrike">
+              <a:latin typeface="Arial"/>
+            </a:endParaRPr>
+          </a:p>
+          <a:p>
+            <a:pPr>
+              <a:lnSpc>
+                <a:spcPct val="100000"/>
+              </a:lnSpc>
+            </a:pPr>
+            <a:r>
+              <a:rPr b="0" lang="pt-BR" sz="1400" spc="-1" strike="noStrike">
+                <a:solidFill>
+                  <a:srgbClr val="000000"/>
+                </a:solidFill>
+                <a:latin typeface="Roboto"/>
+                <a:ea typeface="Roboto"/>
+              </a:rPr>
+              <a:t>- Mover tabela da base de dados de Performances para a seção dos Modelos</a:t>
+            </a:r>
+            <a:endParaRPr b="0" lang="pt-BR" sz="1400" spc="-1" strike="noStrike">
+              <a:latin typeface="Arial"/>
+            </a:endParaRPr>
+          </a:p>
+        </p:txBody>
+      </p:sp>
+      <p:sp>
+        <p:nvSpPr>
+          <p:cNvPr id="209" name="CustomShape 2"/>
+          <p:cNvSpPr/>
+          <p:nvPr/>
+        </p:nvSpPr>
+        <p:spPr>
+          <a:xfrm>
+            <a:off x="2204640" y="1626480"/>
+            <a:ext cx="1215000" cy="302760"/>
+          </a:xfrm>
+          <a:prstGeom prst="rect">
+            <a:avLst/>
+          </a:prstGeom>
+          <a:solidFill>
+            <a:srgbClr val="e6e6e6"/>
+          </a:solidFill>
+          <a:ln>
+            <a:noFill/>
+          </a:ln>
+        </p:spPr>
+        <p:style>
+          <a:lnRef idx="0"/>
+          <a:fillRef idx="0"/>
+          <a:effectRef idx="0"/>
+          <a:fontRef idx="minor"/>
+        </p:style>
+        <p:txBody>
+          <a:bodyPr lIns="90000" rIns="90000" tIns="45000" bIns="45000">
+            <a:spAutoFit/>
+          </a:bodyPr>
+          <a:p>
+            <a:pPr algn="ctr">
+              <a:lnSpc>
+                <a:spcPct val="100000"/>
+              </a:lnSpc>
+            </a:pPr>
+            <a:r>
+              <a:rPr b="0" lang="pt-BR" sz="1400" spc="-1" strike="noStrike">
+                <a:solidFill>
+                  <a:srgbClr val="000000"/>
+                </a:solidFill>
+                <a:latin typeface="Roboto"/>
+                <a:ea typeface="Roboto"/>
+              </a:rPr>
+              <a:t>08/02/25</a:t>
             </a:r>
             <a:endParaRPr b="0" lang="pt-BR" sz="1400" spc="-1" strike="noStrike">
               <a:latin typeface="Arial"/>
@@ -5945,8 +5999,8 @@
         </p:blipFill>
         <p:spPr>
           <a:xfrm>
-            <a:off x="5280120" y="2794320"/>
-            <a:ext cx="393120" cy="374040"/>
+            <a:off x="615240" y="3541680"/>
+            <a:ext cx="392760" cy="373680"/>
           </a:xfrm>
           <a:prstGeom prst="rect">
             <a:avLst/>
@@ -5968,8 +6022,8 @@
         </p:blipFill>
         <p:spPr>
           <a:xfrm>
-            <a:off x="5280120" y="2794320"/>
-            <a:ext cx="393120" cy="374040"/>
+            <a:off x="648000" y="3168000"/>
+            <a:ext cx="392760" cy="373680"/>
           </a:xfrm>
           <a:prstGeom prst="rect">
             <a:avLst/>
@@ -5988,7 +6042,7 @@
         <p:spPr>
           <a:xfrm>
             <a:off x="632520" y="151560"/>
-            <a:ext cx="1215360" cy="1421640"/>
+            <a:ext cx="1215000" cy="1421280"/>
           </a:xfrm>
           <a:prstGeom prst="actionButtonBlank">
             <a:avLst/>
@@ -6102,7 +6156,7 @@
         <p:spPr>
           <a:xfrm>
             <a:off x="689040" y="3983400"/>
-            <a:ext cx="1038600" cy="1038600"/>
+            <a:ext cx="1038240" cy="1038240"/>
           </a:xfrm>
           <a:prstGeom prst="actionButtonBlank">
             <a:avLst/>
@@ -6136,7 +6190,7 @@
         <p:spPr>
           <a:xfrm>
             <a:off x="2564280" y="1349640"/>
-            <a:ext cx="1038600" cy="1038600"/>
+            <a:ext cx="1038240" cy="1038240"/>
           </a:xfrm>
           <a:prstGeom prst="actionButtonBlank">
             <a:avLst/>
@@ -6170,7 +6224,7 @@
         <p:spPr>
           <a:xfrm>
             <a:off x="689040" y="2822400"/>
-            <a:ext cx="1038600" cy="1038600"/>
+            <a:ext cx="1038240" cy="1038240"/>
           </a:xfrm>
           <a:prstGeom prst="actionButtonBlank">
             <a:avLst/>
@@ -6204,7 +6258,7 @@
         <p:spPr>
           <a:xfrm>
             <a:off x="1396800" y="1721520"/>
-            <a:ext cx="1038600" cy="1038600"/>
+            <a:ext cx="1038240" cy="1038240"/>
           </a:xfrm>
           <a:prstGeom prst="actionButtonBlank">
             <a:avLst/>
@@ -6238,7 +6292,7 @@
         <p:spPr>
           <a:xfrm>
             <a:off x="3679200" y="1721520"/>
-            <a:ext cx="1038600" cy="1038600"/>
+            <a:ext cx="1038240" cy="1038240"/>
           </a:xfrm>
           <a:prstGeom prst="actionButtonBlank">
             <a:avLst/>
@@ -6272,7 +6326,7 @@
         <p:spPr>
           <a:xfrm>
             <a:off x="4431960" y="2791440"/>
-            <a:ext cx="1038600" cy="1038600"/>
+            <a:ext cx="1038240" cy="1038240"/>
           </a:xfrm>
           <a:prstGeom prst="actionButtonBlank">
             <a:avLst/>
@@ -6306,7 +6360,7 @@
         <p:spPr>
           <a:xfrm>
             <a:off x="4431960" y="3983400"/>
-            <a:ext cx="1038600" cy="1038600"/>
+            <a:ext cx="1038240" cy="1038240"/>
           </a:xfrm>
           <a:prstGeom prst="actionButtonBlank">
             <a:avLst/>
@@ -6340,7 +6394,7 @@
         <p:spPr>
           <a:xfrm>
             <a:off x="5607720" y="5348520"/>
-            <a:ext cx="1038600" cy="1038600"/>
+            <a:ext cx="1038240" cy="1038240"/>
           </a:xfrm>
           <a:prstGeom prst="actionButtonBlank">
             <a:avLst/>
@@ -6374,7 +6428,7 @@
         <p:spPr>
           <a:xfrm>
             <a:off x="7511040" y="5014080"/>
-            <a:ext cx="1038600" cy="1038600"/>
+            <a:ext cx="1038240" cy="1038240"/>
           </a:xfrm>
           <a:prstGeom prst="actionButtonBlank">
             <a:avLst/>
@@ -6408,7 +6462,7 @@
         <p:spPr>
           <a:xfrm>
             <a:off x="8174520" y="3944520"/>
-            <a:ext cx="1038600" cy="1038600"/>
+            <a:ext cx="1038240" cy="1038240"/>
           </a:xfrm>
           <a:prstGeom prst="actionButtonBlank">
             <a:avLst/>
@@ -6522,7 +6576,7 @@
         <p:spPr>
           <a:xfrm>
             <a:off x="595080" y="3646440"/>
-            <a:ext cx="2501280" cy="729000"/>
+            <a:ext cx="2500920" cy="729000"/>
           </a:xfrm>
           <a:prstGeom prst="rect">
             <a:avLst/>
@@ -6615,7 +6669,7 @@
         <p:spPr>
           <a:xfrm>
             <a:off x="624600" y="248040"/>
-            <a:ext cx="1215360" cy="1421640"/>
+            <a:ext cx="1215000" cy="1421280"/>
           </a:xfrm>
           <a:prstGeom prst="actionButtonBlank">
             <a:avLst/>
@@ -6649,7 +6703,7 @@
         <p:spPr>
           <a:xfrm>
             <a:off x="2333160" y="1108800"/>
-            <a:ext cx="1215360" cy="302760"/>
+            <a:ext cx="1215000" cy="302760"/>
           </a:xfrm>
           <a:prstGeom prst="rect">
             <a:avLst/>
@@ -6702,7 +6756,7 @@
         <p:spPr>
           <a:xfrm>
             <a:off x="2333160" y="1736640"/>
-            <a:ext cx="1215360" cy="302760"/>
+            <a:ext cx="1215000" cy="302760"/>
           </a:xfrm>
           <a:prstGeom prst="rect">
             <a:avLst/>
@@ -6755,7 +6809,7 @@
         <p:spPr>
           <a:xfrm>
             <a:off x="518760" y="5123160"/>
-            <a:ext cx="3229200" cy="1155240"/>
+            <a:ext cx="3228840" cy="1155240"/>
           </a:xfrm>
           <a:prstGeom prst="rect">
             <a:avLst/>
@@ -6868,7 +6922,7 @@
         <p:spPr>
           <a:xfrm>
             <a:off x="3611880" y="3591000"/>
-            <a:ext cx="2501280" cy="729000"/>
+            <a:ext cx="2500920" cy="729000"/>
           </a:xfrm>
           <a:prstGeom prst="rect">
             <a:avLst/>
@@ -6931,7 +6985,7 @@
         <p:spPr>
           <a:xfrm>
             <a:off x="6634800" y="3658320"/>
-            <a:ext cx="2501280" cy="729000"/>
+            <a:ext cx="2500920" cy="729000"/>
           </a:xfrm>
           <a:prstGeom prst="rect">
             <a:avLst/>
@@ -6994,7 +7048,7 @@
         <p:spPr>
           <a:xfrm>
             <a:off x="3961440" y="5123160"/>
-            <a:ext cx="5306760" cy="1581480"/>
+            <a:ext cx="5306400" cy="1581480"/>
           </a:xfrm>
           <a:prstGeom prst="rect">
             <a:avLst/>
@@ -7111,7 +7165,7 @@
         <p:spPr>
           <a:xfrm>
             <a:off x="720000" y="3528000"/>
-            <a:ext cx="393120" cy="374040"/>
+            <a:ext cx="392760" cy="373680"/>
           </a:xfrm>
           <a:prstGeom prst="rect">
             <a:avLst/>
@@ -7134,7 +7188,7 @@
         <p:spPr>
           <a:xfrm>
             <a:off x="5400000" y="3024000"/>
-            <a:ext cx="393120" cy="374040"/>
+            <a:ext cx="392760" cy="373680"/>
           </a:xfrm>
           <a:prstGeom prst="rect">
             <a:avLst/>
@@ -7157,7 +7211,7 @@
         <p:spPr>
           <a:xfrm>
             <a:off x="755280" y="2430360"/>
-            <a:ext cx="393120" cy="374040"/>
+            <a:ext cx="392760" cy="373680"/>
           </a:xfrm>
           <a:prstGeom prst="rect">
             <a:avLst/>
@@ -7180,7 +7234,7 @@
         <p:spPr>
           <a:xfrm>
             <a:off x="755280" y="2214360"/>
-            <a:ext cx="393120" cy="374040"/>
+            <a:ext cx="392760" cy="373680"/>
           </a:xfrm>
           <a:prstGeom prst="rect">
             <a:avLst/>
@@ -7203,7 +7257,7 @@
         <p:spPr>
           <a:xfrm>
             <a:off x="2843640" y="3096000"/>
-            <a:ext cx="393120" cy="374040"/>
+            <a:ext cx="392760" cy="373680"/>
           </a:xfrm>
           <a:prstGeom prst="rect">
             <a:avLst/>
@@ -7226,7 +7280,7 @@
         <p:spPr>
           <a:xfrm>
             <a:off x="755280" y="2646720"/>
-            <a:ext cx="393120" cy="374040"/>
+            <a:ext cx="392760" cy="373680"/>
           </a:xfrm>
           <a:prstGeom prst="rect">
             <a:avLst/>
@@ -7249,7 +7303,7 @@
         <p:spPr>
           <a:xfrm>
             <a:off x="8603640" y="3096000"/>
-            <a:ext cx="393120" cy="374040"/>
+            <a:ext cx="392760" cy="373680"/>
           </a:xfrm>
           <a:prstGeom prst="rect">
             <a:avLst/>
@@ -7272,7 +7326,7 @@
         <p:spPr>
           <a:xfrm>
             <a:off x="2627640" y="4464000"/>
-            <a:ext cx="393120" cy="374040"/>
+            <a:ext cx="392760" cy="373680"/>
           </a:xfrm>
           <a:prstGeom prst="rect">
             <a:avLst/>
@@ -7295,7 +7349,7 @@
         <p:spPr>
           <a:xfrm>
             <a:off x="9000000" y="4518720"/>
-            <a:ext cx="393120" cy="374040"/>
+            <a:ext cx="392760" cy="373680"/>
           </a:xfrm>
           <a:prstGeom prst="rect">
             <a:avLst/>
@@ -7354,7 +7408,7 @@
         <p:spPr>
           <a:xfrm>
             <a:off x="5263920" y="2664360"/>
-            <a:ext cx="4050000" cy="302760"/>
+            <a:ext cx="4049640" cy="302760"/>
           </a:xfrm>
           <a:prstGeom prst="rect">
             <a:avLst/>
@@ -7407,7 +7461,7 @@
         <p:spPr>
           <a:xfrm>
             <a:off x="5263920" y="3362400"/>
-            <a:ext cx="4050000" cy="302760"/>
+            <a:ext cx="4049640" cy="302760"/>
           </a:xfrm>
           <a:prstGeom prst="rect">
             <a:avLst/>
@@ -7460,7 +7514,7 @@
         <p:spPr>
           <a:xfrm>
             <a:off x="5270760" y="4060800"/>
-            <a:ext cx="4041360" cy="2220840"/>
+            <a:ext cx="4041000" cy="2220840"/>
           </a:xfrm>
           <a:prstGeom prst="rect">
             <a:avLst/>
@@ -7593,7 +7647,7 @@
         <p:spPr>
           <a:xfrm>
             <a:off x="2319120" y="1343880"/>
-            <a:ext cx="1215360" cy="302760"/>
+            <a:ext cx="1215000" cy="302760"/>
           </a:xfrm>
           <a:prstGeom prst="rect">
             <a:avLst/>
@@ -7646,7 +7700,7 @@
         <p:spPr>
           <a:xfrm>
             <a:off x="632520" y="151560"/>
-            <a:ext cx="1215360" cy="1421640"/>
+            <a:ext cx="1215000" cy="1421280"/>
           </a:xfrm>
           <a:prstGeom prst="actionButtonBlank">
             <a:avLst/>
@@ -7720,7 +7774,7 @@
         <p:spPr>
           <a:xfrm>
             <a:off x="2333160" y="1212480"/>
-            <a:ext cx="1215360" cy="302760"/>
+            <a:ext cx="1215000" cy="302760"/>
           </a:xfrm>
           <a:prstGeom prst="rect">
             <a:avLst/>
@@ -7773,7 +7827,7 @@
         <p:spPr>
           <a:xfrm>
             <a:off x="8011440" y="2088720"/>
-            <a:ext cx="1215360" cy="302760"/>
+            <a:ext cx="1215000" cy="302760"/>
           </a:xfrm>
           <a:prstGeom prst="rect">
             <a:avLst/>
@@ -7826,7 +7880,7 @@
         <p:spPr>
           <a:xfrm>
             <a:off x="2333160" y="1840680"/>
-            <a:ext cx="1215360" cy="302760"/>
+            <a:ext cx="1215000" cy="302760"/>
           </a:xfrm>
           <a:prstGeom prst="rect">
             <a:avLst/>
@@ -7879,7 +7933,7 @@
         <p:spPr>
           <a:xfrm>
             <a:off x="6762600" y="954720"/>
-            <a:ext cx="1563480" cy="146880"/>
+            <a:ext cx="1563120" cy="146520"/>
           </a:xfrm>
           <a:prstGeom prst="rect">
             <a:avLst/>
@@ -7913,7 +7967,7 @@
         <p:spPr>
           <a:xfrm>
             <a:off x="632520" y="151560"/>
-            <a:ext cx="1215360" cy="1421640"/>
+            <a:ext cx="1215000" cy="1421280"/>
           </a:xfrm>
           <a:prstGeom prst="actionButtonBlank">
             <a:avLst/>
@@ -7951,7 +8005,7 @@
         <p:spPr>
           <a:xfrm>
             <a:off x="3456000" y="5023800"/>
-            <a:ext cx="393120" cy="374040"/>
+            <a:ext cx="392760" cy="373680"/>
           </a:xfrm>
           <a:prstGeom prst="rect">
             <a:avLst/>
@@ -7974,7 +8028,7 @@
         <p:spPr>
           <a:xfrm>
             <a:off x="1836720" y="4536000"/>
-            <a:ext cx="393120" cy="374040"/>
+            <a:ext cx="392760" cy="373680"/>
           </a:xfrm>
           <a:prstGeom prst="rect">
             <a:avLst/>
@@ -7997,7 +8051,7 @@
         <p:spPr>
           <a:xfrm>
             <a:off x="1044720" y="3871800"/>
-            <a:ext cx="393120" cy="374040"/>
+            <a:ext cx="392760" cy="373680"/>
           </a:xfrm>
           <a:prstGeom prst="rect">
             <a:avLst/>
@@ -8020,7 +8074,7 @@
         <p:spPr>
           <a:xfrm>
             <a:off x="1044720" y="3096000"/>
-            <a:ext cx="393120" cy="374040"/>
+            <a:ext cx="392760" cy="373680"/>
           </a:xfrm>
           <a:prstGeom prst="rect">
             <a:avLst/>
@@ -8043,7 +8097,7 @@
         <p:spPr>
           <a:xfrm>
             <a:off x="5400000" y="3151800"/>
-            <a:ext cx="393120" cy="374040"/>
+            <a:ext cx="392760" cy="373680"/>
           </a:xfrm>
           <a:prstGeom prst="rect">
             <a:avLst/>
@@ -8066,7 +8120,7 @@
         <p:spPr>
           <a:xfrm>
             <a:off x="5364720" y="3888000"/>
-            <a:ext cx="393120" cy="374040"/>
+            <a:ext cx="392760" cy="373680"/>
           </a:xfrm>
           <a:prstGeom prst="rect">
             <a:avLst/>
@@ -8089,7 +8143,7 @@
         <p:spPr>
           <a:xfrm>
             <a:off x="4644720" y="4591800"/>
-            <a:ext cx="393120" cy="374040"/>
+            <a:ext cx="392760" cy="373680"/>
           </a:xfrm>
           <a:prstGeom prst="rect">
             <a:avLst/>
@@ -8152,7 +8206,7 @@
         <p:spPr>
           <a:xfrm>
             <a:off x="9402840" y="6443280"/>
-            <a:ext cx="275760" cy="333720"/>
+            <a:ext cx="275400" cy="333360"/>
           </a:xfrm>
           <a:prstGeom prst="rect">
             <a:avLst/>
@@ -8175,7 +8229,7 @@
         <p:spPr>
           <a:xfrm>
             <a:off x="9402840" y="6443280"/>
-            <a:ext cx="275760" cy="333720"/>
+            <a:ext cx="275400" cy="333360"/>
           </a:xfrm>
           <a:prstGeom prst="rect">
             <a:avLst/>
@@ -8198,7 +8252,7 @@
         <p:spPr>
           <a:xfrm>
             <a:off x="9402840" y="6443280"/>
-            <a:ext cx="275760" cy="333720"/>
+            <a:ext cx="275400" cy="333360"/>
           </a:xfrm>
           <a:prstGeom prst="rect">
             <a:avLst/>
@@ -8221,7 +8275,7 @@
         <p:spPr>
           <a:xfrm>
             <a:off x="9402840" y="6443280"/>
-            <a:ext cx="275760" cy="333720"/>
+            <a:ext cx="275400" cy="333360"/>
           </a:xfrm>
           <a:prstGeom prst="rect">
             <a:avLst/>
@@ -8244,7 +8298,7 @@
         <p:spPr>
           <a:xfrm>
             <a:off x="9402840" y="6443280"/>
-            <a:ext cx="275760" cy="333720"/>
+            <a:ext cx="275400" cy="333360"/>
           </a:xfrm>
           <a:prstGeom prst="rect">
             <a:avLst/>
@@ -8267,7 +8321,7 @@
         <p:spPr>
           <a:xfrm>
             <a:off x="9402840" y="6443280"/>
-            <a:ext cx="275760" cy="333720"/>
+            <a:ext cx="275400" cy="333360"/>
           </a:xfrm>
           <a:prstGeom prst="rect">
             <a:avLst/>
@@ -8290,7 +8344,7 @@
         <p:spPr>
           <a:xfrm>
             <a:off x="9402840" y="6443280"/>
-            <a:ext cx="275760" cy="333720"/>
+            <a:ext cx="275400" cy="333360"/>
           </a:xfrm>
           <a:prstGeom prst="rect">
             <a:avLst/>
@@ -8313,7 +8367,7 @@
         <p:spPr>
           <a:xfrm>
             <a:off x="9402840" y="6443280"/>
-            <a:ext cx="275760" cy="333720"/>
+            <a:ext cx="275400" cy="333360"/>
           </a:xfrm>
           <a:prstGeom prst="rect">
             <a:avLst/>
@@ -8336,7 +8390,7 @@
         <p:spPr>
           <a:xfrm>
             <a:off x="9402840" y="6443280"/>
-            <a:ext cx="275760" cy="333720"/>
+            <a:ext cx="275400" cy="333360"/>
           </a:xfrm>
           <a:prstGeom prst="rect">
             <a:avLst/>
@@ -8359,7 +8413,7 @@
         <p:spPr>
           <a:xfrm>
             <a:off x="9402840" y="6443280"/>
-            <a:ext cx="275760" cy="333720"/>
+            <a:ext cx="275400" cy="333360"/>
           </a:xfrm>
           <a:prstGeom prst="rect">
             <a:avLst/>
@@ -8382,7 +8436,7 @@
         <p:spPr>
           <a:xfrm>
             <a:off x="9402840" y="6443280"/>
-            <a:ext cx="275760" cy="333720"/>
+            <a:ext cx="275400" cy="333360"/>
           </a:xfrm>
           <a:prstGeom prst="rect">
             <a:avLst/>
@@ -8405,7 +8459,7 @@
         <p:spPr>
           <a:xfrm>
             <a:off x="9402840" y="6443280"/>
-            <a:ext cx="275760" cy="333720"/>
+            <a:ext cx="275400" cy="333360"/>
           </a:xfrm>
           <a:prstGeom prst="rect">
             <a:avLst/>
@@ -8428,7 +8482,7 @@
         <p:spPr>
           <a:xfrm>
             <a:off x="9402840" y="6443280"/>
-            <a:ext cx="275760" cy="333720"/>
+            <a:ext cx="275400" cy="333360"/>
           </a:xfrm>
           <a:prstGeom prst="rect">
             <a:avLst/>
@@ -8451,7 +8505,7 @@
         <p:spPr>
           <a:xfrm>
             <a:off x="9402840" y="6443280"/>
-            <a:ext cx="275760" cy="333720"/>
+            <a:ext cx="275400" cy="333360"/>
           </a:xfrm>
           <a:prstGeom prst="rect">
             <a:avLst/>
@@ -8474,7 +8528,7 @@
         <p:spPr>
           <a:xfrm>
             <a:off x="9402840" y="6443280"/>
-            <a:ext cx="275760" cy="333720"/>
+            <a:ext cx="275400" cy="333360"/>
           </a:xfrm>
           <a:prstGeom prst="rect">
             <a:avLst/>
@@ -8497,7 +8551,7 @@
         <p:spPr>
           <a:xfrm>
             <a:off x="9402840" y="6443280"/>
-            <a:ext cx="275760" cy="333720"/>
+            <a:ext cx="275400" cy="333360"/>
           </a:xfrm>
           <a:prstGeom prst="rect">
             <a:avLst/>
@@ -8520,7 +8574,7 @@
         <p:spPr>
           <a:xfrm>
             <a:off x="9402840" y="6443280"/>
-            <a:ext cx="275760" cy="333720"/>
+            <a:ext cx="275400" cy="333360"/>
           </a:xfrm>
           <a:prstGeom prst="rect">
             <a:avLst/>
@@ -8543,7 +8597,7 @@
         <p:spPr>
           <a:xfrm>
             <a:off x="9402840" y="6443280"/>
-            <a:ext cx="275760" cy="333720"/>
+            <a:ext cx="275400" cy="333360"/>
           </a:xfrm>
           <a:prstGeom prst="rect">
             <a:avLst/>
@@ -8566,7 +8620,7 @@
         <p:spPr>
           <a:xfrm>
             <a:off x="9402840" y="6443280"/>
-            <a:ext cx="275760" cy="333720"/>
+            <a:ext cx="275400" cy="333360"/>
           </a:xfrm>
           <a:prstGeom prst="rect">
             <a:avLst/>
@@ -8589,7 +8643,7 @@
         <p:spPr>
           <a:xfrm>
             <a:off x="9402840" y="6443280"/>
-            <a:ext cx="275760" cy="333720"/>
+            <a:ext cx="275400" cy="333360"/>
           </a:xfrm>
           <a:prstGeom prst="rect">
             <a:avLst/>
@@ -8612,7 +8666,7 @@
         <p:spPr>
           <a:xfrm>
             <a:off x="9402840" y="6443280"/>
-            <a:ext cx="275760" cy="333720"/>
+            <a:ext cx="275400" cy="333360"/>
           </a:xfrm>
           <a:prstGeom prst="rect">
             <a:avLst/>
@@ -8635,7 +8689,7 @@
         <p:spPr>
           <a:xfrm>
             <a:off x="9402840" y="6443280"/>
-            <a:ext cx="275760" cy="333720"/>
+            <a:ext cx="275400" cy="333360"/>
           </a:xfrm>
           <a:prstGeom prst="rect">
             <a:avLst/>
@@ -8658,7 +8712,7 @@
         <p:spPr>
           <a:xfrm>
             <a:off x="9402840" y="6443280"/>
-            <a:ext cx="275760" cy="333720"/>
+            <a:ext cx="275400" cy="333360"/>
           </a:xfrm>
           <a:prstGeom prst="rect">
             <a:avLst/>
@@ -8681,7 +8735,7 @@
         <p:spPr>
           <a:xfrm>
             <a:off x="9402840" y="6443280"/>
-            <a:ext cx="275760" cy="333720"/>
+            <a:ext cx="275400" cy="333360"/>
           </a:xfrm>
           <a:prstGeom prst="rect">
             <a:avLst/>
@@ -8704,7 +8758,7 @@
         <p:spPr>
           <a:xfrm>
             <a:off x="9402840" y="6443280"/>
-            <a:ext cx="275760" cy="333720"/>
+            <a:ext cx="275400" cy="333360"/>
           </a:xfrm>
           <a:prstGeom prst="rect">
             <a:avLst/>
@@ -8727,7 +8781,7 @@
         <p:spPr>
           <a:xfrm>
             <a:off x="9402840" y="6443280"/>
-            <a:ext cx="275760" cy="333720"/>
+            <a:ext cx="275400" cy="333360"/>
           </a:xfrm>
           <a:prstGeom prst="rect">
             <a:avLst/>
@@ -8750,7 +8804,7 @@
         <p:spPr>
           <a:xfrm>
             <a:off x="9402840" y="6443280"/>
-            <a:ext cx="275760" cy="333720"/>
+            <a:ext cx="275400" cy="333360"/>
           </a:xfrm>
           <a:prstGeom prst="rect">
             <a:avLst/>
@@ -8773,7 +8827,7 @@
         <p:spPr>
           <a:xfrm>
             <a:off x="9402840" y="6443280"/>
-            <a:ext cx="275760" cy="333720"/>
+            <a:ext cx="275400" cy="333360"/>
           </a:xfrm>
           <a:prstGeom prst="rect">
             <a:avLst/>
@@ -8796,7 +8850,7 @@
         <p:spPr>
           <a:xfrm>
             <a:off x="3612240" y="4680000"/>
-            <a:ext cx="275760" cy="333720"/>
+            <a:ext cx="275400" cy="333360"/>
           </a:xfrm>
           <a:prstGeom prst="rect">
             <a:avLst/>
@@ -8819,7 +8873,7 @@
         <p:spPr>
           <a:xfrm>
             <a:off x="4176000" y="3337920"/>
-            <a:ext cx="275760" cy="333720"/>
+            <a:ext cx="275400" cy="333360"/>
           </a:xfrm>
           <a:prstGeom prst="rect">
             <a:avLst/>
@@ -8842,7 +8896,7 @@
         <p:spPr>
           <a:xfrm>
             <a:off x="3826800" y="2016000"/>
-            <a:ext cx="275760" cy="333720"/>
+            <a:ext cx="275400" cy="333360"/>
           </a:xfrm>
           <a:prstGeom prst="rect">
             <a:avLst/>
@@ -8865,7 +8919,7 @@
         <p:spPr>
           <a:xfrm>
             <a:off x="3960000" y="672840"/>
-            <a:ext cx="275760" cy="333720"/>
+            <a:ext cx="275400" cy="333360"/>
           </a:xfrm>
           <a:prstGeom prst="rect">
             <a:avLst/>
@@ -8884,7 +8938,7 @@
         <p:spPr>
           <a:xfrm>
             <a:off x="934560" y="0"/>
-            <a:ext cx="388080" cy="217080"/>
+            <a:ext cx="387720" cy="216720"/>
           </a:xfrm>
           <a:prstGeom prst="rect">
             <a:avLst/>
@@ -8958,7 +9012,7 @@
         <p:spPr>
           <a:xfrm>
             <a:off x="3912840" y="5426640"/>
-            <a:ext cx="1215360" cy="515880"/>
+            <a:ext cx="1215000" cy="515880"/>
           </a:xfrm>
           <a:prstGeom prst="rect">
             <a:avLst/>
@@ -9011,7 +9065,7 @@
         <p:spPr>
           <a:xfrm>
             <a:off x="728640" y="2221200"/>
-            <a:ext cx="1215360" cy="302760"/>
+            <a:ext cx="1215000" cy="302760"/>
           </a:xfrm>
           <a:prstGeom prst="rect">
             <a:avLst/>
@@ -9064,7 +9118,7 @@
         <p:spPr>
           <a:xfrm>
             <a:off x="728640" y="4103280"/>
-            <a:ext cx="1215360" cy="303840"/>
+            <a:ext cx="1215000" cy="303480"/>
           </a:xfrm>
           <a:prstGeom prst="rect">
             <a:avLst/>
@@ -9117,7 +9171,7 @@
         <p:spPr>
           <a:xfrm>
             <a:off x="728640" y="3062160"/>
-            <a:ext cx="416880" cy="302760"/>
+            <a:ext cx="416520" cy="302760"/>
           </a:xfrm>
           <a:prstGeom prst="rect">
             <a:avLst/>
@@ -9170,7 +9224,7 @@
         <p:spPr>
           <a:xfrm>
             <a:off x="3144960" y="5024880"/>
-            <a:ext cx="2170080" cy="515880"/>
+            <a:ext cx="2169720" cy="515880"/>
           </a:xfrm>
           <a:prstGeom prst="rect">
             <a:avLst/>
